--- a/translations/en-us/advanced/RampUp.pptx
+++ b/translations/en-us/advanced/RampUp.pptx
@@ -19,7 +19,7 @@
     <p:sldId id="283" r:id="rId7"/>
     <p:sldId id="285" r:id="rId8"/>
     <p:sldId id="297" r:id="rId9"/>
-    <p:sldId id="295" r:id="rId10"/>
+    <p:sldId id="298" r:id="rId10"/>
     <p:sldId id="286" r:id="rId11"/>
     <p:sldId id="292" r:id="rId12"/>
     <p:sldId id="296" r:id="rId13"/>
@@ -223,7 +223,7 @@
           <a:p>
             <a:fld id="{E354B44E-40A3-0E46-B16A-9BF1250A248B}" type="datetimeFigureOut">
               <a:rPr lang="en-US" smtClean="0"/>
-              <a:t>4/10/2015</a:t>
+              <a:t>11/12/2015</a:t>
             </a:fld>
             <a:endParaRPr lang="en-US"/>
           </a:p>
@@ -389,7 +389,7 @@
           <a:p>
             <a:fld id="{C86AD16C-2DB4-6642-BAD4-9ED973A087A0}" type="datetimeFigureOut">
               <a:rPr lang="en-US" smtClean="0"/>
-              <a:t>4/10/2015</a:t>
+              <a:t>11/12/2015</a:t>
             </a:fld>
             <a:endParaRPr lang="en-US"/>
           </a:p>
@@ -944,7 +944,7 @@
           <a:p>
             <a:fld id="{F3FFBA76-F9A3-45A7-B15A-35533B784DB9}" type="datetime1">
               <a:rPr lang="en-US" smtClean="0"/>
-              <a:t>4/10/2015</a:t>
+              <a:t>11/12/2015</a:t>
             </a:fld>
             <a:endParaRPr lang="en-US"/>
           </a:p>
@@ -1673,7 +1673,7 @@
           <a:p>
             <a:fld id="{4430D463-EC5F-4193-A95C-13B7117E88C4}" type="datetime1">
               <a:rPr lang="en-US" smtClean="0"/>
-              <a:t>4/10/2015</a:t>
+              <a:t>11/12/2015</a:t>
             </a:fld>
             <a:endParaRPr lang="en-US"/>
           </a:p>
@@ -2308,7 +2308,7 @@
           <a:p>
             <a:fld id="{4DD9049E-2690-48AD-818D-55875D4BFB9C}" type="datetime1">
               <a:rPr lang="en-US" smtClean="0"/>
-              <a:t>4/10/2015</a:t>
+              <a:t>11/12/2015</a:t>
             </a:fld>
             <a:endParaRPr lang="en-US"/>
           </a:p>
@@ -2742,7 +2742,7 @@
           <a:p>
             <a:fld id="{E16E352E-5378-4D21-ACD4-3885F6C4E706}" type="datetime1">
               <a:rPr lang="en-US" smtClean="0"/>
-              <a:t>4/10/2015</a:t>
+              <a:t>11/12/2015</a:t>
             </a:fld>
             <a:endParaRPr lang="en-US" dirty="0"/>
           </a:p>
@@ -2930,7 +2930,7 @@
           <a:p>
             <a:fld id="{77C82DD3-8CF3-4571-B785-0E4CBC1D041D}" type="datetime1">
               <a:rPr lang="en-US" smtClean="0"/>
-              <a:t>4/10/2015</a:t>
+              <a:t>11/12/2015</a:t>
             </a:fld>
             <a:endParaRPr lang="en-US" dirty="0"/>
           </a:p>
@@ -3758,7 +3758,7 @@
           <a:p>
             <a:fld id="{4C1EB991-D7C6-408F-9A99-71CD0168A82F}" type="datetime1">
               <a:rPr lang="en-US" smtClean="0"/>
-              <a:t>4/10/2015</a:t>
+              <a:t>11/12/2015</a:t>
             </a:fld>
             <a:endParaRPr lang="en-US" dirty="0"/>
           </a:p>
@@ -4280,7 +4280,7 @@
           <a:p>
             <a:fld id="{FB7CCBF8-603E-40F1-B1E2-D1CCA065F3E4}" type="datetime1">
               <a:rPr lang="en-US" smtClean="0"/>
-              <a:t>4/10/2015</a:t>
+              <a:t>11/12/2015</a:t>
             </a:fld>
             <a:endParaRPr lang="en-US"/>
           </a:p>
@@ -4524,7 +4524,7 @@
           <a:p>
             <a:fld id="{4295284F-8F2E-4C79-82D2-6DB21D2AFA0E}" type="datetime1">
               <a:rPr lang="en-US" smtClean="0"/>
-              <a:t>4/10/2015</a:t>
+              <a:t>11/12/2015</a:t>
             </a:fld>
             <a:endParaRPr lang="en-US"/>
           </a:p>
@@ -4974,7 +4974,9 @@
             <p:ph type="title"/>
           </p:nvPr>
         </p:nvSpPr>
-        <p:spPr/>
+        <p:spPr>
+          <a:noFill/>
+        </p:spPr>
         <p:txBody>
           <a:bodyPr/>
           <a:lstStyle/>
@@ -5060,7 +5062,7 @@
           <a:p>
             <a:fld id="{0CA53254-C2C4-4FC4-AE3A-D44636AC8CFA}" type="datetime1">
               <a:rPr lang="en-US" smtClean="0"/>
-              <a:t>4/10/2015</a:t>
+              <a:t>11/12/2015</a:t>
             </a:fld>
             <a:endParaRPr lang="en-US"/>
           </a:p>
@@ -5206,7 +5208,7 @@
           <a:p>
             <a:fld id="{11C64FEA-547F-4308-9902-059BB02F8EBB}" type="datetime1">
               <a:rPr lang="en-US" smtClean="0"/>
-              <a:t>4/10/2015</a:t>
+              <a:t>11/12/2015</a:t>
             </a:fld>
             <a:endParaRPr lang="en-US"/>
           </a:p>
@@ -6076,7 +6078,7 @@
           <a:p>
             <a:fld id="{8D1BAA47-6AB7-49A8-A347-5C4050E5A36F}" type="datetime1">
               <a:rPr lang="en-US" smtClean="0"/>
-              <a:t>4/10/2015</a:t>
+              <a:t>11/12/2015</a:t>
             </a:fld>
             <a:endParaRPr lang="en-US"/>
           </a:p>
@@ -6210,7 +6212,7 @@
           <a:p>
             <a:fld id="{F10C338C-90E2-4652-BA05-5C380E8D4026}" type="datetime1">
               <a:rPr lang="en-US" smtClean="0"/>
-              <a:t>4/10/2015</a:t>
+              <a:t>11/12/2015</a:t>
             </a:fld>
             <a:endParaRPr lang="en-US" dirty="0"/>
           </a:p>
@@ -6878,7 +6880,9 @@
             <p:ph type="title"/>
           </p:nvPr>
         </p:nvSpPr>
-        <p:spPr/>
+        <p:spPr>
+          <a:noFill/>
+        </p:spPr>
         <p:txBody>
           <a:bodyPr/>
           <a:lstStyle/>
@@ -7082,7 +7086,7 @@
           <a:p>
             <a:fld id="{8EA584D2-7151-48D8-A312-C42382CC87F7}" type="datetime1">
               <a:rPr lang="en-US" smtClean="0"/>
-              <a:t>4/10/2015</a:t>
+              <a:t>11/12/2015</a:t>
             </a:fld>
             <a:endParaRPr lang="en-US"/>
           </a:p>
@@ -7356,7 +7360,9 @@
             <p:ph type="title"/>
           </p:nvPr>
         </p:nvSpPr>
-        <p:spPr/>
+        <p:spPr>
+          <a:noFill/>
+        </p:spPr>
         <p:txBody>
           <a:bodyPr/>
           <a:lstStyle>
@@ -7718,7 +7724,7 @@
           <a:p>
             <a:fld id="{E9F99E48-0316-4DE6-908E-EE2F6C4392DC}" type="datetime1">
               <a:rPr lang="en-US" smtClean="0"/>
-              <a:t>4/10/2015</a:t>
+              <a:t>11/12/2015</a:t>
             </a:fld>
             <a:endParaRPr lang="en-US"/>
           </a:p>
@@ -8015,37 +8021,39 @@
             <p:ph type="title"/>
           </p:nvPr>
         </p:nvSpPr>
+        <p:spPr>
+          <a:noFill/>
+        </p:spPr>
+        <p:txBody>
+          <a:bodyPr/>
+          <a:lstStyle/>
+          <a:p>
+            <a:r>
+              <a:rPr lang="en-US" smtClean="0"/>
+              <a:t>Click to edit Master title style</a:t>
+            </a:r>
+            <a:endParaRPr/>
+          </a:p>
+        </p:txBody>
+      </p:sp>
+      <p:sp>
+        <p:nvSpPr>
+          <p:cNvPr id="3" name="Date Placeholder 2"/>
+          <p:cNvSpPr>
+            <a:spLocks noGrp="1"/>
+          </p:cNvSpPr>
+          <p:nvPr>
+            <p:ph type="dt" sz="half" idx="10"/>
+          </p:nvPr>
+        </p:nvSpPr>
         <p:spPr/>
         <p:txBody>
           <a:bodyPr/>
           <a:lstStyle/>
           <a:p>
-            <a:r>
-              <a:rPr lang="en-US" smtClean="0"/>
-              <a:t>Click to edit Master title style</a:t>
-            </a:r>
-            <a:endParaRPr/>
-          </a:p>
-        </p:txBody>
-      </p:sp>
-      <p:sp>
-        <p:nvSpPr>
-          <p:cNvPr id="3" name="Date Placeholder 2"/>
-          <p:cNvSpPr>
-            <a:spLocks noGrp="1"/>
-          </p:cNvSpPr>
-          <p:nvPr>
-            <p:ph type="dt" sz="half" idx="10"/>
-          </p:nvPr>
-        </p:nvSpPr>
-        <p:spPr/>
-        <p:txBody>
-          <a:bodyPr/>
-          <a:lstStyle/>
-          <a:p>
             <a:fld id="{B9CF139E-44CB-437F-BF30-F8AA16F99711}" type="datetime1">
               <a:rPr lang="en-US" smtClean="0"/>
-              <a:t>4/10/2015</a:t>
+              <a:t>11/12/2015</a:t>
             </a:fld>
             <a:endParaRPr lang="en-US"/>
           </a:p>
@@ -8146,7 +8154,7 @@
           <a:p>
             <a:fld id="{7A3501FB-9F75-49C3-85B5-4D42FE0827AD}" type="datetime1">
               <a:rPr lang="en-US" smtClean="0"/>
-              <a:t>4/10/2015</a:t>
+              <a:t>11/12/2015</a:t>
             </a:fld>
             <a:endParaRPr lang="en-US"/>
           </a:p>
@@ -8485,7 +8493,7 @@
           <a:p>
             <a:fld id="{571226B9-8DE1-4A49-BA80-CC2B2F07E42D}" type="datetime1">
               <a:rPr lang="en-US" smtClean="0"/>
-              <a:t>4/10/2015</a:t>
+              <a:t>11/12/2015</a:t>
             </a:fld>
             <a:endParaRPr lang="en-US" dirty="0"/>
           </a:p>
@@ -8998,9 +9006,196 @@
           <a:chExt cx="0" cy="0"/>
         </a:xfrm>
       </p:grpSpPr>
+      <p:sp>
+        <p:nvSpPr>
+          <p:cNvPr id="4" name="Subtitle 3"/>
+          <p:cNvSpPr>
+            <a:spLocks noGrp="1"/>
+          </p:cNvSpPr>
+          <p:nvPr>
+            <p:ph type="subTitle" idx="1"/>
+          </p:nvPr>
+        </p:nvSpPr>
+        <p:spPr>
+          <a:xfrm>
+            <a:off x="1828800" y="5252598"/>
+            <a:ext cx="3501244" cy="484094"/>
+          </a:xfrm>
+        </p:spPr>
+        <p:txBody>
+          <a:bodyPr>
+            <a:noAutofit/>
+          </a:bodyPr>
+          <a:lstStyle/>
+          <a:p>
+            <a:r>
+              <a:rPr lang="en-US" dirty="0" smtClean="0">
+                <a:solidFill>
+                  <a:schemeClr val="tx1"/>
+                </a:solidFill>
+              </a:rPr>
+              <a:t>By Droids </a:t>
+            </a:r>
+            <a:r>
+              <a:rPr lang="en-US" smtClean="0">
+                <a:solidFill>
+                  <a:schemeClr val="tx1"/>
+                </a:solidFill>
+              </a:rPr>
+              <a:t>Robotics and Mesa </a:t>
+            </a:r>
+            <a:r>
+              <a:rPr lang="en-US" dirty="0" smtClean="0">
+                <a:solidFill>
+                  <a:schemeClr val="tx1"/>
+                </a:solidFill>
+              </a:rPr>
+              <a:t>Robles </a:t>
+            </a:r>
+            <a:r>
+              <a:rPr lang="en-US" dirty="0" err="1" smtClean="0">
+                <a:solidFill>
+                  <a:schemeClr val="tx1"/>
+                </a:solidFill>
+              </a:rPr>
+              <a:t>Robotworks</a:t>
+            </a:r>
+            <a:r>
+              <a:rPr lang="en-US" dirty="0" smtClean="0">
+                <a:solidFill>
+                  <a:schemeClr val="tx1"/>
+                </a:solidFill>
+              </a:rPr>
+              <a:t> </a:t>
+            </a:r>
+          </a:p>
+        </p:txBody>
+      </p:sp>
+      <p:sp>
+        <p:nvSpPr>
+          <p:cNvPr id="2" name="Title 1"/>
+          <p:cNvSpPr>
+            <a:spLocks noGrp="1"/>
+          </p:cNvSpPr>
+          <p:nvPr>
+            <p:ph type="ctrTitle"/>
+          </p:nvPr>
+        </p:nvSpPr>
+        <p:spPr>
+          <a:xfrm>
+            <a:off x="199698" y="2974369"/>
+            <a:ext cx="7810967" cy="1088237"/>
+          </a:xfrm>
+        </p:spPr>
+        <p:txBody>
+          <a:bodyPr>
+            <a:normAutofit/>
+          </a:bodyPr>
+          <a:lstStyle/>
+          <a:p>
+            <a:r>
+              <a:rPr lang="en-US" dirty="0" smtClean="0">
+                <a:solidFill>
+                  <a:srgbClr val="FF0000"/>
+                </a:solidFill>
+              </a:rPr>
+              <a:t>Ramping Up Speed</a:t>
+            </a:r>
+            <a:endParaRPr lang="en-US" dirty="0">
+              <a:solidFill>
+                <a:srgbClr val="FF0000"/>
+              </a:solidFill>
+            </a:endParaRPr>
+          </a:p>
+        </p:txBody>
+      </p:sp>
+      <p:sp>
+        <p:nvSpPr>
+          <p:cNvPr id="3" name="TextBox 2"/>
+          <p:cNvSpPr txBox="1"/>
+          <p:nvPr/>
+        </p:nvSpPr>
+        <p:spPr>
+          <a:xfrm>
+            <a:off x="329321" y="527107"/>
+            <a:ext cx="5273620" cy="1200329"/>
+          </a:xfrm>
+          <a:prstGeom prst="rect">
+            <a:avLst/>
+          </a:prstGeom>
+          <a:noFill/>
+        </p:spPr>
+        <p:txBody>
+          <a:bodyPr wrap="square" rtlCol="0">
+            <a:spAutoFit/>
+          </a:bodyPr>
+          <a:lstStyle/>
+          <a:p>
+            <a:r>
+              <a:rPr lang="en-US" sz="3600" dirty="0" smtClean="0">
+                <a:solidFill>
+                  <a:schemeClr val="bg1"/>
+                </a:solidFill>
+              </a:rPr>
+              <a:t>ADVANCED EV3 PROGRAMMING LESSON</a:t>
+            </a:r>
+            <a:endParaRPr lang="en-US" sz="3600" dirty="0">
+              <a:solidFill>
+                <a:schemeClr val="bg1"/>
+              </a:solidFill>
+            </a:endParaRPr>
+          </a:p>
+        </p:txBody>
+      </p:sp>
+      <p:sp>
+        <p:nvSpPr>
+          <p:cNvPr id="10" name="Footer Placeholder 9"/>
+          <p:cNvSpPr>
+            <a:spLocks noGrp="1"/>
+          </p:cNvSpPr>
+          <p:nvPr>
+            <p:ph type="ftr" sz="quarter" idx="11"/>
+          </p:nvPr>
+        </p:nvSpPr>
+        <p:spPr/>
+        <p:txBody>
+          <a:bodyPr/>
+          <a:lstStyle/>
+          <a:p>
+            <a:r>
+              <a:rPr lang="en-US" smtClean="0"/>
+              <a:t>© 2015 EV3Lessons.com, Last edit 4/10/2015</a:t>
+            </a:r>
+            <a:endParaRPr lang="en-US" dirty="0"/>
+          </a:p>
+        </p:txBody>
+      </p:sp>
+      <p:sp>
+        <p:nvSpPr>
+          <p:cNvPr id="5" name="Slide Number Placeholder 4"/>
+          <p:cNvSpPr>
+            <a:spLocks noGrp="1"/>
+          </p:cNvSpPr>
+          <p:nvPr>
+            <p:ph type="sldNum" sz="quarter" idx="12"/>
+          </p:nvPr>
+        </p:nvSpPr>
+        <p:spPr/>
+        <p:txBody>
+          <a:bodyPr/>
+          <a:lstStyle/>
+          <a:p>
+            <a:fld id="{7F5CE407-6216-4202-80E4-A30DC2F709B2}" type="slidenum">
+              <a:rPr lang="en-US" smtClean="0"/>
+              <a:t>1</a:t>
+            </a:fld>
+            <a:endParaRPr lang="en-US"/>
+          </a:p>
+        </p:txBody>
+      </p:sp>
       <p:pic>
         <p:nvPicPr>
-          <p:cNvPr id="1026" name="Picture 2" descr="http://www.droidsrobotics.org/Droids_Robotics/Home_files/shapeimage_1.png"/>
+          <p:cNvPr id="8" name="Picture 7" descr="EV3Lessons.com"/>
           <p:cNvPicPr>
             <a:picLocks noChangeAspect="1" noChangeArrowheads="1"/>
           </p:cNvPicPr>
@@ -9021,16 +9216,16 @@
         </p:blipFill>
         <p:spPr bwMode="auto">
           <a:xfrm>
-            <a:off x="997673" y="5674689"/>
-            <a:ext cx="729299" cy="732030"/>
+            <a:off x="5602941" y="635318"/>
+            <a:ext cx="2940317" cy="1092118"/>
           </a:xfrm>
           <a:prstGeom prst="rect">
             <a:avLst/>
           </a:prstGeom>
           <a:noFill/>
           <a:extLst>
-            <a:ext uri="{909E8E84-426E-40DD-AFC4-6F175D3DCCD1}">
-              <a14:hiddenFill xmlns:a14="http://schemas.microsoft.com/office/drawing/2010/main">
+            <a:ext uri="{909E8E84-426E-40dd-AFC4-6F175D3DCCD1}">
+              <a14:hiddenFill xmlns:a14="http://schemas.microsoft.com/office/drawing/2010/main" xmlns="">
                 <a:solidFill>
                   <a:srgbClr val="FFFFFF"/>
                 </a:solidFill>
@@ -9039,197 +9234,11 @@
           </a:extLst>
         </p:spPr>
       </p:pic>
-      <p:sp>
-        <p:nvSpPr>
-          <p:cNvPr id="4" name="Subtitle 3"/>
-          <p:cNvSpPr>
-            <a:spLocks noGrp="1"/>
-          </p:cNvSpPr>
-          <p:nvPr>
-            <p:ph type="subTitle" idx="1"/>
-          </p:nvPr>
-        </p:nvSpPr>
-        <p:spPr>
-          <a:xfrm>
-            <a:off x="1828800" y="5252598"/>
-            <a:ext cx="3501244" cy="484094"/>
-          </a:xfrm>
-        </p:spPr>
-        <p:txBody>
-          <a:bodyPr>
-            <a:noAutofit/>
-          </a:bodyPr>
-          <a:lstStyle/>
-          <a:p>
-            <a:r>
-              <a:rPr lang="en-US" dirty="0" smtClean="0">
-                <a:solidFill>
-                  <a:schemeClr val="tx1"/>
-                </a:solidFill>
-              </a:rPr>
-              <a:t>By Mesa Robles </a:t>
-            </a:r>
-            <a:r>
-              <a:rPr lang="en-US" dirty="0" err="1" smtClean="0">
-                <a:solidFill>
-                  <a:schemeClr val="tx1"/>
-                </a:solidFill>
-              </a:rPr>
-              <a:t>Robotworks</a:t>
-            </a:r>
-            <a:r>
-              <a:rPr lang="en-US" dirty="0" smtClean="0">
-                <a:solidFill>
-                  <a:schemeClr val="tx1"/>
-                </a:solidFill>
-              </a:rPr>
-              <a:t> </a:t>
-            </a:r>
-          </a:p>
-          <a:p>
-            <a:r>
-              <a:rPr lang="en-US" dirty="0" smtClean="0">
-                <a:solidFill>
-                  <a:schemeClr val="tx1"/>
-                </a:solidFill>
-              </a:rPr>
-              <a:t>and Droids Robotics</a:t>
-            </a:r>
-            <a:endParaRPr lang="en-US" dirty="0">
-              <a:solidFill>
-                <a:schemeClr val="tx1"/>
-              </a:solidFill>
-            </a:endParaRPr>
-          </a:p>
-        </p:txBody>
-      </p:sp>
-      <p:sp>
-        <p:nvSpPr>
-          <p:cNvPr id="2" name="Title 1"/>
-          <p:cNvSpPr>
-            <a:spLocks noGrp="1"/>
-          </p:cNvSpPr>
-          <p:nvPr>
-            <p:ph type="ctrTitle"/>
-          </p:nvPr>
-        </p:nvSpPr>
-        <p:spPr>
-          <a:xfrm>
-            <a:off x="199698" y="2974369"/>
-            <a:ext cx="7810967" cy="1088237"/>
-          </a:xfrm>
-        </p:spPr>
-        <p:txBody>
-          <a:bodyPr>
-            <a:normAutofit/>
-          </a:bodyPr>
-          <a:lstStyle/>
-          <a:p>
-            <a:r>
-              <a:rPr lang="en-US" dirty="0" smtClean="0">
-                <a:solidFill>
-                  <a:srgbClr val="FF0000"/>
-                </a:solidFill>
-              </a:rPr>
-              <a:t>Ramping Up Speed</a:t>
-            </a:r>
-            <a:endParaRPr lang="en-US" dirty="0">
-              <a:solidFill>
-                <a:srgbClr val="FF0000"/>
-              </a:solidFill>
-            </a:endParaRPr>
-          </a:p>
-        </p:txBody>
-      </p:sp>
-      <p:sp>
-        <p:nvSpPr>
-          <p:cNvPr id="3" name="TextBox 2"/>
-          <p:cNvSpPr txBox="1"/>
-          <p:nvPr/>
-        </p:nvSpPr>
-        <p:spPr>
-          <a:xfrm>
-            <a:off x="329321" y="353342"/>
-            <a:ext cx="7754284" cy="1569660"/>
-          </a:xfrm>
-          <a:prstGeom prst="rect">
-            <a:avLst/>
-          </a:prstGeom>
-          <a:noFill/>
-        </p:spPr>
-        <p:txBody>
-          <a:bodyPr wrap="square" rtlCol="0">
-            <a:spAutoFit/>
-          </a:bodyPr>
-          <a:lstStyle/>
-          <a:p>
-            <a:r>
-              <a:rPr lang="en-US" sz="4800" dirty="0" smtClean="0">
-                <a:solidFill>
-                  <a:schemeClr val="bg1"/>
-                </a:solidFill>
-              </a:rPr>
-              <a:t>ADVANCED EV3 PROGRAMMING LESSON</a:t>
-            </a:r>
-            <a:endParaRPr lang="en-US" sz="4800" dirty="0">
-              <a:solidFill>
-                <a:schemeClr val="bg1"/>
-              </a:solidFill>
-            </a:endParaRPr>
-          </a:p>
-        </p:txBody>
-      </p:sp>
-      <p:sp>
-        <p:nvSpPr>
-          <p:cNvPr id="10" name="Footer Placeholder 9"/>
-          <p:cNvSpPr>
-            <a:spLocks noGrp="1"/>
-          </p:cNvSpPr>
-          <p:nvPr>
-            <p:ph type="ftr" sz="quarter" idx="11"/>
-          </p:nvPr>
-        </p:nvSpPr>
-        <p:spPr/>
-        <p:txBody>
-          <a:bodyPr/>
-          <a:lstStyle/>
-          <a:p>
-            <a:r>
-              <a:rPr lang="en-US" smtClean="0"/>
-              <a:t>© 2015 EV3Lessons.com, Last edit 4/10/2015</a:t>
-            </a:r>
-            <a:endParaRPr lang="en-US" dirty="0"/>
-          </a:p>
-        </p:txBody>
-      </p:sp>
-      <p:sp>
-        <p:nvSpPr>
-          <p:cNvPr id="5" name="Slide Number Placeholder 4"/>
-          <p:cNvSpPr>
-            <a:spLocks noGrp="1"/>
-          </p:cNvSpPr>
-          <p:nvPr>
-            <p:ph type="sldNum" sz="quarter" idx="12"/>
-          </p:nvPr>
-        </p:nvSpPr>
-        <p:spPr/>
-        <p:txBody>
-          <a:bodyPr/>
-          <a:lstStyle/>
-          <a:p>
-            <a:fld id="{7F5CE407-6216-4202-80E4-A30DC2F709B2}" type="slidenum">
-              <a:rPr lang="en-US" smtClean="0"/>
-              <a:t>1</a:t>
-            </a:fld>
-            <a:endParaRPr lang="en-US"/>
-          </a:p>
-        </p:txBody>
-      </p:sp>
       <p:pic>
         <p:nvPicPr>
-          <p:cNvPr id="8" name="Picture 7" descr="EV3Lessons.com"/>
+          <p:cNvPr id="7" name="Picture 6"/>
           <p:cNvPicPr>
-            <a:picLocks noChangeAspect="1" noChangeArrowheads="1"/>
+            <a:picLocks noChangeAspect="1"/>
           </p:cNvPicPr>
           <p:nvPr/>
         </p:nvPicPr>
@@ -9241,34 +9250,23 @@
               </a:ext>
             </a:extLst>
           </a:blip>
-          <a:srcRect/>
           <a:stretch>
             <a:fillRect/>
           </a:stretch>
         </p:blipFill>
-        <p:spPr bwMode="auto">
+        <p:spPr>
           <a:xfrm>
-            <a:off x="6042159" y="5494645"/>
-            <a:ext cx="2940317" cy="1092118"/>
+            <a:off x="329321" y="5235232"/>
+            <a:ext cx="836675" cy="836675"/>
           </a:xfrm>
           <a:prstGeom prst="rect">
             <a:avLst/>
           </a:prstGeom>
-          <a:noFill/>
-          <a:extLst>
-            <a:ext uri="{909E8E84-426E-40dd-AFC4-6F175D3DCCD1}">
-              <a14:hiddenFill xmlns="" xmlns:a14="http://schemas.microsoft.com/office/drawing/2010/main">
-                <a:solidFill>
-                  <a:srgbClr val="FFFFFF"/>
-                </a:solidFill>
-              </a14:hiddenFill>
-            </a:ext>
-          </a:extLst>
         </p:spPr>
       </p:pic>
       <p:pic>
         <p:nvPicPr>
-          <p:cNvPr id="7" name="Picture 6"/>
+          <p:cNvPr id="6" name="Picture 5"/>
           <p:cNvPicPr>
             <a:picLocks noChangeAspect="1"/>
           </p:cNvPicPr>
@@ -9288,8 +9286,8 @@
         </p:blipFill>
         <p:spPr>
           <a:xfrm>
-            <a:off x="389201" y="5243477"/>
-            <a:ext cx="722361" cy="722361"/>
+            <a:off x="810413" y="5611190"/>
+            <a:ext cx="882624" cy="844377"/>
           </a:xfrm>
           <a:prstGeom prst="rect">
             <a:avLst/>
@@ -9354,7 +9352,7 @@
           <a:p>
             <a:r>
               <a:rPr lang="en-US" dirty="0" smtClean="0"/>
-              <a:t>Challenge 2 Solution</a:t>
+              <a:t>Challenge Solution</a:t>
             </a:r>
             <a:endParaRPr lang="en-US" dirty="0"/>
           </a:p>
@@ -9661,6 +9659,13 @@
   <p:clrMapOvr>
     <a:masterClrMapping/>
   </p:clrMapOvr>
+  <p:timing>
+    <p:tnLst>
+      <p:par>
+        <p:cTn id="1" dur="indefinite" restart="never" nodeType="tmRoot"/>
+      </p:par>
+    </p:tnLst>
+  </p:timing>
 </p:sld>
 </file>
 
@@ -9989,7 +9994,7 @@
           <a:effectLst/>
           <a:extLst>
             <a:ext uri="{91240B29-F687-4f45-9708-019B960494DF}">
-              <a14:hiddenLine xmlns="" xmlns:a14="http://schemas.microsoft.com/office/drawing/2010/main" w="9525">
+              <a14:hiddenLine xmlns:a14="http://schemas.microsoft.com/office/drawing/2010/main" xmlns="" w="9525">
                 <a:solidFill>
                   <a:schemeClr val="tx1"/>
                 </a:solidFill>
@@ -9999,7 +10004,7 @@
               </a14:hiddenLine>
             </a:ext>
             <a:ext uri="{AF507438-7753-43e0-B8FC-AC1667EBCBE1}">
-              <a14:hiddenEffects xmlns="" xmlns:a14="http://schemas.microsoft.com/office/drawing/2010/main">
+              <a14:hiddenEffects xmlns:a14="http://schemas.microsoft.com/office/drawing/2010/main" xmlns="">
                 <a:effectLst>
                   <a:outerShdw dist="35921" dir="2700000" algn="ctr" rotWithShape="0">
                     <a:schemeClr val="bg2"/>
@@ -10352,7 +10357,7 @@
           <a:noFill/>
           <a:extLst>
             <a:ext uri="{909E8E84-426E-40dd-AFC4-6F175D3DCCD1}">
-              <a14:hiddenFill xmlns="" xmlns:a14="http://schemas.microsoft.com/office/drawing/2010/main">
+              <a14:hiddenFill xmlns:a14="http://schemas.microsoft.com/office/drawing/2010/main" xmlns="">
                 <a:solidFill>
                   <a:srgbClr val="FFFFFF"/>
                 </a:solidFill>
@@ -10960,13 +10965,8 @@
           <a:p>
             <a:r>
               <a:rPr lang="en-US" dirty="0" smtClean="0"/>
-              <a:t>You can use the block to reset a specific timer back to 0 </a:t>
-            </a:r>
-            <a:r>
-              <a:rPr lang="en-US" dirty="0" err="1" smtClean="0"/>
-              <a:t>secs</a:t>
-            </a:r>
-            <a:endParaRPr lang="en-US" dirty="0" smtClean="0"/>
+              <a:t>You can use the block to reset a specific timer back to 0 seconds</a:t>
+            </a:r>
           </a:p>
           <a:p>
             <a:r>
@@ -11115,7 +11115,11 @@
           <a:p>
             <a:r>
               <a:rPr lang="en-US" sz="1200" dirty="0" smtClean="0"/>
-              <a:t>Timer no.</a:t>
+              <a:t>Timer </a:t>
+            </a:r>
+            <a:r>
+              <a:rPr lang="en-US" sz="1200" dirty="0"/>
+              <a:t>#</a:t>
             </a:r>
             <a:endParaRPr lang="en-US" sz="1200" dirty="0"/>
           </a:p>
@@ -11337,7 +11341,7 @@
           <a:p>
             <a:r>
               <a:rPr lang="en-US" dirty="0" smtClean="0"/>
-              <a:t>Ramp Up Challenge 1</a:t>
+              <a:t>Ramp Up in 4 Easy Steps</a:t>
             </a:r>
             <a:endParaRPr lang="en-US" dirty="0"/>
           </a:p>
@@ -11361,36 +11365,9 @@
         </p:spPr>
         <p:txBody>
           <a:bodyPr>
-            <a:normAutofit fontScale="85000" lnSpcReduction="20000"/>
+            <a:normAutofit/>
           </a:bodyPr>
           <a:lstStyle/>
-          <a:p>
-            <a:pPr marL="0" indent="0">
-              <a:buNone/>
-            </a:pPr>
-            <a:r>
-              <a:rPr lang="en-US" sz="3400" dirty="0" smtClean="0">
-                <a:solidFill>
-                  <a:srgbClr val="FF0000"/>
-                </a:solidFill>
-              </a:rPr>
-              <a:t>Challenge: Write a simple ramp up program that gradually increases the speed by 20 every second for 5 seconds.</a:t>
-            </a:r>
-            <a:endParaRPr lang="en-US" dirty="0"/>
-          </a:p>
-          <a:p>
-            <a:pPr marL="0" indent="0">
-              <a:buNone/>
-            </a:pPr>
-            <a:r>
-              <a:rPr lang="en-US" b="1" u="sng" dirty="0" err="1" smtClean="0"/>
-              <a:t>Pseudocode</a:t>
-            </a:r>
-            <a:r>
-              <a:rPr lang="en-US" b="1" u="sng" dirty="0" smtClean="0"/>
-              <a:t>:</a:t>
-            </a:r>
-          </a:p>
           <a:p>
             <a:pPr marL="0" indent="0">
               <a:buNone/>
@@ -11443,10 +11420,7 @@
             <a:pPr marL="0" indent="0">
               <a:buNone/>
             </a:pPr>
-            <a:r>
-              <a:rPr lang="en-US" dirty="0" smtClean="0"/>
-              <a:t>5. Once the program exits the loop, stop the motor</a:t>
-            </a:r>
+            <a:endParaRPr lang="en-US" dirty="0" smtClean="0"/>
           </a:p>
         </p:txBody>
       </p:sp>
@@ -11558,7 +11532,7 @@
           <a:p>
             <a:r>
               <a:rPr lang="en-US" sz="3600" dirty="0" smtClean="0"/>
-              <a:t>Challenge 1 Solution</a:t>
+              <a:t>Base Ramp Up</a:t>
             </a:r>
             <a:endParaRPr lang="en-US" sz="3600" dirty="0"/>
           </a:p>
@@ -11757,7 +11731,7 @@
           <a:p>
             <a:r>
               <a:rPr lang="en-US" dirty="0" smtClean="0"/>
-              <a:t>Ramp Up Challenge 2</a:t>
+              <a:t>Ramp Up Challenge</a:t>
             </a:r>
             <a:endParaRPr lang="en-US" dirty="0"/>
           </a:p>
@@ -12139,121 +12113,9 @@
           <a:chExt cx="0" cy="0"/>
         </a:xfrm>
       </p:grpSpPr>
-      <p:sp>
-        <p:nvSpPr>
-          <p:cNvPr id="2" name="Title 1"/>
-          <p:cNvSpPr>
-            <a:spLocks noGrp="1"/>
-          </p:cNvSpPr>
-          <p:nvPr>
-            <p:ph type="title"/>
-          </p:nvPr>
-        </p:nvSpPr>
-        <p:spPr>
-          <a:noFill/>
-        </p:spPr>
-        <p:txBody>
-          <a:bodyPr>
-            <a:normAutofit/>
-          </a:bodyPr>
-          <a:lstStyle/>
-          <a:p>
-            <a:r>
-              <a:rPr lang="en-US" dirty="0" smtClean="0"/>
-              <a:t>Creating the My Block</a:t>
-            </a:r>
-            <a:endParaRPr lang="en-US" dirty="0"/>
-          </a:p>
-        </p:txBody>
-      </p:sp>
-      <p:sp>
-        <p:nvSpPr>
-          <p:cNvPr id="3" name="Footer Placeholder 2"/>
-          <p:cNvSpPr>
-            <a:spLocks noGrp="1"/>
-          </p:cNvSpPr>
-          <p:nvPr>
-            <p:ph type="ftr" sz="quarter" idx="11"/>
-          </p:nvPr>
-        </p:nvSpPr>
-        <p:spPr/>
-        <p:txBody>
-          <a:bodyPr/>
-          <a:lstStyle/>
-          <a:p>
-            <a:r>
-              <a:rPr lang="en-US" smtClean="0"/>
-              <a:t>© 2015 EV3Lessons.com, Last edit 4/10/2015</a:t>
-            </a:r>
-            <a:endParaRPr lang="en-US" dirty="0"/>
-          </a:p>
-        </p:txBody>
-      </p:sp>
-      <p:sp>
-        <p:nvSpPr>
-          <p:cNvPr id="6" name="Slide Number Placeholder 5"/>
-          <p:cNvSpPr>
-            <a:spLocks noGrp="1"/>
-          </p:cNvSpPr>
-          <p:nvPr>
-            <p:ph type="sldNum" sz="quarter" idx="12"/>
-          </p:nvPr>
-        </p:nvSpPr>
-        <p:spPr/>
-        <p:txBody>
-          <a:bodyPr/>
-          <a:lstStyle/>
-          <a:p>
-            <a:fld id="{D57F1E4F-1CFF-5643-939E-217C01CDF565}" type="slidenum">
-              <a:rPr lang="en-US" smtClean="0"/>
-              <a:pPr/>
-              <a:t>8</a:t>
-            </a:fld>
-            <a:endParaRPr lang="en-US" dirty="0"/>
-          </a:p>
-        </p:txBody>
-      </p:sp>
-      <p:sp>
-        <p:nvSpPr>
-          <p:cNvPr id="7" name="TextBox 6"/>
-          <p:cNvSpPr txBox="1"/>
-          <p:nvPr/>
-        </p:nvSpPr>
-        <p:spPr>
-          <a:xfrm>
-            <a:off x="275208" y="5885895"/>
-            <a:ext cx="4136994" cy="276999"/>
-          </a:xfrm>
-          <a:prstGeom prst="rect">
-            <a:avLst/>
-          </a:prstGeom>
-          <a:noFill/>
-        </p:spPr>
-        <p:txBody>
-          <a:bodyPr wrap="square" rtlCol="0">
-            <a:spAutoFit/>
-          </a:bodyPr>
-          <a:lstStyle/>
-          <a:p>
-            <a:r>
-              <a:rPr lang="en-US" sz="1200" dirty="0" smtClean="0"/>
-              <a:t>Code by Mesa Robles </a:t>
-            </a:r>
-            <a:r>
-              <a:rPr lang="en-US" sz="1200" dirty="0" err="1" smtClean="0"/>
-              <a:t>Robotworks</a:t>
-            </a:r>
-            <a:r>
-              <a:rPr lang="en-US" sz="1200" dirty="0" smtClean="0"/>
-              <a:t>. Modified by Droids Robotics</a:t>
-            </a:r>
-            <a:endParaRPr lang="en-US" sz="1200" dirty="0"/>
-          </a:p>
-        </p:txBody>
-      </p:sp>
       <p:pic>
         <p:nvPicPr>
-          <p:cNvPr id="4" name="Picture 3"/>
+          <p:cNvPr id="8" name="Picture 7"/>
           <p:cNvPicPr>
             <a:picLocks noChangeAspect="1"/>
           </p:cNvPicPr>
@@ -12267,18 +12129,365 @@
         </p:blipFill>
         <p:spPr>
           <a:xfrm>
-            <a:off x="311268" y="2014746"/>
-            <a:ext cx="8625812" cy="3734080"/>
+            <a:off x="284163" y="2011651"/>
+            <a:ext cx="3568523" cy="1342356"/>
           </a:xfrm>
           <a:prstGeom prst="rect">
             <a:avLst/>
           </a:prstGeom>
         </p:spPr>
       </p:pic>
+      <p:sp>
+        <p:nvSpPr>
+          <p:cNvPr id="2" name="Title 1"/>
+          <p:cNvSpPr>
+            <a:spLocks noGrp="1"/>
+          </p:cNvSpPr>
+          <p:nvPr>
+            <p:ph type="title"/>
+          </p:nvPr>
+        </p:nvSpPr>
+        <p:spPr/>
+        <p:txBody>
+          <a:bodyPr/>
+          <a:lstStyle/>
+          <a:p>
+            <a:r>
+              <a:rPr lang="en-US" dirty="0" smtClean="0"/>
+              <a:t>Making the </a:t>
+            </a:r>
+            <a:r>
+              <a:rPr lang="en-US" dirty="0"/>
+              <a:t>M</a:t>
+            </a:r>
+            <a:r>
+              <a:rPr lang="en-US" dirty="0" smtClean="0"/>
+              <a:t>y Block  </a:t>
+            </a:r>
+            <a:endParaRPr lang="en-US" dirty="0"/>
+          </a:p>
+        </p:txBody>
+      </p:sp>
+      <p:sp>
+        <p:nvSpPr>
+          <p:cNvPr id="3" name="Content Placeholder 2"/>
+          <p:cNvSpPr>
+            <a:spLocks noGrp="1"/>
+          </p:cNvSpPr>
+          <p:nvPr>
+            <p:ph idx="1"/>
+          </p:nvPr>
+        </p:nvSpPr>
+        <p:spPr>
+          <a:xfrm>
+            <a:off x="3911272" y="2133600"/>
+            <a:ext cx="4946978" cy="3992563"/>
+          </a:xfrm>
+        </p:spPr>
+        <p:txBody>
+          <a:bodyPr>
+            <a:normAutofit fontScale="92500"/>
+          </a:bodyPr>
+          <a:lstStyle/>
+          <a:p>
+            <a:pPr marL="457200" indent="-457200">
+              <a:buFont typeface="+mj-lt"/>
+              <a:buAutoNum type="alphaUcPeriod"/>
+            </a:pPr>
+            <a:r>
+              <a:rPr lang="en-US" dirty="0">
+                <a:solidFill>
+                  <a:srgbClr val="00B0F0"/>
+                </a:solidFill>
+              </a:rPr>
+              <a:t>Highlight all the </a:t>
+            </a:r>
+            <a:r>
+              <a:rPr lang="en-US" dirty="0" smtClean="0">
+                <a:solidFill>
+                  <a:srgbClr val="00B0F0"/>
+                </a:solidFill>
+              </a:rPr>
+              <a:t>blocks (without stop block) </a:t>
+            </a:r>
+            <a:r>
+              <a:rPr lang="en-US" dirty="0">
+                <a:solidFill>
+                  <a:srgbClr val="00B0F0"/>
+                </a:solidFill>
+              </a:rPr>
+              <a:t>then go to My Block Builder</a:t>
+            </a:r>
+          </a:p>
+          <a:p>
+            <a:pPr marL="457200" indent="-457200">
+              <a:buFont typeface="+mj-lt"/>
+              <a:buAutoNum type="alphaUcPeriod"/>
+            </a:pPr>
+            <a:endParaRPr lang="en-US" dirty="0" smtClean="0">
+              <a:solidFill>
+                <a:srgbClr val="FF0000"/>
+              </a:solidFill>
+            </a:endParaRPr>
+          </a:p>
+          <a:p>
+            <a:pPr marL="457200" indent="-457200">
+              <a:buFont typeface="+mj-lt"/>
+              <a:buAutoNum type="alphaUcPeriod"/>
+            </a:pPr>
+            <a:r>
+              <a:rPr lang="en-US" dirty="0" smtClean="0">
+                <a:solidFill>
+                  <a:srgbClr val="FF0000"/>
+                </a:solidFill>
+              </a:rPr>
+              <a:t>Add </a:t>
+            </a:r>
+            <a:r>
+              <a:rPr lang="en-US" dirty="0">
+                <a:solidFill>
+                  <a:srgbClr val="FF0000"/>
+                </a:solidFill>
+              </a:rPr>
+              <a:t>2 inputs: one for </a:t>
+            </a:r>
+            <a:r>
+              <a:rPr lang="en-US" dirty="0" smtClean="0">
+                <a:solidFill>
+                  <a:srgbClr val="FF0000"/>
+                </a:solidFill>
+              </a:rPr>
+              <a:t>how quickly you want to ramp up </a:t>
+            </a:r>
+            <a:r>
+              <a:rPr lang="en-US" dirty="0">
+                <a:solidFill>
+                  <a:srgbClr val="FF0000"/>
+                </a:solidFill>
+              </a:rPr>
+              <a:t>and one for and </a:t>
+            </a:r>
+            <a:r>
+              <a:rPr lang="en-US" dirty="0" smtClean="0">
+                <a:solidFill>
+                  <a:srgbClr val="FF0000"/>
+                </a:solidFill>
+              </a:rPr>
+              <a:t>seconds </a:t>
+            </a:r>
+          </a:p>
+          <a:p>
+            <a:pPr marL="0" indent="0">
+              <a:buNone/>
+            </a:pPr>
+            <a:r>
+              <a:rPr lang="en-US" dirty="0"/>
+              <a:t>Refer to the My Blocks with Inputs &amp; Outputs lesson if you need help setting up the My Block</a:t>
+            </a:r>
+            <a:endParaRPr lang="en-US" dirty="0">
+              <a:solidFill>
+                <a:srgbClr val="00B050"/>
+              </a:solidFill>
+            </a:endParaRPr>
+          </a:p>
+          <a:p>
+            <a:pPr marL="457200" indent="-457200">
+              <a:buFont typeface="+mj-lt"/>
+              <a:buAutoNum type="alphaUcPeriod"/>
+            </a:pPr>
+            <a:endParaRPr lang="en-US" dirty="0">
+              <a:solidFill>
+                <a:srgbClr val="FF0000"/>
+              </a:solidFill>
+            </a:endParaRPr>
+          </a:p>
+          <a:p>
+            <a:pPr marL="457200" indent="-457200">
+              <a:buFont typeface="+mj-lt"/>
+              <a:buAutoNum type="alphaUcPeriod"/>
+            </a:pPr>
+            <a:endParaRPr lang="en-US" dirty="0">
+              <a:solidFill>
+                <a:srgbClr val="FF0000"/>
+              </a:solidFill>
+            </a:endParaRPr>
+          </a:p>
+        </p:txBody>
+      </p:sp>
+      <p:sp>
+        <p:nvSpPr>
+          <p:cNvPr id="4" name="Footer Placeholder 3"/>
+          <p:cNvSpPr>
+            <a:spLocks noGrp="1"/>
+          </p:cNvSpPr>
+          <p:nvPr>
+            <p:ph type="ftr" sz="quarter" idx="11"/>
+          </p:nvPr>
+        </p:nvSpPr>
+        <p:spPr/>
+        <p:txBody>
+          <a:bodyPr/>
+          <a:lstStyle/>
+          <a:p>
+            <a:r>
+              <a:rPr lang="en-US" smtClean="0"/>
+              <a:t>© 2015 EV3Lessons.com, Last edit 4/10/2015</a:t>
+            </a:r>
+            <a:endParaRPr lang="en-US"/>
+          </a:p>
+        </p:txBody>
+      </p:sp>
+      <p:sp>
+        <p:nvSpPr>
+          <p:cNvPr id="5" name="Slide Number Placeholder 4"/>
+          <p:cNvSpPr>
+            <a:spLocks noGrp="1"/>
+          </p:cNvSpPr>
+          <p:nvPr>
+            <p:ph type="sldNum" sz="quarter" idx="12"/>
+          </p:nvPr>
+        </p:nvSpPr>
+        <p:spPr/>
+        <p:txBody>
+          <a:bodyPr/>
+          <a:lstStyle/>
+          <a:p>
+            <a:fld id="{4382A7F7-08BF-4252-8141-63FB96055BBB}" type="slidenum">
+              <a:rPr lang="en-US" smtClean="0"/>
+              <a:t>8</a:t>
+            </a:fld>
+            <a:endParaRPr lang="en-US"/>
+          </a:p>
+        </p:txBody>
+      </p:sp>
+      <p:pic>
+        <p:nvPicPr>
+          <p:cNvPr id="6" name="Picture 5" descr="Screen Shot 2015-03-28 at 6.01.22 PM.png"/>
+          <p:cNvPicPr>
+            <a:picLocks noChangeAspect="1"/>
+          </p:cNvPicPr>
+          <p:nvPr/>
+        </p:nvPicPr>
+        <p:blipFill>
+          <a:blip r:embed="rId3" cstate="email">
+            <a:extLst>
+              <a:ext uri="{28A0092B-C50C-407E-A947-70E740481C1C}">
+                <a14:useLocalDpi xmlns:a14="http://schemas.microsoft.com/office/drawing/2010/main" val="0"/>
+              </a:ext>
+            </a:extLst>
+          </a:blip>
+          <a:stretch>
+            <a:fillRect/>
+          </a:stretch>
+        </p:blipFill>
+        <p:spPr>
+          <a:xfrm>
+            <a:off x="555813" y="3664876"/>
+            <a:ext cx="2850776" cy="2616722"/>
+          </a:xfrm>
+          <a:prstGeom prst="rect">
+            <a:avLst/>
+          </a:prstGeom>
+        </p:spPr>
+      </p:pic>
+      <p:sp>
+        <p:nvSpPr>
+          <p:cNvPr id="7" name="TextBox 6"/>
+          <p:cNvSpPr txBox="1"/>
+          <p:nvPr/>
+        </p:nvSpPr>
+        <p:spPr>
+          <a:xfrm>
+            <a:off x="71099" y="4585820"/>
+            <a:ext cx="426128" cy="523220"/>
+          </a:xfrm>
+          <a:prstGeom prst="rect">
+            <a:avLst/>
+          </a:prstGeom>
+          <a:noFill/>
+        </p:spPr>
+        <p:txBody>
+          <a:bodyPr wrap="square" rtlCol="0">
+            <a:spAutoFit/>
+          </a:bodyPr>
+          <a:lstStyle/>
+          <a:p>
+            <a:r>
+              <a:rPr lang="en-US" sz="2800" b="1" dirty="0" smtClean="0">
+                <a:solidFill>
+                  <a:srgbClr val="FF0000"/>
+                </a:solidFill>
+              </a:rPr>
+              <a:t>B</a:t>
+            </a:r>
+            <a:endParaRPr lang="en-US" sz="2800" b="1" dirty="0">
+              <a:solidFill>
+                <a:srgbClr val="FF0000"/>
+              </a:solidFill>
+            </a:endParaRPr>
+          </a:p>
+        </p:txBody>
+      </p:sp>
+      <p:sp>
+        <p:nvSpPr>
+          <p:cNvPr id="9" name="Rectangle 8"/>
+          <p:cNvSpPr/>
+          <p:nvPr/>
+        </p:nvSpPr>
+        <p:spPr>
+          <a:xfrm>
+            <a:off x="636493" y="2063734"/>
+            <a:ext cx="2599765" cy="862480"/>
+          </a:xfrm>
+          <a:prstGeom prst="rect">
+            <a:avLst/>
+          </a:prstGeom>
+          <a:noFill/>
+          <a:ln w="76200">
+            <a:solidFill>
+              <a:srgbClr val="00B0F0"/>
+            </a:solidFill>
+          </a:ln>
+        </p:spPr>
+        <p:style>
+          <a:lnRef idx="1">
+            <a:schemeClr val="accent1"/>
+          </a:lnRef>
+          <a:fillRef idx="3">
+            <a:schemeClr val="accent1"/>
+          </a:fillRef>
+          <a:effectRef idx="2">
+            <a:schemeClr val="accent1"/>
+          </a:effectRef>
+          <a:fontRef idx="minor">
+            <a:schemeClr val="lt1"/>
+          </a:fontRef>
+        </p:style>
+        <p:txBody>
+          <a:bodyPr rtlCol="0" anchor="ctr"/>
+          <a:lstStyle/>
+          <a:p>
+            <a:pPr algn="ctr"/>
+            <a:r>
+              <a:rPr lang="en-US" sz="2800" b="1" dirty="0" smtClean="0">
+                <a:solidFill>
+                  <a:srgbClr val="00B0F0"/>
+                </a:solidFill>
+              </a:rPr>
+              <a:t>A</a:t>
+            </a:r>
+            <a:endParaRPr lang="en-US" b="1" dirty="0">
+              <a:solidFill>
+                <a:srgbClr val="00B0F0"/>
+              </a:solidFill>
+            </a:endParaRPr>
+          </a:p>
+        </p:txBody>
+      </p:sp>
     </p:spTree>
     <p:extLst>
       <p:ext uri="{BB962C8B-B14F-4D97-AF65-F5344CB8AC3E}">
-        <p14:creationId xmlns:p14="http://schemas.microsoft.com/office/powerpoint/2010/main" val="429179105"/>
+        <p14:creationId xmlns:p14="http://schemas.microsoft.com/office/powerpoint/2010/main" val="3338292394"/>
       </p:ext>
     </p:extLst>
   </p:cSld>
@@ -12333,7 +12542,7 @@
           <a:p>
             <a:r>
               <a:rPr lang="en-US" dirty="0" smtClean="0"/>
-              <a:t>Inside the My Block</a:t>
+              <a:t>Wire the My Block</a:t>
             </a:r>
             <a:endParaRPr lang="en-US" dirty="0"/>
           </a:p>
@@ -12394,7 +12603,7 @@
         </p:nvSpPr>
         <p:spPr>
           <a:xfrm>
-            <a:off x="275208" y="5885895"/>
+            <a:off x="275208" y="6185871"/>
             <a:ext cx="4136994" cy="276999"/>
           </a:xfrm>
           <a:prstGeom prst="rect">
@@ -12432,26 +12641,183 @@
           </p:cNvPicPr>
           <p:nvPr/>
         </p:nvPicPr>
-        <p:blipFill>
+        <p:blipFill rotWithShape="1">
           <a:blip r:embed="rId2"/>
-          <a:stretch>
-            <a:fillRect/>
-          </a:stretch>
+          <a:srcRect b="26739"/>
+          <a:stretch/>
         </p:blipFill>
         <p:spPr>
           <a:xfrm>
             <a:off x="100012" y="1784671"/>
-            <a:ext cx="8943975" cy="3914775"/>
+            <a:ext cx="8943975" cy="2868011"/>
           </a:xfrm>
           <a:prstGeom prst="rect">
             <a:avLst/>
           </a:prstGeom>
         </p:spPr>
       </p:pic>
+      <p:sp>
+        <p:nvSpPr>
+          <p:cNvPr id="4" name="TextBox 3"/>
+          <p:cNvSpPr txBox="1"/>
+          <p:nvPr/>
+        </p:nvSpPr>
+        <p:spPr>
+          <a:xfrm>
+            <a:off x="1389529" y="3984358"/>
+            <a:ext cx="2294965" cy="276999"/>
+          </a:xfrm>
+          <a:prstGeom prst="rect">
+            <a:avLst/>
+          </a:prstGeom>
+          <a:noFill/>
+        </p:spPr>
+        <p:txBody>
+          <a:bodyPr wrap="square" rtlCol="0">
+            <a:spAutoFit/>
+          </a:bodyPr>
+          <a:lstStyle/>
+          <a:p>
+            <a:r>
+              <a:rPr lang="en-US" sz="1200" dirty="0">
+                <a:solidFill>
+                  <a:srgbClr val="FF0000"/>
+                </a:solidFill>
+              </a:rPr>
+              <a:t>how </a:t>
+            </a:r>
+            <a:r>
+              <a:rPr lang="en-US" sz="1200" dirty="0" smtClean="0">
+                <a:solidFill>
+                  <a:srgbClr val="FF0000"/>
+                </a:solidFill>
+              </a:rPr>
+              <a:t>quickly </a:t>
+            </a:r>
+            <a:r>
+              <a:rPr lang="en-US" sz="1200" dirty="0">
+                <a:solidFill>
+                  <a:srgbClr val="FF0000"/>
+                </a:solidFill>
+              </a:rPr>
+              <a:t>you want to ramp up</a:t>
+            </a:r>
+            <a:endParaRPr lang="en-US" sz="1200" dirty="0"/>
+          </a:p>
+        </p:txBody>
+      </p:sp>
+      <p:sp>
+        <p:nvSpPr>
+          <p:cNvPr id="8" name="TextBox 7"/>
+          <p:cNvSpPr txBox="1"/>
+          <p:nvPr/>
+        </p:nvSpPr>
+        <p:spPr>
+          <a:xfrm>
+            <a:off x="1909482" y="4652682"/>
+            <a:ext cx="1882589" cy="276999"/>
+          </a:xfrm>
+          <a:prstGeom prst="rect">
+            <a:avLst/>
+          </a:prstGeom>
+          <a:noFill/>
+        </p:spPr>
+        <p:txBody>
+          <a:bodyPr wrap="square" rtlCol="0">
+            <a:spAutoFit/>
+          </a:bodyPr>
+          <a:lstStyle/>
+          <a:p>
+            <a:r>
+              <a:rPr lang="en-US" sz="1200" dirty="0" smtClean="0">
+                <a:solidFill>
+                  <a:srgbClr val="00B050"/>
+                </a:solidFill>
+              </a:rPr>
+              <a:t>Seconds to ramp up</a:t>
+            </a:r>
+            <a:endParaRPr lang="en-US" sz="1200" dirty="0">
+              <a:solidFill>
+                <a:srgbClr val="00B050"/>
+              </a:solidFill>
+            </a:endParaRPr>
+          </a:p>
+        </p:txBody>
+      </p:sp>
+      <p:sp>
+        <p:nvSpPr>
+          <p:cNvPr id="9" name="TextBox 8"/>
+          <p:cNvSpPr txBox="1"/>
+          <p:nvPr/>
+        </p:nvSpPr>
+        <p:spPr>
+          <a:xfrm>
+            <a:off x="385481" y="5022823"/>
+            <a:ext cx="7781366" cy="646331"/>
+          </a:xfrm>
+          <a:prstGeom prst="rect">
+            <a:avLst/>
+          </a:prstGeom>
+          <a:noFill/>
+        </p:spPr>
+        <p:txBody>
+          <a:bodyPr wrap="square" rtlCol="0">
+            <a:spAutoFit/>
+          </a:bodyPr>
+          <a:lstStyle/>
+          <a:p>
+            <a:r>
+              <a:rPr lang="en-US" dirty="0" smtClean="0"/>
+              <a:t>Wire the</a:t>
+            </a:r>
+            <a:r>
+              <a:rPr lang="en-US" dirty="0" smtClean="0">
+                <a:solidFill>
+                  <a:srgbClr val="FF0000"/>
+                </a:solidFill>
+              </a:rPr>
+              <a:t> “How quickly </a:t>
+            </a:r>
+            <a:r>
+              <a:rPr lang="en-US" dirty="0">
+                <a:solidFill>
+                  <a:srgbClr val="FF0000"/>
+                </a:solidFill>
+              </a:rPr>
+              <a:t>you want to ramp </a:t>
+            </a:r>
+            <a:r>
+              <a:rPr lang="en-US" dirty="0" smtClean="0">
+                <a:solidFill>
+                  <a:srgbClr val="FF0000"/>
+                </a:solidFill>
+              </a:rPr>
+              <a:t>up”</a:t>
+            </a:r>
+            <a:r>
+              <a:rPr lang="en-US" dirty="0" smtClean="0"/>
+              <a:t> input to the Math Block and the </a:t>
+            </a:r>
+            <a:r>
+              <a:rPr lang="en-US" dirty="0">
+                <a:solidFill>
+                  <a:srgbClr val="00B050"/>
+                </a:solidFill>
+              </a:rPr>
+              <a:t>Seconds </a:t>
+            </a:r>
+            <a:r>
+              <a:rPr lang="en-US" dirty="0" smtClean="0"/>
+              <a:t>input to the Move Steering block</a:t>
+            </a:r>
+            <a:endParaRPr lang="en-US" dirty="0"/>
+          </a:p>
+        </p:txBody>
+      </p:sp>
     </p:spTree>
     <p:extLst>
       <p:ext uri="{BB962C8B-B14F-4D97-AF65-F5344CB8AC3E}">
-        <p14:creationId xmlns:p14="http://schemas.microsoft.com/office/powerpoint/2010/main" val="2383523957"/>
+        <p14:creationId xmlns:p14="http://schemas.microsoft.com/office/powerpoint/2010/main" val="996348475"/>
       </p:ext>
     </p:extLst>
   </p:cSld>

--- a/translations/en-us/advanced/RampUp.pptx
+++ b/translations/en-us/advanced/RampUp.pptx
@@ -942,7 +942,7 @@
           <a:bodyPr/>
           <a:lstStyle/>
           <a:p>
-            <a:fld id="{F3FFBA76-F9A3-45A7-B15A-35533B784DB9}" type="datetime1">
+            <a:fld id="{8E890179-3DA1-4D60-943A-F6ADCEA8F800}" type="datetime1">
               <a:rPr lang="en-US" smtClean="0"/>
               <a:t>11/12/2015</a:t>
             </a:fld>
@@ -967,7 +967,7 @@
           <a:p>
             <a:r>
               <a:rPr lang="en-US" smtClean="0"/>
-              <a:t>© 2015 EV3Lessons.com, Last edit 4/10/2015</a:t>
+              <a:t>© 2015 EV3Lessons.com, Last edit 11/12/2015</a:t>
             </a:r>
             <a:endParaRPr lang="en-US"/>
           </a:p>
@@ -1671,7 +1671,7 @@
           <a:bodyPr/>
           <a:lstStyle/>
           <a:p>
-            <a:fld id="{4430D463-EC5F-4193-A95C-13B7117E88C4}" type="datetime1">
+            <a:fld id="{86ECF8D6-1FAA-4B41-A858-B01512A0EB12}" type="datetime1">
               <a:rPr lang="en-US" smtClean="0"/>
               <a:t>11/12/2015</a:t>
             </a:fld>
@@ -1696,7 +1696,7 @@
           <a:p>
             <a:r>
               <a:rPr lang="en-US" smtClean="0"/>
-              <a:t>© 2015 EV3Lessons.com, Last edit 4/10/2015</a:t>
+              <a:t>© 2015 EV3Lessons.com, Last edit 11/12/2015</a:t>
             </a:r>
             <a:endParaRPr lang="en-US"/>
           </a:p>
@@ -2306,7 +2306,7 @@
           <a:bodyPr/>
           <a:lstStyle/>
           <a:p>
-            <a:fld id="{4DD9049E-2690-48AD-818D-55875D4BFB9C}" type="datetime1">
+            <a:fld id="{96333CFD-C52D-435A-BDC3-3E1705B9AC29}" type="datetime1">
               <a:rPr lang="en-US" smtClean="0"/>
               <a:t>11/12/2015</a:t>
             </a:fld>
@@ -2331,7 +2331,7 @@
           <a:p>
             <a:r>
               <a:rPr lang="en-US" smtClean="0"/>
-              <a:t>© 2015 EV3Lessons.com, Last edit 4/10/2015</a:t>
+              <a:t>© 2015 EV3Lessons.com, Last edit 11/12/2015</a:t>
             </a:r>
             <a:endParaRPr lang="en-US"/>
           </a:p>
@@ -2740,7 +2740,7 @@
           <a:bodyPr/>
           <a:lstStyle/>
           <a:p>
-            <a:fld id="{E16E352E-5378-4D21-ACD4-3885F6C4E706}" type="datetime1">
+            <a:fld id="{7767322C-6BF6-452E-AC9E-F4F4E0157152}" type="datetime1">
               <a:rPr lang="en-US" smtClean="0"/>
               <a:t>11/12/2015</a:t>
             </a:fld>
@@ -2765,7 +2765,7 @@
           <a:p>
             <a:r>
               <a:rPr lang="en-US" smtClean="0"/>
-              <a:t>© 2015 EV3Lessons.com, Last edit 4/10/2015</a:t>
+              <a:t>© 2015 EV3Lessons.com, Last edit 11/12/2015</a:t>
             </a:r>
             <a:endParaRPr lang="en-US" dirty="0"/>
           </a:p>
@@ -2928,7 +2928,7 @@
           <a:bodyPr/>
           <a:lstStyle/>
           <a:p>
-            <a:fld id="{77C82DD3-8CF3-4571-B785-0E4CBC1D041D}" type="datetime1">
+            <a:fld id="{58CF4D74-13C3-4175-80C6-45B41A350775}" type="datetime1">
               <a:rPr lang="en-US" smtClean="0"/>
               <a:t>11/12/2015</a:t>
             </a:fld>
@@ -2953,7 +2953,7 @@
           <a:p>
             <a:r>
               <a:rPr lang="en-US" smtClean="0"/>
-              <a:t>© 2015 EV3Lessons.com, Last edit 4/10/2015</a:t>
+              <a:t>© 2015 EV3Lessons.com, Last edit 11/12/2015</a:t>
             </a:r>
             <a:endParaRPr lang="en-US" dirty="0"/>
           </a:p>
@@ -3756,7 +3756,7 @@
           <a:bodyPr/>
           <a:lstStyle/>
           <a:p>
-            <a:fld id="{4C1EB991-D7C6-408F-9A99-71CD0168A82F}" type="datetime1">
+            <a:fld id="{5BAE1F94-8C8D-4F0E-A6E0-0B6D84A141DF}" type="datetime1">
               <a:rPr lang="en-US" smtClean="0"/>
               <a:t>11/12/2015</a:t>
             </a:fld>
@@ -3781,7 +3781,7 @@
           <a:p>
             <a:r>
               <a:rPr lang="en-US" smtClean="0"/>
-              <a:t>© 2015 EV3Lessons.com, Last edit 4/10/2015</a:t>
+              <a:t>© 2015 EV3Lessons.com, Last edit 11/12/2015</a:t>
             </a:r>
             <a:endParaRPr lang="en-US" dirty="0"/>
           </a:p>
@@ -4278,7 +4278,7 @@
           <a:bodyPr/>
           <a:lstStyle/>
           <a:p>
-            <a:fld id="{FB7CCBF8-603E-40F1-B1E2-D1CCA065F3E4}" type="datetime1">
+            <a:fld id="{B058FB97-1C39-47D6-A6E9-6CA2C05895EB}" type="datetime1">
               <a:rPr lang="en-US" smtClean="0"/>
               <a:t>11/12/2015</a:t>
             </a:fld>
@@ -4303,7 +4303,7 @@
           <a:p>
             <a:r>
               <a:rPr lang="en-US" smtClean="0"/>
-              <a:t>© 2015 EV3Lessons.com, Last edit 4/10/2015</a:t>
+              <a:t>© 2015 EV3Lessons.com, Last edit 11/12/2015</a:t>
             </a:r>
             <a:endParaRPr lang="en-US"/>
           </a:p>
@@ -4522,7 +4522,7 @@
           <a:bodyPr/>
           <a:lstStyle/>
           <a:p>
-            <a:fld id="{4295284F-8F2E-4C79-82D2-6DB21D2AFA0E}" type="datetime1">
+            <a:fld id="{E48C1F2A-0FA3-428E-B966-AB5AF7A6896E}" type="datetime1">
               <a:rPr lang="en-US" smtClean="0"/>
               <a:t>11/12/2015</a:t>
             </a:fld>
@@ -4547,7 +4547,7 @@
           <a:p>
             <a:r>
               <a:rPr lang="en-US" smtClean="0"/>
-              <a:t>© 2015 EV3Lessons.com, Last edit 4/10/2015</a:t>
+              <a:t>© 2015 EV3Lessons.com, Last edit 11/12/2015</a:t>
             </a:r>
             <a:endParaRPr lang="en-US"/>
           </a:p>
@@ -5060,7 +5060,7 @@
           <a:bodyPr/>
           <a:lstStyle/>
           <a:p>
-            <a:fld id="{0CA53254-C2C4-4FC4-AE3A-D44636AC8CFA}" type="datetime1">
+            <a:fld id="{A2657CC9-6138-4D4E-9F7C-3F15176BA057}" type="datetime1">
               <a:rPr lang="en-US" smtClean="0"/>
               <a:t>11/12/2015</a:t>
             </a:fld>
@@ -5085,7 +5085,7 @@
           <a:p>
             <a:r>
               <a:rPr lang="en-US" smtClean="0"/>
-              <a:t>© 2015 EV3Lessons.com, Last edit 4/10/2015</a:t>
+              <a:t>© 2015 EV3Lessons.com, Last edit 11/12/2015</a:t>
             </a:r>
             <a:endParaRPr lang="en-US"/>
           </a:p>
@@ -5206,7 +5206,7 @@
           <a:bodyPr/>
           <a:lstStyle/>
           <a:p>
-            <a:fld id="{11C64FEA-547F-4308-9902-059BB02F8EBB}" type="datetime1">
+            <a:fld id="{22E022A9-75E4-4AAC-8B59-DBFD45F44E6A}" type="datetime1">
               <a:rPr lang="en-US" smtClean="0"/>
               <a:t>11/12/2015</a:t>
             </a:fld>
@@ -5231,7 +5231,7 @@
           <a:p>
             <a:r>
               <a:rPr lang="en-US" smtClean="0"/>
-              <a:t>© 2015 EV3Lessons.com, Last edit 4/10/2015</a:t>
+              <a:t>© 2015 EV3Lessons.com, Last edit 11/12/2015</a:t>
             </a:r>
             <a:endParaRPr lang="en-US"/>
           </a:p>
@@ -6076,7 +6076,7 @@
           <a:bodyPr/>
           <a:lstStyle/>
           <a:p>
-            <a:fld id="{8D1BAA47-6AB7-49A8-A347-5C4050E5A36F}" type="datetime1">
+            <a:fld id="{BBAA90A8-B4EA-4638-9448-3DB7091B3C6D}" type="datetime1">
               <a:rPr lang="en-US" smtClean="0"/>
               <a:t>11/12/2015</a:t>
             </a:fld>
@@ -6101,7 +6101,7 @@
           <a:p>
             <a:r>
               <a:rPr lang="en-US" smtClean="0"/>
-              <a:t>© 2015 EV3Lessons.com, Last edit 4/10/2015</a:t>
+              <a:t>© 2015 EV3Lessons.com, Last edit 11/12/2015</a:t>
             </a:r>
             <a:endParaRPr lang="en-US"/>
           </a:p>
@@ -6210,7 +6210,7 @@
           <a:bodyPr/>
           <a:lstStyle/>
           <a:p>
-            <a:fld id="{F10C338C-90E2-4652-BA05-5C380E8D4026}" type="datetime1">
+            <a:fld id="{0336B835-A022-4323-AE8B-906370BC5BFB}" type="datetime1">
               <a:rPr lang="en-US" smtClean="0"/>
               <a:t>11/12/2015</a:t>
             </a:fld>
@@ -7084,7 +7084,7 @@
           <a:bodyPr/>
           <a:lstStyle/>
           <a:p>
-            <a:fld id="{8EA584D2-7151-48D8-A312-C42382CC87F7}" type="datetime1">
+            <a:fld id="{D806B6ED-AB59-4AF6-AD1F-D95FB42694FA}" type="datetime1">
               <a:rPr lang="en-US" smtClean="0"/>
               <a:t>11/12/2015</a:t>
             </a:fld>
@@ -7722,7 +7722,7 @@
           <a:bodyPr/>
           <a:lstStyle/>
           <a:p>
-            <a:fld id="{E9F99E48-0316-4DE6-908E-EE2F6C4392DC}" type="datetime1">
+            <a:fld id="{3044A36F-9DA7-4CBB-9D2C-58FECB03C75F}" type="datetime1">
               <a:rPr lang="en-US" smtClean="0"/>
               <a:t>11/12/2015</a:t>
             </a:fld>
@@ -7747,7 +7747,7 @@
           <a:p>
             <a:r>
               <a:rPr lang="en-US" smtClean="0"/>
-              <a:t>© 2015 EV3Lessons.com, Last edit 4/10/2015</a:t>
+              <a:t>© 2015 EV3Lessons.com, Last edit 11/12/2015</a:t>
             </a:r>
             <a:endParaRPr lang="en-US"/>
           </a:p>
@@ -8051,7 +8051,7 @@
           <a:bodyPr/>
           <a:lstStyle/>
           <a:p>
-            <a:fld id="{B9CF139E-44CB-437F-BF30-F8AA16F99711}" type="datetime1">
+            <a:fld id="{977013B7-270F-4359-99BB-A551D27883AF}" type="datetime1">
               <a:rPr lang="en-US" smtClean="0"/>
               <a:t>11/12/2015</a:t>
             </a:fld>
@@ -8076,7 +8076,7 @@
           <a:p>
             <a:r>
               <a:rPr lang="en-US" smtClean="0"/>
-              <a:t>© 2015 EV3Lessons.com, Last edit 4/10/2015</a:t>
+              <a:t>© 2015 EV3Lessons.com, Last edit 11/12/2015</a:t>
             </a:r>
             <a:endParaRPr lang="en-US"/>
           </a:p>
@@ -8152,7 +8152,7 @@
           <a:bodyPr/>
           <a:lstStyle/>
           <a:p>
-            <a:fld id="{7A3501FB-9F75-49C3-85B5-4D42FE0827AD}" type="datetime1">
+            <a:fld id="{DDFC6B1E-9B28-4308-ADBC-5BA07960D5EE}" type="datetime1">
               <a:rPr lang="en-US" smtClean="0"/>
               <a:t>11/12/2015</a:t>
             </a:fld>
@@ -8177,7 +8177,7 @@
           <a:p>
             <a:r>
               <a:rPr lang="en-US" smtClean="0"/>
-              <a:t>© 2015 EV3Lessons.com, Last edit 4/10/2015</a:t>
+              <a:t>© 2015 EV3Lessons.com, Last edit 11/12/2015</a:t>
             </a:r>
             <a:endParaRPr lang="en-US"/>
           </a:p>
@@ -8491,7 +8491,7 @@
             </a:lvl1pPr>
           </a:lstStyle>
           <a:p>
-            <a:fld id="{571226B9-8DE1-4A49-BA80-CC2B2F07E42D}" type="datetime1">
+            <a:fld id="{4B0B9B3F-E4D0-49ED-8910-4CB6F106B307}" type="datetime1">
               <a:rPr lang="en-US" smtClean="0"/>
               <a:t>11/12/2015</a:t>
             </a:fld>
@@ -8534,7 +8534,7 @@
           <a:p>
             <a:r>
               <a:rPr lang="en-US" smtClean="0"/>
-              <a:t>© 2015 EV3Lessons.com, Last edit 4/10/2015</a:t>
+              <a:t>© 2015 EV3Lessons.com, Last edit 11/12/2015</a:t>
             </a:r>
             <a:endParaRPr lang="en-US" dirty="0"/>
           </a:p>
@@ -9149,29 +9149,6 @@
       </p:sp>
       <p:sp>
         <p:nvSpPr>
-          <p:cNvPr id="10" name="Footer Placeholder 9"/>
-          <p:cNvSpPr>
-            <a:spLocks noGrp="1"/>
-          </p:cNvSpPr>
-          <p:nvPr>
-            <p:ph type="ftr" sz="quarter" idx="11"/>
-          </p:nvPr>
-        </p:nvSpPr>
-        <p:spPr/>
-        <p:txBody>
-          <a:bodyPr/>
-          <a:lstStyle/>
-          <a:p>
-            <a:r>
-              <a:rPr lang="en-US" smtClean="0"/>
-              <a:t>© 2015 EV3Lessons.com, Last edit 4/10/2015</a:t>
-            </a:r>
-            <a:endParaRPr lang="en-US" dirty="0"/>
-          </a:p>
-        </p:txBody>
-      </p:sp>
-      <p:sp>
-        <p:nvSpPr>
           <p:cNvPr id="5" name="Slide Number Placeholder 4"/>
           <p:cNvSpPr>
             <a:spLocks noGrp="1"/>
@@ -9225,7 +9202,7 @@
           <a:noFill/>
           <a:extLst>
             <a:ext uri="{909E8E84-426E-40dd-AFC4-6F175D3DCCD1}">
-              <a14:hiddenFill xmlns:a14="http://schemas.microsoft.com/office/drawing/2010/main" xmlns="">
+              <a14:hiddenFill xmlns="" xmlns:a14="http://schemas.microsoft.com/office/drawing/2010/main">
                 <a:solidFill>
                   <a:srgbClr val="FFFFFF"/>
                 </a:solidFill>
@@ -9375,7 +9352,7 @@
           <a:p>
             <a:r>
               <a:rPr lang="en-US" smtClean="0"/>
-              <a:t>© 2015 EV3Lessons.com, Last edit 4/10/2015</a:t>
+              <a:t>© 2015 EV3Lessons.com, Last edit 11/12/2015</a:t>
             </a:r>
             <a:endParaRPr lang="en-US" dirty="0"/>
           </a:p>
@@ -9620,7 +9597,7 @@
           <a:p>
             <a:r>
               <a:rPr lang="en-US" smtClean="0"/>
-              <a:t>© 2015 EV3Lessons.com, Last edit 4/10/2015</a:t>
+              <a:t>© 2015 EV3Lessons.com, Last edit 11/12/2015</a:t>
             </a:r>
             <a:endParaRPr lang="en-US"/>
           </a:p>
@@ -9753,7 +9730,7 @@
           <a:p>
             <a:r>
               <a:rPr lang="en-US" smtClean="0"/>
-              <a:t>© 2015 EV3Lessons.com, Last edit 4/10/2015</a:t>
+              <a:t>© 2015 EV3Lessons.com, Last edit 11/12/2015</a:t>
             </a:r>
             <a:endParaRPr lang="en-US"/>
           </a:p>
@@ -9963,7 +9940,7 @@
           <a:p>
             <a:r>
               <a:rPr lang="en-US" smtClean="0"/>
-              <a:t>© 2015 EV3Lessons.com, Last edit 4/10/2015</a:t>
+              <a:t>© 2015 EV3Lessons.com, Last edit 11/12/2015</a:t>
             </a:r>
             <a:endParaRPr lang="en-US" dirty="0"/>
           </a:p>
@@ -9994,7 +9971,7 @@
           <a:effectLst/>
           <a:extLst>
             <a:ext uri="{91240B29-F687-4f45-9708-019B960494DF}">
-              <a14:hiddenLine xmlns:a14="http://schemas.microsoft.com/office/drawing/2010/main" xmlns="" w="9525">
+              <a14:hiddenLine xmlns="" xmlns:a14="http://schemas.microsoft.com/office/drawing/2010/main" w="9525">
                 <a:solidFill>
                   <a:schemeClr val="tx1"/>
                 </a:solidFill>
@@ -10004,7 +9981,7 @@
               </a14:hiddenLine>
             </a:ext>
             <a:ext uri="{AF507438-7753-43e0-B8FC-AC1667EBCBE1}">
-              <a14:hiddenEffects xmlns:a14="http://schemas.microsoft.com/office/drawing/2010/main" xmlns="">
+              <a14:hiddenEffects xmlns="" xmlns:a14="http://schemas.microsoft.com/office/drawing/2010/main">
                 <a:effectLst>
                   <a:outerShdw dist="35921" dir="2700000" algn="ctr" rotWithShape="0">
                     <a:schemeClr val="bg2"/>
@@ -10357,7 +10334,7 @@
           <a:noFill/>
           <a:extLst>
             <a:ext uri="{909E8E84-426E-40dd-AFC4-6F175D3DCCD1}">
-              <a14:hiddenFill xmlns:a14="http://schemas.microsoft.com/office/drawing/2010/main" xmlns="">
+              <a14:hiddenFill xmlns="" xmlns:a14="http://schemas.microsoft.com/office/drawing/2010/main">
                 <a:solidFill>
                   <a:srgbClr val="FFFFFF"/>
                 </a:solidFill>
@@ -10478,7 +10455,7 @@
           <a:p>
             <a:r>
               <a:rPr lang="en-US" smtClean="0"/>
-              <a:t>© 2015 EV3Lessons.com, Last edit 4/10/2015</a:t>
+              <a:t>© 2015 EV3Lessons.com, Last edit 11/12/2015</a:t>
             </a:r>
             <a:endParaRPr lang="en-US" dirty="0"/>
           </a:p>
@@ -10653,7 +10630,7 @@
           <a:p>
             <a:r>
               <a:rPr lang="en-US" smtClean="0"/>
-              <a:t>© 2015 EV3Lessons.com, Last edit 4/10/2015</a:t>
+              <a:t>© 2015 EV3Lessons.com, Last edit 11/12/2015</a:t>
             </a:r>
             <a:endParaRPr lang="en-US" dirty="0"/>
           </a:p>
@@ -10999,7 +10976,7 @@
           <a:p>
             <a:r>
               <a:rPr lang="en-US" smtClean="0"/>
-              <a:t>© 2015 EV3Lessons.com, Last edit 4/10/2015</a:t>
+              <a:t>© 2015 EV3Lessons.com, Last edit 11/12/2015</a:t>
             </a:r>
             <a:endParaRPr lang="en-US"/>
           </a:p>
@@ -11121,7 +11098,6 @@
               <a:rPr lang="en-US" sz="1200" dirty="0"/>
               <a:t>#</a:t>
             </a:r>
-            <a:endParaRPr lang="en-US" sz="1200" dirty="0"/>
           </a:p>
         </p:txBody>
       </p:sp>
@@ -11441,7 +11417,7 @@
           <a:p>
             <a:r>
               <a:rPr lang="en-US" smtClean="0"/>
-              <a:t>© 2015 EV3Lessons.com, Last edit 4/10/2015</a:t>
+              <a:t>© 2015 EV3Lessons.com, Last edit 11/12/2015</a:t>
             </a:r>
             <a:endParaRPr lang="en-US"/>
           </a:p>
@@ -11555,7 +11531,7 @@
           <a:p>
             <a:r>
               <a:rPr lang="en-US" smtClean="0"/>
-              <a:t>© 2015 EV3Lessons.com, Last edit 4/10/2015</a:t>
+              <a:t>© 2015 EV3Lessons.com, Last edit 11/12/2015</a:t>
             </a:r>
             <a:endParaRPr lang="en-US" dirty="0"/>
           </a:p>
@@ -11754,7 +11730,7 @@
           <a:p>
             <a:r>
               <a:rPr lang="en-US" smtClean="0"/>
-              <a:t>© 2015 EV3Lessons.com, Last edit 4/10/2015</a:t>
+              <a:t>© 2015 EV3Lessons.com, Last edit 11/12/2015</a:t>
             </a:r>
             <a:endParaRPr lang="en-US" dirty="0"/>
           </a:p>
@@ -12331,7 +12307,7 @@
           <a:p>
             <a:r>
               <a:rPr lang="en-US" smtClean="0"/>
-              <a:t>© 2015 EV3Lessons.com, Last edit 4/10/2015</a:t>
+              <a:t>© 2015 EV3Lessons.com, Last edit 11/12/2015</a:t>
             </a:r>
             <a:endParaRPr lang="en-US"/>
           </a:p>
@@ -12565,7 +12541,7 @@
           <a:p>
             <a:r>
               <a:rPr lang="en-US" smtClean="0"/>
-              <a:t>© 2015 EV3Lessons.com, Last edit 4/10/2015</a:t>
+              <a:t>© 2015 EV3Lessons.com, Last edit 11/12/2015</a:t>
             </a:r>
             <a:endParaRPr lang="en-US" dirty="0"/>
           </a:p>

--- a/translations/en-us/advanced/RampUp.pptx
+++ b/translations/en-us/advanced/RampUp.pptx
@@ -2,7 +2,7 @@
 <file path=ppt/presentation.xml><?xml version="1.0" encoding="utf-8"?>
 <p:presentation xmlns:a="http://schemas.openxmlformats.org/drawingml/2006/main" xmlns:r="http://schemas.openxmlformats.org/officeDocument/2006/relationships" xmlns:p="http://schemas.openxmlformats.org/presentationml/2006/main" showSpecialPlsOnTitleSld="0" saveSubsetFonts="1">
   <p:sldMasterIdLst>
-    <p:sldMasterId id="2147483818" r:id="rId1"/>
+    <p:sldMasterId id="2147483835" r:id="rId1"/>
   </p:sldMasterIdLst>
   <p:notesMasterIdLst>
     <p:notesMasterId r:id="rId15"/>
@@ -11,7 +11,7 @@
     <p:handoutMasterId r:id="rId16"/>
   </p:handoutMasterIdLst>
   <p:sldIdLst>
-    <p:sldId id="258" r:id="rId2"/>
+    <p:sldId id="299" r:id="rId2"/>
     <p:sldId id="289" r:id="rId3"/>
     <p:sldId id="290" r:id="rId4"/>
     <p:sldId id="293" r:id="rId5"/>
@@ -223,7 +223,7 @@
           <a:p>
             <a:fld id="{E354B44E-40A3-0E46-B16A-9BF1250A248B}" type="datetimeFigureOut">
               <a:rPr lang="en-US" smtClean="0"/>
-              <a:t>11/12/2015</a:t>
+              <a:t>11/15/15</a:t>
             </a:fld>
             <a:endParaRPr lang="en-US"/>
           </a:p>
@@ -389,7 +389,7 @@
           <a:p>
             <a:fld id="{C86AD16C-2DB4-6642-BAD4-9ED973A087A0}" type="datetimeFigureOut">
               <a:rPr lang="en-US" smtClean="0"/>
-              <a:t>11/12/2015</a:t>
+              <a:t>11/15/15</a:t>
             </a:fld>
             <a:endParaRPr lang="en-US"/>
           </a:p>
@@ -723,90 +723,6 @@
           <a:p>
             <a:fld id="{1E5BF589-3978-3C45-966B-D7B7A71F2A02}" type="slidenum">
               <a:rPr lang="en-US" smtClean="0"/>
-              <a:t>1</a:t>
-            </a:fld>
-            <a:endParaRPr lang="en-US"/>
-          </a:p>
-        </p:txBody>
-      </p:sp>
-    </p:spTree>
-    <p:extLst>
-      <p:ext uri="{BB962C8B-B14F-4D97-AF65-F5344CB8AC3E}">
-        <p14:creationId xmlns:p14="http://schemas.microsoft.com/office/powerpoint/2010/main" val="1994090513"/>
-      </p:ext>
-    </p:extLst>
-  </p:cSld>
-  <p:clrMapOvr>
-    <a:masterClrMapping/>
-  </p:clrMapOvr>
-</p:notes>
-</file>
-
-<file path=ppt/notesSlides/notesSlide2.xml><?xml version="1.0" encoding="utf-8"?>
-<p:notes xmlns:a="http://schemas.openxmlformats.org/drawingml/2006/main" xmlns:r="http://schemas.openxmlformats.org/officeDocument/2006/relationships" xmlns:p="http://schemas.openxmlformats.org/presentationml/2006/main">
-  <p:cSld>
-    <p:spTree>
-      <p:nvGrpSpPr>
-        <p:cNvPr id="1" name=""/>
-        <p:cNvGrpSpPr/>
-        <p:nvPr/>
-      </p:nvGrpSpPr>
-      <p:grpSpPr>
-        <a:xfrm>
-          <a:off x="0" y="0"/>
-          <a:ext cx="0" cy="0"/>
-          <a:chOff x="0" y="0"/>
-          <a:chExt cx="0" cy="0"/>
-        </a:xfrm>
-      </p:grpSpPr>
-      <p:sp>
-        <p:nvSpPr>
-          <p:cNvPr id="2" name="Slide Image Placeholder 1"/>
-          <p:cNvSpPr>
-            <a:spLocks noGrp="1" noRot="1" noChangeAspect="1"/>
-          </p:cNvSpPr>
-          <p:nvPr>
-            <p:ph type="sldImg"/>
-          </p:nvPr>
-        </p:nvSpPr>
-        <p:spPr/>
-      </p:sp>
-      <p:sp>
-        <p:nvSpPr>
-          <p:cNvPr id="3" name="Notes Placeholder 2"/>
-          <p:cNvSpPr>
-            <a:spLocks noGrp="1"/>
-          </p:cNvSpPr>
-          <p:nvPr>
-            <p:ph type="body" idx="1"/>
-          </p:nvPr>
-        </p:nvSpPr>
-        <p:spPr/>
-        <p:txBody>
-          <a:bodyPr/>
-          <a:lstStyle/>
-          <a:p>
-            <a:endParaRPr lang="en-US"/>
-          </a:p>
-        </p:txBody>
-      </p:sp>
-      <p:sp>
-        <p:nvSpPr>
-          <p:cNvPr id="4" name="Slide Number Placeholder 3"/>
-          <p:cNvSpPr>
-            <a:spLocks noGrp="1"/>
-          </p:cNvSpPr>
-          <p:nvPr>
-            <p:ph type="sldNum" sz="quarter" idx="10"/>
-          </p:nvPr>
-        </p:nvSpPr>
-        <p:spPr/>
-        <p:txBody>
-          <a:bodyPr/>
-          <a:lstStyle/>
-          <a:p>
-            <a:fld id="{1E5BF589-3978-3C45-966B-D7B7A71F2A02}" type="slidenum">
-              <a:rPr lang="en-US" smtClean="0"/>
               <a:t>3</a:t>
             </a:fld>
             <a:endParaRPr lang="en-US"/>
@@ -826,7 +742,7 @@
 </p:notes>
 </file>
 
-<file path=ppt/notesSlides/notesSlide3.xml><?xml version="1.0" encoding="utf-8"?>
+<file path=ppt/notesSlides/notesSlide2.xml><?xml version="1.0" encoding="utf-8"?>
 <p:notes xmlns:a="http://schemas.openxmlformats.org/drawingml/2006/main" xmlns:r="http://schemas.openxmlformats.org/officeDocument/2006/relationships" xmlns:p="http://schemas.openxmlformats.org/presentationml/2006/main">
   <p:cSld>
     <p:spTree>
@@ -944,7 +860,7 @@
           <a:p>
             <a:fld id="{8E890179-3DA1-4D60-943A-F6ADCEA8F800}" type="datetime1">
               <a:rPr lang="en-US" smtClean="0"/>
-              <a:t>11/12/2015</a:t>
+              <a:t>11/15/15</a:t>
             </a:fld>
             <a:endParaRPr lang="en-US"/>
           </a:p>
@@ -1004,17 +920,15 @@
         </p:nvSpPr>
         <p:spPr>
           <a:xfrm>
-            <a:off x="284163" y="444728"/>
-            <a:ext cx="8574087" cy="1468437"/>
+            <a:off x="1" y="-1"/>
+            <a:ext cx="9144000" cy="1920240"/>
           </a:xfrm>
           <a:prstGeom prst="rect">
             <a:avLst/>
           </a:prstGeom>
           <a:solidFill>
-            <a:schemeClr val="tx1">
-              <a:lumMod val="85000"/>
-              <a:lumOff val="15000"/>
-              <a:alpha val="85000"/>
+            <a:schemeClr val="bg2">
+              <a:lumMod val="25000"/>
             </a:schemeClr>
           </a:solidFill>
         </p:spPr>
@@ -1032,7 +946,10 @@
             </a:pPr>
             <a:endParaRPr sz="4200" kern="1200">
               <a:solidFill>
-                <a:schemeClr val="bg1"/>
+                <a:schemeClr val="tx1">
+                  <a:lumMod val="85000"/>
+                  <a:lumOff val="15000"/>
+                </a:schemeClr>
               </a:solidFill>
               <a:latin typeface="+mj-lt"/>
               <a:ea typeface="+mj-ea"/>
@@ -1049,8 +966,8 @@
         </p:nvGrpSpPr>
         <p:grpSpPr>
           <a:xfrm>
-            <a:off x="284163" y="1906542"/>
-            <a:ext cx="8576373" cy="137411"/>
+            <a:off x="0" y="1920240"/>
+            <a:ext cx="9144000" cy="137411"/>
             <a:chOff x="284163" y="1759424"/>
             <a:chExt cx="8576373" cy="137411"/>
           </a:xfrm>
@@ -1201,13 +1118,13 @@
             <a:spLocks noGrp="1"/>
           </p:cNvSpPr>
           <p:nvPr>
-            <p:ph type="ctrTitle" hasCustomPrompt="1"/>
+            <p:ph type="ctrTitle"/>
           </p:nvPr>
         </p:nvSpPr>
         <p:spPr>
           <a:xfrm>
-            <a:off x="421341" y="449005"/>
-            <a:ext cx="7808976" cy="1088136"/>
+            <a:off x="457200" y="2855890"/>
+            <a:ext cx="8229600" cy="1088136"/>
           </a:xfrm>
           <a:noFill/>
         </p:spPr>
@@ -1216,7 +1133,7 @@
             <a:normAutofit/>
           </a:bodyPr>
           <a:lstStyle>
-            <a:lvl1pPr marL="0" algn="l" defTabSz="914400" rtl="0" eaLnBrk="1" latinLnBrk="0" hangingPunct="1">
+            <a:lvl1pPr marL="0" algn="ctr" defTabSz="914400" rtl="0" eaLnBrk="1" latinLnBrk="0" hangingPunct="1">
               <a:lnSpc>
                 <a:spcPts val="4600"/>
               </a:lnSpc>
@@ -1224,9 +1141,9 @@
                 <a:spcPct val="0"/>
               </a:spcBef>
               <a:buNone/>
-              <a:defRPr sz="4200" kern="1200" baseline="0">
+              <a:defRPr sz="4000" kern="1200" baseline="0">
                 <a:solidFill>
-                  <a:schemeClr val="bg1"/>
+                  <a:schemeClr val="tx1"/>
                 </a:solidFill>
                 <a:latin typeface="+mj-lt"/>
                 <a:ea typeface="+mj-ea"/>
@@ -1236,8 +1153,8 @@
           </a:lstStyle>
           <a:p>
             <a:r>
-              <a:rPr lang="en-US" dirty="0" smtClean="0"/>
-              <a:t>Advanced Programming Lesson</a:t>
+              <a:rPr lang="en-US" smtClean="0"/>
+              <a:t>Click to edit Master title style</a:t>
             </a:r>
             <a:endParaRPr dirty="0"/>
           </a:p>
@@ -1255,8 +1172,8 @@
         </p:nvSpPr>
         <p:spPr>
           <a:xfrm>
-            <a:off x="476205" y="1532427"/>
-            <a:ext cx="7754112" cy="484632"/>
+            <a:off x="457200" y="4075497"/>
+            <a:ext cx="8229600" cy="484632"/>
           </a:xfrm>
         </p:spPr>
         <p:txBody>
@@ -1264,7 +1181,7 @@
             <a:normAutofit/>
           </a:bodyPr>
           <a:lstStyle>
-            <a:lvl1pPr marL="0" indent="0" algn="l" defTabSz="914400" rtl="0" eaLnBrk="1" latinLnBrk="0" hangingPunct="1">
+            <a:lvl1pPr marL="0" indent="0" algn="ctr" defTabSz="914400" rtl="0" eaLnBrk="1" latinLnBrk="0" hangingPunct="1">
               <a:lnSpc>
                 <a:spcPct val="100000"/>
               </a:lnSpc>
@@ -1281,7 +1198,7 @@
               <a:buNone/>
               <a:defRPr sz="1800" kern="1200">
                 <a:solidFill>
-                  <a:schemeClr val="bg1"/>
+                  <a:schemeClr val="tx1"/>
                 </a:solidFill>
                 <a:latin typeface="+mn-lt"/>
                 <a:ea typeface="+mn-ea"/>
@@ -1393,11 +1310,7 @@
             <a:avLst/>
           </a:prstGeom>
           <a:solidFill>
-            <a:schemeClr val="tx1">
-              <a:lumMod val="85000"/>
-              <a:lumOff val="15000"/>
-              <a:alpha val="70000"/>
-            </a:schemeClr>
+            <a:schemeClr val="tx1"/>
           </a:solidFill>
           <a:ln>
             <a:noFill/>
@@ -1428,3308 +1341,408 @@
           </a:p>
         </p:txBody>
       </p:sp>
-    </p:spTree>
-  </p:cSld>
-  <p:clrMapOvr>
-    <a:masterClrMapping/>
-  </p:clrMapOvr>
-  <p:timing>
-    <p:tnLst>
-      <p:par>
-        <p:cTn id="1" dur="indefinite" restart="never" nodeType="tmRoot"/>
-      </p:par>
-    </p:tnLst>
-  </p:timing>
-</p:sldLayout>
-</file>
-
-<file path=ppt/slideLayouts/slideLayout10.xml><?xml version="1.0" encoding="utf-8"?>
-<p:sldLayout xmlns:a="http://schemas.openxmlformats.org/drawingml/2006/main" xmlns:r="http://schemas.openxmlformats.org/officeDocument/2006/relationships" xmlns:p="http://schemas.openxmlformats.org/presentationml/2006/main" type="objTx" preserve="1">
-  <p:cSld name="Content with Caption">
-    <p:spTree>
-      <p:nvGrpSpPr>
-        <p:cNvPr id="1" name=""/>
-        <p:cNvGrpSpPr/>
-        <p:nvPr/>
-      </p:nvGrpSpPr>
-      <p:grpSpPr>
-        <a:xfrm>
-          <a:off x="0" y="0"/>
-          <a:ext cx="0" cy="0"/>
-          <a:chOff x="0" y="0"/>
-          <a:chExt cx="0" cy="0"/>
-        </a:xfrm>
-      </p:grpSpPr>
-      <p:sp>
-        <p:nvSpPr>
-          <p:cNvPr id="2" name="Title 1"/>
-          <p:cNvSpPr>
-            <a:spLocks noGrp="1"/>
-          </p:cNvSpPr>
-          <p:nvPr>
-            <p:ph type="title"/>
-          </p:nvPr>
+      <p:sp>
+        <p:nvSpPr>
+          <p:cNvPr id="14" name="TextBox 13"/>
+          <p:cNvSpPr txBox="1"/>
+          <p:nvPr/>
         </p:nvSpPr>
         <p:spPr>
           <a:xfrm>
-            <a:off x="268941" y="1298762"/>
-            <a:ext cx="4069080" cy="1162050"/>
-          </a:xfrm>
-          <a:noFill/>
-        </p:spPr>
-        <p:txBody>
-          <a:bodyPr anchor="b">
-            <a:noAutofit/>
-          </a:bodyPr>
-          <a:lstStyle>
-            <a:lvl1pPr algn="ctr">
-              <a:defRPr sz="3200" b="1">
-                <a:solidFill>
-                  <a:schemeClr val="accent2"/>
-                </a:solidFill>
-              </a:defRPr>
-            </a:lvl1pPr>
-          </a:lstStyle>
-          <a:p>
-            <a:r>
-              <a:rPr lang="en-US" smtClean="0"/>
-              <a:t>Click to edit Master title style</a:t>
-            </a:r>
-            <a:endParaRPr/>
-          </a:p>
-        </p:txBody>
-      </p:sp>
-      <p:sp>
-        <p:nvSpPr>
-          <p:cNvPr id="3" name="Content Placeholder 2"/>
-          <p:cNvSpPr>
-            <a:spLocks noGrp="1"/>
-          </p:cNvSpPr>
-          <p:nvPr>
-            <p:ph idx="1"/>
-          </p:nvPr>
-        </p:nvSpPr>
-        <p:spPr>
-          <a:xfrm>
-            <a:off x="4783567" y="914400"/>
-            <a:ext cx="4069080" cy="5211763"/>
-          </a:xfrm>
-        </p:spPr>
-        <p:txBody>
-          <a:bodyPr>
-            <a:normAutofit/>
-          </a:bodyPr>
-          <a:lstStyle>
-            <a:lvl1pPr>
-              <a:defRPr sz="2200"/>
-            </a:lvl1pPr>
-            <a:lvl2pPr>
-              <a:defRPr sz="2000"/>
-            </a:lvl2pPr>
-            <a:lvl3pPr>
-              <a:defRPr sz="1800"/>
-            </a:lvl3pPr>
-            <a:lvl4pPr>
-              <a:defRPr sz="1800"/>
-            </a:lvl4pPr>
-            <a:lvl5pPr>
-              <a:defRPr sz="1800"/>
-            </a:lvl5pPr>
-            <a:lvl6pPr>
-              <a:defRPr sz="1800"/>
-            </a:lvl6pPr>
-            <a:lvl7pPr>
-              <a:defRPr sz="1800"/>
-            </a:lvl7pPr>
-            <a:lvl8pPr>
-              <a:defRPr sz="1800"/>
-            </a:lvl8pPr>
-            <a:lvl9pPr>
-              <a:defRPr sz="1800"/>
-            </a:lvl9pPr>
-          </a:lstStyle>
-          <a:p>
-            <a:pPr lvl="0"/>
-            <a:r>
-              <a:rPr lang="en-US" smtClean="0"/>
-              <a:t>Click to edit Master text styles</a:t>
-            </a:r>
-          </a:p>
-          <a:p>
-            <a:pPr lvl="1"/>
-            <a:r>
-              <a:rPr lang="en-US" smtClean="0"/>
-              <a:t>Second level</a:t>
-            </a:r>
-          </a:p>
-          <a:p>
-            <a:pPr lvl="2"/>
-            <a:r>
-              <a:rPr lang="en-US" smtClean="0"/>
-              <a:t>Third level</a:t>
-            </a:r>
-          </a:p>
-          <a:p>
-            <a:pPr lvl="3"/>
-            <a:r>
-              <a:rPr lang="en-US" smtClean="0"/>
-              <a:t>Fourth level</a:t>
-            </a:r>
-          </a:p>
-          <a:p>
-            <a:pPr lvl="4"/>
-            <a:r>
-              <a:rPr lang="en-US" smtClean="0"/>
-              <a:t>Fifth level</a:t>
-            </a:r>
-            <a:endParaRPr dirty="0"/>
-          </a:p>
-        </p:txBody>
-      </p:sp>
-      <p:sp>
-        <p:nvSpPr>
-          <p:cNvPr id="4" name="Text Placeholder 3"/>
-          <p:cNvSpPr>
-            <a:spLocks noGrp="1"/>
-          </p:cNvSpPr>
-          <p:nvPr>
-            <p:ph type="body" sz="half" idx="2"/>
-          </p:nvPr>
-        </p:nvSpPr>
-        <p:spPr>
-          <a:xfrm>
-            <a:off x="268941" y="2456329"/>
-            <a:ext cx="4069080" cy="3182472"/>
-          </a:xfrm>
-        </p:spPr>
-        <p:txBody>
-          <a:bodyPr>
-            <a:normAutofit/>
-          </a:bodyPr>
-          <a:lstStyle>
-            <a:lvl1pPr marL="0" indent="0" algn="ctr">
-              <a:spcBef>
-                <a:spcPts val="600"/>
-              </a:spcBef>
-              <a:buNone/>
-              <a:defRPr sz="1800"/>
-            </a:lvl1pPr>
-            <a:lvl2pPr marL="457200" indent="0">
-              <a:buNone/>
-              <a:defRPr sz="1200"/>
-            </a:lvl2pPr>
-            <a:lvl3pPr marL="914400" indent="0">
-              <a:buNone/>
-              <a:defRPr sz="1000"/>
-            </a:lvl3pPr>
-            <a:lvl4pPr marL="1371600" indent="0">
-              <a:buNone/>
-              <a:defRPr sz="900"/>
-            </a:lvl4pPr>
-            <a:lvl5pPr marL="1828800" indent="0">
-              <a:buNone/>
-              <a:defRPr sz="900"/>
-            </a:lvl5pPr>
-            <a:lvl6pPr marL="2286000" indent="0">
-              <a:buNone/>
-              <a:defRPr sz="900"/>
-            </a:lvl6pPr>
-            <a:lvl7pPr marL="2743200" indent="0">
-              <a:buNone/>
-              <a:defRPr sz="900"/>
-            </a:lvl7pPr>
-            <a:lvl8pPr marL="3200400" indent="0">
-              <a:buNone/>
-              <a:defRPr sz="900"/>
-            </a:lvl8pPr>
-            <a:lvl9pPr marL="3657600" indent="0">
-              <a:buNone/>
-              <a:defRPr sz="900"/>
-            </a:lvl9pPr>
-          </a:lstStyle>
-          <a:p>
-            <a:pPr lvl="0"/>
-            <a:r>
-              <a:rPr lang="en-US" smtClean="0"/>
-              <a:t>Click to edit Master text styles</a:t>
-            </a:r>
-          </a:p>
-        </p:txBody>
-      </p:sp>
-      <p:sp>
-        <p:nvSpPr>
-          <p:cNvPr id="5" name="Date Placeholder 4"/>
-          <p:cNvSpPr>
-            <a:spLocks noGrp="1"/>
-          </p:cNvSpPr>
-          <p:nvPr>
-            <p:ph type="dt" sz="half" idx="10"/>
-          </p:nvPr>
-        </p:nvSpPr>
-        <p:spPr/>
-        <p:txBody>
-          <a:bodyPr/>
-          <a:lstStyle/>
-          <a:p>
-            <a:fld id="{86ECF8D6-1FAA-4B41-A858-B01512A0EB12}" type="datetime1">
-              <a:rPr lang="en-US" smtClean="0"/>
-              <a:t>11/12/2015</a:t>
-            </a:fld>
-            <a:endParaRPr lang="en-US"/>
-          </a:p>
-        </p:txBody>
-      </p:sp>
-      <p:sp>
-        <p:nvSpPr>
-          <p:cNvPr id="6" name="Footer Placeholder 5"/>
-          <p:cNvSpPr>
-            <a:spLocks noGrp="1"/>
-          </p:cNvSpPr>
-          <p:nvPr>
-            <p:ph type="ftr" sz="quarter" idx="11"/>
-          </p:nvPr>
-        </p:nvSpPr>
-        <p:spPr/>
-        <p:txBody>
-          <a:bodyPr/>
-          <a:lstStyle/>
-          <a:p>
-            <a:r>
-              <a:rPr lang="en-US" smtClean="0"/>
-              <a:t>© 2015 EV3Lessons.com, Last edit 11/12/2015</a:t>
-            </a:r>
-            <a:endParaRPr lang="en-US"/>
-          </a:p>
-        </p:txBody>
-      </p:sp>
-      <p:sp>
-        <p:nvSpPr>
-          <p:cNvPr id="7" name="Slide Number Placeholder 6"/>
-          <p:cNvSpPr>
-            <a:spLocks noGrp="1"/>
-          </p:cNvSpPr>
-          <p:nvPr>
-            <p:ph type="sldNum" sz="quarter" idx="12"/>
-          </p:nvPr>
-        </p:nvSpPr>
-        <p:spPr/>
-        <p:txBody>
-          <a:bodyPr/>
-          <a:lstStyle/>
-          <a:p>
-            <a:fld id="{7F5CE407-6216-4202-80E4-A30DC2F709B2}" type="slidenum">
-              <a:rPr lang="en-US" smtClean="0"/>
-              <a:t>‹#›</a:t>
-            </a:fld>
-            <a:endParaRPr lang="en-US"/>
-          </a:p>
-        </p:txBody>
-      </p:sp>
-      <p:grpSp>
-        <p:nvGrpSpPr>
-          <p:cNvPr id="8" name="Group 7"/>
-          <p:cNvGrpSpPr/>
-          <p:nvPr/>
-        </p:nvGrpSpPr>
-        <p:grpSpPr>
-          <a:xfrm>
-            <a:off x="284163" y="452718"/>
-            <a:ext cx="8576373" cy="137411"/>
-            <a:chOff x="284163" y="1577847"/>
-            <a:chExt cx="8576373" cy="137411"/>
-          </a:xfrm>
-        </p:grpSpPr>
-        <p:sp>
-          <p:nvSpPr>
-            <p:cNvPr id="9" name="Rectangle 8"/>
-            <p:cNvSpPr/>
-            <p:nvPr/>
-          </p:nvSpPr>
-          <p:spPr>
-            <a:xfrm>
-              <a:off x="284163" y="1577847"/>
-              <a:ext cx="1600200" cy="137411"/>
-            </a:xfrm>
-            <a:prstGeom prst="rect">
-              <a:avLst/>
-            </a:prstGeom>
-            <a:solidFill>
-              <a:schemeClr val="accent1"/>
-            </a:solidFill>
-            <a:ln>
-              <a:noFill/>
-            </a:ln>
-          </p:spPr>
-          <p:style>
-            <a:lnRef idx="2">
-              <a:schemeClr val="accent1">
-                <a:shade val="50000"/>
-              </a:schemeClr>
-            </a:lnRef>
-            <a:fillRef idx="1">
-              <a:schemeClr val="accent1"/>
-            </a:fillRef>
-            <a:effectRef idx="0">
-              <a:schemeClr val="accent1"/>
-            </a:effectRef>
-            <a:fontRef idx="minor">
-              <a:schemeClr val="lt1"/>
-            </a:fontRef>
-          </p:style>
-          <p:txBody>
-            <a:bodyPr rtlCol="0" anchor="ctr"/>
-            <a:lstStyle/>
-            <a:p>
-              <a:pPr algn="ctr"/>
-              <a:endParaRPr/>
-            </a:p>
-          </p:txBody>
-        </p:sp>
-        <p:sp>
-          <p:nvSpPr>
-            <p:cNvPr id="10" name="Rectangle 9"/>
-            <p:cNvSpPr/>
-            <p:nvPr/>
-          </p:nvSpPr>
-          <p:spPr>
-            <a:xfrm>
-              <a:off x="1885174" y="1577847"/>
-              <a:ext cx="2743200" cy="137411"/>
-            </a:xfrm>
-            <a:prstGeom prst="rect">
-              <a:avLst/>
-            </a:prstGeom>
-            <a:solidFill>
-              <a:schemeClr val="accent2"/>
-            </a:solidFill>
-            <a:ln>
-              <a:noFill/>
-            </a:ln>
-          </p:spPr>
-          <p:style>
-            <a:lnRef idx="2">
-              <a:schemeClr val="accent1">
-                <a:shade val="50000"/>
-              </a:schemeClr>
-            </a:lnRef>
-            <a:fillRef idx="1">
-              <a:schemeClr val="accent1"/>
-            </a:fillRef>
-            <a:effectRef idx="0">
-              <a:schemeClr val="accent1"/>
-            </a:effectRef>
-            <a:fontRef idx="minor">
-              <a:schemeClr val="lt1"/>
-            </a:fontRef>
-          </p:style>
-          <p:txBody>
-            <a:bodyPr rtlCol="0" anchor="ctr"/>
-            <a:lstStyle/>
-            <a:p>
-              <a:pPr algn="ctr"/>
-              <a:endParaRPr/>
-            </a:p>
-          </p:txBody>
-        </p:sp>
-        <p:sp>
-          <p:nvSpPr>
-            <p:cNvPr id="11" name="Rectangle 10"/>
-            <p:cNvSpPr/>
-            <p:nvPr/>
-          </p:nvSpPr>
-          <p:spPr>
-            <a:xfrm>
-              <a:off x="4626864" y="1577847"/>
-              <a:ext cx="4233672" cy="137411"/>
-            </a:xfrm>
-            <a:prstGeom prst="rect">
-              <a:avLst/>
-            </a:prstGeom>
-            <a:solidFill>
-              <a:schemeClr val="accent4"/>
-            </a:solidFill>
-            <a:ln>
-              <a:noFill/>
-            </a:ln>
-          </p:spPr>
-          <p:style>
-            <a:lnRef idx="2">
-              <a:schemeClr val="accent1">
-                <a:shade val="50000"/>
-              </a:schemeClr>
-            </a:lnRef>
-            <a:fillRef idx="1">
-              <a:schemeClr val="accent1"/>
-            </a:fillRef>
-            <a:effectRef idx="0">
-              <a:schemeClr val="accent1"/>
-            </a:effectRef>
-            <a:fontRef idx="minor">
-              <a:schemeClr val="lt1"/>
-            </a:fontRef>
-          </p:style>
-          <p:txBody>
-            <a:bodyPr rtlCol="0" anchor="ctr"/>
-            <a:lstStyle/>
-            <a:p>
-              <a:pPr algn="ctr"/>
-              <a:endParaRPr/>
-            </a:p>
-          </p:txBody>
-        </p:sp>
-      </p:grpSp>
-    </p:spTree>
-  </p:cSld>
-  <p:clrMapOvr>
-    <a:masterClrMapping/>
-  </p:clrMapOvr>
-  <p:timing>
-    <p:tnLst>
-      <p:par>
-        <p:cTn id="1" dur="indefinite" restart="never" nodeType="tmRoot"/>
-      </p:par>
-    </p:tnLst>
-  </p:timing>
-</p:sldLayout>
-</file>
-
-<file path=ppt/slideLayouts/slideLayout11.xml><?xml version="1.0" encoding="utf-8"?>
-<p:sldLayout xmlns:a="http://schemas.openxmlformats.org/drawingml/2006/main" xmlns:r="http://schemas.openxmlformats.org/officeDocument/2006/relationships" xmlns:p="http://schemas.openxmlformats.org/presentationml/2006/main" type="picTx" preserve="1">
-  <p:cSld name="Picture with Caption">
-    <p:spTree>
-      <p:nvGrpSpPr>
-        <p:cNvPr id="1" name=""/>
-        <p:cNvGrpSpPr/>
-        <p:nvPr/>
-      </p:nvGrpSpPr>
-      <p:grpSpPr>
-        <a:xfrm>
-          <a:off x="0" y="0"/>
-          <a:ext cx="0" cy="0"/>
-          <a:chOff x="0" y="0"/>
-          <a:chExt cx="0" cy="0"/>
-        </a:xfrm>
-      </p:grpSpPr>
-      <p:sp>
-        <p:nvSpPr>
-          <p:cNvPr id="8" name="Rectangle 7"/>
-          <p:cNvSpPr/>
-          <p:nvPr/>
-        </p:nvSpPr>
-        <p:spPr>
-          <a:xfrm>
-            <a:off x="284163" y="4801575"/>
-            <a:ext cx="8574087" cy="1468437"/>
+            <a:off x="329321" y="365291"/>
+            <a:ext cx="5046247" cy="1200329"/>
           </a:xfrm>
           <a:prstGeom prst="rect">
             <a:avLst/>
           </a:prstGeom>
-          <a:solidFill>
-            <a:schemeClr val="tx1">
-              <a:lumMod val="85000"/>
-              <a:lumOff val="15000"/>
-              <a:alpha val="85000"/>
-            </a:schemeClr>
-          </a:solidFill>
+          <a:noFill/>
         </p:spPr>
         <p:txBody>
-          <a:bodyPr vert="horz" lIns="91440" tIns="45720" rIns="182880" bIns="365760" rtlCol="0" anchor="b" anchorCtr="0">
-            <a:normAutofit/>
+          <a:bodyPr wrap="square" rtlCol="0">
+            <a:spAutoFit/>
           </a:bodyPr>
           <a:lstStyle/>
           <a:p>
-            <a:pPr algn="l" defTabSz="914400" rtl="0" eaLnBrk="1" latinLnBrk="0" hangingPunct="1">
-              <a:spcBef>
-                <a:spcPct val="0"/>
-              </a:spcBef>
-              <a:buNone/>
-            </a:pPr>
-            <a:endParaRPr sz="4200" kern="1200">
+            <a:r>
+              <a:rPr lang="en-US" sz="3600" dirty="0" smtClean="0">
+                <a:solidFill>
+                  <a:schemeClr val="bg1"/>
+                </a:solidFill>
+              </a:rPr>
+              <a:t>ADVANCED EV3 PROGRAMMING LESSON</a:t>
+            </a:r>
+            <a:endParaRPr lang="en-US" sz="3600" dirty="0">
               <a:solidFill>
                 <a:schemeClr val="bg1"/>
               </a:solidFill>
-              <a:latin typeface="+mj-lt"/>
-              <a:ea typeface="+mj-ea"/>
-              <a:cs typeface="+mj-cs"/>
             </a:endParaRPr>
           </a:p>
         </p:txBody>
       </p:sp>
-      <p:grpSp>
-        <p:nvGrpSpPr>
-          <p:cNvPr id="9" name="Group 8"/>
-          <p:cNvGrpSpPr/>
+      <p:pic>
+        <p:nvPicPr>
+          <p:cNvPr id="15" name="Picture 14" descr="EV3Lessons.com"/>
+          <p:cNvPicPr>
+            <a:picLocks noChangeAspect="1" noChangeArrowheads="1"/>
+          </p:cNvPicPr>
           <p:nvPr/>
-        </p:nvGrpSpPr>
-        <p:grpSpPr>
+        </p:nvPicPr>
+        <p:blipFill>
+          <a:blip r:embed="rId2" cstate="email">
+            <a:extLst>
+              <a:ext uri="{28A0092B-C50C-407E-A947-70E740481C1C}">
+                <a14:useLocalDpi xmlns:a14="http://schemas.microsoft.com/office/drawing/2010/main" val="0"/>
+              </a:ext>
+            </a:extLst>
+          </a:blip>
+          <a:srcRect/>
+          <a:stretch>
+            <a:fillRect/>
+          </a:stretch>
+        </p:blipFill>
+        <p:spPr bwMode="auto">
           <a:xfrm>
-            <a:off x="284163" y="6263389"/>
-            <a:ext cx="8576373" cy="137411"/>
-            <a:chOff x="284163" y="1759424"/>
-            <a:chExt cx="8576373" cy="137411"/>
-          </a:xfrm>
-        </p:grpSpPr>
-        <p:sp>
-          <p:nvSpPr>
-            <p:cNvPr id="10" name="Rectangle 9"/>
-            <p:cNvSpPr/>
-            <p:nvPr/>
-          </p:nvSpPr>
-          <p:spPr>
-            <a:xfrm>
-              <a:off x="284163" y="1759424"/>
-              <a:ext cx="2743200" cy="137411"/>
-            </a:xfrm>
-            <a:prstGeom prst="rect">
-              <a:avLst/>
-            </a:prstGeom>
-            <a:solidFill>
-              <a:schemeClr val="accent1"/>
-            </a:solidFill>
-            <a:ln>
-              <a:noFill/>
-            </a:ln>
-          </p:spPr>
-          <p:style>
-            <a:lnRef idx="2">
-              <a:schemeClr val="accent1">
-                <a:shade val="50000"/>
-              </a:schemeClr>
-            </a:lnRef>
-            <a:fillRef idx="1">
-              <a:schemeClr val="accent1"/>
-            </a:fillRef>
-            <a:effectRef idx="0">
-              <a:schemeClr val="accent1"/>
-            </a:effectRef>
-            <a:fontRef idx="minor">
-              <a:schemeClr val="lt1"/>
-            </a:fontRef>
-          </p:style>
-          <p:txBody>
-            <a:bodyPr rtlCol="0" anchor="ctr"/>
-            <a:lstStyle/>
-            <a:p>
-              <a:pPr algn="ctr"/>
-              <a:endParaRPr/>
-            </a:p>
-          </p:txBody>
-        </p:sp>
-        <p:sp>
-          <p:nvSpPr>
-            <p:cNvPr id="11" name="Rectangle 10"/>
-            <p:cNvSpPr/>
-            <p:nvPr/>
-          </p:nvSpPr>
-          <p:spPr>
-            <a:xfrm>
-              <a:off x="3026392" y="1759424"/>
-              <a:ext cx="1600200" cy="137411"/>
-            </a:xfrm>
-            <a:prstGeom prst="rect">
-              <a:avLst/>
-            </a:prstGeom>
-            <a:solidFill>
-              <a:schemeClr val="accent2"/>
-            </a:solidFill>
-            <a:ln>
-              <a:noFill/>
-            </a:ln>
-          </p:spPr>
-          <p:style>
-            <a:lnRef idx="2">
-              <a:schemeClr val="accent1">
-                <a:shade val="50000"/>
-              </a:schemeClr>
-            </a:lnRef>
-            <a:fillRef idx="1">
-              <a:schemeClr val="accent1"/>
-            </a:fillRef>
-            <a:effectRef idx="0">
-              <a:schemeClr val="accent1"/>
-            </a:effectRef>
-            <a:fontRef idx="minor">
-              <a:schemeClr val="lt1"/>
-            </a:fontRef>
-          </p:style>
-          <p:txBody>
-            <a:bodyPr rtlCol="0" anchor="ctr"/>
-            <a:lstStyle/>
-            <a:p>
-              <a:pPr algn="ctr"/>
-              <a:endParaRPr/>
-            </a:p>
-          </p:txBody>
-        </p:sp>
-        <p:sp>
-          <p:nvSpPr>
-            <p:cNvPr id="12" name="Rectangle 11"/>
-            <p:cNvSpPr/>
-            <p:nvPr/>
-          </p:nvSpPr>
-          <p:spPr>
-            <a:xfrm>
-              <a:off x="4626864" y="1759424"/>
-              <a:ext cx="4233672" cy="137411"/>
-            </a:xfrm>
-            <a:prstGeom prst="rect">
-              <a:avLst/>
-            </a:prstGeom>
-            <a:solidFill>
-              <a:schemeClr val="accent4"/>
-            </a:solidFill>
-            <a:ln>
-              <a:noFill/>
-            </a:ln>
-          </p:spPr>
-          <p:style>
-            <a:lnRef idx="2">
-              <a:schemeClr val="accent1">
-                <a:shade val="50000"/>
-              </a:schemeClr>
-            </a:lnRef>
-            <a:fillRef idx="1">
-              <a:schemeClr val="accent1"/>
-            </a:fillRef>
-            <a:effectRef idx="0">
-              <a:schemeClr val="accent1"/>
-            </a:effectRef>
-            <a:fontRef idx="minor">
-              <a:schemeClr val="lt1"/>
-            </a:fontRef>
-          </p:style>
-          <p:txBody>
-            <a:bodyPr rtlCol="0" anchor="ctr"/>
-            <a:lstStyle/>
-            <a:p>
-              <a:pPr algn="ctr"/>
-              <a:endParaRPr/>
-            </a:p>
-          </p:txBody>
-        </p:sp>
-      </p:grpSp>
-      <p:sp>
-        <p:nvSpPr>
-          <p:cNvPr id="2" name="Title 1"/>
-          <p:cNvSpPr>
-            <a:spLocks noGrp="1"/>
-          </p:cNvSpPr>
-          <p:nvPr>
-            <p:ph type="title"/>
-          </p:nvPr>
-        </p:nvSpPr>
-        <p:spPr>
-          <a:xfrm>
-            <a:off x="363071" y="4800600"/>
-            <a:ext cx="8360242" cy="566738"/>
-          </a:xfrm>
-          <a:noFill/>
-        </p:spPr>
-        <p:txBody>
-          <a:bodyPr vert="horz" lIns="91440" tIns="45720" rIns="91440" bIns="45720" rtlCol="0" anchor="b" anchorCtr="0">
-            <a:normAutofit/>
-          </a:bodyPr>
-          <a:lstStyle>
-            <a:lvl1pPr algn="l" defTabSz="914400" rtl="0" eaLnBrk="1" latinLnBrk="0" hangingPunct="1">
-              <a:spcBef>
-                <a:spcPct val="0"/>
-              </a:spcBef>
-              <a:buNone/>
-              <a:defRPr sz="2800" b="0" i="0" kern="1200" cap="none" baseline="0">
-                <a:solidFill>
-                  <a:schemeClr val="bg1"/>
-                </a:solidFill>
-                <a:latin typeface="+mj-lt"/>
-                <a:ea typeface="+mj-ea"/>
-                <a:cs typeface="+mj-cs"/>
-              </a:defRPr>
-            </a:lvl1pPr>
-          </a:lstStyle>
-          <a:p>
-            <a:r>
-              <a:rPr lang="en-US" smtClean="0"/>
-              <a:t>Click to edit Master title style</a:t>
-            </a:r>
-            <a:endParaRPr/>
-          </a:p>
-        </p:txBody>
-      </p:sp>
-      <p:sp>
-        <p:nvSpPr>
-          <p:cNvPr id="3" name="Picture Placeholder 2"/>
-          <p:cNvSpPr>
-            <a:spLocks noGrp="1"/>
-          </p:cNvSpPr>
-          <p:nvPr>
-            <p:ph type="pic" idx="1"/>
-          </p:nvPr>
-        </p:nvSpPr>
-        <p:spPr>
-          <a:xfrm>
-            <a:off x="284163" y="457199"/>
-            <a:ext cx="8577072" cy="4352544"/>
-          </a:xfrm>
-        </p:spPr>
-        <p:txBody>
-          <a:bodyPr/>
-          <a:lstStyle>
-            <a:lvl1pPr marL="0" indent="0">
-              <a:buNone/>
-              <a:defRPr sz="3200"/>
-            </a:lvl1pPr>
-            <a:lvl2pPr marL="457200" indent="0">
-              <a:buNone/>
-              <a:defRPr sz="2800"/>
-            </a:lvl2pPr>
-            <a:lvl3pPr marL="914400" indent="0">
-              <a:buNone/>
-              <a:defRPr sz="2400"/>
-            </a:lvl3pPr>
-            <a:lvl4pPr marL="1371600" indent="0">
-              <a:buNone/>
-              <a:defRPr sz="2000"/>
-            </a:lvl4pPr>
-            <a:lvl5pPr marL="1828800" indent="0">
-              <a:buNone/>
-              <a:defRPr sz="2000"/>
-            </a:lvl5pPr>
-            <a:lvl6pPr marL="2286000" indent="0">
-              <a:buNone/>
-              <a:defRPr sz="2000"/>
-            </a:lvl6pPr>
-            <a:lvl7pPr marL="2743200" indent="0">
-              <a:buNone/>
-              <a:defRPr sz="2000"/>
-            </a:lvl7pPr>
-            <a:lvl8pPr marL="3200400" indent="0">
-              <a:buNone/>
-              <a:defRPr sz="2000"/>
-            </a:lvl8pPr>
-            <a:lvl9pPr marL="3657600" indent="0">
-              <a:buNone/>
-              <a:defRPr sz="2000"/>
-            </a:lvl9pPr>
-          </a:lstStyle>
-          <a:p>
-            <a:r>
-              <a:rPr lang="en-US" smtClean="0"/>
-              <a:t>Drag picture to placeholder or click icon to add</a:t>
-            </a:r>
-            <a:endParaRPr/>
-          </a:p>
-        </p:txBody>
-      </p:sp>
-      <p:sp>
-        <p:nvSpPr>
-          <p:cNvPr id="4" name="Text Placeholder 3"/>
-          <p:cNvSpPr>
-            <a:spLocks noGrp="1"/>
-          </p:cNvSpPr>
-          <p:nvPr>
-            <p:ph type="body" sz="half" idx="2"/>
-          </p:nvPr>
-        </p:nvSpPr>
-        <p:spPr>
-          <a:xfrm>
-            <a:off x="419099" y="5367338"/>
-            <a:ext cx="8304213" cy="804862"/>
-          </a:xfrm>
-        </p:spPr>
-        <p:txBody>
-          <a:bodyPr/>
-          <a:lstStyle>
-            <a:lvl1pPr marL="0" indent="0">
-              <a:spcBef>
-                <a:spcPts val="0"/>
-              </a:spcBef>
-              <a:buNone/>
-              <a:defRPr sz="1400">
-                <a:solidFill>
-                  <a:schemeClr val="bg1"/>
-                </a:solidFill>
-              </a:defRPr>
-            </a:lvl1pPr>
-            <a:lvl2pPr marL="457200" indent="0">
-              <a:buNone/>
-              <a:defRPr sz="1200"/>
-            </a:lvl2pPr>
-            <a:lvl3pPr marL="914400" indent="0">
-              <a:buNone/>
-              <a:defRPr sz="1000"/>
-            </a:lvl3pPr>
-            <a:lvl4pPr marL="1371600" indent="0">
-              <a:buNone/>
-              <a:defRPr sz="900"/>
-            </a:lvl4pPr>
-            <a:lvl5pPr marL="1828800" indent="0">
-              <a:buNone/>
-              <a:defRPr sz="900"/>
-            </a:lvl5pPr>
-            <a:lvl6pPr marL="2286000" indent="0">
-              <a:buNone/>
-              <a:defRPr sz="900"/>
-            </a:lvl6pPr>
-            <a:lvl7pPr marL="2743200" indent="0">
-              <a:buNone/>
-              <a:defRPr sz="900"/>
-            </a:lvl7pPr>
-            <a:lvl8pPr marL="3200400" indent="0">
-              <a:buNone/>
-              <a:defRPr sz="900"/>
-            </a:lvl8pPr>
-            <a:lvl9pPr marL="3657600" indent="0">
-              <a:buNone/>
-              <a:defRPr sz="900"/>
-            </a:lvl9pPr>
-          </a:lstStyle>
-          <a:p>
-            <a:pPr lvl="0"/>
-            <a:r>
-              <a:rPr lang="en-US" smtClean="0"/>
-              <a:t>Click to edit Master text styles</a:t>
-            </a:r>
-          </a:p>
-        </p:txBody>
-      </p:sp>
-      <p:sp>
-        <p:nvSpPr>
-          <p:cNvPr id="5" name="Date Placeholder 4"/>
-          <p:cNvSpPr>
-            <a:spLocks noGrp="1"/>
-          </p:cNvSpPr>
-          <p:nvPr>
-            <p:ph type="dt" sz="half" idx="10"/>
-          </p:nvPr>
-        </p:nvSpPr>
-        <p:spPr/>
-        <p:txBody>
-          <a:bodyPr/>
-          <a:lstStyle/>
-          <a:p>
-            <a:fld id="{96333CFD-C52D-435A-BDC3-3E1705B9AC29}" type="datetime1">
-              <a:rPr lang="en-US" smtClean="0"/>
-              <a:t>11/12/2015</a:t>
-            </a:fld>
-            <a:endParaRPr lang="en-US"/>
-          </a:p>
-        </p:txBody>
-      </p:sp>
-      <p:sp>
-        <p:nvSpPr>
-          <p:cNvPr id="6" name="Footer Placeholder 5"/>
-          <p:cNvSpPr>
-            <a:spLocks noGrp="1"/>
-          </p:cNvSpPr>
-          <p:nvPr>
-            <p:ph type="ftr" sz="quarter" idx="11"/>
-          </p:nvPr>
-        </p:nvSpPr>
-        <p:spPr/>
-        <p:txBody>
-          <a:bodyPr/>
-          <a:lstStyle/>
-          <a:p>
-            <a:r>
-              <a:rPr lang="en-US" smtClean="0"/>
-              <a:t>© 2015 EV3Lessons.com, Last edit 11/12/2015</a:t>
-            </a:r>
-            <a:endParaRPr lang="en-US"/>
-          </a:p>
-        </p:txBody>
-      </p:sp>
-      <p:sp>
-        <p:nvSpPr>
-          <p:cNvPr id="7" name="Slide Number Placeholder 6"/>
-          <p:cNvSpPr>
-            <a:spLocks noGrp="1"/>
-          </p:cNvSpPr>
-          <p:nvPr>
-            <p:ph type="sldNum" sz="quarter" idx="12"/>
-          </p:nvPr>
-        </p:nvSpPr>
-        <p:spPr/>
-        <p:txBody>
-          <a:bodyPr/>
-          <a:lstStyle/>
-          <a:p>
-            <a:fld id="{4382A7F7-08BF-4252-8141-63FB96055BBB}" type="slidenum">
-              <a:rPr lang="en-US" smtClean="0"/>
-              <a:t>‹#›</a:t>
-            </a:fld>
-            <a:endParaRPr lang="en-US"/>
-          </a:p>
-        </p:txBody>
-      </p:sp>
-    </p:spTree>
-  </p:cSld>
-  <p:clrMapOvr>
-    <a:masterClrMapping/>
-  </p:clrMapOvr>
-  <p:timing>
-    <p:tnLst>
-      <p:par>
-        <p:cTn id="1" dur="indefinite" restart="never" nodeType="tmRoot"/>
-      </p:par>
-    </p:tnLst>
-  </p:timing>
-</p:sldLayout>
-</file>
-
-<file path=ppt/slideLayouts/slideLayout12.xml><?xml version="1.0" encoding="utf-8"?>
-<p:sldLayout xmlns:a="http://schemas.openxmlformats.org/drawingml/2006/main" xmlns:r="http://schemas.openxmlformats.org/officeDocument/2006/relationships" xmlns:p="http://schemas.openxmlformats.org/presentationml/2006/main" type="picTx" preserve="1">
-  <p:cSld name="Picture with Caption, Alt.">
-    <p:spTree>
-      <p:nvGrpSpPr>
-        <p:cNvPr id="1" name=""/>
-        <p:cNvGrpSpPr/>
-        <p:nvPr/>
-      </p:nvGrpSpPr>
-      <p:grpSpPr>
-        <a:xfrm>
-          <a:off x="0" y="0"/>
-          <a:ext cx="0" cy="0"/>
-          <a:chOff x="0" y="0"/>
-          <a:chExt cx="0" cy="0"/>
-        </a:xfrm>
-      </p:grpSpPr>
-      <p:grpSp>
-        <p:nvGrpSpPr>
-          <p:cNvPr id="8" name="Group 8"/>
-          <p:cNvGrpSpPr/>
-          <p:nvPr/>
-        </p:nvGrpSpPr>
-        <p:grpSpPr>
-          <a:xfrm>
-            <a:off x="284163" y="4280647"/>
-            <a:ext cx="8576373" cy="137411"/>
-            <a:chOff x="284163" y="1759424"/>
-            <a:chExt cx="8576373" cy="137411"/>
-          </a:xfrm>
-        </p:grpSpPr>
-        <p:sp>
-          <p:nvSpPr>
-            <p:cNvPr id="10" name="Rectangle 9"/>
-            <p:cNvSpPr/>
-            <p:nvPr/>
-          </p:nvSpPr>
-          <p:spPr>
-            <a:xfrm>
-              <a:off x="284163" y="1759424"/>
-              <a:ext cx="2743200" cy="137411"/>
-            </a:xfrm>
-            <a:prstGeom prst="rect">
-              <a:avLst/>
-            </a:prstGeom>
-            <a:solidFill>
-              <a:schemeClr val="accent1"/>
-            </a:solidFill>
-            <a:ln>
-              <a:noFill/>
-            </a:ln>
-          </p:spPr>
-          <p:style>
-            <a:lnRef idx="2">
-              <a:schemeClr val="accent1">
-                <a:shade val="50000"/>
-              </a:schemeClr>
-            </a:lnRef>
-            <a:fillRef idx="1">
-              <a:schemeClr val="accent1"/>
-            </a:fillRef>
-            <a:effectRef idx="0">
-              <a:schemeClr val="accent1"/>
-            </a:effectRef>
-            <a:fontRef idx="minor">
-              <a:schemeClr val="lt1"/>
-            </a:fontRef>
-          </p:style>
-          <p:txBody>
-            <a:bodyPr rtlCol="0" anchor="ctr"/>
-            <a:lstStyle/>
-            <a:p>
-              <a:pPr algn="ctr"/>
-              <a:endParaRPr/>
-            </a:p>
-          </p:txBody>
-        </p:sp>
-        <p:sp>
-          <p:nvSpPr>
-            <p:cNvPr id="11" name="Rectangle 10"/>
-            <p:cNvSpPr/>
-            <p:nvPr/>
-          </p:nvSpPr>
-          <p:spPr>
-            <a:xfrm>
-              <a:off x="3026392" y="1759424"/>
-              <a:ext cx="1600200" cy="137411"/>
-            </a:xfrm>
-            <a:prstGeom prst="rect">
-              <a:avLst/>
-            </a:prstGeom>
-            <a:solidFill>
-              <a:schemeClr val="accent2"/>
-            </a:solidFill>
-            <a:ln>
-              <a:noFill/>
-            </a:ln>
-          </p:spPr>
-          <p:style>
-            <a:lnRef idx="2">
-              <a:schemeClr val="accent1">
-                <a:shade val="50000"/>
-              </a:schemeClr>
-            </a:lnRef>
-            <a:fillRef idx="1">
-              <a:schemeClr val="accent1"/>
-            </a:fillRef>
-            <a:effectRef idx="0">
-              <a:schemeClr val="accent1"/>
-            </a:effectRef>
-            <a:fontRef idx="minor">
-              <a:schemeClr val="lt1"/>
-            </a:fontRef>
-          </p:style>
-          <p:txBody>
-            <a:bodyPr rtlCol="0" anchor="ctr"/>
-            <a:lstStyle/>
-            <a:p>
-              <a:pPr algn="ctr"/>
-              <a:endParaRPr/>
-            </a:p>
-          </p:txBody>
-        </p:sp>
-        <p:sp>
-          <p:nvSpPr>
-            <p:cNvPr id="12" name="Rectangle 11"/>
-            <p:cNvSpPr/>
-            <p:nvPr/>
-          </p:nvSpPr>
-          <p:spPr>
-            <a:xfrm>
-              <a:off x="4626864" y="1759424"/>
-              <a:ext cx="4233672" cy="137411"/>
-            </a:xfrm>
-            <a:prstGeom prst="rect">
-              <a:avLst/>
-            </a:prstGeom>
-            <a:solidFill>
-              <a:schemeClr val="accent4"/>
-            </a:solidFill>
-            <a:ln>
-              <a:noFill/>
-            </a:ln>
-          </p:spPr>
-          <p:style>
-            <a:lnRef idx="2">
-              <a:schemeClr val="accent1">
-                <a:shade val="50000"/>
-              </a:schemeClr>
-            </a:lnRef>
-            <a:fillRef idx="1">
-              <a:schemeClr val="accent1"/>
-            </a:fillRef>
-            <a:effectRef idx="0">
-              <a:schemeClr val="accent1"/>
-            </a:effectRef>
-            <a:fontRef idx="minor">
-              <a:schemeClr val="lt1"/>
-            </a:fontRef>
-          </p:style>
-          <p:txBody>
-            <a:bodyPr rtlCol="0" anchor="ctr"/>
-            <a:lstStyle/>
-            <a:p>
-              <a:pPr algn="ctr"/>
-              <a:endParaRPr/>
-            </a:p>
-          </p:txBody>
-        </p:sp>
-      </p:grpSp>
-      <p:sp>
-        <p:nvSpPr>
-          <p:cNvPr id="2" name="Title 1"/>
-          <p:cNvSpPr>
-            <a:spLocks noGrp="1"/>
-          </p:cNvSpPr>
-          <p:nvPr>
-            <p:ph type="title"/>
-          </p:nvPr>
-        </p:nvSpPr>
-        <p:spPr>
-          <a:xfrm>
-            <a:off x="363071" y="4778189"/>
-            <a:ext cx="8360242" cy="566738"/>
-          </a:xfrm>
-          <a:noFill/>
-        </p:spPr>
-        <p:txBody>
-          <a:bodyPr anchor="b">
-            <a:normAutofit/>
-          </a:bodyPr>
-          <a:lstStyle>
-            <a:lvl1pPr algn="l">
-              <a:defRPr sz="2800" b="0">
-                <a:solidFill>
-                  <a:schemeClr val="accent2"/>
-                </a:solidFill>
-              </a:defRPr>
-            </a:lvl1pPr>
-          </a:lstStyle>
-          <a:p>
-            <a:r>
-              <a:rPr lang="en-US" smtClean="0"/>
-              <a:t>Click to edit Master title style</a:t>
-            </a:r>
-            <a:endParaRPr/>
-          </a:p>
-        </p:txBody>
-      </p:sp>
-      <p:sp>
-        <p:nvSpPr>
-          <p:cNvPr id="3" name="Picture Placeholder 2"/>
-          <p:cNvSpPr>
-            <a:spLocks noGrp="1"/>
-          </p:cNvSpPr>
-          <p:nvPr>
-            <p:ph type="pic" idx="1"/>
-          </p:nvPr>
-        </p:nvSpPr>
-        <p:spPr>
-          <a:xfrm>
-            <a:off x="284163" y="457200"/>
-            <a:ext cx="8577072" cy="3822192"/>
-          </a:xfrm>
-        </p:spPr>
-        <p:txBody>
-          <a:bodyPr/>
-          <a:lstStyle>
-            <a:lvl1pPr marL="0" indent="0">
-              <a:buNone/>
-              <a:defRPr sz="3200"/>
-            </a:lvl1pPr>
-            <a:lvl2pPr marL="457200" indent="0">
-              <a:buNone/>
-              <a:defRPr sz="2800"/>
-            </a:lvl2pPr>
-            <a:lvl3pPr marL="914400" indent="0">
-              <a:buNone/>
-              <a:defRPr sz="2400"/>
-            </a:lvl3pPr>
-            <a:lvl4pPr marL="1371600" indent="0">
-              <a:buNone/>
-              <a:defRPr sz="2000"/>
-            </a:lvl4pPr>
-            <a:lvl5pPr marL="1828800" indent="0">
-              <a:buNone/>
-              <a:defRPr sz="2000"/>
-            </a:lvl5pPr>
-            <a:lvl6pPr marL="2286000" indent="0">
-              <a:buNone/>
-              <a:defRPr sz="2000"/>
-            </a:lvl6pPr>
-            <a:lvl7pPr marL="2743200" indent="0">
-              <a:buNone/>
-              <a:defRPr sz="2000"/>
-            </a:lvl7pPr>
-            <a:lvl8pPr marL="3200400" indent="0">
-              <a:buNone/>
-              <a:defRPr sz="2000"/>
-            </a:lvl8pPr>
-            <a:lvl9pPr marL="3657600" indent="0">
-              <a:buNone/>
-              <a:defRPr sz="2000"/>
-            </a:lvl9pPr>
-          </a:lstStyle>
-          <a:p>
-            <a:r>
-              <a:rPr lang="en-US" smtClean="0"/>
-              <a:t>Drag picture to placeholder or click icon to add</a:t>
-            </a:r>
-            <a:endParaRPr/>
-          </a:p>
-        </p:txBody>
-      </p:sp>
-      <p:sp>
-        <p:nvSpPr>
-          <p:cNvPr id="4" name="Text Placeholder 3"/>
-          <p:cNvSpPr>
-            <a:spLocks noGrp="1"/>
-          </p:cNvSpPr>
-          <p:nvPr>
-            <p:ph type="body" sz="half" idx="2"/>
-          </p:nvPr>
-        </p:nvSpPr>
-        <p:spPr>
-          <a:xfrm>
-            <a:off x="419099" y="5344927"/>
-            <a:ext cx="8304213" cy="804862"/>
-          </a:xfrm>
-          <a:noFill/>
-        </p:spPr>
-        <p:txBody>
-          <a:bodyPr/>
-          <a:lstStyle>
-            <a:lvl1pPr marL="0" indent="0">
-              <a:spcBef>
-                <a:spcPts val="0"/>
-              </a:spcBef>
-              <a:buNone/>
-              <a:defRPr sz="1400">
-                <a:solidFill>
-                  <a:schemeClr val="tx1">
-                    <a:lumMod val="85000"/>
-                    <a:lumOff val="15000"/>
-                  </a:schemeClr>
-                </a:solidFill>
-              </a:defRPr>
-            </a:lvl1pPr>
-            <a:lvl2pPr marL="457200" indent="0">
-              <a:buNone/>
-              <a:defRPr sz="1200"/>
-            </a:lvl2pPr>
-            <a:lvl3pPr marL="914400" indent="0">
-              <a:buNone/>
-              <a:defRPr sz="1000"/>
-            </a:lvl3pPr>
-            <a:lvl4pPr marL="1371600" indent="0">
-              <a:buNone/>
-              <a:defRPr sz="900"/>
-            </a:lvl4pPr>
-            <a:lvl5pPr marL="1828800" indent="0">
-              <a:buNone/>
-              <a:defRPr sz="900"/>
-            </a:lvl5pPr>
-            <a:lvl6pPr marL="2286000" indent="0">
-              <a:buNone/>
-              <a:defRPr sz="900"/>
-            </a:lvl6pPr>
-            <a:lvl7pPr marL="2743200" indent="0">
-              <a:buNone/>
-              <a:defRPr sz="900"/>
-            </a:lvl7pPr>
-            <a:lvl8pPr marL="3200400" indent="0">
-              <a:buNone/>
-              <a:defRPr sz="900"/>
-            </a:lvl8pPr>
-            <a:lvl9pPr marL="3657600" indent="0">
-              <a:buNone/>
-              <a:defRPr sz="900"/>
-            </a:lvl9pPr>
-          </a:lstStyle>
-          <a:p>
-            <a:pPr lvl="0"/>
-            <a:r>
-              <a:rPr lang="en-US" smtClean="0"/>
-              <a:t>Click to edit Master text styles</a:t>
-            </a:r>
-          </a:p>
-        </p:txBody>
-      </p:sp>
-      <p:sp>
-        <p:nvSpPr>
-          <p:cNvPr id="5" name="Date Placeholder 4"/>
-          <p:cNvSpPr>
-            <a:spLocks noGrp="1"/>
-          </p:cNvSpPr>
-          <p:nvPr>
-            <p:ph type="dt" sz="half" idx="10"/>
-          </p:nvPr>
-        </p:nvSpPr>
-        <p:spPr/>
-        <p:txBody>
-          <a:bodyPr/>
-          <a:lstStyle/>
-          <a:p>
-            <a:fld id="{7767322C-6BF6-452E-AC9E-F4F4E0157152}" type="datetime1">
-              <a:rPr lang="en-US" smtClean="0"/>
-              <a:t>11/12/2015</a:t>
-            </a:fld>
-            <a:endParaRPr lang="en-US" dirty="0"/>
-          </a:p>
-        </p:txBody>
-      </p:sp>
-      <p:sp>
-        <p:nvSpPr>
-          <p:cNvPr id="6" name="Footer Placeholder 5"/>
-          <p:cNvSpPr>
-            <a:spLocks noGrp="1"/>
-          </p:cNvSpPr>
-          <p:nvPr>
-            <p:ph type="ftr" sz="quarter" idx="11"/>
-          </p:nvPr>
-        </p:nvSpPr>
-        <p:spPr/>
-        <p:txBody>
-          <a:bodyPr/>
-          <a:lstStyle/>
-          <a:p>
-            <a:r>
-              <a:rPr lang="en-US" smtClean="0"/>
-              <a:t>© 2015 EV3Lessons.com, Last edit 11/12/2015</a:t>
-            </a:r>
-            <a:endParaRPr lang="en-US" dirty="0"/>
-          </a:p>
-        </p:txBody>
-      </p:sp>
-      <p:sp>
-        <p:nvSpPr>
-          <p:cNvPr id="7" name="Slide Number Placeholder 6"/>
-          <p:cNvSpPr>
-            <a:spLocks noGrp="1"/>
-          </p:cNvSpPr>
-          <p:nvPr>
-            <p:ph type="sldNum" sz="quarter" idx="12"/>
-          </p:nvPr>
-        </p:nvSpPr>
-        <p:spPr/>
-        <p:txBody>
-          <a:bodyPr/>
-          <a:lstStyle/>
-          <a:p>
-            <a:fld id="{4382A7F7-08BF-4252-8141-63FB96055BBB}" type="slidenum">
-              <a:rPr lang="en-US" smtClean="0"/>
-              <a:t>‹#›</a:t>
-            </a:fld>
-            <a:endParaRPr lang="en-US"/>
-          </a:p>
-        </p:txBody>
-      </p:sp>
-    </p:spTree>
-  </p:cSld>
-  <p:clrMapOvr>
-    <a:masterClrMapping/>
-  </p:clrMapOvr>
-  <p:timing>
-    <p:tnLst>
-      <p:par>
-        <p:cTn id="1" dur="indefinite" restart="never" nodeType="tmRoot"/>
-      </p:par>
-    </p:tnLst>
-  </p:timing>
-</p:sldLayout>
-</file>
-
-<file path=ppt/slideLayouts/slideLayout13.xml><?xml version="1.0" encoding="utf-8"?>
-<p:sldLayout xmlns:a="http://schemas.openxmlformats.org/drawingml/2006/main" xmlns:r="http://schemas.openxmlformats.org/officeDocument/2006/relationships" xmlns:p="http://schemas.openxmlformats.org/presentationml/2006/main" preserve="1">
-  <p:cSld name="Content, Picture, and Caption">
-    <p:spTree>
-      <p:nvGrpSpPr>
-        <p:cNvPr id="1" name=""/>
-        <p:cNvGrpSpPr/>
-        <p:nvPr/>
-      </p:nvGrpSpPr>
-      <p:grpSpPr>
-        <a:xfrm>
-          <a:off x="0" y="0"/>
-          <a:ext cx="0" cy="0"/>
-          <a:chOff x="0" y="0"/>
-          <a:chExt cx="0" cy="0"/>
-        </a:xfrm>
-      </p:grpSpPr>
-      <p:sp>
-        <p:nvSpPr>
-          <p:cNvPr id="3" name="Content Placeholder 2"/>
-          <p:cNvSpPr>
-            <a:spLocks noGrp="1"/>
-          </p:cNvSpPr>
-          <p:nvPr>
-            <p:ph idx="1"/>
-          </p:nvPr>
-        </p:nvSpPr>
-        <p:spPr>
-          <a:xfrm>
-            <a:off x="3657600" y="914400"/>
-            <a:ext cx="5195047" cy="5211763"/>
-          </a:xfrm>
-        </p:spPr>
-        <p:txBody>
-          <a:bodyPr>
-            <a:normAutofit/>
-          </a:bodyPr>
-          <a:lstStyle>
-            <a:lvl1pPr>
-              <a:defRPr sz="2200"/>
-            </a:lvl1pPr>
-            <a:lvl2pPr>
-              <a:defRPr sz="2000"/>
-            </a:lvl2pPr>
-            <a:lvl3pPr>
-              <a:defRPr sz="1800"/>
-            </a:lvl3pPr>
-            <a:lvl4pPr>
-              <a:defRPr sz="1800"/>
-            </a:lvl4pPr>
-            <a:lvl5pPr>
-              <a:defRPr sz="1800"/>
-            </a:lvl5pPr>
-            <a:lvl6pPr>
-              <a:defRPr sz="1800"/>
-            </a:lvl6pPr>
-            <a:lvl7pPr>
-              <a:defRPr sz="1800"/>
-            </a:lvl7pPr>
-            <a:lvl8pPr>
-              <a:defRPr sz="1800"/>
-            </a:lvl8pPr>
-            <a:lvl9pPr>
-              <a:defRPr sz="1800"/>
-            </a:lvl9pPr>
-          </a:lstStyle>
-          <a:p>
-            <a:pPr lvl="0"/>
-            <a:r>
-              <a:rPr lang="en-US" smtClean="0"/>
-              <a:t>Click to edit Master text styles</a:t>
-            </a:r>
-          </a:p>
-          <a:p>
-            <a:pPr lvl="1"/>
-            <a:r>
-              <a:rPr lang="en-US" smtClean="0"/>
-              <a:t>Second level</a:t>
-            </a:r>
-          </a:p>
-          <a:p>
-            <a:pPr lvl="2"/>
-            <a:r>
-              <a:rPr lang="en-US" smtClean="0"/>
-              <a:t>Third level</a:t>
-            </a:r>
-          </a:p>
-          <a:p>
-            <a:pPr lvl="3"/>
-            <a:r>
-              <a:rPr lang="en-US" smtClean="0"/>
-              <a:t>Fourth level</a:t>
-            </a:r>
-          </a:p>
-          <a:p>
-            <a:pPr lvl="4"/>
-            <a:r>
-              <a:rPr lang="en-US" smtClean="0"/>
-              <a:t>Fifth level</a:t>
-            </a:r>
-            <a:endParaRPr dirty="0"/>
-          </a:p>
-        </p:txBody>
-      </p:sp>
-      <p:sp>
-        <p:nvSpPr>
-          <p:cNvPr id="5" name="Date Placeholder 4"/>
-          <p:cNvSpPr>
-            <a:spLocks noGrp="1"/>
-          </p:cNvSpPr>
-          <p:nvPr>
-            <p:ph type="dt" sz="half" idx="10"/>
-          </p:nvPr>
-        </p:nvSpPr>
-        <p:spPr/>
-        <p:txBody>
-          <a:bodyPr/>
-          <a:lstStyle/>
-          <a:p>
-            <a:fld id="{58CF4D74-13C3-4175-80C6-45B41A350775}" type="datetime1">
-              <a:rPr lang="en-US" smtClean="0"/>
-              <a:t>11/12/2015</a:t>
-            </a:fld>
-            <a:endParaRPr lang="en-US" dirty="0"/>
-          </a:p>
-        </p:txBody>
-      </p:sp>
-      <p:sp>
-        <p:nvSpPr>
-          <p:cNvPr id="6" name="Footer Placeholder 5"/>
-          <p:cNvSpPr>
-            <a:spLocks noGrp="1"/>
-          </p:cNvSpPr>
-          <p:nvPr>
-            <p:ph type="ftr" sz="quarter" idx="11"/>
-          </p:nvPr>
-        </p:nvSpPr>
-        <p:spPr/>
-        <p:txBody>
-          <a:bodyPr/>
-          <a:lstStyle/>
-          <a:p>
-            <a:r>
-              <a:rPr lang="en-US" smtClean="0"/>
-              <a:t>© 2015 EV3Lessons.com, Last edit 11/12/2015</a:t>
-            </a:r>
-            <a:endParaRPr lang="en-US" dirty="0"/>
-          </a:p>
-        </p:txBody>
-      </p:sp>
-      <p:sp>
-        <p:nvSpPr>
-          <p:cNvPr id="7" name="Slide Number Placeholder 6"/>
-          <p:cNvSpPr>
-            <a:spLocks noGrp="1"/>
-          </p:cNvSpPr>
-          <p:nvPr>
-            <p:ph type="sldNum" sz="quarter" idx="12"/>
-          </p:nvPr>
-        </p:nvSpPr>
-        <p:spPr/>
-        <p:txBody>
-          <a:bodyPr/>
-          <a:lstStyle/>
-          <a:p>
-            <a:fld id="{4382A7F7-08BF-4252-8141-63FB96055BBB}" type="slidenum">
-              <a:rPr lang="en-US" smtClean="0"/>
-              <a:t>‹#›</a:t>
-            </a:fld>
-            <a:endParaRPr lang="en-US"/>
-          </a:p>
-        </p:txBody>
-      </p:sp>
-      <p:sp>
-        <p:nvSpPr>
-          <p:cNvPr id="12" name="Rectangle 11"/>
-          <p:cNvSpPr/>
-          <p:nvPr/>
-        </p:nvSpPr>
-        <p:spPr>
-          <a:xfrm>
-            <a:off x="284163" y="4267200"/>
-            <a:ext cx="2743200" cy="2120153"/>
+            <a:off x="5820917" y="473502"/>
+            <a:ext cx="2940317" cy="1092118"/>
           </a:xfrm>
           <a:prstGeom prst="rect">
             <a:avLst/>
           </a:prstGeom>
-          <a:solidFill>
-            <a:schemeClr val="tx1">
-              <a:lumMod val="85000"/>
-              <a:lumOff val="15000"/>
-              <a:alpha val="85000"/>
-            </a:schemeClr>
-          </a:solidFill>
+          <a:noFill/>
+          <a:extLst>
+            <a:ext uri="{909E8E84-426E-40dd-AFC4-6F175D3DCCD1}">
+              <a14:hiddenFill xmlns="" xmlns:a14="http://schemas.microsoft.com/office/drawing/2010/main">
+                <a:solidFill>
+                  <a:srgbClr val="FFFFFF"/>
+                </a:solidFill>
+              </a14:hiddenFill>
+            </a:ext>
+          </a:extLst>
         </p:spPr>
-        <p:txBody>
-          <a:bodyPr vert="horz" lIns="91440" tIns="45720" rIns="182880" bIns="365760" rtlCol="0" anchor="b" anchorCtr="0">
-            <a:normAutofit/>
-          </a:bodyPr>
-          <a:lstStyle/>
-          <a:p>
-            <a:pPr algn="l" defTabSz="914400" rtl="0" eaLnBrk="1" latinLnBrk="0" hangingPunct="1">
-              <a:spcBef>
-                <a:spcPct val="0"/>
-              </a:spcBef>
-              <a:buNone/>
-            </a:pPr>
-            <a:endParaRPr sz="4200" kern="1200">
-              <a:solidFill>
-                <a:schemeClr val="bg1"/>
-              </a:solidFill>
-              <a:latin typeface="+mj-lt"/>
-              <a:ea typeface="+mj-ea"/>
-              <a:cs typeface="+mj-cs"/>
-            </a:endParaRPr>
-          </a:p>
-        </p:txBody>
-      </p:sp>
-      <p:sp>
-        <p:nvSpPr>
-          <p:cNvPr id="4" name="Text Placeholder 3"/>
-          <p:cNvSpPr>
-            <a:spLocks noGrp="1"/>
-          </p:cNvSpPr>
-          <p:nvPr>
-            <p:ph type="body" sz="half" idx="2"/>
-          </p:nvPr>
-        </p:nvSpPr>
+      </p:pic>
+      <p:cxnSp>
+        <p:nvCxnSpPr>
+          <p:cNvPr id="17" name="Straight Connector 16"/>
+          <p:cNvCxnSpPr/>
+          <p:nvPr/>
+        </p:nvCxnSpPr>
         <p:spPr>
           <a:xfrm>
-            <a:off x="419101" y="4953001"/>
-            <a:ext cx="2472017" cy="1246094"/>
+            <a:off x="457200" y="4012165"/>
+            <a:ext cx="8229600" cy="0"/>
           </a:xfrm>
+          <a:prstGeom prst="line">
+            <a:avLst/>
+          </a:prstGeom>
+          <a:ln>
+            <a:solidFill>
+              <a:schemeClr val="tx1"/>
+            </a:solidFill>
+          </a:ln>
         </p:spPr>
-        <p:txBody>
-          <a:bodyPr>
-            <a:normAutofit/>
-          </a:bodyPr>
-          <a:lstStyle>
-            <a:lvl1pPr marL="0" indent="0" algn="l">
-              <a:spcBef>
-                <a:spcPts val="0"/>
-              </a:spcBef>
-              <a:buNone/>
-              <a:defRPr sz="1400">
-                <a:solidFill>
-                  <a:schemeClr val="bg1"/>
-                </a:solidFill>
-              </a:defRPr>
-            </a:lvl1pPr>
-            <a:lvl2pPr marL="457200" indent="0">
-              <a:buNone/>
-              <a:defRPr sz="1200"/>
-            </a:lvl2pPr>
-            <a:lvl3pPr marL="914400" indent="0">
-              <a:buNone/>
-              <a:defRPr sz="1000"/>
-            </a:lvl3pPr>
-            <a:lvl4pPr marL="1371600" indent="0">
-              <a:buNone/>
-              <a:defRPr sz="900"/>
-            </a:lvl4pPr>
-            <a:lvl5pPr marL="1828800" indent="0">
-              <a:buNone/>
-              <a:defRPr sz="900"/>
-            </a:lvl5pPr>
-            <a:lvl6pPr marL="2286000" indent="0">
-              <a:buNone/>
-              <a:defRPr sz="900"/>
-            </a:lvl6pPr>
-            <a:lvl7pPr marL="2743200" indent="0">
-              <a:buNone/>
-              <a:defRPr sz="900"/>
-            </a:lvl7pPr>
-            <a:lvl8pPr marL="3200400" indent="0">
-              <a:buNone/>
-              <a:defRPr sz="900"/>
-            </a:lvl8pPr>
-            <a:lvl9pPr marL="3657600" indent="0">
-              <a:buNone/>
-              <a:defRPr sz="900"/>
-            </a:lvl9pPr>
-          </a:lstStyle>
-          <a:p>
-            <a:pPr lvl="0"/>
-            <a:r>
-              <a:rPr lang="en-US" smtClean="0"/>
-              <a:t>Click to edit Master text styles</a:t>
-            </a:r>
-          </a:p>
-        </p:txBody>
-      </p:sp>
-      <p:sp>
-        <p:nvSpPr>
-          <p:cNvPr id="2" name="Title 1"/>
-          <p:cNvSpPr>
-            <a:spLocks noGrp="1"/>
-          </p:cNvSpPr>
-          <p:nvPr>
-            <p:ph type="title"/>
-          </p:nvPr>
-        </p:nvSpPr>
+        <p:style>
+          <a:lnRef idx="2">
+            <a:schemeClr val="accent1"/>
+          </a:lnRef>
+          <a:fillRef idx="0">
+            <a:schemeClr val="accent1"/>
+          </a:fillRef>
+          <a:effectRef idx="1">
+            <a:schemeClr val="accent1"/>
+          </a:effectRef>
+          <a:fontRef idx="minor">
+            <a:schemeClr val="tx1"/>
+          </a:fontRef>
+        </p:style>
+      </p:cxnSp>
+      <p:pic>
+        <p:nvPicPr>
+          <p:cNvPr id="12" name="Picture 11"/>
+          <p:cNvPicPr>
+            <a:picLocks noChangeAspect="1"/>
+          </p:cNvPicPr>
+          <p:nvPr/>
+        </p:nvPicPr>
+        <p:blipFill>
+          <a:blip r:embed="rId3">
+            <a:extLst>
+              <a:ext uri="{28A0092B-C50C-407E-A947-70E740481C1C}">
+                <a14:useLocalDpi xmlns:a14="http://schemas.microsoft.com/office/drawing/2010/main" val="0"/>
+              </a:ext>
+            </a:extLst>
+          </a:blip>
+          <a:stretch>
+            <a:fillRect/>
+          </a:stretch>
+        </p:blipFill>
         <p:spPr>
           <a:xfrm>
-            <a:off x="410764" y="4419600"/>
-            <a:ext cx="2475395" cy="510988"/>
-          </a:xfrm>
-          <a:noFill/>
-        </p:spPr>
-        <p:txBody>
-          <a:bodyPr anchor="b">
-            <a:normAutofit/>
-          </a:bodyPr>
-          <a:lstStyle>
-            <a:lvl1pPr algn="l">
-              <a:defRPr sz="2000" b="1">
-                <a:solidFill>
-                  <a:schemeClr val="bg1"/>
-                </a:solidFill>
-              </a:defRPr>
-            </a:lvl1pPr>
-          </a:lstStyle>
-          <a:p>
-            <a:r>
-              <a:rPr lang="en-US" smtClean="0"/>
-              <a:t>Click to edit Master title style</a:t>
-            </a:r>
-            <a:endParaRPr/>
-          </a:p>
-        </p:txBody>
-      </p:sp>
-      <p:sp>
-        <p:nvSpPr>
-          <p:cNvPr id="14" name="Picture Placeholder 13"/>
-          <p:cNvSpPr>
-            <a:spLocks noGrp="1"/>
-          </p:cNvSpPr>
-          <p:nvPr>
-            <p:ph type="pic" sz="quarter" idx="13"/>
-          </p:nvPr>
-        </p:nvSpPr>
-        <p:spPr>
-          <a:xfrm>
-            <a:off x="284164" y="594360"/>
-            <a:ext cx="2743200" cy="3675888"/>
-          </a:xfrm>
-        </p:spPr>
-        <p:txBody>
-          <a:bodyPr/>
-          <a:lstStyle>
-            <a:lvl1pPr>
-              <a:buNone/>
-              <a:defRPr/>
-            </a:lvl1pPr>
-          </a:lstStyle>
-          <a:p>
-            <a:r>
-              <a:rPr lang="en-US" smtClean="0"/>
-              <a:t>Drag picture to placeholder or click icon to add</a:t>
-            </a:r>
-            <a:endParaRPr/>
-          </a:p>
-        </p:txBody>
-      </p:sp>
-      <p:grpSp>
-        <p:nvGrpSpPr>
-          <p:cNvPr id="8" name="Group 14"/>
-          <p:cNvGrpSpPr/>
-          <p:nvPr/>
-        </p:nvGrpSpPr>
-        <p:grpSpPr>
-          <a:xfrm>
-            <a:off x="284163" y="461682"/>
-            <a:ext cx="8576373" cy="137411"/>
-            <a:chOff x="284163" y="1759424"/>
-            <a:chExt cx="8576373" cy="137411"/>
-          </a:xfrm>
-        </p:grpSpPr>
-        <p:sp>
-          <p:nvSpPr>
-            <p:cNvPr id="16" name="Rectangle 15"/>
-            <p:cNvSpPr/>
-            <p:nvPr/>
-          </p:nvSpPr>
-          <p:spPr>
-            <a:xfrm>
-              <a:off x="284163" y="1759424"/>
-              <a:ext cx="2743200" cy="137411"/>
-            </a:xfrm>
-            <a:prstGeom prst="rect">
-              <a:avLst/>
-            </a:prstGeom>
-            <a:solidFill>
-              <a:schemeClr val="accent1"/>
-            </a:solidFill>
-            <a:ln>
-              <a:noFill/>
-            </a:ln>
-          </p:spPr>
-          <p:style>
-            <a:lnRef idx="2">
-              <a:schemeClr val="accent1">
-                <a:shade val="50000"/>
-              </a:schemeClr>
-            </a:lnRef>
-            <a:fillRef idx="1">
-              <a:schemeClr val="accent1"/>
-            </a:fillRef>
-            <a:effectRef idx="0">
-              <a:schemeClr val="accent1"/>
-            </a:effectRef>
-            <a:fontRef idx="minor">
-              <a:schemeClr val="lt1"/>
-            </a:fontRef>
-          </p:style>
-          <p:txBody>
-            <a:bodyPr rtlCol="0" anchor="ctr"/>
-            <a:lstStyle/>
-            <a:p>
-              <a:pPr algn="ctr"/>
-              <a:endParaRPr/>
-            </a:p>
-          </p:txBody>
-        </p:sp>
-        <p:sp>
-          <p:nvSpPr>
-            <p:cNvPr id="17" name="Rectangle 16"/>
-            <p:cNvSpPr/>
-            <p:nvPr/>
-          </p:nvSpPr>
-          <p:spPr>
-            <a:xfrm>
-              <a:off x="3026392" y="1759424"/>
-              <a:ext cx="1600200" cy="137411"/>
-            </a:xfrm>
-            <a:prstGeom prst="rect">
-              <a:avLst/>
-            </a:prstGeom>
-            <a:solidFill>
-              <a:schemeClr val="accent2"/>
-            </a:solidFill>
-            <a:ln>
-              <a:noFill/>
-            </a:ln>
-          </p:spPr>
-          <p:style>
-            <a:lnRef idx="2">
-              <a:schemeClr val="accent1">
-                <a:shade val="50000"/>
-              </a:schemeClr>
-            </a:lnRef>
-            <a:fillRef idx="1">
-              <a:schemeClr val="accent1"/>
-            </a:fillRef>
-            <a:effectRef idx="0">
-              <a:schemeClr val="accent1"/>
-            </a:effectRef>
-            <a:fontRef idx="minor">
-              <a:schemeClr val="lt1"/>
-            </a:fontRef>
-          </p:style>
-          <p:txBody>
-            <a:bodyPr rtlCol="0" anchor="ctr"/>
-            <a:lstStyle/>
-            <a:p>
-              <a:pPr algn="ctr"/>
-              <a:endParaRPr/>
-            </a:p>
-          </p:txBody>
-        </p:sp>
-        <p:sp>
-          <p:nvSpPr>
-            <p:cNvPr id="18" name="Rectangle 17"/>
-            <p:cNvSpPr/>
-            <p:nvPr/>
-          </p:nvSpPr>
-          <p:spPr>
-            <a:xfrm>
-              <a:off x="4626864" y="1759424"/>
-              <a:ext cx="4233672" cy="137411"/>
-            </a:xfrm>
-            <a:prstGeom prst="rect">
-              <a:avLst/>
-            </a:prstGeom>
-            <a:solidFill>
-              <a:schemeClr val="accent4"/>
-            </a:solidFill>
-            <a:ln>
-              <a:noFill/>
-            </a:ln>
-          </p:spPr>
-          <p:style>
-            <a:lnRef idx="2">
-              <a:schemeClr val="accent1">
-                <a:shade val="50000"/>
-              </a:schemeClr>
-            </a:lnRef>
-            <a:fillRef idx="1">
-              <a:schemeClr val="accent1"/>
-            </a:fillRef>
-            <a:effectRef idx="0">
-              <a:schemeClr val="accent1"/>
-            </a:effectRef>
-            <a:fontRef idx="minor">
-              <a:schemeClr val="lt1"/>
-            </a:fontRef>
-          </p:style>
-          <p:txBody>
-            <a:bodyPr rtlCol="0" anchor="ctr"/>
-            <a:lstStyle/>
-            <a:p>
-              <a:pPr algn="ctr"/>
-              <a:endParaRPr/>
-            </a:p>
-          </p:txBody>
-        </p:sp>
-      </p:grpSp>
-    </p:spTree>
-  </p:cSld>
-  <p:clrMapOvr>
-    <a:masterClrMapping/>
-  </p:clrMapOvr>
-  <p:timing>
-    <p:tnLst>
-      <p:par>
-        <p:cTn id="1" dur="indefinite" restart="never" nodeType="tmRoot"/>
-      </p:par>
-    </p:tnLst>
-  </p:timing>
-</p:sldLayout>
-</file>
-
-<file path=ppt/slideLayouts/slideLayout14.xml><?xml version="1.0" encoding="utf-8"?>
-<p:sldLayout xmlns:a="http://schemas.openxmlformats.org/drawingml/2006/main" xmlns:r="http://schemas.openxmlformats.org/officeDocument/2006/relationships" xmlns:p="http://schemas.openxmlformats.org/presentationml/2006/main" type="picTx" preserve="1">
-  <p:cSld name="3 Pictures with Caption">
-    <p:spTree>
-      <p:nvGrpSpPr>
-        <p:cNvPr id="1" name=""/>
-        <p:cNvGrpSpPr/>
-        <p:nvPr/>
-      </p:nvGrpSpPr>
-      <p:grpSpPr>
-        <a:xfrm>
-          <a:off x="0" y="0"/>
-          <a:ext cx="0" cy="0"/>
-          <a:chOff x="0" y="0"/>
-          <a:chExt cx="0" cy="0"/>
-        </a:xfrm>
-      </p:grpSpPr>
-      <p:sp>
-        <p:nvSpPr>
-          <p:cNvPr id="8" name="Rectangle 7"/>
-          <p:cNvSpPr/>
-          <p:nvPr/>
-        </p:nvSpPr>
-        <p:spPr>
-          <a:xfrm>
-            <a:off x="3021013" y="4801575"/>
-            <a:ext cx="5837237" cy="1468437"/>
+            <a:off x="284163" y="4948514"/>
+            <a:ext cx="1265237" cy="1210410"/>
           </a:xfrm>
           <a:prstGeom prst="rect">
             <a:avLst/>
           </a:prstGeom>
-          <a:solidFill>
-            <a:schemeClr val="tx1">
-              <a:lumMod val="85000"/>
-              <a:lumOff val="15000"/>
-              <a:alpha val="85000"/>
-            </a:schemeClr>
-          </a:solidFill>
         </p:spPr>
-        <p:txBody>
-          <a:bodyPr vert="horz" lIns="91440" tIns="45720" rIns="182880" bIns="365760" rtlCol="0" anchor="b" anchorCtr="0">
-            <a:normAutofit/>
-          </a:bodyPr>
-          <a:lstStyle/>
-          <a:p>
-            <a:pPr algn="l" defTabSz="914400" rtl="0" eaLnBrk="1" latinLnBrk="0" hangingPunct="1">
-              <a:spcBef>
-                <a:spcPct val="0"/>
-              </a:spcBef>
-              <a:buNone/>
-            </a:pPr>
-            <a:endParaRPr sz="4200" kern="1200">
-              <a:solidFill>
-                <a:schemeClr val="bg1"/>
-              </a:solidFill>
-              <a:latin typeface="+mj-lt"/>
-              <a:ea typeface="+mj-ea"/>
-              <a:cs typeface="+mj-cs"/>
-            </a:endParaRPr>
-          </a:p>
-        </p:txBody>
-      </p:sp>
-      <p:grpSp>
-        <p:nvGrpSpPr>
-          <p:cNvPr id="9" name="Group 8"/>
-          <p:cNvGrpSpPr/>
+      </p:pic>
+      <p:sp>
+        <p:nvSpPr>
+          <p:cNvPr id="18" name="Subtitle 3"/>
+          <p:cNvSpPr txBox="1">
+            <a:spLocks/>
+          </p:cNvSpPr>
           <p:nvPr/>
-        </p:nvGrpSpPr>
-        <p:grpSpPr>
-          <a:xfrm>
-            <a:off x="284163" y="6263389"/>
-            <a:ext cx="8576373" cy="137411"/>
-            <a:chOff x="284163" y="1759424"/>
-            <a:chExt cx="8576373" cy="137411"/>
-          </a:xfrm>
-        </p:grpSpPr>
-        <p:sp>
-          <p:nvSpPr>
-            <p:cNvPr id="10" name="Rectangle 9"/>
-            <p:cNvSpPr/>
-            <p:nvPr/>
-          </p:nvSpPr>
-          <p:spPr>
-            <a:xfrm>
-              <a:off x="284163" y="1759424"/>
-              <a:ext cx="2743200" cy="137411"/>
-            </a:xfrm>
-            <a:prstGeom prst="rect">
-              <a:avLst/>
-            </a:prstGeom>
-            <a:solidFill>
-              <a:schemeClr val="accent1"/>
-            </a:solidFill>
-            <a:ln>
-              <a:noFill/>
-            </a:ln>
-          </p:spPr>
-          <p:style>
-            <a:lnRef idx="2">
-              <a:schemeClr val="accent1">
-                <a:shade val="50000"/>
-              </a:schemeClr>
-            </a:lnRef>
-            <a:fillRef idx="1">
-              <a:schemeClr val="accent1"/>
-            </a:fillRef>
-            <a:effectRef idx="0">
-              <a:schemeClr val="accent1"/>
-            </a:effectRef>
-            <a:fontRef idx="minor">
-              <a:schemeClr val="lt1"/>
-            </a:fontRef>
-          </p:style>
-          <p:txBody>
-            <a:bodyPr rtlCol="0" anchor="ctr"/>
-            <a:lstStyle/>
-            <a:p>
-              <a:pPr algn="ctr"/>
-              <a:endParaRPr/>
-            </a:p>
-          </p:txBody>
-        </p:sp>
-        <p:sp>
-          <p:nvSpPr>
-            <p:cNvPr id="11" name="Rectangle 10"/>
-            <p:cNvSpPr/>
-            <p:nvPr/>
-          </p:nvSpPr>
-          <p:spPr>
-            <a:xfrm>
-              <a:off x="3026392" y="1759424"/>
-              <a:ext cx="1600200" cy="137411"/>
-            </a:xfrm>
-            <a:prstGeom prst="rect">
-              <a:avLst/>
-            </a:prstGeom>
-            <a:solidFill>
-              <a:schemeClr val="accent2"/>
-            </a:solidFill>
-            <a:ln>
-              <a:noFill/>
-            </a:ln>
-          </p:spPr>
-          <p:style>
-            <a:lnRef idx="2">
-              <a:schemeClr val="accent1">
-                <a:shade val="50000"/>
-              </a:schemeClr>
-            </a:lnRef>
-            <a:fillRef idx="1">
-              <a:schemeClr val="accent1"/>
-            </a:fillRef>
-            <a:effectRef idx="0">
-              <a:schemeClr val="accent1"/>
-            </a:effectRef>
-            <a:fontRef idx="minor">
-              <a:schemeClr val="lt1"/>
-            </a:fontRef>
-          </p:style>
-          <p:txBody>
-            <a:bodyPr rtlCol="0" anchor="ctr"/>
-            <a:lstStyle/>
-            <a:p>
-              <a:pPr algn="ctr"/>
-              <a:endParaRPr/>
-            </a:p>
-          </p:txBody>
-        </p:sp>
-        <p:sp>
-          <p:nvSpPr>
-            <p:cNvPr id="12" name="Rectangle 11"/>
-            <p:cNvSpPr/>
-            <p:nvPr/>
-          </p:nvSpPr>
-          <p:spPr>
-            <a:xfrm>
-              <a:off x="4626864" y="1759424"/>
-              <a:ext cx="4233672" cy="137411"/>
-            </a:xfrm>
-            <a:prstGeom prst="rect">
-              <a:avLst/>
-            </a:prstGeom>
-            <a:solidFill>
-              <a:schemeClr val="accent4"/>
-            </a:solidFill>
-            <a:ln>
-              <a:noFill/>
-            </a:ln>
-          </p:spPr>
-          <p:style>
-            <a:lnRef idx="2">
-              <a:schemeClr val="accent1">
-                <a:shade val="50000"/>
-              </a:schemeClr>
-            </a:lnRef>
-            <a:fillRef idx="1">
-              <a:schemeClr val="accent1"/>
-            </a:fillRef>
-            <a:effectRef idx="0">
-              <a:schemeClr val="accent1"/>
-            </a:effectRef>
-            <a:fontRef idx="minor">
-              <a:schemeClr val="lt1"/>
-            </a:fontRef>
-          </p:style>
-          <p:txBody>
-            <a:bodyPr rtlCol="0" anchor="ctr"/>
-            <a:lstStyle/>
-            <a:p>
-              <a:pPr algn="ctr"/>
-              <a:endParaRPr/>
-            </a:p>
-          </p:txBody>
-        </p:sp>
-      </p:grpSp>
-      <p:sp>
-        <p:nvSpPr>
-          <p:cNvPr id="2" name="Title 1"/>
-          <p:cNvSpPr>
-            <a:spLocks noGrp="1"/>
-          </p:cNvSpPr>
-          <p:nvPr>
-            <p:ph type="title"/>
-          </p:nvPr>
         </p:nvSpPr>
         <p:spPr>
           <a:xfrm>
-            <a:off x="3031661" y="4800600"/>
-            <a:ext cx="5691651" cy="566738"/>
-          </a:xfrm>
-          <a:noFill/>
-        </p:spPr>
-        <p:txBody>
-          <a:bodyPr vert="horz" lIns="91440" tIns="45720" rIns="91440" bIns="45720" rtlCol="0" anchor="b" anchorCtr="0">
-            <a:normAutofit/>
-          </a:bodyPr>
-          <a:lstStyle>
-            <a:lvl1pPr algn="l" defTabSz="914400" rtl="0" eaLnBrk="1" latinLnBrk="0" hangingPunct="1">
-              <a:spcBef>
-                <a:spcPct val="0"/>
-              </a:spcBef>
-              <a:buNone/>
-              <a:defRPr sz="2800" b="0" i="0" kern="1200" cap="none" baseline="0">
-                <a:solidFill>
-                  <a:schemeClr val="bg1"/>
-                </a:solidFill>
-                <a:latin typeface="+mj-lt"/>
-                <a:ea typeface="+mj-ea"/>
-                <a:cs typeface="+mj-cs"/>
-              </a:defRPr>
-            </a:lvl1pPr>
-          </a:lstStyle>
-          <a:p>
-            <a:r>
-              <a:rPr lang="en-US" smtClean="0"/>
-              <a:t>Click to edit Master title style</a:t>
-            </a:r>
-            <a:endParaRPr/>
-          </a:p>
-        </p:txBody>
-      </p:sp>
-      <p:sp>
-        <p:nvSpPr>
-          <p:cNvPr id="3" name="Picture Placeholder 2"/>
-          <p:cNvSpPr>
-            <a:spLocks noGrp="1"/>
-          </p:cNvSpPr>
-          <p:nvPr>
-            <p:ph type="pic" idx="1"/>
-          </p:nvPr>
-        </p:nvSpPr>
-        <p:spPr>
-          <a:xfrm>
-            <a:off x="3021014" y="457199"/>
-            <a:ext cx="5833872" cy="4352544"/>
-          </a:xfrm>
-        </p:spPr>
-        <p:txBody>
-          <a:bodyPr>
-            <a:normAutofit/>
-          </a:bodyPr>
-          <a:lstStyle>
-            <a:lvl1pPr marL="0" indent="0">
-              <a:buNone/>
-              <a:defRPr sz="2400"/>
-            </a:lvl1pPr>
-            <a:lvl2pPr marL="457200" indent="0">
-              <a:buNone/>
-              <a:defRPr sz="2800"/>
-            </a:lvl2pPr>
-            <a:lvl3pPr marL="914400" indent="0">
-              <a:buNone/>
-              <a:defRPr sz="2400"/>
-            </a:lvl3pPr>
-            <a:lvl4pPr marL="1371600" indent="0">
-              <a:buNone/>
-              <a:defRPr sz="2000"/>
-            </a:lvl4pPr>
-            <a:lvl5pPr marL="1828800" indent="0">
-              <a:buNone/>
-              <a:defRPr sz="2000"/>
-            </a:lvl5pPr>
-            <a:lvl6pPr marL="2286000" indent="0">
-              <a:buNone/>
-              <a:defRPr sz="2000"/>
-            </a:lvl6pPr>
-            <a:lvl7pPr marL="2743200" indent="0">
-              <a:buNone/>
-              <a:defRPr sz="2000"/>
-            </a:lvl7pPr>
-            <a:lvl8pPr marL="3200400" indent="0">
-              <a:buNone/>
-              <a:defRPr sz="2000"/>
-            </a:lvl8pPr>
-            <a:lvl9pPr marL="3657600" indent="0">
-              <a:buNone/>
-              <a:defRPr sz="2000"/>
-            </a:lvl9pPr>
-          </a:lstStyle>
-          <a:p>
-            <a:r>
-              <a:rPr lang="en-US" smtClean="0"/>
-              <a:t>Drag picture to placeholder or click icon to add</a:t>
-            </a:r>
-            <a:endParaRPr/>
-          </a:p>
-        </p:txBody>
-      </p:sp>
-      <p:sp>
-        <p:nvSpPr>
-          <p:cNvPr id="4" name="Text Placeholder 3"/>
-          <p:cNvSpPr>
-            <a:spLocks noGrp="1"/>
-          </p:cNvSpPr>
-          <p:nvPr>
-            <p:ph type="body" sz="half" idx="2"/>
-          </p:nvPr>
-        </p:nvSpPr>
-        <p:spPr>
-          <a:xfrm>
-            <a:off x="3069805" y="5367338"/>
-            <a:ext cx="5653507" cy="804862"/>
-          </a:xfrm>
-        </p:spPr>
-        <p:txBody>
-          <a:bodyPr/>
-          <a:lstStyle>
-            <a:lvl1pPr marL="0" indent="0">
-              <a:spcBef>
-                <a:spcPts val="0"/>
-              </a:spcBef>
-              <a:buNone/>
-              <a:defRPr sz="1400">
-                <a:solidFill>
-                  <a:schemeClr val="bg1"/>
-                </a:solidFill>
-              </a:defRPr>
-            </a:lvl1pPr>
-            <a:lvl2pPr marL="457200" indent="0">
-              <a:buNone/>
-              <a:defRPr sz="1200"/>
-            </a:lvl2pPr>
-            <a:lvl3pPr marL="914400" indent="0">
-              <a:buNone/>
-              <a:defRPr sz="1000"/>
-            </a:lvl3pPr>
-            <a:lvl4pPr marL="1371600" indent="0">
-              <a:buNone/>
-              <a:defRPr sz="900"/>
-            </a:lvl4pPr>
-            <a:lvl5pPr marL="1828800" indent="0">
-              <a:buNone/>
-              <a:defRPr sz="900"/>
-            </a:lvl5pPr>
-            <a:lvl6pPr marL="2286000" indent="0">
-              <a:buNone/>
-              <a:defRPr sz="900"/>
-            </a:lvl6pPr>
-            <a:lvl7pPr marL="2743200" indent="0">
-              <a:buNone/>
-              <a:defRPr sz="900"/>
-            </a:lvl7pPr>
-            <a:lvl8pPr marL="3200400" indent="0">
-              <a:buNone/>
-              <a:defRPr sz="900"/>
-            </a:lvl8pPr>
-            <a:lvl9pPr marL="3657600" indent="0">
-              <a:buNone/>
-              <a:defRPr sz="900"/>
-            </a:lvl9pPr>
-          </a:lstStyle>
-          <a:p>
-            <a:pPr lvl="0"/>
-            <a:r>
-              <a:rPr lang="en-US" smtClean="0"/>
-              <a:t>Click to edit Master text styles</a:t>
-            </a:r>
-          </a:p>
-        </p:txBody>
-      </p:sp>
-      <p:sp>
-        <p:nvSpPr>
-          <p:cNvPr id="5" name="Date Placeholder 4"/>
-          <p:cNvSpPr>
-            <a:spLocks noGrp="1"/>
-          </p:cNvSpPr>
-          <p:nvPr>
-            <p:ph type="dt" sz="half" idx="10"/>
-          </p:nvPr>
-        </p:nvSpPr>
-        <p:spPr/>
-        <p:txBody>
-          <a:bodyPr/>
-          <a:lstStyle/>
-          <a:p>
-            <a:fld id="{5BAE1F94-8C8D-4F0E-A6E0-0B6D84A141DF}" type="datetime1">
-              <a:rPr lang="en-US" smtClean="0"/>
-              <a:t>11/12/2015</a:t>
-            </a:fld>
-            <a:endParaRPr lang="en-US" dirty="0"/>
-          </a:p>
-        </p:txBody>
-      </p:sp>
-      <p:sp>
-        <p:nvSpPr>
-          <p:cNvPr id="6" name="Footer Placeholder 5"/>
-          <p:cNvSpPr>
-            <a:spLocks noGrp="1"/>
-          </p:cNvSpPr>
-          <p:nvPr>
-            <p:ph type="ftr" sz="quarter" idx="11"/>
-          </p:nvPr>
-        </p:nvSpPr>
-        <p:spPr/>
-        <p:txBody>
-          <a:bodyPr/>
-          <a:lstStyle/>
-          <a:p>
-            <a:r>
-              <a:rPr lang="en-US" smtClean="0"/>
-              <a:t>© 2015 EV3Lessons.com, Last edit 11/12/2015</a:t>
-            </a:r>
-            <a:endParaRPr lang="en-US" dirty="0"/>
-          </a:p>
-        </p:txBody>
-      </p:sp>
-      <p:sp>
-        <p:nvSpPr>
-          <p:cNvPr id="7" name="Slide Number Placeholder 6"/>
-          <p:cNvSpPr>
-            <a:spLocks noGrp="1"/>
-          </p:cNvSpPr>
-          <p:nvPr>
-            <p:ph type="sldNum" sz="quarter" idx="12"/>
-          </p:nvPr>
-        </p:nvSpPr>
-        <p:spPr/>
-        <p:txBody>
-          <a:bodyPr/>
-          <a:lstStyle/>
-          <a:p>
-            <a:fld id="{4382A7F7-08BF-4252-8141-63FB96055BBB}" type="slidenum">
-              <a:rPr lang="en-US" smtClean="0"/>
-              <a:t>‹#›</a:t>
-            </a:fld>
-            <a:endParaRPr lang="en-US"/>
-          </a:p>
-        </p:txBody>
-      </p:sp>
-      <p:sp>
-        <p:nvSpPr>
-          <p:cNvPr id="13" name="Picture Placeholder 2"/>
-          <p:cNvSpPr>
-            <a:spLocks noGrp="1"/>
-          </p:cNvSpPr>
-          <p:nvPr>
-            <p:ph type="pic" idx="13"/>
-          </p:nvPr>
-        </p:nvSpPr>
-        <p:spPr>
-          <a:xfrm>
-            <a:off x="284164" y="457200"/>
-            <a:ext cx="2736850" cy="2907792"/>
-          </a:xfrm>
-        </p:spPr>
-        <p:txBody>
-          <a:bodyPr>
-            <a:normAutofit/>
-          </a:bodyPr>
-          <a:lstStyle>
-            <a:lvl1pPr marL="0" indent="0">
-              <a:buNone/>
-              <a:defRPr sz="2400"/>
-            </a:lvl1pPr>
-            <a:lvl2pPr marL="457200" indent="0">
-              <a:buNone/>
-              <a:defRPr sz="2800"/>
-            </a:lvl2pPr>
-            <a:lvl3pPr marL="914400" indent="0">
-              <a:buNone/>
-              <a:defRPr sz="2400"/>
-            </a:lvl3pPr>
-            <a:lvl4pPr marL="1371600" indent="0">
-              <a:buNone/>
-              <a:defRPr sz="2000"/>
-            </a:lvl4pPr>
-            <a:lvl5pPr marL="1828800" indent="0">
-              <a:buNone/>
-              <a:defRPr sz="2000"/>
-            </a:lvl5pPr>
-            <a:lvl6pPr marL="2286000" indent="0">
-              <a:buNone/>
-              <a:defRPr sz="2000"/>
-            </a:lvl6pPr>
-            <a:lvl7pPr marL="2743200" indent="0">
-              <a:buNone/>
-              <a:defRPr sz="2000"/>
-            </a:lvl7pPr>
-            <a:lvl8pPr marL="3200400" indent="0">
-              <a:buNone/>
-              <a:defRPr sz="2000"/>
-            </a:lvl8pPr>
-            <a:lvl9pPr marL="3657600" indent="0">
-              <a:buNone/>
-              <a:defRPr sz="2000"/>
-            </a:lvl9pPr>
-          </a:lstStyle>
-          <a:p>
-            <a:r>
-              <a:rPr lang="en-US" smtClean="0"/>
-              <a:t>Drag picture to placeholder or click icon to add</a:t>
-            </a:r>
-            <a:endParaRPr/>
-          </a:p>
-        </p:txBody>
-      </p:sp>
-      <p:sp>
-        <p:nvSpPr>
-          <p:cNvPr id="14" name="Picture Placeholder 2"/>
-          <p:cNvSpPr>
-            <a:spLocks noGrp="1"/>
-          </p:cNvSpPr>
-          <p:nvPr>
-            <p:ph type="pic" idx="14"/>
-          </p:nvPr>
-        </p:nvSpPr>
-        <p:spPr>
-          <a:xfrm>
-            <a:off x="284164" y="3364992"/>
-            <a:ext cx="2736850" cy="2898648"/>
-          </a:xfrm>
-        </p:spPr>
-        <p:txBody>
-          <a:bodyPr>
-            <a:normAutofit/>
-          </a:bodyPr>
-          <a:lstStyle>
-            <a:lvl1pPr marL="0" indent="0">
-              <a:buNone/>
-              <a:defRPr sz="2400"/>
-            </a:lvl1pPr>
-            <a:lvl2pPr marL="457200" indent="0">
-              <a:buNone/>
-              <a:defRPr sz="2800"/>
-            </a:lvl2pPr>
-            <a:lvl3pPr marL="914400" indent="0">
-              <a:buNone/>
-              <a:defRPr sz="2400"/>
-            </a:lvl3pPr>
-            <a:lvl4pPr marL="1371600" indent="0">
-              <a:buNone/>
-              <a:defRPr sz="2000"/>
-            </a:lvl4pPr>
-            <a:lvl5pPr marL="1828800" indent="0">
-              <a:buNone/>
-              <a:defRPr sz="2000"/>
-            </a:lvl5pPr>
-            <a:lvl6pPr marL="2286000" indent="0">
-              <a:buNone/>
-              <a:defRPr sz="2000"/>
-            </a:lvl6pPr>
-            <a:lvl7pPr marL="2743200" indent="0">
-              <a:buNone/>
-              <a:defRPr sz="2000"/>
-            </a:lvl7pPr>
-            <a:lvl8pPr marL="3200400" indent="0">
-              <a:buNone/>
-              <a:defRPr sz="2000"/>
-            </a:lvl8pPr>
-            <a:lvl9pPr marL="3657600" indent="0">
-              <a:buNone/>
-              <a:defRPr sz="2000"/>
-            </a:lvl9pPr>
-          </a:lstStyle>
-          <a:p>
-            <a:r>
-              <a:rPr lang="en-US" smtClean="0"/>
-              <a:t>Drag picture to placeholder or click icon to add</a:t>
-            </a:r>
-            <a:endParaRPr/>
-          </a:p>
-        </p:txBody>
-      </p:sp>
-    </p:spTree>
-  </p:cSld>
-  <p:clrMapOvr>
-    <a:masterClrMapping/>
-  </p:clrMapOvr>
-  <p:timing>
-    <p:tnLst>
-      <p:par>
-        <p:cTn id="1" dur="indefinite" restart="never" nodeType="tmRoot"/>
-      </p:par>
-    </p:tnLst>
-  </p:timing>
-</p:sldLayout>
-</file>
-
-<file path=ppt/slideLayouts/slideLayout15.xml><?xml version="1.0" encoding="utf-8"?>
-<p:sldLayout xmlns:a="http://schemas.openxmlformats.org/drawingml/2006/main" xmlns:r="http://schemas.openxmlformats.org/officeDocument/2006/relationships" xmlns:p="http://schemas.openxmlformats.org/presentationml/2006/main" type="vertTx" preserve="1">
-  <p:cSld name="Title and Vertical Text">
-    <p:spTree>
-      <p:nvGrpSpPr>
-        <p:cNvPr id="1" name=""/>
-        <p:cNvGrpSpPr/>
-        <p:nvPr/>
-      </p:nvGrpSpPr>
-      <p:grpSpPr>
-        <a:xfrm>
-          <a:off x="0" y="0"/>
-          <a:ext cx="0" cy="0"/>
-          <a:chOff x="0" y="0"/>
-          <a:chExt cx="0" cy="0"/>
-        </a:xfrm>
-      </p:grpSpPr>
-      <p:sp>
-        <p:nvSpPr>
-          <p:cNvPr id="7" name="Rectangle 6"/>
-          <p:cNvSpPr/>
-          <p:nvPr/>
-        </p:nvSpPr>
-        <p:spPr>
-          <a:xfrm>
-            <a:off x="284163" y="455773"/>
-            <a:ext cx="8574087" cy="1133949"/>
+            <a:off x="1549400" y="5829838"/>
+            <a:ext cx="3749229" cy="484094"/>
           </a:xfrm>
           <a:prstGeom prst="rect">
             <a:avLst/>
           </a:prstGeom>
-          <a:solidFill>
-            <a:schemeClr val="tx1">
-              <a:lumMod val="85000"/>
-              <a:lumOff val="15000"/>
-              <a:alpha val="70000"/>
-            </a:schemeClr>
-          </a:solidFill>
-          <a:ln>
-            <a:noFill/>
-          </a:ln>
         </p:spPr>
-        <p:style>
-          <a:lnRef idx="2">
-            <a:schemeClr val="accent1">
-              <a:shade val="50000"/>
-            </a:schemeClr>
-          </a:lnRef>
-          <a:fillRef idx="1">
-            <a:schemeClr val="accent1"/>
-          </a:fillRef>
-          <a:effectRef idx="0">
-            <a:schemeClr val="accent1"/>
-          </a:effectRef>
-          <a:fontRef idx="minor">
-            <a:schemeClr val="lt1"/>
-          </a:fontRef>
-        </p:style>
-        <p:txBody>
-          <a:bodyPr rtlCol="0" anchor="ctr"/>
-          <a:lstStyle/>
-          <a:p>
-            <a:pPr algn="ctr"/>
-            <a:endParaRPr/>
-          </a:p>
-        </p:txBody>
-      </p:sp>
-      <p:grpSp>
-        <p:nvGrpSpPr>
-          <p:cNvPr id="8" name="Group 7"/>
-          <p:cNvGrpSpPr/>
-          <p:nvPr/>
-        </p:nvGrpSpPr>
-        <p:grpSpPr>
-          <a:xfrm>
-            <a:off x="284163" y="1577847"/>
-            <a:ext cx="8576373" cy="137411"/>
-            <a:chOff x="284163" y="1577847"/>
-            <a:chExt cx="8576373" cy="137411"/>
-          </a:xfrm>
-        </p:grpSpPr>
-        <p:sp>
-          <p:nvSpPr>
-            <p:cNvPr id="9" name="Rectangle 8"/>
-            <p:cNvSpPr/>
-            <p:nvPr/>
-          </p:nvSpPr>
-          <p:spPr>
-            <a:xfrm>
-              <a:off x="284163" y="1577847"/>
-              <a:ext cx="1600200" cy="137411"/>
-            </a:xfrm>
-            <a:prstGeom prst="rect">
-              <a:avLst/>
-            </a:prstGeom>
-            <a:solidFill>
-              <a:schemeClr val="accent1"/>
-            </a:solidFill>
-            <a:ln>
-              <a:noFill/>
-            </a:ln>
-          </p:spPr>
-          <p:style>
-            <a:lnRef idx="2">
-              <a:schemeClr val="accent1">
-                <a:shade val="50000"/>
-              </a:schemeClr>
-            </a:lnRef>
-            <a:fillRef idx="1">
-              <a:schemeClr val="accent1"/>
-            </a:fillRef>
-            <a:effectRef idx="0">
-              <a:schemeClr val="accent1"/>
-            </a:effectRef>
-            <a:fontRef idx="minor">
-              <a:schemeClr val="lt1"/>
-            </a:fontRef>
-          </p:style>
-          <p:txBody>
-            <a:bodyPr rtlCol="0" anchor="ctr"/>
-            <a:lstStyle/>
-            <a:p>
-              <a:pPr algn="ctr"/>
-              <a:endParaRPr/>
-            </a:p>
-          </p:txBody>
-        </p:sp>
-        <p:sp>
-          <p:nvSpPr>
-            <p:cNvPr id="10" name="Rectangle 9"/>
-            <p:cNvSpPr/>
-            <p:nvPr/>
-          </p:nvSpPr>
-          <p:spPr>
-            <a:xfrm>
-              <a:off x="1885174" y="1577847"/>
-              <a:ext cx="2743200" cy="137411"/>
-            </a:xfrm>
-            <a:prstGeom prst="rect">
-              <a:avLst/>
-            </a:prstGeom>
-            <a:solidFill>
-              <a:schemeClr val="accent2"/>
-            </a:solidFill>
-            <a:ln>
-              <a:noFill/>
-            </a:ln>
-          </p:spPr>
-          <p:style>
-            <a:lnRef idx="2">
-              <a:schemeClr val="accent1">
-                <a:shade val="50000"/>
-              </a:schemeClr>
-            </a:lnRef>
-            <a:fillRef idx="1">
-              <a:schemeClr val="accent1"/>
-            </a:fillRef>
-            <a:effectRef idx="0">
-              <a:schemeClr val="accent1"/>
-            </a:effectRef>
-            <a:fontRef idx="minor">
-              <a:schemeClr val="lt1"/>
-            </a:fontRef>
-          </p:style>
-          <p:txBody>
-            <a:bodyPr rtlCol="0" anchor="ctr"/>
-            <a:lstStyle/>
-            <a:p>
-              <a:pPr algn="ctr"/>
-              <a:endParaRPr/>
-            </a:p>
-          </p:txBody>
-        </p:sp>
-        <p:sp>
-          <p:nvSpPr>
-            <p:cNvPr id="11" name="Rectangle 10"/>
-            <p:cNvSpPr/>
-            <p:nvPr/>
-          </p:nvSpPr>
-          <p:spPr>
-            <a:xfrm>
-              <a:off x="4626864" y="1577847"/>
-              <a:ext cx="4233672" cy="137411"/>
-            </a:xfrm>
-            <a:prstGeom prst="rect">
-              <a:avLst/>
-            </a:prstGeom>
-            <a:solidFill>
-              <a:schemeClr val="accent4"/>
-            </a:solidFill>
-            <a:ln>
-              <a:noFill/>
-            </a:ln>
-          </p:spPr>
-          <p:style>
-            <a:lnRef idx="2">
-              <a:schemeClr val="accent1">
-                <a:shade val="50000"/>
-              </a:schemeClr>
-            </a:lnRef>
-            <a:fillRef idx="1">
-              <a:schemeClr val="accent1"/>
-            </a:fillRef>
-            <a:effectRef idx="0">
-              <a:schemeClr val="accent1"/>
-            </a:effectRef>
-            <a:fontRef idx="minor">
-              <a:schemeClr val="lt1"/>
-            </a:fontRef>
-          </p:style>
-          <p:txBody>
-            <a:bodyPr rtlCol="0" anchor="ctr"/>
-            <a:lstStyle/>
-            <a:p>
-              <a:pPr algn="ctr"/>
-              <a:endParaRPr/>
-            </a:p>
-          </p:txBody>
-        </p:sp>
-      </p:grpSp>
-      <p:sp>
-        <p:nvSpPr>
-          <p:cNvPr id="2" name="Title 1"/>
-          <p:cNvSpPr>
-            <a:spLocks noGrp="1"/>
-          </p:cNvSpPr>
-          <p:nvPr>
-            <p:ph type="title"/>
-          </p:nvPr>
-        </p:nvSpPr>
-        <p:spPr/>
-        <p:txBody>
-          <a:bodyPr/>
-          <a:lstStyle/>
-          <a:p>
-            <a:r>
-              <a:rPr lang="en-US" smtClean="0"/>
-              <a:t>Click to edit Master title style</a:t>
-            </a:r>
-            <a:endParaRPr/>
-          </a:p>
-        </p:txBody>
-      </p:sp>
-      <p:sp>
-        <p:nvSpPr>
-          <p:cNvPr id="3" name="Vertical Text Placeholder 2"/>
-          <p:cNvSpPr>
-            <a:spLocks noGrp="1"/>
-          </p:cNvSpPr>
-          <p:nvPr>
-            <p:ph type="body" orient="vert" idx="1"/>
-          </p:nvPr>
-        </p:nvSpPr>
-        <p:spPr>
-          <a:xfrm>
-            <a:off x="284163" y="2133600"/>
-            <a:ext cx="8574087" cy="4013200"/>
-          </a:xfrm>
-        </p:spPr>
-        <p:txBody>
-          <a:bodyPr vert="eaVert"/>
+        <p:txBody>
+          <a:bodyPr vert="horz" lIns="91440" tIns="45720" rIns="91440" bIns="45720" rtlCol="0">
+            <a:normAutofit/>
+          </a:bodyPr>
           <a:lstStyle>
-            <a:lvl5pPr>
-              <a:defRPr/>
+            <a:lvl1pPr marL="0" indent="0" algn="l" defTabSz="914400" rtl="0" eaLnBrk="1" latinLnBrk="0" hangingPunct="1">
+              <a:lnSpc>
+                <a:spcPct val="100000"/>
+              </a:lnSpc>
+              <a:spcBef>
+                <a:spcPts val="0"/>
+              </a:spcBef>
+              <a:buClr>
+                <a:schemeClr val="bg1">
+                  <a:lumMod val="65000"/>
+                </a:schemeClr>
+              </a:buClr>
+              <a:buSzPct val="90000"/>
+              <a:buFont typeface="Wingdings" pitchFamily="2" charset="2"/>
+              <a:buNone/>
+              <a:defRPr sz="1800" kern="1200">
+                <a:solidFill>
+                  <a:schemeClr val="bg1"/>
+                </a:solidFill>
+                <a:latin typeface="+mn-lt"/>
+                <a:ea typeface="+mn-ea"/>
+                <a:cs typeface="+mn-cs"/>
+              </a:defRPr>
+            </a:lvl1pPr>
+            <a:lvl2pPr marL="457200" indent="0" algn="ctr" defTabSz="914400" rtl="0" eaLnBrk="1" latinLnBrk="0" hangingPunct="1">
+              <a:spcBef>
+                <a:spcPts val="600"/>
+              </a:spcBef>
+              <a:buClr>
+                <a:schemeClr val="tx1">
+                  <a:lumMod val="75000"/>
+                  <a:lumOff val="25000"/>
+                </a:schemeClr>
+              </a:buClr>
+              <a:buSzPct val="90000"/>
+              <a:buFont typeface="Wingdings" pitchFamily="2" charset="2"/>
+              <a:buNone/>
+              <a:defRPr sz="2200" kern="1200">
+                <a:solidFill>
+                  <a:schemeClr val="tx1">
+                    <a:tint val="75000"/>
+                  </a:schemeClr>
+                </a:solidFill>
+                <a:latin typeface="+mn-lt"/>
+                <a:ea typeface="+mn-ea"/>
+                <a:cs typeface="+mn-cs"/>
+              </a:defRPr>
+            </a:lvl2pPr>
+            <a:lvl3pPr marL="914400" indent="0" algn="ctr" defTabSz="914400" rtl="0" eaLnBrk="1" latinLnBrk="0" hangingPunct="1">
+              <a:spcBef>
+                <a:spcPts val="600"/>
+              </a:spcBef>
+              <a:buClr>
+                <a:schemeClr val="bg1">
+                  <a:lumMod val="65000"/>
+                </a:schemeClr>
+              </a:buClr>
+              <a:buSzPct val="90000"/>
+              <a:buFont typeface="Wingdings" pitchFamily="2" charset="2"/>
+              <a:buNone/>
+              <a:defRPr sz="2000" kern="1200">
+                <a:solidFill>
+                  <a:schemeClr val="tx1">
+                    <a:tint val="75000"/>
+                  </a:schemeClr>
+                </a:solidFill>
+                <a:latin typeface="+mn-lt"/>
+                <a:ea typeface="+mn-ea"/>
+                <a:cs typeface="+mn-cs"/>
+              </a:defRPr>
+            </a:lvl3pPr>
+            <a:lvl4pPr marL="1371600" indent="0" algn="ctr" defTabSz="914400" rtl="0" eaLnBrk="1" latinLnBrk="0" hangingPunct="1">
+              <a:spcBef>
+                <a:spcPts val="600"/>
+              </a:spcBef>
+              <a:buClr>
+                <a:schemeClr val="tx1">
+                  <a:lumMod val="75000"/>
+                  <a:lumOff val="25000"/>
+                </a:schemeClr>
+              </a:buClr>
+              <a:buSzPct val="90000"/>
+              <a:buFont typeface="Wingdings" pitchFamily="2" charset="2"/>
+              <a:buNone/>
+              <a:defRPr sz="1800" kern="1200">
+                <a:solidFill>
+                  <a:schemeClr val="tx1">
+                    <a:tint val="75000"/>
+                  </a:schemeClr>
+                </a:solidFill>
+                <a:latin typeface="+mn-lt"/>
+                <a:ea typeface="+mn-ea"/>
+                <a:cs typeface="+mn-cs"/>
+              </a:defRPr>
+            </a:lvl4pPr>
+            <a:lvl5pPr marL="1828800" indent="0" algn="ctr" defTabSz="914400" rtl="0" eaLnBrk="1" latinLnBrk="0" hangingPunct="1">
+              <a:spcBef>
+                <a:spcPts val="600"/>
+              </a:spcBef>
+              <a:buClr>
+                <a:schemeClr val="bg1">
+                  <a:lumMod val="65000"/>
+                </a:schemeClr>
+              </a:buClr>
+              <a:buSzPct val="90000"/>
+              <a:buFont typeface="Wingdings" pitchFamily="2" charset="2"/>
+              <a:buNone/>
+              <a:defRPr sz="1800" kern="1200">
+                <a:solidFill>
+                  <a:schemeClr val="tx1">
+                    <a:tint val="75000"/>
+                  </a:schemeClr>
+                </a:solidFill>
+                <a:latin typeface="+mn-lt"/>
+                <a:ea typeface="+mn-ea"/>
+                <a:cs typeface="+mn-cs"/>
+              </a:defRPr>
             </a:lvl5pPr>
+            <a:lvl6pPr marL="2286000" indent="0" algn="ctr" defTabSz="914400" rtl="0" eaLnBrk="1" latinLnBrk="0" hangingPunct="1">
+              <a:spcBef>
+                <a:spcPts val="600"/>
+              </a:spcBef>
+              <a:buClr>
+                <a:schemeClr val="tx1">
+                  <a:lumMod val="75000"/>
+                  <a:lumOff val="25000"/>
+                </a:schemeClr>
+              </a:buClr>
+              <a:buSzPct val="90000"/>
+              <a:buFont typeface="Wingdings" pitchFamily="2" charset="2"/>
+              <a:buNone/>
+              <a:defRPr lang="en-US" sz="1800" kern="1200">
+                <a:solidFill>
+                  <a:schemeClr val="tx1">
+                    <a:tint val="75000"/>
+                  </a:schemeClr>
+                </a:solidFill>
+                <a:latin typeface="+mn-lt"/>
+                <a:ea typeface="+mn-ea"/>
+                <a:cs typeface="+mn-cs"/>
+              </a:defRPr>
+            </a:lvl6pPr>
+            <a:lvl7pPr marL="2743200" indent="0" algn="ctr" defTabSz="914400" rtl="0" eaLnBrk="1" latinLnBrk="0" hangingPunct="1">
+              <a:spcBef>
+                <a:spcPts val="600"/>
+              </a:spcBef>
+              <a:buClr>
+                <a:schemeClr val="bg1">
+                  <a:lumMod val="65000"/>
+                </a:schemeClr>
+              </a:buClr>
+              <a:buSzPct val="90000"/>
+              <a:buFont typeface="Wingdings" pitchFamily="2" charset="2"/>
+              <a:buNone/>
+              <a:defRPr lang="en-US" sz="1800" kern="1200">
+                <a:solidFill>
+                  <a:schemeClr val="tx1">
+                    <a:tint val="75000"/>
+                  </a:schemeClr>
+                </a:solidFill>
+                <a:latin typeface="+mn-lt"/>
+                <a:ea typeface="+mn-ea"/>
+                <a:cs typeface="+mn-cs"/>
+              </a:defRPr>
+            </a:lvl7pPr>
+            <a:lvl8pPr marL="3200400" indent="0" algn="ctr" defTabSz="914400" rtl="0" eaLnBrk="1" latinLnBrk="0" hangingPunct="1">
+              <a:spcBef>
+                <a:spcPts val="600"/>
+              </a:spcBef>
+              <a:buClr>
+                <a:schemeClr val="tx1">
+                  <a:lumMod val="75000"/>
+                  <a:lumOff val="25000"/>
+                </a:schemeClr>
+              </a:buClr>
+              <a:buSzPct val="90000"/>
+              <a:buFont typeface="Wingdings" pitchFamily="2" charset="2"/>
+              <a:buNone/>
+              <a:defRPr lang="en-US" sz="1800" kern="1200">
+                <a:solidFill>
+                  <a:schemeClr val="tx1">
+                    <a:tint val="75000"/>
+                  </a:schemeClr>
+                </a:solidFill>
+                <a:latin typeface="+mn-lt"/>
+                <a:ea typeface="+mn-ea"/>
+                <a:cs typeface="+mn-cs"/>
+              </a:defRPr>
+            </a:lvl8pPr>
+            <a:lvl9pPr marL="3657600" indent="0" algn="ctr" defTabSz="914400" rtl="0" eaLnBrk="1" latinLnBrk="0" hangingPunct="1">
+              <a:spcBef>
+                <a:spcPts val="600"/>
+              </a:spcBef>
+              <a:buClr>
+                <a:schemeClr val="bg1">
+                  <a:lumMod val="65000"/>
+                </a:schemeClr>
+              </a:buClr>
+              <a:buSzPct val="90000"/>
+              <a:buFont typeface="Wingdings" pitchFamily="2" charset="2"/>
+              <a:buNone/>
+              <a:defRPr lang="en-US" sz="1800" kern="1200">
+                <a:solidFill>
+                  <a:schemeClr val="tx1">
+                    <a:tint val="75000"/>
+                  </a:schemeClr>
+                </a:solidFill>
+                <a:latin typeface="+mn-lt"/>
+                <a:ea typeface="+mn-ea"/>
+                <a:cs typeface="+mn-cs"/>
+              </a:defRPr>
+            </a:lvl9pPr>
           </a:lstStyle>
           <a:p>
-            <a:pPr lvl="0"/>
-            <a:r>
-              <a:rPr lang="en-US" smtClean="0"/>
-              <a:t>Click to edit Master text styles</a:t>
-            </a:r>
-          </a:p>
-          <a:p>
-            <a:pPr lvl="1"/>
-            <a:r>
-              <a:rPr lang="en-US" smtClean="0"/>
-              <a:t>Second level</a:t>
-            </a:r>
-          </a:p>
-          <a:p>
-            <a:pPr lvl="2"/>
-            <a:r>
-              <a:rPr lang="en-US" smtClean="0"/>
-              <a:t>Third level</a:t>
-            </a:r>
-          </a:p>
-          <a:p>
-            <a:pPr lvl="3"/>
-            <a:r>
-              <a:rPr lang="en-US" smtClean="0"/>
-              <a:t>Fourth level</a:t>
-            </a:r>
-          </a:p>
-          <a:p>
-            <a:pPr lvl="4"/>
-            <a:r>
-              <a:rPr lang="en-US" smtClean="0"/>
-              <a:t>Fifth level</a:t>
-            </a:r>
-            <a:endParaRPr dirty="0"/>
-          </a:p>
-        </p:txBody>
-      </p:sp>
-      <p:sp>
-        <p:nvSpPr>
-          <p:cNvPr id="4" name="Date Placeholder 3"/>
-          <p:cNvSpPr>
-            <a:spLocks noGrp="1"/>
-          </p:cNvSpPr>
-          <p:nvPr>
-            <p:ph type="dt" sz="half" idx="10"/>
-          </p:nvPr>
-        </p:nvSpPr>
-        <p:spPr/>
-        <p:txBody>
-          <a:bodyPr/>
-          <a:lstStyle/>
-          <a:p>
-            <a:fld id="{B058FB97-1C39-47D6-A6E9-6CA2C05895EB}" type="datetime1">
-              <a:rPr lang="en-US" smtClean="0"/>
-              <a:t>11/12/2015</a:t>
-            </a:fld>
-            <a:endParaRPr lang="en-US"/>
-          </a:p>
-        </p:txBody>
-      </p:sp>
-      <p:sp>
-        <p:nvSpPr>
-          <p:cNvPr id="5" name="Footer Placeholder 4"/>
-          <p:cNvSpPr>
-            <a:spLocks noGrp="1"/>
-          </p:cNvSpPr>
-          <p:nvPr>
-            <p:ph type="ftr" sz="quarter" idx="11"/>
-          </p:nvPr>
-        </p:nvSpPr>
-        <p:spPr/>
-        <p:txBody>
-          <a:bodyPr/>
-          <a:lstStyle/>
-          <a:p>
-            <a:r>
-              <a:rPr lang="en-US" smtClean="0"/>
-              <a:t>© 2015 EV3Lessons.com, Last edit 11/12/2015</a:t>
-            </a:r>
-            <a:endParaRPr lang="en-US"/>
-          </a:p>
-        </p:txBody>
-      </p:sp>
-      <p:sp>
-        <p:nvSpPr>
-          <p:cNvPr id="6" name="Slide Number Placeholder 5"/>
-          <p:cNvSpPr>
-            <a:spLocks noGrp="1"/>
-          </p:cNvSpPr>
-          <p:nvPr>
-            <p:ph type="sldNum" sz="quarter" idx="12"/>
-          </p:nvPr>
-        </p:nvSpPr>
-        <p:spPr/>
-        <p:txBody>
-          <a:bodyPr/>
-          <a:lstStyle/>
-          <a:p>
-            <a:fld id="{4382A7F7-08BF-4252-8141-63FB96055BBB}" type="slidenum">
-              <a:rPr lang="en-US" smtClean="0"/>
-              <a:t>‹#›</a:t>
-            </a:fld>
-            <a:endParaRPr lang="en-US"/>
+            <a:r>
+              <a:rPr lang="en-US" dirty="0" smtClean="0">
+                <a:solidFill>
+                  <a:schemeClr val="tx1"/>
+                </a:solidFill>
+              </a:rPr>
+              <a:t>By Droids Robotics</a:t>
+            </a:r>
+            <a:endParaRPr lang="en-US" dirty="0">
+              <a:solidFill>
+                <a:schemeClr val="tx1"/>
+              </a:solidFill>
+            </a:endParaRPr>
           </a:p>
         </p:txBody>
       </p:sp>
     </p:spTree>
-  </p:cSld>
-  <p:clrMapOvr>
-    <a:masterClrMapping/>
-  </p:clrMapOvr>
-  <p:timing>
-    <p:tnLst>
-      <p:par>
-        <p:cTn id="1" dur="indefinite" restart="never" nodeType="tmRoot"/>
-      </p:par>
-    </p:tnLst>
-  </p:timing>
-</p:sldLayout>
-</file>
-
-<file path=ppt/slideLayouts/slideLayout16.xml><?xml version="1.0" encoding="utf-8"?>
-<p:sldLayout xmlns:a="http://schemas.openxmlformats.org/drawingml/2006/main" xmlns:r="http://schemas.openxmlformats.org/officeDocument/2006/relationships" xmlns:p="http://schemas.openxmlformats.org/presentationml/2006/main" type="vertTitleAndTx" preserve="1">
-  <p:cSld name="Vertical Title and Text">
-    <p:spTree>
-      <p:nvGrpSpPr>
-        <p:cNvPr id="1" name=""/>
-        <p:cNvGrpSpPr/>
-        <p:nvPr/>
-      </p:nvGrpSpPr>
-      <p:grpSpPr>
-        <a:xfrm>
-          <a:off x="0" y="0"/>
-          <a:ext cx="0" cy="0"/>
-          <a:chOff x="0" y="0"/>
-          <a:chExt cx="0" cy="0"/>
-        </a:xfrm>
-      </p:grpSpPr>
-      <p:sp>
-        <p:nvSpPr>
-          <p:cNvPr id="7" name="Rectangle 6"/>
-          <p:cNvSpPr/>
-          <p:nvPr/>
-        </p:nvSpPr>
-        <p:spPr>
-          <a:xfrm rot="5400000">
-            <a:off x="5313882" y="2857535"/>
-            <a:ext cx="5934615" cy="1133949"/>
-          </a:xfrm>
-          <a:prstGeom prst="rect">
-            <a:avLst/>
-          </a:prstGeom>
-          <a:solidFill>
-            <a:schemeClr val="tx1">
-              <a:lumMod val="85000"/>
-              <a:lumOff val="15000"/>
-              <a:alpha val="70000"/>
-            </a:schemeClr>
-          </a:solidFill>
-          <a:ln>
-            <a:noFill/>
-          </a:ln>
-        </p:spPr>
-        <p:style>
-          <a:lnRef idx="2">
-            <a:schemeClr val="accent1">
-              <a:shade val="50000"/>
-            </a:schemeClr>
-          </a:lnRef>
-          <a:fillRef idx="1">
-            <a:schemeClr val="accent1"/>
-          </a:fillRef>
-          <a:effectRef idx="0">
-            <a:schemeClr val="accent1"/>
-          </a:effectRef>
-          <a:fontRef idx="minor">
-            <a:schemeClr val="lt1"/>
-          </a:fontRef>
-        </p:style>
-        <p:txBody>
-          <a:bodyPr rtlCol="0" anchor="ctr"/>
-          <a:lstStyle/>
-          <a:p>
-            <a:pPr algn="ctr"/>
-            <a:endParaRPr/>
-          </a:p>
-        </p:txBody>
-      </p:sp>
-      <p:sp>
-        <p:nvSpPr>
-          <p:cNvPr id="2" name="Vertical Title 1"/>
-          <p:cNvSpPr>
-            <a:spLocks noGrp="1"/>
-          </p:cNvSpPr>
-          <p:nvPr>
-            <p:ph type="title" orient="vert"/>
-          </p:nvPr>
-        </p:nvSpPr>
-        <p:spPr>
-          <a:xfrm>
-            <a:off x="7695124" y="473075"/>
-            <a:ext cx="969264" cy="5921375"/>
-          </a:xfrm>
-        </p:spPr>
-        <p:txBody>
-          <a:bodyPr vert="eaVert"/>
-          <a:lstStyle>
-            <a:lvl1pPr algn="l">
-              <a:defRPr sz="3400"/>
-            </a:lvl1pPr>
-          </a:lstStyle>
-          <a:p>
-            <a:r>
-              <a:rPr lang="en-US" smtClean="0"/>
-              <a:t>Click to edit Master title style</a:t>
-            </a:r>
-            <a:endParaRPr/>
-          </a:p>
-        </p:txBody>
-      </p:sp>
-      <p:sp>
-        <p:nvSpPr>
-          <p:cNvPr id="3" name="Vertical Text Placeholder 2"/>
-          <p:cNvSpPr>
-            <a:spLocks noGrp="1"/>
-          </p:cNvSpPr>
-          <p:nvPr>
-            <p:ph type="body" orient="vert" idx="1"/>
-          </p:nvPr>
-        </p:nvSpPr>
-        <p:spPr>
-          <a:xfrm>
-            <a:off x="284163" y="457200"/>
-            <a:ext cx="6497637" cy="5937250"/>
-          </a:xfrm>
-        </p:spPr>
-        <p:txBody>
-          <a:bodyPr vert="eaVert"/>
-          <a:lstStyle>
-            <a:lvl5pPr algn="l">
-              <a:defRPr/>
-            </a:lvl5pPr>
-          </a:lstStyle>
-          <a:p>
-            <a:pPr lvl="0"/>
-            <a:r>
-              <a:rPr lang="en-US" smtClean="0"/>
-              <a:t>Click to edit Master text styles</a:t>
-            </a:r>
-          </a:p>
-          <a:p>
-            <a:pPr lvl="1"/>
-            <a:r>
-              <a:rPr lang="en-US" smtClean="0"/>
-              <a:t>Second level</a:t>
-            </a:r>
-          </a:p>
-          <a:p>
-            <a:pPr lvl="2"/>
-            <a:r>
-              <a:rPr lang="en-US" smtClean="0"/>
-              <a:t>Third level</a:t>
-            </a:r>
-          </a:p>
-          <a:p>
-            <a:pPr lvl="3"/>
-            <a:r>
-              <a:rPr lang="en-US" smtClean="0"/>
-              <a:t>Fourth level</a:t>
-            </a:r>
-          </a:p>
-          <a:p>
-            <a:pPr lvl="4"/>
-            <a:r>
-              <a:rPr lang="en-US" smtClean="0"/>
-              <a:t>Fifth level</a:t>
-            </a:r>
-            <a:endParaRPr dirty="0"/>
-          </a:p>
-        </p:txBody>
-      </p:sp>
-      <p:sp>
-        <p:nvSpPr>
-          <p:cNvPr id="4" name="Date Placeholder 3"/>
-          <p:cNvSpPr>
-            <a:spLocks noGrp="1"/>
-          </p:cNvSpPr>
-          <p:nvPr>
-            <p:ph type="dt" sz="half" idx="10"/>
-          </p:nvPr>
-        </p:nvSpPr>
-        <p:spPr/>
-        <p:txBody>
-          <a:bodyPr/>
-          <a:lstStyle/>
-          <a:p>
-            <a:fld id="{E48C1F2A-0FA3-428E-B966-AB5AF7A6896E}" type="datetime1">
-              <a:rPr lang="en-US" smtClean="0"/>
-              <a:t>11/12/2015</a:t>
-            </a:fld>
-            <a:endParaRPr lang="en-US"/>
-          </a:p>
-        </p:txBody>
-      </p:sp>
-      <p:sp>
-        <p:nvSpPr>
-          <p:cNvPr id="5" name="Footer Placeholder 4"/>
-          <p:cNvSpPr>
-            <a:spLocks noGrp="1"/>
-          </p:cNvSpPr>
-          <p:nvPr>
-            <p:ph type="ftr" sz="quarter" idx="11"/>
-          </p:nvPr>
-        </p:nvSpPr>
-        <p:spPr/>
-        <p:txBody>
-          <a:bodyPr/>
-          <a:lstStyle/>
-          <a:p>
-            <a:r>
-              <a:rPr lang="en-US" smtClean="0"/>
-              <a:t>© 2015 EV3Lessons.com, Last edit 11/12/2015</a:t>
-            </a:r>
-            <a:endParaRPr lang="en-US"/>
-          </a:p>
-        </p:txBody>
-      </p:sp>
-      <p:sp>
-        <p:nvSpPr>
-          <p:cNvPr id="6" name="Slide Number Placeholder 5"/>
-          <p:cNvSpPr>
-            <a:spLocks noGrp="1"/>
-          </p:cNvSpPr>
-          <p:nvPr>
-            <p:ph type="sldNum" sz="quarter" idx="12"/>
-          </p:nvPr>
-        </p:nvSpPr>
-        <p:spPr/>
-        <p:txBody>
-          <a:bodyPr/>
-          <a:lstStyle/>
-          <a:p>
-            <a:fld id="{4382A7F7-08BF-4252-8141-63FB96055BBB}" type="slidenum">
-              <a:rPr lang="en-US" smtClean="0"/>
-              <a:t>‹#›</a:t>
-            </a:fld>
-            <a:endParaRPr lang="en-US"/>
-          </a:p>
-        </p:txBody>
-      </p:sp>
-      <p:grpSp>
-        <p:nvGrpSpPr>
-          <p:cNvPr id="8" name="Group 7"/>
-          <p:cNvGrpSpPr/>
-          <p:nvPr/>
-        </p:nvGrpSpPr>
-        <p:grpSpPr>
-          <a:xfrm rot="5400000">
-            <a:off x="4658724" y="3355723"/>
-            <a:ext cx="5934456" cy="137411"/>
-            <a:chOff x="284163" y="1577847"/>
-            <a:chExt cx="8576373" cy="137411"/>
-          </a:xfrm>
-        </p:grpSpPr>
-        <p:sp>
-          <p:nvSpPr>
-            <p:cNvPr id="9" name="Rectangle 8"/>
-            <p:cNvSpPr/>
-            <p:nvPr/>
-          </p:nvSpPr>
-          <p:spPr>
-            <a:xfrm>
-              <a:off x="284163" y="1577847"/>
-              <a:ext cx="1600200" cy="137411"/>
-            </a:xfrm>
-            <a:prstGeom prst="rect">
-              <a:avLst/>
-            </a:prstGeom>
-            <a:solidFill>
-              <a:schemeClr val="accent1"/>
-            </a:solidFill>
-            <a:ln>
-              <a:noFill/>
-            </a:ln>
-          </p:spPr>
-          <p:style>
-            <a:lnRef idx="2">
-              <a:schemeClr val="accent1">
-                <a:shade val="50000"/>
-              </a:schemeClr>
-            </a:lnRef>
-            <a:fillRef idx="1">
-              <a:schemeClr val="accent1"/>
-            </a:fillRef>
-            <a:effectRef idx="0">
-              <a:schemeClr val="accent1"/>
-            </a:effectRef>
-            <a:fontRef idx="minor">
-              <a:schemeClr val="lt1"/>
-            </a:fontRef>
-          </p:style>
-          <p:txBody>
-            <a:bodyPr rtlCol="0" anchor="ctr"/>
-            <a:lstStyle/>
-            <a:p>
-              <a:pPr algn="ctr"/>
-              <a:endParaRPr/>
-            </a:p>
-          </p:txBody>
-        </p:sp>
-        <p:sp>
-          <p:nvSpPr>
-            <p:cNvPr id="10" name="Rectangle 9"/>
-            <p:cNvSpPr/>
-            <p:nvPr/>
-          </p:nvSpPr>
-          <p:spPr>
-            <a:xfrm>
-              <a:off x="1885174" y="1577847"/>
-              <a:ext cx="2743200" cy="137411"/>
-            </a:xfrm>
-            <a:prstGeom prst="rect">
-              <a:avLst/>
-            </a:prstGeom>
-            <a:solidFill>
-              <a:schemeClr val="accent2"/>
-            </a:solidFill>
-            <a:ln>
-              <a:noFill/>
-            </a:ln>
-          </p:spPr>
-          <p:style>
-            <a:lnRef idx="2">
-              <a:schemeClr val="accent1">
-                <a:shade val="50000"/>
-              </a:schemeClr>
-            </a:lnRef>
-            <a:fillRef idx="1">
-              <a:schemeClr val="accent1"/>
-            </a:fillRef>
-            <a:effectRef idx="0">
-              <a:schemeClr val="accent1"/>
-            </a:effectRef>
-            <a:fontRef idx="minor">
-              <a:schemeClr val="lt1"/>
-            </a:fontRef>
-          </p:style>
-          <p:txBody>
-            <a:bodyPr rtlCol="0" anchor="ctr"/>
-            <a:lstStyle/>
-            <a:p>
-              <a:pPr algn="ctr"/>
-              <a:endParaRPr/>
-            </a:p>
-          </p:txBody>
-        </p:sp>
-        <p:sp>
-          <p:nvSpPr>
-            <p:cNvPr id="11" name="Rectangle 10"/>
-            <p:cNvSpPr/>
-            <p:nvPr/>
-          </p:nvSpPr>
-          <p:spPr>
-            <a:xfrm>
-              <a:off x="4626864" y="1577847"/>
-              <a:ext cx="4233672" cy="137411"/>
-            </a:xfrm>
-            <a:prstGeom prst="rect">
-              <a:avLst/>
-            </a:prstGeom>
-            <a:solidFill>
-              <a:schemeClr val="accent4"/>
-            </a:solidFill>
-            <a:ln>
-              <a:noFill/>
-            </a:ln>
-          </p:spPr>
-          <p:style>
-            <a:lnRef idx="2">
-              <a:schemeClr val="accent1">
-                <a:shade val="50000"/>
-              </a:schemeClr>
-            </a:lnRef>
-            <a:fillRef idx="1">
-              <a:schemeClr val="accent1"/>
-            </a:fillRef>
-            <a:effectRef idx="0">
-              <a:schemeClr val="accent1"/>
-            </a:effectRef>
-            <a:fontRef idx="minor">
-              <a:schemeClr val="lt1"/>
-            </a:fontRef>
-          </p:style>
-          <p:txBody>
-            <a:bodyPr rtlCol="0" anchor="ctr"/>
-            <a:lstStyle/>
-            <a:p>
-              <a:pPr algn="ctr"/>
-              <a:endParaRPr/>
-            </a:p>
-          </p:txBody>
-        </p:sp>
-      </p:grpSp>
-    </p:spTree>
+    <p:extLst>
+      <p:ext uri="{BB962C8B-B14F-4D97-AF65-F5344CB8AC3E}">
+        <p14:creationId xmlns:p14="http://schemas.microsoft.com/office/powerpoint/2010/main" val="640713956"/>
+      </p:ext>
+    </p:extLst>
   </p:cSld>
   <p:clrMapOvr>
     <a:masterClrMapping/>
@@ -4745,7 +1758,7 @@
 </file>
 
 <file path=ppt/slideLayouts/slideLayout2.xml><?xml version="1.0" encoding="utf-8"?>
-<p:sldLayout xmlns:a="http://schemas.openxmlformats.org/drawingml/2006/main" xmlns:r="http://schemas.openxmlformats.org/officeDocument/2006/relationships" xmlns:p="http://schemas.openxmlformats.org/presentationml/2006/main" type="obj" preserve="1">
+<p:sldLayout xmlns:a="http://schemas.openxmlformats.org/drawingml/2006/main" xmlns:r="http://schemas.openxmlformats.org/officeDocument/2006/relationships" xmlns:p="http://schemas.openxmlformats.org/presentationml/2006/main" preserve="1">
   <p:cSld name="Title and Content">
     <p:spTree>
       <p:nvGrpSpPr>
@@ -4763,71 +1776,146 @@
       </p:grpSpPr>
       <p:sp>
         <p:nvSpPr>
-          <p:cNvPr id="7" name="Rectangle 6"/>
-          <p:cNvSpPr/>
-          <p:nvPr/>
-        </p:nvSpPr>
-        <p:spPr>
-          <a:xfrm>
-            <a:off x="284163" y="455773"/>
-            <a:ext cx="8574087" cy="1133949"/>
-          </a:xfrm>
-          <a:prstGeom prst="rect">
-            <a:avLst/>
-          </a:prstGeom>
-          <a:solidFill>
-            <a:schemeClr val="tx1">
-              <a:lumMod val="85000"/>
-              <a:lumOff val="15000"/>
-              <a:alpha val="70000"/>
-            </a:schemeClr>
-          </a:solidFill>
-          <a:ln>
-            <a:noFill/>
-          </a:ln>
-        </p:spPr>
-        <p:style>
-          <a:lnRef idx="2">
-            <a:schemeClr val="accent1">
-              <a:shade val="50000"/>
-            </a:schemeClr>
-          </a:lnRef>
-          <a:fillRef idx="1">
-            <a:schemeClr val="accent1"/>
-          </a:fillRef>
-          <a:effectRef idx="0">
-            <a:schemeClr val="accent1"/>
-          </a:effectRef>
-          <a:fontRef idx="minor">
-            <a:schemeClr val="lt1"/>
-          </a:fontRef>
-        </p:style>
-        <p:txBody>
-          <a:bodyPr rtlCol="0" anchor="ctr"/>
-          <a:lstStyle/>
-          <a:p>
-            <a:pPr algn="ctr"/>
-            <a:endParaRPr/>
+          <p:cNvPr id="3" name="Content Placeholder 2"/>
+          <p:cNvSpPr>
+            <a:spLocks noGrp="1"/>
+          </p:cNvSpPr>
+          <p:nvPr>
+            <p:ph idx="1"/>
+          </p:nvPr>
+        </p:nvSpPr>
+        <p:spPr/>
+        <p:txBody>
+          <a:bodyPr/>
+          <a:lstStyle>
+            <a:lvl5pPr>
+              <a:defRPr/>
+            </a:lvl5pPr>
+          </a:lstStyle>
+          <a:p>
+            <a:pPr lvl="0"/>
+            <a:r>
+              <a:rPr lang="en-US" smtClean="0"/>
+              <a:t>Click to edit Master text styles</a:t>
+            </a:r>
+          </a:p>
+          <a:p>
+            <a:pPr lvl="1"/>
+            <a:r>
+              <a:rPr lang="en-US" smtClean="0"/>
+              <a:t>Second level</a:t>
+            </a:r>
+          </a:p>
+          <a:p>
+            <a:pPr lvl="2"/>
+            <a:r>
+              <a:rPr lang="en-US" smtClean="0"/>
+              <a:t>Third level</a:t>
+            </a:r>
+          </a:p>
+          <a:p>
+            <a:pPr lvl="3"/>
+            <a:r>
+              <a:rPr lang="en-US" smtClean="0"/>
+              <a:t>Fourth level</a:t>
+            </a:r>
+          </a:p>
+          <a:p>
+            <a:pPr lvl="4"/>
+            <a:r>
+              <a:rPr lang="en-US" smtClean="0"/>
+              <a:t>Fifth level</a:t>
+            </a:r>
+            <a:endParaRPr dirty="0"/>
+          </a:p>
+        </p:txBody>
+      </p:sp>
+      <p:sp>
+        <p:nvSpPr>
+          <p:cNvPr id="4" name="Date Placeholder 3"/>
+          <p:cNvSpPr>
+            <a:spLocks noGrp="1"/>
+          </p:cNvSpPr>
+          <p:nvPr>
+            <p:ph type="dt" sz="half" idx="10"/>
+          </p:nvPr>
+        </p:nvSpPr>
+        <p:spPr/>
+        <p:txBody>
+          <a:bodyPr/>
+          <a:lstStyle/>
+          <a:p>
+            <a:fld id="{A2657CC9-6138-4D4E-9F7C-3F15176BA057}" type="datetime1">
+              <a:rPr lang="en-US" smtClean="0"/>
+              <a:t>11/15/15</a:t>
+            </a:fld>
+            <a:endParaRPr lang="en-US"/>
+          </a:p>
+        </p:txBody>
+      </p:sp>
+      <p:sp>
+        <p:nvSpPr>
+          <p:cNvPr id="5" name="Footer Placeholder 4"/>
+          <p:cNvSpPr>
+            <a:spLocks noGrp="1"/>
+          </p:cNvSpPr>
+          <p:nvPr>
+            <p:ph type="ftr" sz="quarter" idx="11"/>
+          </p:nvPr>
+        </p:nvSpPr>
+        <p:spPr/>
+        <p:txBody>
+          <a:bodyPr/>
+          <a:lstStyle/>
+          <a:p>
+            <a:r>
+              <a:rPr lang="en-US" smtClean="0"/>
+              <a:t>© 2015 EV3Lessons.com, Last edit 11/12/2015</a:t>
+            </a:r>
+            <a:endParaRPr lang="en-US"/>
+          </a:p>
+        </p:txBody>
+      </p:sp>
+      <p:sp>
+        <p:nvSpPr>
+          <p:cNvPr id="6" name="Slide Number Placeholder 5"/>
+          <p:cNvSpPr>
+            <a:spLocks noGrp="1"/>
+          </p:cNvSpPr>
+          <p:nvPr>
+            <p:ph type="sldNum" sz="quarter" idx="12"/>
+          </p:nvPr>
+        </p:nvSpPr>
+        <p:spPr/>
+        <p:txBody>
+          <a:bodyPr/>
+          <a:lstStyle/>
+          <a:p>
+            <a:fld id="{4382A7F7-08BF-4252-8141-63FB96055BBB}" type="slidenum">
+              <a:rPr lang="en-US" smtClean="0"/>
+              <a:t>‹#›</a:t>
+            </a:fld>
+            <a:endParaRPr lang="en-US"/>
           </a:p>
         </p:txBody>
       </p:sp>
       <p:grpSp>
         <p:nvGrpSpPr>
-          <p:cNvPr id="8" name="Group 7"/>
+          <p:cNvPr id="12" name="Group 11"/>
           <p:cNvGrpSpPr/>
           <p:nvPr/>
         </p:nvGrpSpPr>
         <p:grpSpPr>
           <a:xfrm>
-            <a:off x="284163" y="1577847"/>
-            <a:ext cx="8576373" cy="137411"/>
+            <a:off x="0" y="1188720"/>
+            <a:ext cx="9144000" cy="137411"/>
             <a:chOff x="284163" y="1577847"/>
             <a:chExt cx="8576373" cy="137411"/>
           </a:xfrm>
         </p:grpSpPr>
         <p:sp>
           <p:nvSpPr>
-            <p:cNvPr id="9" name="Rectangle 8"/>
+            <p:cNvPr id="13" name="Rectangle 12"/>
             <p:cNvSpPr/>
             <p:nvPr/>
           </p:nvSpPr>
@@ -4873,7 +1961,7 @@
         </p:sp>
         <p:sp>
           <p:nvSpPr>
-            <p:cNvPr id="10" name="Rectangle 9"/>
+            <p:cNvPr id="14" name="Rectangle 13"/>
             <p:cNvSpPr/>
             <p:nvPr/>
           </p:nvSpPr>
@@ -4919,7 +2007,7 @@
         </p:sp>
         <p:sp>
           <p:nvSpPr>
-            <p:cNvPr id="11" name="Rectangle 10"/>
+            <p:cNvPr id="15" name="Rectangle 14"/>
             <p:cNvSpPr/>
             <p:nvPr/>
           </p:nvSpPr>
@@ -4966,7 +2054,7 @@
       </p:grpSp>
       <p:sp>
         <p:nvSpPr>
-          <p:cNvPr id="2" name="Title 1"/>
+          <p:cNvPr id="16" name="Title 15"/>
           <p:cNvSpPr>
             <a:spLocks noGrp="1"/>
           </p:cNvSpPr>
@@ -4974,9 +2062,7 @@
             <p:ph type="title"/>
           </p:nvPr>
         </p:nvSpPr>
-        <p:spPr>
-          <a:noFill/>
-        </p:spPr>
+        <p:spPr/>
         <p:txBody>
           <a:bodyPr/>
           <a:lstStyle/>
@@ -4985,136 +2071,16 @@
               <a:rPr lang="en-US" smtClean="0"/>
               <a:t>Click to edit Master title style</a:t>
             </a:r>
-            <a:endParaRPr/>
-          </a:p>
-        </p:txBody>
-      </p:sp>
-      <p:sp>
-        <p:nvSpPr>
-          <p:cNvPr id="3" name="Content Placeholder 2"/>
-          <p:cNvSpPr>
-            <a:spLocks noGrp="1"/>
-          </p:cNvSpPr>
-          <p:nvPr>
-            <p:ph idx="1"/>
-          </p:nvPr>
-        </p:nvSpPr>
-        <p:spPr/>
-        <p:txBody>
-          <a:bodyPr/>
-          <a:lstStyle>
-            <a:lvl5pPr>
-              <a:defRPr/>
-            </a:lvl5pPr>
-          </a:lstStyle>
-          <a:p>
-            <a:pPr lvl="0"/>
-            <a:r>
-              <a:rPr lang="en-US" smtClean="0"/>
-              <a:t>Click to edit Master text styles</a:t>
-            </a:r>
-          </a:p>
-          <a:p>
-            <a:pPr lvl="1"/>
-            <a:r>
-              <a:rPr lang="en-US" smtClean="0"/>
-              <a:t>Second level</a:t>
-            </a:r>
-          </a:p>
-          <a:p>
-            <a:pPr lvl="2"/>
-            <a:r>
-              <a:rPr lang="en-US" smtClean="0"/>
-              <a:t>Third level</a:t>
-            </a:r>
-          </a:p>
-          <a:p>
-            <a:pPr lvl="3"/>
-            <a:r>
-              <a:rPr lang="en-US" smtClean="0"/>
-              <a:t>Fourth level</a:t>
-            </a:r>
-          </a:p>
-          <a:p>
-            <a:pPr lvl="4"/>
-            <a:r>
-              <a:rPr lang="en-US" smtClean="0"/>
-              <a:t>Fifth level</a:t>
-            </a:r>
-            <a:endParaRPr dirty="0"/>
-          </a:p>
-        </p:txBody>
-      </p:sp>
-      <p:sp>
-        <p:nvSpPr>
-          <p:cNvPr id="4" name="Date Placeholder 3"/>
-          <p:cNvSpPr>
-            <a:spLocks noGrp="1"/>
-          </p:cNvSpPr>
-          <p:nvPr>
-            <p:ph type="dt" sz="half" idx="10"/>
-          </p:nvPr>
-        </p:nvSpPr>
-        <p:spPr/>
-        <p:txBody>
-          <a:bodyPr/>
-          <a:lstStyle/>
-          <a:p>
-            <a:fld id="{A2657CC9-6138-4D4E-9F7C-3F15176BA057}" type="datetime1">
-              <a:rPr lang="en-US" smtClean="0"/>
-              <a:t>11/12/2015</a:t>
-            </a:fld>
             <a:endParaRPr lang="en-US"/>
           </a:p>
         </p:txBody>
       </p:sp>
-      <p:sp>
-        <p:nvSpPr>
-          <p:cNvPr id="5" name="Footer Placeholder 4"/>
-          <p:cNvSpPr>
-            <a:spLocks noGrp="1"/>
-          </p:cNvSpPr>
-          <p:nvPr>
-            <p:ph type="ftr" sz="quarter" idx="11"/>
-          </p:nvPr>
-        </p:nvSpPr>
-        <p:spPr/>
-        <p:txBody>
-          <a:bodyPr/>
-          <a:lstStyle/>
-          <a:p>
-            <a:r>
-              <a:rPr lang="en-US" smtClean="0"/>
-              <a:t>© 2015 EV3Lessons.com, Last edit 11/12/2015</a:t>
-            </a:r>
-            <a:endParaRPr lang="en-US"/>
-          </a:p>
-        </p:txBody>
-      </p:sp>
-      <p:sp>
-        <p:nvSpPr>
-          <p:cNvPr id="6" name="Slide Number Placeholder 5"/>
-          <p:cNvSpPr>
-            <a:spLocks noGrp="1"/>
-          </p:cNvSpPr>
-          <p:nvPr>
-            <p:ph type="sldNum" sz="quarter" idx="12"/>
-          </p:nvPr>
-        </p:nvSpPr>
-        <p:spPr/>
-        <p:txBody>
-          <a:bodyPr/>
-          <a:lstStyle/>
-          <a:p>
-            <a:fld id="{4382A7F7-08BF-4252-8141-63FB96055BBB}" type="slidenum">
-              <a:rPr lang="en-US" smtClean="0"/>
-              <a:t>‹#›</a:t>
-            </a:fld>
-            <a:endParaRPr lang="en-US"/>
-          </a:p>
-        </p:txBody>
-      </p:sp>
     </p:spTree>
+    <p:extLst>
+      <p:ext uri="{BB962C8B-B14F-4D97-AF65-F5344CB8AC3E}">
+        <p14:creationId xmlns:p14="http://schemas.microsoft.com/office/powerpoint/2010/main" val="996452434"/>
+      </p:ext>
+    </p:extLst>
   </p:cSld>
   <p:clrMapOvr>
     <a:masterClrMapping/>
@@ -5131,7 +2097,7 @@
 
 <file path=ppt/slideLayouts/slideLayout3.xml><?xml version="1.0" encoding="utf-8"?>
 <p:sldLayout xmlns:a="http://schemas.openxmlformats.org/drawingml/2006/main" xmlns:r="http://schemas.openxmlformats.org/officeDocument/2006/relationships" xmlns:p="http://schemas.openxmlformats.org/presentationml/2006/main" preserve="1">
-  <p:cSld name="Title Slide with Picture">
+  <p:cSld name="Section Header">
     <p:spTree>
       <p:nvGrpSpPr>
         <p:cNvPr id="1" name=""/>
@@ -5148,300 +2114,56 @@
       </p:grpSpPr>
       <p:sp>
         <p:nvSpPr>
-          <p:cNvPr id="18" name="Rectangle 17"/>
-          <p:cNvSpPr/>
-          <p:nvPr/>
+          <p:cNvPr id="20" name="Title 19"/>
+          <p:cNvSpPr>
+            <a:spLocks noGrp="1"/>
+          </p:cNvSpPr>
+          <p:nvPr>
+            <p:ph type="title"/>
+          </p:nvPr>
         </p:nvSpPr>
         <p:spPr>
           <a:xfrm>
-            <a:off x="284163" y="444728"/>
-            <a:ext cx="8574087" cy="1468437"/>
-          </a:xfrm>
-          <a:prstGeom prst="rect">
-            <a:avLst/>
-          </a:prstGeom>
-          <a:solidFill>
-            <a:schemeClr val="tx1">
-              <a:lumMod val="85000"/>
-              <a:lumOff val="15000"/>
-              <a:alpha val="85000"/>
-            </a:schemeClr>
-          </a:solidFill>
-        </p:spPr>
-        <p:txBody>
-          <a:bodyPr vert="horz" lIns="91440" tIns="45720" rIns="182880" bIns="365760" rtlCol="0" anchor="b" anchorCtr="0">
-            <a:normAutofit/>
-          </a:bodyPr>
-          <a:lstStyle/>
-          <a:p>
-            <a:pPr algn="l" defTabSz="914400" rtl="0" eaLnBrk="1" latinLnBrk="0" hangingPunct="1">
-              <a:spcBef>
-                <a:spcPct val="0"/>
-              </a:spcBef>
-              <a:buNone/>
-            </a:pPr>
-            <a:endParaRPr sz="4200" kern="1200">
-              <a:solidFill>
-                <a:schemeClr val="bg1"/>
-              </a:solidFill>
-              <a:latin typeface="+mj-lt"/>
-              <a:ea typeface="+mj-ea"/>
-              <a:cs typeface="+mj-cs"/>
-            </a:endParaRPr>
-          </a:p>
-        </p:txBody>
-      </p:sp>
-      <p:sp>
-        <p:nvSpPr>
-          <p:cNvPr id="4" name="Date Placeholder 3"/>
-          <p:cNvSpPr>
-            <a:spLocks noGrp="1"/>
-          </p:cNvSpPr>
-          <p:nvPr>
-            <p:ph type="dt" sz="half" idx="10"/>
-          </p:nvPr>
-        </p:nvSpPr>
-        <p:spPr/>
-        <p:txBody>
-          <a:bodyPr/>
-          <a:lstStyle/>
-          <a:p>
-            <a:fld id="{22E022A9-75E4-4AAC-8B59-DBFD45F44E6A}" type="datetime1">
-              <a:rPr lang="en-US" smtClean="0"/>
-              <a:t>11/12/2015</a:t>
-            </a:fld>
-            <a:endParaRPr lang="en-US"/>
-          </a:p>
-        </p:txBody>
-      </p:sp>
-      <p:sp>
-        <p:nvSpPr>
-          <p:cNvPr id="5" name="Footer Placeholder 4"/>
-          <p:cNvSpPr>
-            <a:spLocks noGrp="1"/>
-          </p:cNvSpPr>
-          <p:nvPr>
-            <p:ph type="ftr" sz="quarter" idx="11"/>
-          </p:nvPr>
-        </p:nvSpPr>
-        <p:spPr/>
-        <p:txBody>
-          <a:bodyPr/>
-          <a:lstStyle/>
-          <a:p>
-            <a:r>
-              <a:rPr lang="en-US" smtClean="0"/>
-              <a:t>© 2015 EV3Lessons.com, Last edit 11/12/2015</a:t>
-            </a:r>
-            <a:endParaRPr lang="en-US"/>
-          </a:p>
-        </p:txBody>
-      </p:sp>
-      <p:sp>
-        <p:nvSpPr>
-          <p:cNvPr id="6" name="Slide Number Placeholder 5"/>
-          <p:cNvSpPr>
-            <a:spLocks noGrp="1"/>
-          </p:cNvSpPr>
-          <p:nvPr>
-            <p:ph type="sldNum" sz="quarter" idx="12"/>
-          </p:nvPr>
-        </p:nvSpPr>
-        <p:spPr/>
-        <p:txBody>
-          <a:bodyPr/>
-          <a:lstStyle/>
-          <a:p>
-            <a:fld id="{7F5CE407-6216-4202-80E4-A30DC2F709B2}" type="slidenum">
-              <a:rPr lang="en-US" smtClean="0"/>
-              <a:t>‹#›</a:t>
-            </a:fld>
-            <a:endParaRPr lang="en-US"/>
-          </a:p>
-        </p:txBody>
-      </p:sp>
-      <p:sp>
-        <p:nvSpPr>
-          <p:cNvPr id="8" name="Picture Placeholder 7"/>
-          <p:cNvSpPr>
-            <a:spLocks noGrp="1"/>
-          </p:cNvSpPr>
-          <p:nvPr>
-            <p:ph type="pic" sz="quarter" idx="13"/>
-          </p:nvPr>
-        </p:nvSpPr>
-        <p:spPr>
-          <a:xfrm>
-            <a:off x="284162" y="2017058"/>
-            <a:ext cx="8574087" cy="4377391"/>
+            <a:off x="0" y="5075171"/>
+            <a:ext cx="9143999" cy="1782829"/>
           </a:xfrm>
         </p:spPr>
         <p:txBody>
           <a:bodyPr/>
-          <a:lstStyle>
-            <a:lvl1pPr>
-              <a:buNone/>
-              <a:defRPr/>
-            </a:lvl1pPr>
-          </a:lstStyle>
-          <a:p>
-            <a:r>
-              <a:rPr lang="en-US" smtClean="0"/>
-              <a:t>Drag picture to placeholder or click icon to add</a:t>
-            </a:r>
-            <a:endParaRPr/>
-          </a:p>
-        </p:txBody>
-      </p:sp>
-      <p:sp>
-        <p:nvSpPr>
-          <p:cNvPr id="3" name="Subtitle 2"/>
-          <p:cNvSpPr>
-            <a:spLocks noGrp="1"/>
-          </p:cNvSpPr>
-          <p:nvPr>
-            <p:ph type="subTitle" idx="1"/>
-          </p:nvPr>
-        </p:nvSpPr>
-        <p:spPr>
-          <a:xfrm>
-            <a:off x="472420" y="1532965"/>
-            <a:ext cx="7754284" cy="484094"/>
-          </a:xfrm>
-        </p:spPr>
-        <p:txBody>
-          <a:bodyPr>
-            <a:normAutofit/>
-          </a:bodyPr>
-          <a:lstStyle>
-            <a:lvl1pPr marL="0" indent="0" algn="l">
-              <a:lnSpc>
-                <a:spcPct val="100000"/>
-              </a:lnSpc>
-              <a:spcBef>
-                <a:spcPts val="0"/>
-              </a:spcBef>
-              <a:buNone/>
-              <a:defRPr sz="1800">
-                <a:solidFill>
-                  <a:schemeClr val="bg1"/>
-                </a:solidFill>
-              </a:defRPr>
-            </a:lvl1pPr>
-            <a:lvl2pPr marL="457200" indent="0" algn="ctr">
-              <a:buNone/>
-              <a:defRPr>
-                <a:solidFill>
-                  <a:schemeClr val="tx1">
-                    <a:tint val="75000"/>
-                  </a:schemeClr>
-                </a:solidFill>
-              </a:defRPr>
-            </a:lvl2pPr>
-            <a:lvl3pPr marL="914400" indent="0" algn="ctr">
-              <a:buNone/>
-              <a:defRPr>
-                <a:solidFill>
-                  <a:schemeClr val="tx1">
-                    <a:tint val="75000"/>
-                  </a:schemeClr>
-                </a:solidFill>
-              </a:defRPr>
-            </a:lvl3pPr>
-            <a:lvl4pPr marL="1371600" indent="0" algn="ctr">
-              <a:buNone/>
-              <a:defRPr>
-                <a:solidFill>
-                  <a:schemeClr val="tx1">
-                    <a:tint val="75000"/>
-                  </a:schemeClr>
-                </a:solidFill>
-              </a:defRPr>
-            </a:lvl4pPr>
-            <a:lvl5pPr marL="1828800" indent="0" algn="ctr">
-              <a:buNone/>
-              <a:defRPr>
-                <a:solidFill>
-                  <a:schemeClr val="tx1">
-                    <a:tint val="75000"/>
-                  </a:schemeClr>
-                </a:solidFill>
-              </a:defRPr>
-            </a:lvl5pPr>
-            <a:lvl6pPr marL="2286000" indent="0" algn="ctr">
-              <a:buNone/>
-              <a:defRPr>
-                <a:solidFill>
-                  <a:schemeClr val="tx1">
-                    <a:tint val="75000"/>
-                  </a:schemeClr>
-                </a:solidFill>
-              </a:defRPr>
-            </a:lvl6pPr>
-            <a:lvl7pPr marL="2743200" indent="0" algn="ctr">
-              <a:buNone/>
-              <a:defRPr>
-                <a:solidFill>
-                  <a:schemeClr val="tx1">
-                    <a:tint val="75000"/>
-                  </a:schemeClr>
-                </a:solidFill>
-              </a:defRPr>
-            </a:lvl7pPr>
-            <a:lvl8pPr marL="3200400" indent="0" algn="ctr">
-              <a:buNone/>
-              <a:defRPr>
-                <a:solidFill>
-                  <a:schemeClr val="tx1">
-                    <a:tint val="75000"/>
-                  </a:schemeClr>
-                </a:solidFill>
-              </a:defRPr>
-            </a:lvl8pPr>
-            <a:lvl9pPr marL="3657600" indent="0" algn="ctr">
-              <a:buNone/>
-              <a:defRPr>
-                <a:solidFill>
-                  <a:schemeClr val="tx1">
-                    <a:tint val="75000"/>
-                  </a:schemeClr>
-                </a:solidFill>
-              </a:defRPr>
-            </a:lvl9pPr>
-          </a:lstStyle>
-          <a:p>
-            <a:r>
-              <a:rPr lang="en-US" smtClean="0"/>
-              <a:t>Click to edit Master subtitle style</a:t>
-            </a:r>
-            <a:endParaRPr dirty="0"/>
+          <a:lstStyle/>
+          <a:p>
+            <a:r>
+              <a:rPr lang="en-US" smtClean="0"/>
+              <a:t>Click to edit Master title style</a:t>
+            </a:r>
+            <a:endParaRPr lang="en-US"/>
           </a:p>
         </p:txBody>
       </p:sp>
       <p:grpSp>
         <p:nvGrpSpPr>
-          <p:cNvPr id="7" name="Group 16"/>
+          <p:cNvPr id="15" name="Group 14"/>
           <p:cNvGrpSpPr/>
           <p:nvPr/>
         </p:nvGrpSpPr>
         <p:grpSpPr>
           <a:xfrm>
-            <a:off x="284163" y="1906542"/>
-            <a:ext cx="8576373" cy="137411"/>
-            <a:chOff x="284163" y="1759424"/>
+            <a:off x="0" y="4937760"/>
+            <a:ext cx="9144000" cy="137411"/>
+            <a:chOff x="284163" y="1577847"/>
             <a:chExt cx="8576373" cy="137411"/>
           </a:xfrm>
         </p:grpSpPr>
         <p:sp>
           <p:nvSpPr>
-            <p:cNvPr id="11" name="Rectangle 10"/>
+            <p:cNvPr id="16" name="Rectangle 15"/>
             <p:cNvSpPr/>
             <p:nvPr/>
           </p:nvSpPr>
           <p:spPr>
             <a:xfrm>
-              <a:off x="284163" y="1759424"/>
-              <a:ext cx="2743200" cy="137411"/>
+              <a:off x="284163" y="1577847"/>
+              <a:ext cx="1600200" cy="137411"/>
             </a:xfrm>
             <a:prstGeom prst="rect">
               <a:avLst/>
@@ -5480,14 +2202,14 @@
         </p:sp>
         <p:sp>
           <p:nvSpPr>
-            <p:cNvPr id="12" name="Rectangle 11"/>
+            <p:cNvPr id="17" name="Rectangle 16"/>
             <p:cNvSpPr/>
             <p:nvPr/>
           </p:nvSpPr>
           <p:spPr>
             <a:xfrm>
-              <a:off x="3026392" y="1759424"/>
-              <a:ext cx="1600200" cy="137411"/>
+              <a:off x="1885174" y="1577847"/>
+              <a:ext cx="2743200" cy="137411"/>
             </a:xfrm>
             <a:prstGeom prst="rect">
               <a:avLst/>
@@ -5526,13 +2248,13 @@
         </p:sp>
         <p:sp>
           <p:nvSpPr>
-            <p:cNvPr id="13" name="Rectangle 12"/>
+            <p:cNvPr id="18" name="Rectangle 17"/>
             <p:cNvSpPr/>
             <p:nvPr/>
           </p:nvSpPr>
           <p:spPr>
             <a:xfrm>
-              <a:off x="4626864" y="1759424"/>
+              <a:off x="4626864" y="1577847"/>
               <a:ext cx="4233672" cy="137411"/>
             </a:xfrm>
             <a:prstGeom prst="rect">
@@ -5573,43 +2295,87 @@
       </p:grpSp>
       <p:sp>
         <p:nvSpPr>
-          <p:cNvPr id="2" name="Title 1"/>
-          <p:cNvSpPr>
-            <a:spLocks noGrp="1"/>
-          </p:cNvSpPr>
-          <p:nvPr>
-            <p:ph type="ctrTitle"/>
-          </p:nvPr>
-        </p:nvSpPr>
-        <p:spPr>
-          <a:xfrm>
-            <a:off x="418633" y="444728"/>
-            <a:ext cx="7810967" cy="1088237"/>
-          </a:xfrm>
-          <a:noFill/>
-        </p:spPr>
-        <p:txBody>
-          <a:bodyPr bIns="45720" anchor="b" anchorCtr="0">
-            <a:normAutofit/>
-          </a:bodyPr>
+          <p:cNvPr id="4" name="Date Placeholder 3"/>
+          <p:cNvSpPr>
+            <a:spLocks noGrp="1"/>
+          </p:cNvSpPr>
+          <p:nvPr>
+            <p:ph type="dt" sz="half" idx="10"/>
+          </p:nvPr>
+        </p:nvSpPr>
+        <p:spPr/>
+        <p:txBody>
+          <a:bodyPr/>
+          <a:lstStyle/>
+          <a:p>
+            <a:fld id="{4B0B9B3F-E4D0-49ED-8910-4CB6F106B307}" type="datetime1">
+              <a:rPr lang="en-US" smtClean="0"/>
+              <a:t>11/15/15</a:t>
+            </a:fld>
+            <a:endParaRPr lang="en-US" dirty="0"/>
+          </a:p>
+        </p:txBody>
+      </p:sp>
+      <p:sp>
+        <p:nvSpPr>
+          <p:cNvPr id="5" name="Footer Placeholder 4"/>
+          <p:cNvSpPr>
+            <a:spLocks noGrp="1"/>
+          </p:cNvSpPr>
+          <p:nvPr>
+            <p:ph type="ftr" sz="quarter" idx="11"/>
+          </p:nvPr>
+        </p:nvSpPr>
+        <p:spPr/>
+        <p:txBody>
+          <a:bodyPr/>
+          <a:lstStyle/>
+          <a:p>
+            <a:r>
+              <a:rPr lang="en-US" smtClean="0"/>
+              <a:t>© 2015 EV3Lessons.com, Last edit 11/12/2015</a:t>
+            </a:r>
+            <a:endParaRPr lang="en-US" dirty="0"/>
+          </a:p>
+        </p:txBody>
+      </p:sp>
+      <p:sp>
+        <p:nvSpPr>
+          <p:cNvPr id="6" name="Slide Number Placeholder 5"/>
+          <p:cNvSpPr>
+            <a:spLocks noGrp="1"/>
+          </p:cNvSpPr>
+          <p:nvPr>
+            <p:ph type="sldNum" sz="quarter" idx="12"/>
+          </p:nvPr>
+        </p:nvSpPr>
+        <p:spPr/>
+        <p:txBody>
+          <a:bodyPr/>
           <a:lstStyle>
-            <a:lvl1pPr algn="l">
-              <a:lnSpc>
-                <a:spcPts val="4600"/>
-              </a:lnSpc>
-              <a:defRPr/>
+            <a:lvl1pPr>
+              <a:defRPr>
+                <a:solidFill>
+                  <a:schemeClr val="bg1"/>
+                </a:solidFill>
+              </a:defRPr>
             </a:lvl1pPr>
           </a:lstStyle>
           <a:p>
-            <a:r>
-              <a:rPr lang="en-US" smtClean="0"/>
-              <a:t>Click to edit Master title style</a:t>
-            </a:r>
-            <a:endParaRPr/>
+            <a:fld id="{4382A7F7-08BF-4252-8141-63FB96055BBB}" type="slidenum">
+              <a:rPr lang="en-US" smtClean="0"/>
+              <a:t>‹#›</a:t>
+            </a:fld>
+            <a:endParaRPr lang="en-US"/>
           </a:p>
         </p:txBody>
       </p:sp>
     </p:spTree>
+    <p:extLst>
+      <p:ext uri="{BB962C8B-B14F-4D97-AF65-F5344CB8AC3E}">
+        <p14:creationId xmlns:p14="http://schemas.microsoft.com/office/powerpoint/2010/main" val="1298578932"/>
+      </p:ext>
+    </p:extLst>
   </p:cSld>
   <p:clrMapOvr>
     <a:masterClrMapping/>
@@ -5621,12 +2387,13 @@
       </p:par>
     </p:tnLst>
   </p:timing>
+  <p:hf hdr="0" dt="0"/>
 </p:sldLayout>
 </file>
 
 <file path=ppt/slideLayouts/slideLayout4.xml><?xml version="1.0" encoding="utf-8"?>
-<p:sldLayout xmlns:a="http://schemas.openxmlformats.org/drawingml/2006/main" xmlns:r="http://schemas.openxmlformats.org/officeDocument/2006/relationships" xmlns:p="http://schemas.openxmlformats.org/presentationml/2006/main" type="secHead" preserve="1">
-  <p:cSld name="Section Header">
+<p:sldLayout xmlns:a="http://schemas.openxmlformats.org/drawingml/2006/main" xmlns:r="http://schemas.openxmlformats.org/officeDocument/2006/relationships" xmlns:p="http://schemas.openxmlformats.org/presentationml/2006/main" preserve="1">
+  <p:cSld name="Two Content">
     <p:spTree>
       <p:nvGrpSpPr>
         <p:cNvPr id="1" name=""/>
@@ -5643,79 +2410,57 @@
       </p:grpSpPr>
       <p:sp>
         <p:nvSpPr>
-          <p:cNvPr id="8" name="Rectangle 7"/>
-          <p:cNvSpPr/>
-          <p:nvPr/>
-        </p:nvSpPr>
-        <p:spPr>
-          <a:xfrm>
-            <a:off x="284163" y="4801575"/>
-            <a:ext cx="8574087" cy="1468437"/>
-          </a:xfrm>
-          <a:prstGeom prst="rect">
-            <a:avLst/>
-          </a:prstGeom>
-          <a:solidFill>
-            <a:schemeClr val="tx1">
-              <a:lumMod val="85000"/>
-              <a:lumOff val="15000"/>
-              <a:alpha val="85000"/>
-            </a:schemeClr>
-          </a:solidFill>
-        </p:spPr>
-        <p:txBody>
-          <a:bodyPr vert="horz" lIns="91440" tIns="45720" rIns="182880" bIns="365760" rtlCol="0" anchor="b" anchorCtr="0">
-            <a:normAutofit/>
-          </a:bodyPr>
-          <a:lstStyle/>
-          <a:p>
-            <a:pPr algn="l" defTabSz="914400" rtl="0" eaLnBrk="1" latinLnBrk="0" hangingPunct="1">
-              <a:spcBef>
-                <a:spcPct val="0"/>
-              </a:spcBef>
-              <a:buNone/>
-            </a:pPr>
-            <a:endParaRPr sz="4200" kern="1200">
-              <a:solidFill>
-                <a:schemeClr val="bg1"/>
-              </a:solidFill>
-              <a:latin typeface="+mj-lt"/>
-              <a:ea typeface="+mj-ea"/>
-              <a:cs typeface="+mj-cs"/>
-            </a:endParaRPr>
+          <p:cNvPr id="6" name="Title 5"/>
+          <p:cNvSpPr>
+            <a:spLocks noGrp="1"/>
+          </p:cNvSpPr>
+          <p:nvPr>
+            <p:ph type="title"/>
+          </p:nvPr>
+        </p:nvSpPr>
+        <p:spPr/>
+        <p:txBody>
+          <a:bodyPr/>
+          <a:lstStyle/>
+          <a:p>
+            <a:r>
+              <a:rPr lang="en-US" smtClean="0"/>
+              <a:t>Click to edit Master title style</a:t>
+            </a:r>
+            <a:endParaRPr lang="en-US"/>
           </a:p>
         </p:txBody>
       </p:sp>
       <p:grpSp>
         <p:nvGrpSpPr>
-          <p:cNvPr id="9" name="Group 8"/>
+          <p:cNvPr id="17" name="Group 16"/>
           <p:cNvGrpSpPr/>
           <p:nvPr/>
         </p:nvGrpSpPr>
         <p:grpSpPr>
           <a:xfrm>
-            <a:off x="284163" y="6263389"/>
-            <a:ext cx="8576373" cy="137411"/>
-            <a:chOff x="284163" y="1759424"/>
+            <a:off x="0" y="1188720"/>
+            <a:ext cx="9144000" cy="137411"/>
+            <a:chOff x="284163" y="1577847"/>
             <a:chExt cx="8576373" cy="137411"/>
           </a:xfrm>
         </p:grpSpPr>
         <p:sp>
           <p:nvSpPr>
-            <p:cNvPr id="10" name="Rectangle 9"/>
+            <p:cNvPr id="18" name="Rectangle 17"/>
             <p:cNvSpPr/>
             <p:nvPr/>
           </p:nvSpPr>
           <p:spPr>
             <a:xfrm>
-              <a:off x="284163" y="1759424"/>
-              <a:ext cx="2743200" cy="137411"/>
+              <a:off x="284163" y="1577847"/>
+              <a:ext cx="1600200" cy="137411"/>
             </a:xfrm>
             <a:prstGeom prst="rect">
               <a:avLst/>
             </a:prstGeom>
             <a:solidFill>
-              <a:schemeClr val="accent1"/>
+              <a:srgbClr val="7030A0"/>
             </a:solidFill>
             <a:ln>
               <a:noFill/>
@@ -5748,20 +2493,20 @@
         </p:sp>
         <p:sp>
           <p:nvSpPr>
-            <p:cNvPr id="11" name="Rectangle 10"/>
+            <p:cNvPr id="19" name="Rectangle 18"/>
             <p:cNvSpPr/>
             <p:nvPr/>
           </p:nvSpPr>
           <p:spPr>
             <a:xfrm>
-              <a:off x="3026392" y="1759424"/>
-              <a:ext cx="1600200" cy="137411"/>
+              <a:off x="1885174" y="1577847"/>
+              <a:ext cx="2743200" cy="137411"/>
             </a:xfrm>
             <a:prstGeom prst="rect">
               <a:avLst/>
             </a:prstGeom>
             <a:solidFill>
-              <a:schemeClr val="accent2"/>
+              <a:srgbClr val="00B050"/>
             </a:solidFill>
             <a:ln>
               <a:noFill/>
@@ -5794,20 +2539,20 @@
         </p:sp>
         <p:sp>
           <p:nvSpPr>
-            <p:cNvPr id="12" name="Rectangle 11"/>
+            <p:cNvPr id="20" name="Rectangle 19"/>
             <p:cNvSpPr/>
             <p:nvPr/>
           </p:nvSpPr>
           <p:spPr>
             <a:xfrm>
-              <a:off x="4626864" y="1759424"/>
+              <a:off x="4626864" y="1577847"/>
               <a:ext cx="4233672" cy="137411"/>
             </a:xfrm>
             <a:prstGeom prst="rect">
               <a:avLst/>
             </a:prstGeom>
             <a:solidFill>
-              <a:schemeClr val="accent4"/>
+              <a:srgbClr val="0070C0"/>
             </a:solidFill>
             <a:ln>
               <a:noFill/>
@@ -5841,296 +2586,368 @@
       </p:grpSp>
       <p:sp>
         <p:nvSpPr>
-          <p:cNvPr id="13" name="TextBox 12"/>
-          <p:cNvSpPr txBox="1"/>
-          <p:nvPr/>
+          <p:cNvPr id="3" name="Content Placeholder 2"/>
+          <p:cNvSpPr>
+            <a:spLocks noGrp="1"/>
+          </p:cNvSpPr>
+          <p:nvPr>
+            <p:ph sz="half" idx="1"/>
+          </p:nvPr>
         </p:nvSpPr>
         <p:spPr>
           <a:xfrm>
-            <a:off x="8230889" y="4801575"/>
-            <a:ext cx="587020" cy="646331"/>
+            <a:off x="403412" y="2151063"/>
+            <a:ext cx="3931920" cy="3975100"/>
+          </a:xfrm>
+        </p:spPr>
+        <p:txBody>
+          <a:bodyPr>
+            <a:normAutofit/>
+          </a:bodyPr>
+          <a:lstStyle>
+            <a:lvl1pPr>
+              <a:defRPr sz="2200"/>
+            </a:lvl1pPr>
+            <a:lvl2pPr>
+              <a:defRPr sz="2000"/>
+            </a:lvl2pPr>
+            <a:lvl3pPr>
+              <a:defRPr sz="1800"/>
+            </a:lvl3pPr>
+            <a:lvl4pPr>
+              <a:defRPr sz="1800"/>
+            </a:lvl4pPr>
+            <a:lvl5pPr>
+              <a:defRPr sz="1800"/>
+            </a:lvl5pPr>
+            <a:lvl6pPr>
+              <a:defRPr sz="1800"/>
+            </a:lvl6pPr>
+            <a:lvl7pPr>
+              <a:defRPr sz="1800"/>
+            </a:lvl7pPr>
+            <a:lvl8pPr>
+              <a:defRPr sz="1800"/>
+            </a:lvl8pPr>
+            <a:lvl9pPr>
+              <a:defRPr sz="1800"/>
+            </a:lvl9pPr>
+          </a:lstStyle>
+          <a:p>
+            <a:pPr lvl="0"/>
+            <a:r>
+              <a:rPr lang="en-US" smtClean="0"/>
+              <a:t>Click to edit Master text styles</a:t>
+            </a:r>
+          </a:p>
+          <a:p>
+            <a:pPr lvl="1"/>
+            <a:r>
+              <a:rPr lang="en-US" smtClean="0"/>
+              <a:t>Second level</a:t>
+            </a:r>
+          </a:p>
+          <a:p>
+            <a:pPr lvl="2"/>
+            <a:r>
+              <a:rPr lang="en-US" smtClean="0"/>
+              <a:t>Third level</a:t>
+            </a:r>
+          </a:p>
+          <a:p>
+            <a:pPr lvl="3"/>
+            <a:r>
+              <a:rPr lang="en-US" smtClean="0"/>
+              <a:t>Fourth level</a:t>
+            </a:r>
+          </a:p>
+          <a:p>
+            <a:pPr lvl="4"/>
+            <a:r>
+              <a:rPr lang="en-US" smtClean="0"/>
+              <a:t>Fifth level</a:t>
+            </a:r>
+            <a:endParaRPr dirty="0"/>
+          </a:p>
+        </p:txBody>
+      </p:sp>
+      <p:sp>
+        <p:nvSpPr>
+          <p:cNvPr id="4" name="Content Placeholder 3"/>
+          <p:cNvSpPr>
+            <a:spLocks noGrp="1"/>
+          </p:cNvSpPr>
+          <p:nvPr>
+            <p:ph sz="half" idx="2"/>
+          </p:nvPr>
+        </p:nvSpPr>
+        <p:spPr>
+          <a:xfrm>
+            <a:off x="4778188" y="2151063"/>
+            <a:ext cx="3931920" cy="3975100"/>
+          </a:xfrm>
+        </p:spPr>
+        <p:txBody>
+          <a:bodyPr>
+            <a:normAutofit/>
+          </a:bodyPr>
+          <a:lstStyle>
+            <a:lvl1pPr>
+              <a:defRPr sz="2200"/>
+            </a:lvl1pPr>
+            <a:lvl2pPr>
+              <a:defRPr sz="2000"/>
+            </a:lvl2pPr>
+            <a:lvl3pPr>
+              <a:defRPr sz="1800"/>
+            </a:lvl3pPr>
+            <a:lvl4pPr>
+              <a:defRPr sz="1800"/>
+            </a:lvl4pPr>
+            <a:lvl5pPr>
+              <a:defRPr sz="1800"/>
+            </a:lvl5pPr>
+            <a:lvl6pPr>
+              <a:defRPr sz="1800"/>
+            </a:lvl6pPr>
+            <a:lvl7pPr>
+              <a:defRPr sz="1800"/>
+            </a:lvl7pPr>
+            <a:lvl8pPr>
+              <a:defRPr sz="1800"/>
+            </a:lvl8pPr>
+            <a:lvl9pPr>
+              <a:defRPr sz="1800"/>
+            </a:lvl9pPr>
+          </a:lstStyle>
+          <a:p>
+            <a:pPr lvl="0"/>
+            <a:r>
+              <a:rPr lang="en-US" smtClean="0"/>
+              <a:t>Click to edit Master text styles</a:t>
+            </a:r>
+          </a:p>
+          <a:p>
+            <a:pPr lvl="1"/>
+            <a:r>
+              <a:rPr lang="en-US" smtClean="0"/>
+              <a:t>Second level</a:t>
+            </a:r>
+          </a:p>
+          <a:p>
+            <a:pPr lvl="2"/>
+            <a:r>
+              <a:rPr lang="en-US" smtClean="0"/>
+              <a:t>Third level</a:t>
+            </a:r>
+          </a:p>
+          <a:p>
+            <a:pPr lvl="3"/>
+            <a:r>
+              <a:rPr lang="en-US" smtClean="0"/>
+              <a:t>Fourth level</a:t>
+            </a:r>
+          </a:p>
+          <a:p>
+            <a:pPr lvl="4"/>
+            <a:r>
+              <a:rPr lang="en-US" smtClean="0"/>
+              <a:t>Fifth level</a:t>
+            </a:r>
+            <a:endParaRPr dirty="0"/>
+          </a:p>
+        </p:txBody>
+      </p:sp>
+      <p:sp>
+        <p:nvSpPr>
+          <p:cNvPr id="5" name="Date Placeholder 4"/>
+          <p:cNvSpPr>
+            <a:spLocks noGrp="1"/>
+          </p:cNvSpPr>
+          <p:nvPr>
+            <p:ph type="dt" sz="half" idx="10"/>
+          </p:nvPr>
+        </p:nvSpPr>
+        <p:spPr/>
+        <p:txBody>
+          <a:bodyPr/>
+          <a:lstStyle/>
+          <a:p>
+            <a:fld id="{D806B6ED-AB59-4AF6-AD1F-D95FB42694FA}" type="datetime1">
+              <a:rPr lang="en-US" smtClean="0"/>
+              <a:t>11/15/15</a:t>
+            </a:fld>
+            <a:endParaRPr lang="en-US"/>
+          </a:p>
+        </p:txBody>
+      </p:sp>
+      <p:sp>
+        <p:nvSpPr>
+          <p:cNvPr id="7" name="Slide Number Placeholder 6"/>
+          <p:cNvSpPr>
+            <a:spLocks noGrp="1"/>
+          </p:cNvSpPr>
+          <p:nvPr>
+            <p:ph type="sldNum" sz="quarter" idx="12"/>
+          </p:nvPr>
+        </p:nvSpPr>
+        <p:spPr/>
+        <p:txBody>
+          <a:bodyPr/>
+          <a:lstStyle/>
+          <a:p>
+            <a:fld id="{4382A7F7-08BF-4252-8141-63FB96055BBB}" type="slidenum">
+              <a:rPr lang="en-US" smtClean="0"/>
+              <a:t>‹#›</a:t>
+            </a:fld>
+            <a:endParaRPr lang="en-US"/>
+          </a:p>
+        </p:txBody>
+      </p:sp>
+      <p:sp>
+        <p:nvSpPr>
+          <p:cNvPr id="11" name="Rectangle 10"/>
+          <p:cNvSpPr/>
+          <p:nvPr/>
+        </p:nvSpPr>
+        <p:spPr>
+          <a:xfrm>
+            <a:off x="284163" y="1577847"/>
+            <a:ext cx="1600200" cy="137411"/>
           </a:xfrm>
           <a:prstGeom prst="rect">
             <a:avLst/>
           </a:prstGeom>
-          <a:noFill/>
+          <a:solidFill>
+            <a:srgbClr val="7030A0"/>
+          </a:solidFill>
+          <a:ln>
+            <a:noFill/>
+          </a:ln>
         </p:spPr>
-        <p:txBody>
-          <a:bodyPr wrap="none" rtlCol="0">
-            <a:spAutoFit/>
-          </a:bodyPr>
-          <a:lstStyle/>
-          <a:p>
-            <a:r>
-              <a:rPr sz="3600">
-                <a:solidFill>
-                  <a:schemeClr val="bg1"/>
-                </a:solidFill>
-                <a:sym typeface="Wingdings"/>
-              </a:rPr>
-              <a:t></a:t>
-            </a:r>
-            <a:endParaRPr sz="3600">
-              <a:solidFill>
-                <a:schemeClr val="bg1"/>
-              </a:solidFill>
-            </a:endParaRPr>
-          </a:p>
-        </p:txBody>
-      </p:sp>
-      <p:sp>
-        <p:nvSpPr>
-          <p:cNvPr id="2" name="Title 1"/>
-          <p:cNvSpPr>
-            <a:spLocks noGrp="1"/>
-          </p:cNvSpPr>
-          <p:nvPr>
-            <p:ph type="title"/>
-          </p:nvPr>
+        <p:style>
+          <a:lnRef idx="2">
+            <a:schemeClr val="accent1">
+              <a:shade val="50000"/>
+            </a:schemeClr>
+          </a:lnRef>
+          <a:fillRef idx="1">
+            <a:schemeClr val="accent1"/>
+          </a:fillRef>
+          <a:effectRef idx="0">
+            <a:schemeClr val="accent1"/>
+          </a:effectRef>
+          <a:fontRef idx="minor">
+            <a:schemeClr val="lt1"/>
+          </a:fontRef>
+        </p:style>
+        <p:txBody>
+          <a:bodyPr rtlCol="0" anchor="ctr"/>
+          <a:lstStyle/>
+          <a:p>
+            <a:pPr algn="ctr"/>
+            <a:endParaRPr/>
+          </a:p>
+        </p:txBody>
+      </p:sp>
+      <p:sp>
+        <p:nvSpPr>
+          <p:cNvPr id="12" name="Rectangle 11"/>
+          <p:cNvSpPr/>
+          <p:nvPr/>
         </p:nvSpPr>
         <p:spPr>
           <a:xfrm>
-            <a:off x="429768" y="4814125"/>
-            <a:ext cx="7772400" cy="1051560"/>
+            <a:off x="1885174" y="1577847"/>
+            <a:ext cx="2743200" cy="137411"/>
           </a:xfrm>
-          <a:noFill/>
+          <a:prstGeom prst="rect">
+            <a:avLst/>
+          </a:prstGeom>
+          <a:solidFill>
+            <a:srgbClr val="00B050"/>
+          </a:solidFill>
+          <a:ln>
+            <a:noFill/>
+          </a:ln>
         </p:spPr>
-        <p:txBody>
-          <a:bodyPr vert="horz" lIns="91440" tIns="45720" rIns="91440" bIns="45720" rtlCol="0" anchor="b" anchorCtr="0">
-            <a:normAutofit/>
-          </a:bodyPr>
-          <a:lstStyle>
-            <a:lvl1pPr algn="l" defTabSz="914400" rtl="0" eaLnBrk="1" latinLnBrk="0" hangingPunct="1">
-              <a:spcBef>
-                <a:spcPct val="0"/>
-              </a:spcBef>
-              <a:buNone/>
-              <a:defRPr sz="4200" b="0" i="0" kern="1200" cap="none" baseline="0">
-                <a:solidFill>
-                  <a:schemeClr val="bg1"/>
-                </a:solidFill>
-                <a:latin typeface="+mj-lt"/>
-                <a:ea typeface="+mj-ea"/>
-                <a:cs typeface="+mj-cs"/>
-              </a:defRPr>
-            </a:lvl1pPr>
-          </a:lstStyle>
-          <a:p>
-            <a:r>
-              <a:rPr lang="en-US" smtClean="0"/>
-              <a:t>Click to edit Master title style</a:t>
-            </a:r>
+        <p:style>
+          <a:lnRef idx="2">
+            <a:schemeClr val="accent1">
+              <a:shade val="50000"/>
+            </a:schemeClr>
+          </a:lnRef>
+          <a:fillRef idx="1">
+            <a:schemeClr val="accent1"/>
+          </a:fillRef>
+          <a:effectRef idx="0">
+            <a:schemeClr val="accent1"/>
+          </a:effectRef>
+          <a:fontRef idx="minor">
+            <a:schemeClr val="lt1"/>
+          </a:fontRef>
+        </p:style>
+        <p:txBody>
+          <a:bodyPr rtlCol="0" anchor="ctr"/>
+          <a:lstStyle/>
+          <a:p>
+            <a:pPr algn="ctr"/>
             <a:endParaRPr/>
           </a:p>
         </p:txBody>
       </p:sp>
       <p:sp>
         <p:nvSpPr>
-          <p:cNvPr id="3" name="Text Placeholder 2"/>
-          <p:cNvSpPr>
-            <a:spLocks noGrp="1"/>
-          </p:cNvSpPr>
-          <p:nvPr>
-            <p:ph type="body" idx="1"/>
-          </p:nvPr>
+          <p:cNvPr id="13" name="Rectangle 12"/>
+          <p:cNvSpPr/>
+          <p:nvPr/>
         </p:nvSpPr>
         <p:spPr>
           <a:xfrm>
-            <a:off x="475488" y="5861304"/>
-            <a:ext cx="7735824" cy="402336"/>
+            <a:off x="4626864" y="1577847"/>
+            <a:ext cx="4233672" cy="137411"/>
           </a:xfrm>
+          <a:prstGeom prst="rect">
+            <a:avLst/>
+          </a:prstGeom>
+          <a:solidFill>
+            <a:srgbClr val="0070C0"/>
+          </a:solidFill>
+          <a:ln>
+            <a:noFill/>
+          </a:ln>
         </p:spPr>
-        <p:txBody>
-          <a:bodyPr vert="horz" lIns="91440" tIns="45720" rIns="91440" bIns="45720" rtlCol="0" anchor="t" anchorCtr="0">
-            <a:normAutofit/>
-          </a:bodyPr>
-          <a:lstStyle>
-            <a:lvl1pPr marL="0" indent="0">
-              <a:spcBef>
-                <a:spcPts val="0"/>
-              </a:spcBef>
-              <a:buNone/>
-              <a:defRPr sz="1800" kern="1200">
-                <a:solidFill>
-                  <a:schemeClr val="bg1"/>
-                </a:solidFill>
-                <a:latin typeface="+mn-lt"/>
-                <a:ea typeface="+mn-ea"/>
-                <a:cs typeface="+mn-cs"/>
-              </a:defRPr>
-            </a:lvl1pPr>
-            <a:lvl2pPr marL="457200" indent="0">
-              <a:buNone/>
-              <a:defRPr sz="1800">
-                <a:solidFill>
-                  <a:schemeClr val="tx1">
-                    <a:tint val="75000"/>
-                  </a:schemeClr>
-                </a:solidFill>
-              </a:defRPr>
-            </a:lvl2pPr>
-            <a:lvl3pPr marL="914400" indent="0">
-              <a:buNone/>
-              <a:defRPr sz="1600">
-                <a:solidFill>
-                  <a:schemeClr val="tx1">
-                    <a:tint val="75000"/>
-                  </a:schemeClr>
-                </a:solidFill>
-              </a:defRPr>
-            </a:lvl3pPr>
-            <a:lvl4pPr marL="1371600" indent="0">
-              <a:buNone/>
-              <a:defRPr sz="1400">
-                <a:solidFill>
-                  <a:schemeClr val="tx1">
-                    <a:tint val="75000"/>
-                  </a:schemeClr>
-                </a:solidFill>
-              </a:defRPr>
-            </a:lvl4pPr>
-            <a:lvl5pPr marL="1828800" indent="0">
-              <a:buNone/>
-              <a:defRPr sz="1400">
-                <a:solidFill>
-                  <a:schemeClr val="tx1">
-                    <a:tint val="75000"/>
-                  </a:schemeClr>
-                </a:solidFill>
-              </a:defRPr>
-            </a:lvl5pPr>
-            <a:lvl6pPr marL="2286000" indent="0">
-              <a:buNone/>
-              <a:defRPr sz="1400">
-                <a:solidFill>
-                  <a:schemeClr val="tx1">
-                    <a:tint val="75000"/>
-                  </a:schemeClr>
-                </a:solidFill>
-              </a:defRPr>
-            </a:lvl6pPr>
-            <a:lvl7pPr marL="2743200" indent="0">
-              <a:buNone/>
-              <a:defRPr sz="1400">
-                <a:solidFill>
-                  <a:schemeClr val="tx1">
-                    <a:tint val="75000"/>
-                  </a:schemeClr>
-                </a:solidFill>
-              </a:defRPr>
-            </a:lvl7pPr>
-            <a:lvl8pPr marL="3200400" indent="0">
-              <a:buNone/>
-              <a:defRPr sz="1400">
-                <a:solidFill>
-                  <a:schemeClr val="tx1">
-                    <a:tint val="75000"/>
-                  </a:schemeClr>
-                </a:solidFill>
-              </a:defRPr>
-            </a:lvl8pPr>
-            <a:lvl9pPr marL="3657600" indent="0">
-              <a:buNone/>
-              <a:defRPr sz="1400">
-                <a:solidFill>
-                  <a:schemeClr val="tx1">
-                    <a:tint val="75000"/>
-                  </a:schemeClr>
-                </a:solidFill>
-              </a:defRPr>
-            </a:lvl9pPr>
-          </a:lstStyle>
-          <a:p>
-            <a:pPr marL="0" lvl="0" indent="0" algn="l" defTabSz="914400" rtl="0" eaLnBrk="1" latinLnBrk="0" hangingPunct="1">
-              <a:spcBef>
-                <a:spcPts val="2000"/>
-              </a:spcBef>
-              <a:buClr>
-                <a:schemeClr val="bg1">
-                  <a:lumMod val="65000"/>
-                </a:schemeClr>
-              </a:buClr>
-              <a:buSzPct val="90000"/>
-              <a:buFont typeface="Wingdings" pitchFamily="2" charset="2"/>
-              <a:buNone/>
-            </a:pPr>
-            <a:r>
-              <a:rPr lang="en-US" smtClean="0"/>
-              <a:t>Click to edit Master text styles</a:t>
-            </a:r>
-          </a:p>
-        </p:txBody>
-      </p:sp>
-      <p:sp>
-        <p:nvSpPr>
-          <p:cNvPr id="4" name="Date Placeholder 3"/>
-          <p:cNvSpPr>
-            <a:spLocks noGrp="1"/>
-          </p:cNvSpPr>
-          <p:nvPr>
-            <p:ph type="dt" sz="half" idx="10"/>
-          </p:nvPr>
-        </p:nvSpPr>
-        <p:spPr/>
-        <p:txBody>
-          <a:bodyPr/>
-          <a:lstStyle/>
-          <a:p>
-            <a:fld id="{BBAA90A8-B4EA-4638-9448-3DB7091B3C6D}" type="datetime1">
-              <a:rPr lang="en-US" smtClean="0"/>
-              <a:t>11/12/2015</a:t>
-            </a:fld>
-            <a:endParaRPr lang="en-US"/>
-          </a:p>
-        </p:txBody>
-      </p:sp>
-      <p:sp>
-        <p:nvSpPr>
-          <p:cNvPr id="5" name="Footer Placeholder 4"/>
-          <p:cNvSpPr>
-            <a:spLocks noGrp="1"/>
-          </p:cNvSpPr>
-          <p:nvPr>
-            <p:ph type="ftr" sz="quarter" idx="11"/>
-          </p:nvPr>
-        </p:nvSpPr>
-        <p:spPr/>
-        <p:txBody>
-          <a:bodyPr/>
-          <a:lstStyle/>
-          <a:p>
-            <a:r>
-              <a:rPr lang="en-US" smtClean="0"/>
-              <a:t>© 2015 EV3Lessons.com, Last edit 11/12/2015</a:t>
-            </a:r>
-            <a:endParaRPr lang="en-US"/>
-          </a:p>
-        </p:txBody>
-      </p:sp>
-      <p:sp>
-        <p:nvSpPr>
-          <p:cNvPr id="6" name="Slide Number Placeholder 5"/>
-          <p:cNvSpPr>
-            <a:spLocks noGrp="1"/>
-          </p:cNvSpPr>
-          <p:nvPr>
-            <p:ph type="sldNum" sz="quarter" idx="12"/>
-          </p:nvPr>
-        </p:nvSpPr>
-        <p:spPr/>
-        <p:txBody>
-          <a:bodyPr/>
-          <a:lstStyle/>
-          <a:p>
-            <a:fld id="{162F1D00-BD13-4404-86B0-79703945A0A7}" type="slidenum">
-              <a:rPr lang="en-US" smtClean="0"/>
-              <a:t>‹#›</a:t>
-            </a:fld>
-            <a:endParaRPr lang="en-US"/>
+        <p:style>
+          <a:lnRef idx="2">
+            <a:schemeClr val="accent1">
+              <a:shade val="50000"/>
+            </a:schemeClr>
+          </a:lnRef>
+          <a:fillRef idx="1">
+            <a:schemeClr val="accent1"/>
+          </a:fillRef>
+          <a:effectRef idx="0">
+            <a:schemeClr val="accent1"/>
+          </a:effectRef>
+          <a:fontRef idx="minor">
+            <a:schemeClr val="lt1"/>
+          </a:fontRef>
+        </p:style>
+        <p:txBody>
+          <a:bodyPr rtlCol="0" anchor="ctr"/>
+          <a:lstStyle/>
+          <a:p>
+            <a:pPr algn="ctr"/>
+            <a:endParaRPr/>
           </a:p>
         </p:txBody>
       </p:sp>
     </p:spTree>
+    <p:extLst>
+      <p:ext uri="{BB962C8B-B14F-4D97-AF65-F5344CB8AC3E}">
+        <p14:creationId xmlns:p14="http://schemas.microsoft.com/office/powerpoint/2010/main" val="339805663"/>
+      </p:ext>
+    </p:extLst>
   </p:cSld>
   <p:clrMapOvr>
     <a:masterClrMapping/>
@@ -6147,7 +2964,7 @@
 
 <file path=ppt/slideLayouts/slideLayout5.xml><?xml version="1.0" encoding="utf-8"?>
 <p:sldLayout xmlns:a="http://schemas.openxmlformats.org/drawingml/2006/main" xmlns:r="http://schemas.openxmlformats.org/officeDocument/2006/relationships" xmlns:p="http://schemas.openxmlformats.org/presentationml/2006/main" preserve="1">
-  <p:cSld name="Section with Picture">
+  <p:cSld name="Comparison">
     <p:spTree>
       <p:nvGrpSpPr>
         <p:cNvPr id="1" name=""/>
@@ -6164,158 +2981,57 @@
       </p:grpSpPr>
       <p:sp>
         <p:nvSpPr>
-          <p:cNvPr id="13" name="Picture Placeholder 7"/>
-          <p:cNvSpPr>
-            <a:spLocks noGrp="1"/>
-          </p:cNvSpPr>
-          <p:nvPr>
-            <p:ph type="pic" sz="quarter" idx="13"/>
-          </p:nvPr>
-        </p:nvSpPr>
-        <p:spPr>
-          <a:xfrm>
-            <a:off x="284162" y="443754"/>
-            <a:ext cx="8574087" cy="4370293"/>
-          </a:xfrm>
-        </p:spPr>
+          <p:cNvPr id="11" name="Title 10"/>
+          <p:cNvSpPr>
+            <a:spLocks noGrp="1"/>
+          </p:cNvSpPr>
+          <p:nvPr>
+            <p:ph type="title"/>
+          </p:nvPr>
+        </p:nvSpPr>
+        <p:spPr/>
         <p:txBody>
           <a:bodyPr/>
-          <a:lstStyle>
-            <a:lvl1pPr>
-              <a:buNone/>
-              <a:defRPr/>
-            </a:lvl1pPr>
-          </a:lstStyle>
-          <a:p>
-            <a:r>
-              <a:rPr lang="en-US" smtClean="0"/>
-              <a:t>Drag picture to placeholder or click icon to add</a:t>
-            </a:r>
-            <a:endParaRPr/>
-          </a:p>
-        </p:txBody>
-      </p:sp>
-      <p:sp>
-        <p:nvSpPr>
-          <p:cNvPr id="4" name="Date Placeholder 3"/>
-          <p:cNvSpPr>
-            <a:spLocks noGrp="1"/>
-          </p:cNvSpPr>
-          <p:nvPr>
-            <p:ph type="dt" sz="half" idx="10"/>
-          </p:nvPr>
-        </p:nvSpPr>
-        <p:spPr/>
-        <p:txBody>
-          <a:bodyPr/>
-          <a:lstStyle/>
-          <a:p>
-            <a:fld id="{0336B835-A022-4323-AE8B-906370BC5BFB}" type="datetime1">
-              <a:rPr lang="en-US" smtClean="0"/>
-              <a:t>11/12/2015</a:t>
-            </a:fld>
-            <a:endParaRPr lang="en-US" dirty="0"/>
-          </a:p>
-        </p:txBody>
-      </p:sp>
-      <p:sp>
-        <p:nvSpPr>
-          <p:cNvPr id="6" name="Slide Number Placeholder 5"/>
-          <p:cNvSpPr>
-            <a:spLocks noGrp="1"/>
-          </p:cNvSpPr>
-          <p:nvPr>
-            <p:ph type="sldNum" sz="quarter" idx="12"/>
-          </p:nvPr>
-        </p:nvSpPr>
-        <p:spPr/>
-        <p:txBody>
-          <a:bodyPr/>
-          <a:lstStyle/>
-          <a:p>
-            <a:fld id="{4382A7F7-08BF-4252-8141-63FB96055BBB}" type="slidenum">
-              <a:rPr lang="en-US" smtClean="0"/>
-              <a:t>‹#›</a:t>
-            </a:fld>
+          <a:lstStyle/>
+          <a:p>
+            <a:r>
+              <a:rPr lang="en-US" smtClean="0"/>
+              <a:t>Click to edit Master title style</a:t>
+            </a:r>
             <a:endParaRPr lang="en-US"/>
-          </a:p>
-        </p:txBody>
-      </p:sp>
-      <p:sp>
-        <p:nvSpPr>
-          <p:cNvPr id="7" name="Rectangle 6"/>
-          <p:cNvSpPr/>
-          <p:nvPr/>
-        </p:nvSpPr>
-        <p:spPr>
-          <a:xfrm>
-            <a:off x="284163" y="4801575"/>
-            <a:ext cx="8574087" cy="1468437"/>
-          </a:xfrm>
-          <a:prstGeom prst="rect">
-            <a:avLst/>
-          </a:prstGeom>
-          <a:solidFill>
-            <a:schemeClr val="tx1">
-              <a:lumMod val="85000"/>
-              <a:lumOff val="15000"/>
-              <a:alpha val="85000"/>
-            </a:schemeClr>
-          </a:solidFill>
-        </p:spPr>
-        <p:txBody>
-          <a:bodyPr vert="horz" lIns="91440" tIns="45720" rIns="182880" bIns="365760" rtlCol="0" anchor="b" anchorCtr="0">
-            <a:normAutofit/>
-          </a:bodyPr>
-          <a:lstStyle/>
-          <a:p>
-            <a:pPr algn="l" defTabSz="914400" rtl="0" eaLnBrk="1" latinLnBrk="0" hangingPunct="1">
-              <a:spcBef>
-                <a:spcPct val="0"/>
-              </a:spcBef>
-              <a:buNone/>
-            </a:pPr>
-            <a:endParaRPr sz="4200" kern="1200">
-              <a:solidFill>
-                <a:schemeClr val="bg1"/>
-              </a:solidFill>
-              <a:latin typeface="+mj-lt"/>
-              <a:ea typeface="+mj-ea"/>
-              <a:cs typeface="+mj-cs"/>
-            </a:endParaRPr>
           </a:p>
         </p:txBody>
       </p:sp>
       <p:grpSp>
         <p:nvGrpSpPr>
-          <p:cNvPr id="8" name="Group 7"/>
+          <p:cNvPr id="20" name="Group 19"/>
           <p:cNvGrpSpPr/>
           <p:nvPr/>
         </p:nvGrpSpPr>
         <p:grpSpPr>
           <a:xfrm>
-            <a:off x="284163" y="6263389"/>
-            <a:ext cx="8576373" cy="137411"/>
-            <a:chOff x="284163" y="1759424"/>
+            <a:off x="0" y="1188720"/>
+            <a:ext cx="9144000" cy="137411"/>
+            <a:chOff x="284163" y="1577847"/>
             <a:chExt cx="8576373" cy="137411"/>
           </a:xfrm>
         </p:grpSpPr>
         <p:sp>
           <p:nvSpPr>
-            <p:cNvPr id="9" name="Rectangle 8"/>
+            <p:cNvPr id="21" name="Rectangle 20"/>
             <p:cNvSpPr/>
             <p:nvPr/>
           </p:nvSpPr>
           <p:spPr>
             <a:xfrm>
-              <a:off x="284163" y="1759424"/>
-              <a:ext cx="2743200" cy="137411"/>
+              <a:off x="284163" y="1577847"/>
+              <a:ext cx="1600200" cy="137411"/>
             </a:xfrm>
             <a:prstGeom prst="rect">
               <a:avLst/>
             </a:prstGeom>
             <a:solidFill>
-              <a:schemeClr val="accent1"/>
+              <a:srgbClr val="7030A0"/>
             </a:solidFill>
             <a:ln>
               <a:noFill/>
@@ -6348,20 +3064,20 @@
         </p:sp>
         <p:sp>
           <p:nvSpPr>
-            <p:cNvPr id="10" name="Rectangle 9"/>
+            <p:cNvPr id="22" name="Rectangle 21"/>
             <p:cNvSpPr/>
             <p:nvPr/>
           </p:nvSpPr>
           <p:spPr>
             <a:xfrm>
-              <a:off x="3026392" y="1759424"/>
-              <a:ext cx="1600200" cy="137411"/>
+              <a:off x="1885174" y="1577847"/>
+              <a:ext cx="2743200" cy="137411"/>
             </a:xfrm>
             <a:prstGeom prst="rect">
               <a:avLst/>
             </a:prstGeom>
             <a:solidFill>
-              <a:schemeClr val="accent2"/>
+              <a:srgbClr val="00B050"/>
             </a:solidFill>
             <a:ln>
               <a:noFill/>
@@ -6394,20 +3110,20 @@
         </p:sp>
         <p:sp>
           <p:nvSpPr>
-            <p:cNvPr id="11" name="Rectangle 10"/>
+            <p:cNvPr id="23" name="Rectangle 22"/>
             <p:cNvSpPr/>
             <p:nvPr/>
           </p:nvSpPr>
           <p:spPr>
             <a:xfrm>
-              <a:off x="4626864" y="1759424"/>
+              <a:off x="4626864" y="1577847"/>
               <a:ext cx="4233672" cy="137411"/>
             </a:xfrm>
             <a:prstGeom prst="rect">
               <a:avLst/>
             </a:prstGeom>
             <a:solidFill>
-              <a:schemeClr val="accent4"/>
+              <a:srgbClr val="0070C0"/>
             </a:solidFill>
             <a:ln>
               <a:noFill/>
@@ -6439,946 +3155,6 @@
           </p:txBody>
         </p:sp>
       </p:grpSp>
-      <p:sp>
-        <p:nvSpPr>
-          <p:cNvPr id="12" name="TextBox 11"/>
-          <p:cNvSpPr txBox="1"/>
-          <p:nvPr/>
-        </p:nvSpPr>
-        <p:spPr>
-          <a:xfrm>
-            <a:off x="8230889" y="4801575"/>
-            <a:ext cx="587020" cy="646331"/>
-          </a:xfrm>
-          <a:prstGeom prst="rect">
-            <a:avLst/>
-          </a:prstGeom>
-          <a:noFill/>
-        </p:spPr>
-        <p:txBody>
-          <a:bodyPr wrap="none" rtlCol="0">
-            <a:spAutoFit/>
-          </a:bodyPr>
-          <a:lstStyle/>
-          <a:p>
-            <a:r>
-              <a:rPr sz="3600">
-                <a:solidFill>
-                  <a:schemeClr val="bg1"/>
-                </a:solidFill>
-                <a:sym typeface="Wingdings"/>
-              </a:rPr>
-              <a:t></a:t>
-            </a:r>
-            <a:endParaRPr sz="3600">
-              <a:solidFill>
-                <a:schemeClr val="bg1"/>
-              </a:solidFill>
-            </a:endParaRPr>
-          </a:p>
-        </p:txBody>
-      </p:sp>
-      <p:sp>
-        <p:nvSpPr>
-          <p:cNvPr id="2" name="Title 1"/>
-          <p:cNvSpPr>
-            <a:spLocks noGrp="1"/>
-          </p:cNvSpPr>
-          <p:nvPr>
-            <p:ph type="title"/>
-          </p:nvPr>
-        </p:nvSpPr>
-        <p:spPr>
-          <a:xfrm>
-            <a:off x="430306" y="4814047"/>
-            <a:ext cx="7772400" cy="1048871"/>
-          </a:xfrm>
-          <a:noFill/>
-        </p:spPr>
-        <p:txBody>
-          <a:bodyPr anchor="b" anchorCtr="0">
-            <a:normAutofit/>
-          </a:bodyPr>
-          <a:lstStyle>
-            <a:lvl1pPr algn="l">
-              <a:defRPr sz="4200" b="0" i="0" cap="none" baseline="0"/>
-            </a:lvl1pPr>
-          </a:lstStyle>
-          <a:p>
-            <a:r>
-              <a:rPr lang="en-US" smtClean="0"/>
-              <a:t>Click to edit Master title style</a:t>
-            </a:r>
-            <a:endParaRPr/>
-          </a:p>
-        </p:txBody>
-      </p:sp>
-      <p:sp>
-        <p:nvSpPr>
-          <p:cNvPr id="3" name="Text Placeholder 2"/>
-          <p:cNvSpPr>
-            <a:spLocks noGrp="1"/>
-          </p:cNvSpPr>
-          <p:nvPr>
-            <p:ph type="body" idx="1"/>
-          </p:nvPr>
-        </p:nvSpPr>
-        <p:spPr>
-          <a:xfrm>
-            <a:off x="470647" y="5862918"/>
-            <a:ext cx="7732059" cy="403412"/>
-          </a:xfrm>
-        </p:spPr>
-        <p:txBody>
-          <a:bodyPr anchor="t" anchorCtr="0">
-            <a:normAutofit/>
-          </a:bodyPr>
-          <a:lstStyle>
-            <a:lvl1pPr marL="0" indent="0">
-              <a:spcBef>
-                <a:spcPts val="0"/>
-              </a:spcBef>
-              <a:buNone/>
-              <a:defRPr sz="1800">
-                <a:solidFill>
-                  <a:schemeClr val="bg1"/>
-                </a:solidFill>
-              </a:defRPr>
-            </a:lvl1pPr>
-            <a:lvl2pPr marL="457200" indent="0">
-              <a:buNone/>
-              <a:defRPr sz="1800">
-                <a:solidFill>
-                  <a:schemeClr val="tx1">
-                    <a:tint val="75000"/>
-                  </a:schemeClr>
-                </a:solidFill>
-              </a:defRPr>
-            </a:lvl2pPr>
-            <a:lvl3pPr marL="914400" indent="0">
-              <a:buNone/>
-              <a:defRPr sz="1600">
-                <a:solidFill>
-                  <a:schemeClr val="tx1">
-                    <a:tint val="75000"/>
-                  </a:schemeClr>
-                </a:solidFill>
-              </a:defRPr>
-            </a:lvl3pPr>
-            <a:lvl4pPr marL="1371600" indent="0">
-              <a:buNone/>
-              <a:defRPr sz="1400">
-                <a:solidFill>
-                  <a:schemeClr val="tx1">
-                    <a:tint val="75000"/>
-                  </a:schemeClr>
-                </a:solidFill>
-              </a:defRPr>
-            </a:lvl4pPr>
-            <a:lvl5pPr marL="1828800" indent="0">
-              <a:buNone/>
-              <a:defRPr sz="1400">
-                <a:solidFill>
-                  <a:schemeClr val="tx1">
-                    <a:tint val="75000"/>
-                  </a:schemeClr>
-                </a:solidFill>
-              </a:defRPr>
-            </a:lvl5pPr>
-            <a:lvl6pPr marL="2286000" indent="0">
-              <a:buNone/>
-              <a:defRPr sz="1400">
-                <a:solidFill>
-                  <a:schemeClr val="tx1">
-                    <a:tint val="75000"/>
-                  </a:schemeClr>
-                </a:solidFill>
-              </a:defRPr>
-            </a:lvl6pPr>
-            <a:lvl7pPr marL="2743200" indent="0">
-              <a:buNone/>
-              <a:defRPr sz="1400">
-                <a:solidFill>
-                  <a:schemeClr val="tx1">
-                    <a:tint val="75000"/>
-                  </a:schemeClr>
-                </a:solidFill>
-              </a:defRPr>
-            </a:lvl7pPr>
-            <a:lvl8pPr marL="3200400" indent="0">
-              <a:buNone/>
-              <a:defRPr sz="1400">
-                <a:solidFill>
-                  <a:schemeClr val="tx1">
-                    <a:tint val="75000"/>
-                  </a:schemeClr>
-                </a:solidFill>
-              </a:defRPr>
-            </a:lvl8pPr>
-            <a:lvl9pPr marL="3657600" indent="0">
-              <a:buNone/>
-              <a:defRPr sz="1400">
-                <a:solidFill>
-                  <a:schemeClr val="tx1">
-                    <a:tint val="75000"/>
-                  </a:schemeClr>
-                </a:solidFill>
-              </a:defRPr>
-            </a:lvl9pPr>
-          </a:lstStyle>
-          <a:p>
-            <a:pPr lvl="0"/>
-            <a:r>
-              <a:rPr lang="en-US" smtClean="0"/>
-              <a:t>Click to edit Master text styles</a:t>
-            </a:r>
-          </a:p>
-        </p:txBody>
-      </p:sp>
-    </p:spTree>
-  </p:cSld>
-  <p:clrMapOvr>
-    <a:masterClrMapping/>
-  </p:clrMapOvr>
-  <p:timing>
-    <p:tnLst>
-      <p:par>
-        <p:cTn id="1" dur="indefinite" restart="never" nodeType="tmRoot"/>
-      </p:par>
-    </p:tnLst>
-  </p:timing>
-</p:sldLayout>
-</file>
-
-<file path=ppt/slideLayouts/slideLayout6.xml><?xml version="1.0" encoding="utf-8"?>
-<p:sldLayout xmlns:a="http://schemas.openxmlformats.org/drawingml/2006/main" xmlns:r="http://schemas.openxmlformats.org/officeDocument/2006/relationships" xmlns:p="http://schemas.openxmlformats.org/presentationml/2006/main" type="twoObj" preserve="1">
-  <p:cSld name="Two Content">
-    <p:spTree>
-      <p:nvGrpSpPr>
-        <p:cNvPr id="1" name=""/>
-        <p:cNvGrpSpPr/>
-        <p:nvPr/>
-      </p:nvGrpSpPr>
-      <p:grpSpPr>
-        <a:xfrm>
-          <a:off x="0" y="0"/>
-          <a:ext cx="0" cy="0"/>
-          <a:chOff x="0" y="0"/>
-          <a:chExt cx="0" cy="0"/>
-        </a:xfrm>
-      </p:grpSpPr>
-      <p:sp>
-        <p:nvSpPr>
-          <p:cNvPr id="8" name="Rectangle 7"/>
-          <p:cNvSpPr/>
-          <p:nvPr/>
-        </p:nvSpPr>
-        <p:spPr>
-          <a:xfrm>
-            <a:off x="284163" y="455773"/>
-            <a:ext cx="8574087" cy="1133949"/>
-          </a:xfrm>
-          <a:prstGeom prst="rect">
-            <a:avLst/>
-          </a:prstGeom>
-          <a:solidFill>
-            <a:schemeClr val="tx1">
-              <a:lumMod val="85000"/>
-              <a:lumOff val="15000"/>
-              <a:alpha val="70000"/>
-            </a:schemeClr>
-          </a:solidFill>
-          <a:ln>
-            <a:noFill/>
-          </a:ln>
-        </p:spPr>
-        <p:style>
-          <a:lnRef idx="2">
-            <a:schemeClr val="accent1">
-              <a:shade val="50000"/>
-            </a:schemeClr>
-          </a:lnRef>
-          <a:fillRef idx="1">
-            <a:schemeClr val="accent1"/>
-          </a:fillRef>
-          <a:effectRef idx="0">
-            <a:schemeClr val="accent1"/>
-          </a:effectRef>
-          <a:fontRef idx="minor">
-            <a:schemeClr val="lt1"/>
-          </a:fontRef>
-        </p:style>
-        <p:txBody>
-          <a:bodyPr rtlCol="0" anchor="ctr"/>
-          <a:lstStyle/>
-          <a:p>
-            <a:pPr algn="ctr"/>
-            <a:endParaRPr/>
-          </a:p>
-        </p:txBody>
-      </p:sp>
-      <p:grpSp>
-        <p:nvGrpSpPr>
-          <p:cNvPr id="9" name="Group 8"/>
-          <p:cNvGrpSpPr/>
-          <p:nvPr/>
-        </p:nvGrpSpPr>
-        <p:grpSpPr>
-          <a:xfrm>
-            <a:off x="284163" y="1577847"/>
-            <a:ext cx="8576373" cy="137411"/>
-            <a:chOff x="284163" y="1577847"/>
-            <a:chExt cx="8576373" cy="137411"/>
-          </a:xfrm>
-        </p:grpSpPr>
-        <p:sp>
-          <p:nvSpPr>
-            <p:cNvPr id="10" name="Rectangle 9"/>
-            <p:cNvSpPr/>
-            <p:nvPr/>
-          </p:nvSpPr>
-          <p:spPr>
-            <a:xfrm>
-              <a:off x="284163" y="1577847"/>
-              <a:ext cx="1600200" cy="137411"/>
-            </a:xfrm>
-            <a:prstGeom prst="rect">
-              <a:avLst/>
-            </a:prstGeom>
-            <a:solidFill>
-              <a:schemeClr val="accent1"/>
-            </a:solidFill>
-            <a:ln>
-              <a:noFill/>
-            </a:ln>
-          </p:spPr>
-          <p:style>
-            <a:lnRef idx="2">
-              <a:schemeClr val="accent1">
-                <a:shade val="50000"/>
-              </a:schemeClr>
-            </a:lnRef>
-            <a:fillRef idx="1">
-              <a:schemeClr val="accent1"/>
-            </a:fillRef>
-            <a:effectRef idx="0">
-              <a:schemeClr val="accent1"/>
-            </a:effectRef>
-            <a:fontRef idx="minor">
-              <a:schemeClr val="lt1"/>
-            </a:fontRef>
-          </p:style>
-          <p:txBody>
-            <a:bodyPr rtlCol="0" anchor="ctr"/>
-            <a:lstStyle/>
-            <a:p>
-              <a:pPr algn="ctr"/>
-              <a:endParaRPr/>
-            </a:p>
-          </p:txBody>
-        </p:sp>
-        <p:sp>
-          <p:nvSpPr>
-            <p:cNvPr id="11" name="Rectangle 10"/>
-            <p:cNvSpPr/>
-            <p:nvPr/>
-          </p:nvSpPr>
-          <p:spPr>
-            <a:xfrm>
-              <a:off x="1885174" y="1577847"/>
-              <a:ext cx="2743200" cy="137411"/>
-            </a:xfrm>
-            <a:prstGeom prst="rect">
-              <a:avLst/>
-            </a:prstGeom>
-            <a:solidFill>
-              <a:schemeClr val="accent2"/>
-            </a:solidFill>
-            <a:ln>
-              <a:noFill/>
-            </a:ln>
-          </p:spPr>
-          <p:style>
-            <a:lnRef idx="2">
-              <a:schemeClr val="accent1">
-                <a:shade val="50000"/>
-              </a:schemeClr>
-            </a:lnRef>
-            <a:fillRef idx="1">
-              <a:schemeClr val="accent1"/>
-            </a:fillRef>
-            <a:effectRef idx="0">
-              <a:schemeClr val="accent1"/>
-            </a:effectRef>
-            <a:fontRef idx="minor">
-              <a:schemeClr val="lt1"/>
-            </a:fontRef>
-          </p:style>
-          <p:txBody>
-            <a:bodyPr rtlCol="0" anchor="ctr"/>
-            <a:lstStyle/>
-            <a:p>
-              <a:pPr algn="ctr"/>
-              <a:endParaRPr/>
-            </a:p>
-          </p:txBody>
-        </p:sp>
-        <p:sp>
-          <p:nvSpPr>
-            <p:cNvPr id="12" name="Rectangle 11"/>
-            <p:cNvSpPr/>
-            <p:nvPr/>
-          </p:nvSpPr>
-          <p:spPr>
-            <a:xfrm>
-              <a:off x="4626864" y="1577847"/>
-              <a:ext cx="4233672" cy="137411"/>
-            </a:xfrm>
-            <a:prstGeom prst="rect">
-              <a:avLst/>
-            </a:prstGeom>
-            <a:solidFill>
-              <a:schemeClr val="accent4"/>
-            </a:solidFill>
-            <a:ln>
-              <a:noFill/>
-            </a:ln>
-          </p:spPr>
-          <p:style>
-            <a:lnRef idx="2">
-              <a:schemeClr val="accent1">
-                <a:shade val="50000"/>
-              </a:schemeClr>
-            </a:lnRef>
-            <a:fillRef idx="1">
-              <a:schemeClr val="accent1"/>
-            </a:fillRef>
-            <a:effectRef idx="0">
-              <a:schemeClr val="accent1"/>
-            </a:effectRef>
-            <a:fontRef idx="minor">
-              <a:schemeClr val="lt1"/>
-            </a:fontRef>
-          </p:style>
-          <p:txBody>
-            <a:bodyPr rtlCol="0" anchor="ctr"/>
-            <a:lstStyle/>
-            <a:p>
-              <a:pPr algn="ctr"/>
-              <a:endParaRPr/>
-            </a:p>
-          </p:txBody>
-        </p:sp>
-      </p:grpSp>
-      <p:sp>
-        <p:nvSpPr>
-          <p:cNvPr id="2" name="Title 1"/>
-          <p:cNvSpPr>
-            <a:spLocks noGrp="1"/>
-          </p:cNvSpPr>
-          <p:nvPr>
-            <p:ph type="title"/>
-          </p:nvPr>
-        </p:nvSpPr>
-        <p:spPr>
-          <a:noFill/>
-        </p:spPr>
-        <p:txBody>
-          <a:bodyPr/>
-          <a:lstStyle/>
-          <a:p>
-            <a:r>
-              <a:rPr lang="en-US" smtClean="0"/>
-              <a:t>Click to edit Master title style</a:t>
-            </a:r>
-            <a:endParaRPr/>
-          </a:p>
-        </p:txBody>
-      </p:sp>
-      <p:sp>
-        <p:nvSpPr>
-          <p:cNvPr id="3" name="Content Placeholder 2"/>
-          <p:cNvSpPr>
-            <a:spLocks noGrp="1"/>
-          </p:cNvSpPr>
-          <p:nvPr>
-            <p:ph sz="half" idx="1"/>
-          </p:nvPr>
-        </p:nvSpPr>
-        <p:spPr>
-          <a:xfrm>
-            <a:off x="403412" y="2151063"/>
-            <a:ext cx="3931920" cy="3975100"/>
-          </a:xfrm>
-        </p:spPr>
-        <p:txBody>
-          <a:bodyPr>
-            <a:normAutofit/>
-          </a:bodyPr>
-          <a:lstStyle>
-            <a:lvl1pPr>
-              <a:defRPr sz="2200"/>
-            </a:lvl1pPr>
-            <a:lvl2pPr>
-              <a:defRPr sz="2000"/>
-            </a:lvl2pPr>
-            <a:lvl3pPr>
-              <a:defRPr sz="1800"/>
-            </a:lvl3pPr>
-            <a:lvl4pPr>
-              <a:defRPr sz="1800"/>
-            </a:lvl4pPr>
-            <a:lvl5pPr>
-              <a:defRPr sz="1800"/>
-            </a:lvl5pPr>
-            <a:lvl6pPr>
-              <a:defRPr sz="1800"/>
-            </a:lvl6pPr>
-            <a:lvl7pPr>
-              <a:defRPr sz="1800"/>
-            </a:lvl7pPr>
-            <a:lvl8pPr>
-              <a:defRPr sz="1800"/>
-            </a:lvl8pPr>
-            <a:lvl9pPr>
-              <a:defRPr sz="1800"/>
-            </a:lvl9pPr>
-          </a:lstStyle>
-          <a:p>
-            <a:pPr lvl="0"/>
-            <a:r>
-              <a:rPr lang="en-US" smtClean="0"/>
-              <a:t>Click to edit Master text styles</a:t>
-            </a:r>
-          </a:p>
-          <a:p>
-            <a:pPr lvl="1"/>
-            <a:r>
-              <a:rPr lang="en-US" smtClean="0"/>
-              <a:t>Second level</a:t>
-            </a:r>
-          </a:p>
-          <a:p>
-            <a:pPr lvl="2"/>
-            <a:r>
-              <a:rPr lang="en-US" smtClean="0"/>
-              <a:t>Third level</a:t>
-            </a:r>
-          </a:p>
-          <a:p>
-            <a:pPr lvl="3"/>
-            <a:r>
-              <a:rPr lang="en-US" smtClean="0"/>
-              <a:t>Fourth level</a:t>
-            </a:r>
-          </a:p>
-          <a:p>
-            <a:pPr lvl="4"/>
-            <a:r>
-              <a:rPr lang="en-US" smtClean="0"/>
-              <a:t>Fifth level</a:t>
-            </a:r>
-            <a:endParaRPr dirty="0"/>
-          </a:p>
-        </p:txBody>
-      </p:sp>
-      <p:sp>
-        <p:nvSpPr>
-          <p:cNvPr id="4" name="Content Placeholder 3"/>
-          <p:cNvSpPr>
-            <a:spLocks noGrp="1"/>
-          </p:cNvSpPr>
-          <p:nvPr>
-            <p:ph sz="half" idx="2"/>
-          </p:nvPr>
-        </p:nvSpPr>
-        <p:spPr>
-          <a:xfrm>
-            <a:off x="4778188" y="2151063"/>
-            <a:ext cx="3931920" cy="3975100"/>
-          </a:xfrm>
-        </p:spPr>
-        <p:txBody>
-          <a:bodyPr>
-            <a:normAutofit/>
-          </a:bodyPr>
-          <a:lstStyle>
-            <a:lvl1pPr>
-              <a:defRPr sz="2200"/>
-            </a:lvl1pPr>
-            <a:lvl2pPr>
-              <a:defRPr sz="2000"/>
-            </a:lvl2pPr>
-            <a:lvl3pPr>
-              <a:defRPr sz="1800"/>
-            </a:lvl3pPr>
-            <a:lvl4pPr>
-              <a:defRPr sz="1800"/>
-            </a:lvl4pPr>
-            <a:lvl5pPr>
-              <a:defRPr sz="1800"/>
-            </a:lvl5pPr>
-            <a:lvl6pPr>
-              <a:defRPr sz="1800"/>
-            </a:lvl6pPr>
-            <a:lvl7pPr>
-              <a:defRPr sz="1800"/>
-            </a:lvl7pPr>
-            <a:lvl8pPr>
-              <a:defRPr sz="1800"/>
-            </a:lvl8pPr>
-            <a:lvl9pPr>
-              <a:defRPr sz="1800"/>
-            </a:lvl9pPr>
-          </a:lstStyle>
-          <a:p>
-            <a:pPr lvl="0"/>
-            <a:r>
-              <a:rPr lang="en-US" smtClean="0"/>
-              <a:t>Click to edit Master text styles</a:t>
-            </a:r>
-          </a:p>
-          <a:p>
-            <a:pPr lvl="1"/>
-            <a:r>
-              <a:rPr lang="en-US" smtClean="0"/>
-              <a:t>Second level</a:t>
-            </a:r>
-          </a:p>
-          <a:p>
-            <a:pPr lvl="2"/>
-            <a:r>
-              <a:rPr lang="en-US" smtClean="0"/>
-              <a:t>Third level</a:t>
-            </a:r>
-          </a:p>
-          <a:p>
-            <a:pPr lvl="3"/>
-            <a:r>
-              <a:rPr lang="en-US" smtClean="0"/>
-              <a:t>Fourth level</a:t>
-            </a:r>
-          </a:p>
-          <a:p>
-            <a:pPr lvl="4"/>
-            <a:r>
-              <a:rPr lang="en-US" smtClean="0"/>
-              <a:t>Fifth level</a:t>
-            </a:r>
-            <a:endParaRPr dirty="0"/>
-          </a:p>
-        </p:txBody>
-      </p:sp>
-      <p:sp>
-        <p:nvSpPr>
-          <p:cNvPr id="5" name="Date Placeholder 4"/>
-          <p:cNvSpPr>
-            <a:spLocks noGrp="1"/>
-          </p:cNvSpPr>
-          <p:nvPr>
-            <p:ph type="dt" sz="half" idx="10"/>
-          </p:nvPr>
-        </p:nvSpPr>
-        <p:spPr/>
-        <p:txBody>
-          <a:bodyPr/>
-          <a:lstStyle/>
-          <a:p>
-            <a:fld id="{D806B6ED-AB59-4AF6-AD1F-D95FB42694FA}" type="datetime1">
-              <a:rPr lang="en-US" smtClean="0"/>
-              <a:t>11/12/2015</a:t>
-            </a:fld>
-            <a:endParaRPr lang="en-US"/>
-          </a:p>
-        </p:txBody>
-      </p:sp>
-      <p:sp>
-        <p:nvSpPr>
-          <p:cNvPr id="7" name="Slide Number Placeholder 6"/>
-          <p:cNvSpPr>
-            <a:spLocks noGrp="1"/>
-          </p:cNvSpPr>
-          <p:nvPr>
-            <p:ph type="sldNum" sz="quarter" idx="12"/>
-          </p:nvPr>
-        </p:nvSpPr>
-        <p:spPr/>
-        <p:txBody>
-          <a:bodyPr/>
-          <a:lstStyle/>
-          <a:p>
-            <a:fld id="{4382A7F7-08BF-4252-8141-63FB96055BBB}" type="slidenum">
-              <a:rPr lang="en-US" smtClean="0"/>
-              <a:t>‹#›</a:t>
-            </a:fld>
-            <a:endParaRPr lang="en-US"/>
-          </a:p>
-        </p:txBody>
-      </p:sp>
-    </p:spTree>
-  </p:cSld>
-  <p:clrMapOvr>
-    <a:masterClrMapping/>
-  </p:clrMapOvr>
-  <p:timing>
-    <p:tnLst>
-      <p:par>
-        <p:cTn id="1" dur="indefinite" restart="never" nodeType="tmRoot"/>
-      </p:par>
-    </p:tnLst>
-  </p:timing>
-</p:sldLayout>
-</file>
-
-<file path=ppt/slideLayouts/slideLayout7.xml><?xml version="1.0" encoding="utf-8"?>
-<p:sldLayout xmlns:a="http://schemas.openxmlformats.org/drawingml/2006/main" xmlns:r="http://schemas.openxmlformats.org/officeDocument/2006/relationships" xmlns:p="http://schemas.openxmlformats.org/presentationml/2006/main" type="twoTxTwoObj" preserve="1">
-  <p:cSld name="Comparison">
-    <p:spTree>
-      <p:nvGrpSpPr>
-        <p:cNvPr id="1" name=""/>
-        <p:cNvGrpSpPr/>
-        <p:nvPr/>
-      </p:nvGrpSpPr>
-      <p:grpSpPr>
-        <a:xfrm>
-          <a:off x="0" y="0"/>
-          <a:ext cx="0" cy="0"/>
-          <a:chOff x="0" y="0"/>
-          <a:chExt cx="0" cy="0"/>
-        </a:xfrm>
-      </p:grpSpPr>
-      <p:sp>
-        <p:nvSpPr>
-          <p:cNvPr id="10" name="Rectangle 9"/>
-          <p:cNvSpPr/>
-          <p:nvPr/>
-        </p:nvSpPr>
-        <p:spPr>
-          <a:xfrm>
-            <a:off x="284163" y="455773"/>
-            <a:ext cx="8574087" cy="1133949"/>
-          </a:xfrm>
-          <a:prstGeom prst="rect">
-            <a:avLst/>
-          </a:prstGeom>
-          <a:solidFill>
-            <a:schemeClr val="tx1">
-              <a:lumMod val="85000"/>
-              <a:lumOff val="15000"/>
-              <a:alpha val="70000"/>
-            </a:schemeClr>
-          </a:solidFill>
-          <a:ln>
-            <a:noFill/>
-          </a:ln>
-        </p:spPr>
-        <p:style>
-          <a:lnRef idx="2">
-            <a:schemeClr val="accent1">
-              <a:shade val="50000"/>
-            </a:schemeClr>
-          </a:lnRef>
-          <a:fillRef idx="1">
-            <a:schemeClr val="accent1"/>
-          </a:fillRef>
-          <a:effectRef idx="0">
-            <a:schemeClr val="accent1"/>
-          </a:effectRef>
-          <a:fontRef idx="minor">
-            <a:schemeClr val="lt1"/>
-          </a:fontRef>
-        </p:style>
-        <p:txBody>
-          <a:bodyPr rtlCol="0" anchor="ctr"/>
-          <a:lstStyle/>
-          <a:p>
-            <a:pPr algn="ctr"/>
-            <a:endParaRPr/>
-          </a:p>
-        </p:txBody>
-      </p:sp>
-      <p:grpSp>
-        <p:nvGrpSpPr>
-          <p:cNvPr id="11" name="Group 10"/>
-          <p:cNvGrpSpPr/>
-          <p:nvPr/>
-        </p:nvGrpSpPr>
-        <p:grpSpPr>
-          <a:xfrm>
-            <a:off x="284163" y="1577847"/>
-            <a:ext cx="8576373" cy="137411"/>
-            <a:chOff x="284163" y="1577847"/>
-            <a:chExt cx="8576373" cy="137411"/>
-          </a:xfrm>
-        </p:grpSpPr>
-        <p:sp>
-          <p:nvSpPr>
-            <p:cNvPr id="12" name="Rectangle 11"/>
-            <p:cNvSpPr/>
-            <p:nvPr/>
-          </p:nvSpPr>
-          <p:spPr>
-            <a:xfrm>
-              <a:off x="284163" y="1577847"/>
-              <a:ext cx="1600200" cy="137411"/>
-            </a:xfrm>
-            <a:prstGeom prst="rect">
-              <a:avLst/>
-            </a:prstGeom>
-            <a:solidFill>
-              <a:schemeClr val="accent1"/>
-            </a:solidFill>
-            <a:ln>
-              <a:noFill/>
-            </a:ln>
-          </p:spPr>
-          <p:style>
-            <a:lnRef idx="2">
-              <a:schemeClr val="accent1">
-                <a:shade val="50000"/>
-              </a:schemeClr>
-            </a:lnRef>
-            <a:fillRef idx="1">
-              <a:schemeClr val="accent1"/>
-            </a:fillRef>
-            <a:effectRef idx="0">
-              <a:schemeClr val="accent1"/>
-            </a:effectRef>
-            <a:fontRef idx="minor">
-              <a:schemeClr val="lt1"/>
-            </a:fontRef>
-          </p:style>
-          <p:txBody>
-            <a:bodyPr rtlCol="0" anchor="ctr"/>
-            <a:lstStyle/>
-            <a:p>
-              <a:pPr algn="ctr"/>
-              <a:endParaRPr/>
-            </a:p>
-          </p:txBody>
-        </p:sp>
-        <p:sp>
-          <p:nvSpPr>
-            <p:cNvPr id="13" name="Rectangle 12"/>
-            <p:cNvSpPr/>
-            <p:nvPr/>
-          </p:nvSpPr>
-          <p:spPr>
-            <a:xfrm>
-              <a:off x="1885174" y="1577847"/>
-              <a:ext cx="2743200" cy="137411"/>
-            </a:xfrm>
-            <a:prstGeom prst="rect">
-              <a:avLst/>
-            </a:prstGeom>
-            <a:solidFill>
-              <a:schemeClr val="accent2"/>
-            </a:solidFill>
-            <a:ln>
-              <a:noFill/>
-            </a:ln>
-          </p:spPr>
-          <p:style>
-            <a:lnRef idx="2">
-              <a:schemeClr val="accent1">
-                <a:shade val="50000"/>
-              </a:schemeClr>
-            </a:lnRef>
-            <a:fillRef idx="1">
-              <a:schemeClr val="accent1"/>
-            </a:fillRef>
-            <a:effectRef idx="0">
-              <a:schemeClr val="accent1"/>
-            </a:effectRef>
-            <a:fontRef idx="minor">
-              <a:schemeClr val="lt1"/>
-            </a:fontRef>
-          </p:style>
-          <p:txBody>
-            <a:bodyPr rtlCol="0" anchor="ctr"/>
-            <a:lstStyle/>
-            <a:p>
-              <a:pPr algn="ctr"/>
-              <a:endParaRPr/>
-            </a:p>
-          </p:txBody>
-        </p:sp>
-        <p:sp>
-          <p:nvSpPr>
-            <p:cNvPr id="14" name="Rectangle 13"/>
-            <p:cNvSpPr/>
-            <p:nvPr/>
-          </p:nvSpPr>
-          <p:spPr>
-            <a:xfrm>
-              <a:off x="4626864" y="1577847"/>
-              <a:ext cx="4233672" cy="137411"/>
-            </a:xfrm>
-            <a:prstGeom prst="rect">
-              <a:avLst/>
-            </a:prstGeom>
-            <a:solidFill>
-              <a:schemeClr val="accent4"/>
-            </a:solidFill>
-            <a:ln>
-              <a:noFill/>
-            </a:ln>
-          </p:spPr>
-          <p:style>
-            <a:lnRef idx="2">
-              <a:schemeClr val="accent1">
-                <a:shade val="50000"/>
-              </a:schemeClr>
-            </a:lnRef>
-            <a:fillRef idx="1">
-              <a:schemeClr val="accent1"/>
-            </a:fillRef>
-            <a:effectRef idx="0">
-              <a:schemeClr val="accent1"/>
-            </a:effectRef>
-            <a:fontRef idx="minor">
-              <a:schemeClr val="lt1"/>
-            </a:fontRef>
-          </p:style>
-          <p:txBody>
-            <a:bodyPr rtlCol="0" anchor="ctr"/>
-            <a:lstStyle/>
-            <a:p>
-              <a:pPr algn="ctr"/>
-              <a:endParaRPr/>
-            </a:p>
-          </p:txBody>
-        </p:sp>
-      </p:grpSp>
-      <p:sp>
-        <p:nvSpPr>
-          <p:cNvPr id="2" name="Title 1"/>
-          <p:cNvSpPr>
-            <a:spLocks noGrp="1"/>
-          </p:cNvSpPr>
-          <p:nvPr>
-            <p:ph type="title"/>
-          </p:nvPr>
-        </p:nvSpPr>
-        <p:spPr>
-          <a:noFill/>
-        </p:spPr>
-        <p:txBody>
-          <a:bodyPr/>
-          <a:lstStyle>
-            <a:lvl1pPr>
-              <a:defRPr/>
-            </a:lvl1pPr>
-          </a:lstStyle>
-          <a:p>
-            <a:r>
-              <a:rPr lang="en-US" smtClean="0"/>
-              <a:t>Click to edit Master title style</a:t>
-            </a:r>
-            <a:endParaRPr/>
-          </a:p>
-        </p:txBody>
-      </p:sp>
       <p:sp>
         <p:nvSpPr>
           <p:cNvPr id="3" name="Text Placeholder 2"/>
@@ -7724,7 +3500,7 @@
           <a:p>
             <a:fld id="{3044A36F-9DA7-4CBB-9D2C-58FECB03C75F}" type="datetime1">
               <a:rPr lang="en-US" smtClean="0"/>
-              <a:t>11/12/2015</a:t>
+              <a:t>11/15/15</a:t>
             </a:fld>
             <a:endParaRPr lang="en-US"/>
           </a:p>
@@ -7777,6 +3553,11 @@
         </p:txBody>
       </p:sp>
     </p:spTree>
+    <p:extLst>
+      <p:ext uri="{BB962C8B-B14F-4D97-AF65-F5344CB8AC3E}">
+        <p14:creationId xmlns:p14="http://schemas.microsoft.com/office/powerpoint/2010/main" val="954760668"/>
+      </p:ext>
+    </p:extLst>
   </p:cSld>
   <p:clrMapOvr>
     <a:masterClrMapping/>
@@ -7791,8 +3572,8 @@
 </p:sldLayout>
 </file>
 
-<file path=ppt/slideLayouts/slideLayout8.xml><?xml version="1.0" encoding="utf-8"?>
-<p:sldLayout xmlns:a="http://schemas.openxmlformats.org/drawingml/2006/main" xmlns:r="http://schemas.openxmlformats.org/officeDocument/2006/relationships" xmlns:p="http://schemas.openxmlformats.org/presentationml/2006/main" type="titleOnly" preserve="1">
+<file path=ppt/slideLayouts/slideLayout6.xml><?xml version="1.0" encoding="utf-8"?>
+<p:sldLayout xmlns:a="http://schemas.openxmlformats.org/drawingml/2006/main" xmlns:r="http://schemas.openxmlformats.org/officeDocument/2006/relationships" xmlns:p="http://schemas.openxmlformats.org/presentationml/2006/main" preserve="1">
   <p:cSld name="Title Only">
     <p:spTree>
       <p:nvGrpSpPr>
@@ -7810,71 +3591,44 @@
       </p:grpSpPr>
       <p:sp>
         <p:nvSpPr>
-          <p:cNvPr id="6" name="Rectangle 5"/>
-          <p:cNvSpPr/>
-          <p:nvPr/>
-        </p:nvSpPr>
-        <p:spPr>
-          <a:xfrm>
-            <a:off x="284163" y="455773"/>
-            <a:ext cx="8574087" cy="1133949"/>
-          </a:xfrm>
-          <a:prstGeom prst="rect">
-            <a:avLst/>
-          </a:prstGeom>
-          <a:solidFill>
-            <a:schemeClr val="tx1">
-              <a:lumMod val="85000"/>
-              <a:lumOff val="15000"/>
-              <a:alpha val="70000"/>
-            </a:schemeClr>
-          </a:solidFill>
-          <a:ln>
-            <a:noFill/>
-          </a:ln>
-        </p:spPr>
-        <p:style>
-          <a:lnRef idx="2">
-            <a:schemeClr val="accent1">
-              <a:shade val="50000"/>
-            </a:schemeClr>
-          </a:lnRef>
-          <a:fillRef idx="1">
-            <a:schemeClr val="accent1"/>
-          </a:fillRef>
-          <a:effectRef idx="0">
-            <a:schemeClr val="accent1"/>
-          </a:effectRef>
-          <a:fontRef idx="minor">
-            <a:schemeClr val="lt1"/>
-          </a:fontRef>
-        </p:style>
-        <p:txBody>
-          <a:bodyPr rtlCol="0" anchor="ctr"/>
-          <a:lstStyle/>
-          <a:p>
-            <a:pPr algn="ctr"/>
-            <a:endParaRPr/>
+          <p:cNvPr id="8" name="Title 7"/>
+          <p:cNvSpPr>
+            <a:spLocks noGrp="1"/>
+          </p:cNvSpPr>
+          <p:nvPr>
+            <p:ph type="title"/>
+          </p:nvPr>
+        </p:nvSpPr>
+        <p:spPr/>
+        <p:txBody>
+          <a:bodyPr/>
+          <a:lstStyle/>
+          <a:p>
+            <a:r>
+              <a:rPr lang="en-US" smtClean="0"/>
+              <a:t>Click to edit Master title style</a:t>
+            </a:r>
+            <a:endParaRPr lang="en-US"/>
           </a:p>
         </p:txBody>
       </p:sp>
       <p:grpSp>
         <p:nvGrpSpPr>
-          <p:cNvPr id="7" name="Group 6"/>
+          <p:cNvPr id="16" name="Group 15"/>
           <p:cNvGrpSpPr/>
           <p:nvPr/>
         </p:nvGrpSpPr>
         <p:grpSpPr>
           <a:xfrm>
-            <a:off x="284163" y="1577847"/>
-            <a:ext cx="8576373" cy="137411"/>
+            <a:off x="0" y="1188720"/>
+            <a:ext cx="9144000" cy="137411"/>
             <a:chOff x="284163" y="1577847"/>
             <a:chExt cx="8576373" cy="137411"/>
           </a:xfrm>
         </p:grpSpPr>
         <p:sp>
           <p:nvSpPr>
-            <p:cNvPr id="8" name="Rectangle 7"/>
+            <p:cNvPr id="17" name="Rectangle 16"/>
             <p:cNvSpPr/>
             <p:nvPr/>
           </p:nvSpPr>
@@ -7887,7 +3641,7 @@
               <a:avLst/>
             </a:prstGeom>
             <a:solidFill>
-              <a:schemeClr val="accent1"/>
+              <a:srgbClr val="7030A0"/>
             </a:solidFill>
             <a:ln>
               <a:noFill/>
@@ -7920,7 +3674,7 @@
         </p:sp>
         <p:sp>
           <p:nvSpPr>
-            <p:cNvPr id="9" name="Rectangle 8"/>
+            <p:cNvPr id="18" name="Rectangle 17"/>
             <p:cNvSpPr/>
             <p:nvPr/>
           </p:nvSpPr>
@@ -7933,7 +3687,7 @@
               <a:avLst/>
             </a:prstGeom>
             <a:solidFill>
-              <a:schemeClr val="accent2"/>
+              <a:srgbClr val="00B050"/>
             </a:solidFill>
             <a:ln>
               <a:noFill/>
@@ -7966,7 +3720,7 @@
         </p:sp>
         <p:sp>
           <p:nvSpPr>
-            <p:cNvPr id="10" name="Rectangle 9"/>
+            <p:cNvPr id="19" name="Rectangle 18"/>
             <p:cNvSpPr/>
             <p:nvPr/>
           </p:nvSpPr>
@@ -7979,7 +3733,7 @@
               <a:avLst/>
             </a:prstGeom>
             <a:solidFill>
-              <a:schemeClr val="accent4"/>
+              <a:srgbClr val="0070C0"/>
             </a:solidFill>
             <a:ln>
               <a:noFill/>
@@ -8013,47 +3767,22 @@
       </p:grpSp>
       <p:sp>
         <p:nvSpPr>
-          <p:cNvPr id="2" name="Title 1"/>
-          <p:cNvSpPr>
-            <a:spLocks noGrp="1"/>
-          </p:cNvSpPr>
-          <p:nvPr>
-            <p:ph type="title"/>
-          </p:nvPr>
-        </p:nvSpPr>
-        <p:spPr>
-          <a:noFill/>
-        </p:spPr>
+          <p:cNvPr id="3" name="Date Placeholder 2"/>
+          <p:cNvSpPr>
+            <a:spLocks noGrp="1"/>
+          </p:cNvSpPr>
+          <p:nvPr>
+            <p:ph type="dt" sz="half" idx="10"/>
+          </p:nvPr>
+        </p:nvSpPr>
+        <p:spPr/>
         <p:txBody>
           <a:bodyPr/>
           <a:lstStyle/>
           <a:p>
-            <a:r>
-              <a:rPr lang="en-US" smtClean="0"/>
-              <a:t>Click to edit Master title style</a:t>
-            </a:r>
-            <a:endParaRPr/>
-          </a:p>
-        </p:txBody>
-      </p:sp>
-      <p:sp>
-        <p:nvSpPr>
-          <p:cNvPr id="3" name="Date Placeholder 2"/>
-          <p:cNvSpPr>
-            <a:spLocks noGrp="1"/>
-          </p:cNvSpPr>
-          <p:nvPr>
-            <p:ph type="dt" sz="half" idx="10"/>
-          </p:nvPr>
-        </p:nvSpPr>
-        <p:spPr/>
-        <p:txBody>
-          <a:bodyPr/>
-          <a:lstStyle/>
-          <a:p>
             <a:fld id="{977013B7-270F-4359-99BB-A551D27883AF}" type="datetime1">
               <a:rPr lang="en-US" smtClean="0"/>
-              <a:t>11/12/2015</a:t>
+              <a:t>11/15/15</a:t>
             </a:fld>
             <a:endParaRPr lang="en-US"/>
           </a:p>
@@ -8106,6 +3835,11 @@
         </p:txBody>
       </p:sp>
     </p:spTree>
+    <p:extLst>
+      <p:ext uri="{BB962C8B-B14F-4D97-AF65-F5344CB8AC3E}">
+        <p14:creationId xmlns:p14="http://schemas.microsoft.com/office/powerpoint/2010/main" val="664736692"/>
+      </p:ext>
+    </p:extLst>
   </p:cSld>
   <p:clrMapOvr>
     <a:masterClrMapping/>
@@ -8120,9 +3854,9 @@
 </p:sldLayout>
 </file>
 
-<file path=ppt/slideLayouts/slideLayout9.xml><?xml version="1.0" encoding="utf-8"?>
-<p:sldLayout xmlns:a="http://schemas.openxmlformats.org/drawingml/2006/main" xmlns:r="http://schemas.openxmlformats.org/officeDocument/2006/relationships" xmlns:p="http://schemas.openxmlformats.org/presentationml/2006/main" type="blank" preserve="1">
-  <p:cSld name="Blank">
+<file path=ppt/slideLayouts/slideLayout7.xml><?xml version="1.0" encoding="utf-8"?>
+<p:sldLayout xmlns:a="http://schemas.openxmlformats.org/drawingml/2006/main" xmlns:r="http://schemas.openxmlformats.org/officeDocument/2006/relationships" xmlns:p="http://schemas.openxmlformats.org/presentationml/2006/main" preserve="1">
+  <p:cSld name="Title and Vertical Text">
     <p:spTree>
       <p:nvGrpSpPr>
         <p:cNvPr id="1" name=""/>
@@ -8137,92 +3871,23 @@
           <a:chExt cx="0" cy="0"/>
         </a:xfrm>
       </p:grpSpPr>
-      <p:sp>
-        <p:nvSpPr>
-          <p:cNvPr id="2" name="Date Placeholder 1"/>
-          <p:cNvSpPr>
-            <a:spLocks noGrp="1"/>
-          </p:cNvSpPr>
-          <p:nvPr>
-            <p:ph type="dt" sz="half" idx="10"/>
-          </p:nvPr>
-        </p:nvSpPr>
-        <p:spPr/>
-        <p:txBody>
-          <a:bodyPr/>
-          <a:lstStyle/>
-          <a:p>
-            <a:fld id="{DDFC6B1E-9B28-4308-ADBC-5BA07960D5EE}" type="datetime1">
-              <a:rPr lang="en-US" smtClean="0"/>
-              <a:t>11/12/2015</a:t>
-            </a:fld>
-            <a:endParaRPr lang="en-US"/>
-          </a:p>
-        </p:txBody>
-      </p:sp>
-      <p:sp>
-        <p:nvSpPr>
-          <p:cNvPr id="3" name="Footer Placeholder 2"/>
-          <p:cNvSpPr>
-            <a:spLocks noGrp="1"/>
-          </p:cNvSpPr>
-          <p:nvPr>
-            <p:ph type="ftr" sz="quarter" idx="11"/>
-          </p:nvPr>
-        </p:nvSpPr>
-        <p:spPr/>
-        <p:txBody>
-          <a:bodyPr/>
-          <a:lstStyle/>
-          <a:p>
-            <a:r>
-              <a:rPr lang="en-US" smtClean="0"/>
-              <a:t>© 2015 EV3Lessons.com, Last edit 11/12/2015</a:t>
-            </a:r>
-            <a:endParaRPr lang="en-US"/>
-          </a:p>
-        </p:txBody>
-      </p:sp>
-      <p:sp>
-        <p:nvSpPr>
-          <p:cNvPr id="4" name="Slide Number Placeholder 3"/>
-          <p:cNvSpPr>
-            <a:spLocks noGrp="1"/>
-          </p:cNvSpPr>
-          <p:nvPr>
-            <p:ph type="sldNum" sz="quarter" idx="12"/>
-          </p:nvPr>
-        </p:nvSpPr>
-        <p:spPr/>
-        <p:txBody>
-          <a:bodyPr/>
-          <a:lstStyle/>
-          <a:p>
-            <a:fld id="{4382A7F7-08BF-4252-8141-63FB96055BBB}" type="slidenum">
-              <a:rPr lang="en-US" smtClean="0"/>
-              <a:t>‹#›</a:t>
-            </a:fld>
-            <a:endParaRPr lang="en-US"/>
-          </a:p>
-        </p:txBody>
-      </p:sp>
       <p:grpSp>
         <p:nvGrpSpPr>
-          <p:cNvPr id="5" name="Group 4"/>
+          <p:cNvPr id="13" name="Group 12"/>
           <p:cNvGrpSpPr/>
           <p:nvPr/>
         </p:nvGrpSpPr>
         <p:grpSpPr>
           <a:xfrm>
-            <a:off x="284163" y="452718"/>
-            <a:ext cx="8576373" cy="137411"/>
+            <a:off x="0" y="1188720"/>
+            <a:ext cx="9144000" cy="137411"/>
             <a:chOff x="284163" y="1577847"/>
             <a:chExt cx="8576373" cy="137411"/>
           </a:xfrm>
         </p:grpSpPr>
         <p:sp>
           <p:nvSpPr>
-            <p:cNvPr id="6" name="Rectangle 5"/>
+            <p:cNvPr id="14" name="Rectangle 13"/>
             <p:cNvSpPr/>
             <p:nvPr/>
           </p:nvSpPr>
@@ -8235,7 +3900,7 @@
               <a:avLst/>
             </a:prstGeom>
             <a:solidFill>
-              <a:schemeClr val="accent1"/>
+              <a:srgbClr val="7030A0"/>
             </a:solidFill>
             <a:ln>
               <a:noFill/>
@@ -8268,7 +3933,7 @@
         </p:sp>
         <p:sp>
           <p:nvSpPr>
-            <p:cNvPr id="7" name="Rectangle 6"/>
+            <p:cNvPr id="15" name="Rectangle 14"/>
             <p:cNvSpPr/>
             <p:nvPr/>
           </p:nvSpPr>
@@ -8281,7 +3946,7 @@
               <a:avLst/>
             </a:prstGeom>
             <a:solidFill>
-              <a:schemeClr val="accent2"/>
+              <a:srgbClr val="00B050"/>
             </a:solidFill>
             <a:ln>
               <a:noFill/>
@@ -8314,7 +3979,7 @@
         </p:sp>
         <p:sp>
           <p:nvSpPr>
-            <p:cNvPr id="8" name="Rectangle 7"/>
+            <p:cNvPr id="16" name="Rectangle 15"/>
             <p:cNvSpPr/>
             <p:nvPr/>
           </p:nvSpPr>
@@ -8327,7 +3992,524 @@
               <a:avLst/>
             </a:prstGeom>
             <a:solidFill>
-              <a:schemeClr val="accent4"/>
+              <a:srgbClr val="0070C0"/>
+            </a:solidFill>
+            <a:ln>
+              <a:noFill/>
+            </a:ln>
+          </p:spPr>
+          <p:style>
+            <a:lnRef idx="2">
+              <a:schemeClr val="accent1">
+                <a:shade val="50000"/>
+              </a:schemeClr>
+            </a:lnRef>
+            <a:fillRef idx="1">
+              <a:schemeClr val="accent1"/>
+            </a:fillRef>
+            <a:effectRef idx="0">
+              <a:schemeClr val="accent1"/>
+            </a:effectRef>
+            <a:fontRef idx="minor">
+              <a:schemeClr val="lt1"/>
+            </a:fontRef>
+          </p:style>
+          <p:txBody>
+            <a:bodyPr rtlCol="0" anchor="ctr"/>
+            <a:lstStyle/>
+            <a:p>
+              <a:pPr algn="ctr"/>
+              <a:endParaRPr/>
+            </a:p>
+          </p:txBody>
+        </p:sp>
+      </p:grpSp>
+      <p:sp>
+        <p:nvSpPr>
+          <p:cNvPr id="3" name="Vertical Text Placeholder 2"/>
+          <p:cNvSpPr>
+            <a:spLocks noGrp="1"/>
+          </p:cNvSpPr>
+          <p:nvPr>
+            <p:ph type="body" orient="vert" idx="1"/>
+          </p:nvPr>
+        </p:nvSpPr>
+        <p:spPr>
+          <a:xfrm>
+            <a:off x="284163" y="2133600"/>
+            <a:ext cx="8574087" cy="4013200"/>
+          </a:xfrm>
+        </p:spPr>
+        <p:txBody>
+          <a:bodyPr vert="eaVert"/>
+          <a:lstStyle>
+            <a:lvl5pPr>
+              <a:defRPr/>
+            </a:lvl5pPr>
+          </a:lstStyle>
+          <a:p>
+            <a:pPr lvl="0"/>
+            <a:r>
+              <a:rPr lang="en-US" smtClean="0"/>
+              <a:t>Click to edit Master text styles</a:t>
+            </a:r>
+          </a:p>
+          <a:p>
+            <a:pPr lvl="1"/>
+            <a:r>
+              <a:rPr lang="en-US" smtClean="0"/>
+              <a:t>Second level</a:t>
+            </a:r>
+          </a:p>
+          <a:p>
+            <a:pPr lvl="2"/>
+            <a:r>
+              <a:rPr lang="en-US" smtClean="0"/>
+              <a:t>Third level</a:t>
+            </a:r>
+          </a:p>
+          <a:p>
+            <a:pPr lvl="3"/>
+            <a:r>
+              <a:rPr lang="en-US" smtClean="0"/>
+              <a:t>Fourth level</a:t>
+            </a:r>
+          </a:p>
+          <a:p>
+            <a:pPr lvl="4"/>
+            <a:r>
+              <a:rPr lang="en-US" smtClean="0"/>
+              <a:t>Fifth level</a:t>
+            </a:r>
+            <a:endParaRPr dirty="0"/>
+          </a:p>
+        </p:txBody>
+      </p:sp>
+      <p:sp>
+        <p:nvSpPr>
+          <p:cNvPr id="4" name="Date Placeholder 3"/>
+          <p:cNvSpPr>
+            <a:spLocks noGrp="1"/>
+          </p:cNvSpPr>
+          <p:nvPr>
+            <p:ph type="dt" sz="half" idx="10"/>
+          </p:nvPr>
+        </p:nvSpPr>
+        <p:spPr/>
+        <p:txBody>
+          <a:bodyPr/>
+          <a:lstStyle/>
+          <a:p>
+            <a:fld id="{B058FB97-1C39-47D6-A6E9-6CA2C05895EB}" type="datetime1">
+              <a:rPr lang="en-US" smtClean="0"/>
+              <a:t>11/15/15</a:t>
+            </a:fld>
+            <a:endParaRPr lang="en-US"/>
+          </a:p>
+        </p:txBody>
+      </p:sp>
+      <p:sp>
+        <p:nvSpPr>
+          <p:cNvPr id="5" name="Footer Placeholder 4"/>
+          <p:cNvSpPr>
+            <a:spLocks noGrp="1"/>
+          </p:cNvSpPr>
+          <p:nvPr>
+            <p:ph type="ftr" sz="quarter" idx="11"/>
+          </p:nvPr>
+        </p:nvSpPr>
+        <p:spPr/>
+        <p:txBody>
+          <a:bodyPr/>
+          <a:lstStyle/>
+          <a:p>
+            <a:r>
+              <a:rPr lang="en-US" smtClean="0"/>
+              <a:t>© 2015 EV3Lessons.com, Last edit 11/12/2015</a:t>
+            </a:r>
+            <a:endParaRPr lang="en-US"/>
+          </a:p>
+        </p:txBody>
+      </p:sp>
+      <p:sp>
+        <p:nvSpPr>
+          <p:cNvPr id="6" name="Slide Number Placeholder 5"/>
+          <p:cNvSpPr>
+            <a:spLocks noGrp="1"/>
+          </p:cNvSpPr>
+          <p:nvPr>
+            <p:ph type="sldNum" sz="quarter" idx="12"/>
+          </p:nvPr>
+        </p:nvSpPr>
+        <p:spPr/>
+        <p:txBody>
+          <a:bodyPr/>
+          <a:lstStyle/>
+          <a:p>
+            <a:fld id="{4382A7F7-08BF-4252-8141-63FB96055BBB}" type="slidenum">
+              <a:rPr lang="en-US" smtClean="0"/>
+              <a:t>‹#›</a:t>
+            </a:fld>
+            <a:endParaRPr lang="en-US"/>
+          </a:p>
+        </p:txBody>
+      </p:sp>
+      <p:sp>
+        <p:nvSpPr>
+          <p:cNvPr id="17" name="Title 16"/>
+          <p:cNvSpPr>
+            <a:spLocks noGrp="1"/>
+          </p:cNvSpPr>
+          <p:nvPr>
+            <p:ph type="title"/>
+          </p:nvPr>
+        </p:nvSpPr>
+        <p:spPr/>
+        <p:txBody>
+          <a:bodyPr/>
+          <a:lstStyle/>
+          <a:p>
+            <a:r>
+              <a:rPr lang="en-US" smtClean="0"/>
+              <a:t>Click to edit Master title style</a:t>
+            </a:r>
+            <a:endParaRPr lang="en-US"/>
+          </a:p>
+        </p:txBody>
+      </p:sp>
+    </p:spTree>
+    <p:extLst>
+      <p:ext uri="{BB962C8B-B14F-4D97-AF65-F5344CB8AC3E}">
+        <p14:creationId xmlns:p14="http://schemas.microsoft.com/office/powerpoint/2010/main" val="1019650750"/>
+      </p:ext>
+    </p:extLst>
+  </p:cSld>
+  <p:clrMapOvr>
+    <a:masterClrMapping/>
+  </p:clrMapOvr>
+  <p:timing>
+    <p:tnLst>
+      <p:par>
+        <p:cTn id="1" dur="indefinite" restart="never" nodeType="tmRoot"/>
+      </p:par>
+    </p:tnLst>
+  </p:timing>
+</p:sldLayout>
+</file>
+
+<file path=ppt/slideLayouts/slideLayout8.xml><?xml version="1.0" encoding="utf-8"?>
+<p:sldLayout xmlns:a="http://schemas.openxmlformats.org/drawingml/2006/main" xmlns:r="http://schemas.openxmlformats.org/officeDocument/2006/relationships" xmlns:p="http://schemas.openxmlformats.org/presentationml/2006/main" preserve="1">
+  <p:cSld name="Vertical Title and Text">
+    <p:spTree>
+      <p:nvGrpSpPr>
+        <p:cNvPr id="1" name=""/>
+        <p:cNvGrpSpPr/>
+        <p:nvPr/>
+      </p:nvGrpSpPr>
+      <p:grpSpPr>
+        <a:xfrm>
+          <a:off x="0" y="0"/>
+          <a:ext cx="0" cy="0"/>
+          <a:chOff x="0" y="0"/>
+          <a:chExt cx="0" cy="0"/>
+        </a:xfrm>
+      </p:grpSpPr>
+      <p:sp>
+        <p:nvSpPr>
+          <p:cNvPr id="16" name="Title 15"/>
+          <p:cNvSpPr>
+            <a:spLocks noGrp="1"/>
+          </p:cNvSpPr>
+          <p:nvPr>
+            <p:ph type="title"/>
+          </p:nvPr>
+        </p:nvSpPr>
+        <p:spPr>
+          <a:xfrm rot="5400000">
+            <a:off x="5257800" y="2965449"/>
+            <a:ext cx="6858000" cy="914400"/>
+          </a:xfrm>
+        </p:spPr>
+        <p:txBody>
+          <a:bodyPr>
+            <a:normAutofit/>
+          </a:bodyPr>
+          <a:lstStyle>
+            <a:lvl1pPr algn="ctr">
+              <a:defRPr sz="3600"/>
+            </a:lvl1pPr>
+          </a:lstStyle>
+          <a:p>
+            <a:r>
+              <a:rPr lang="en-US" smtClean="0"/>
+              <a:t>Click to edit Master title style</a:t>
+            </a:r>
+            <a:endParaRPr lang="en-US"/>
+          </a:p>
+        </p:txBody>
+      </p:sp>
+      <p:sp>
+        <p:nvSpPr>
+          <p:cNvPr id="3" name="Vertical Text Placeholder 2"/>
+          <p:cNvSpPr>
+            <a:spLocks noGrp="1"/>
+          </p:cNvSpPr>
+          <p:nvPr>
+            <p:ph type="body" orient="vert" idx="1"/>
+          </p:nvPr>
+        </p:nvSpPr>
+        <p:spPr>
+          <a:xfrm>
+            <a:off x="284163" y="457200"/>
+            <a:ext cx="6497637" cy="5937250"/>
+          </a:xfrm>
+        </p:spPr>
+        <p:txBody>
+          <a:bodyPr vert="eaVert"/>
+          <a:lstStyle>
+            <a:lvl5pPr algn="l">
+              <a:defRPr/>
+            </a:lvl5pPr>
+          </a:lstStyle>
+          <a:p>
+            <a:pPr lvl="0"/>
+            <a:r>
+              <a:rPr lang="en-US" smtClean="0"/>
+              <a:t>Click to edit Master text styles</a:t>
+            </a:r>
+          </a:p>
+          <a:p>
+            <a:pPr lvl="1"/>
+            <a:r>
+              <a:rPr lang="en-US" smtClean="0"/>
+              <a:t>Second level</a:t>
+            </a:r>
+          </a:p>
+          <a:p>
+            <a:pPr lvl="2"/>
+            <a:r>
+              <a:rPr lang="en-US" smtClean="0"/>
+              <a:t>Third level</a:t>
+            </a:r>
+          </a:p>
+          <a:p>
+            <a:pPr lvl="3"/>
+            <a:r>
+              <a:rPr lang="en-US" smtClean="0"/>
+              <a:t>Fourth level</a:t>
+            </a:r>
+          </a:p>
+          <a:p>
+            <a:pPr lvl="4"/>
+            <a:r>
+              <a:rPr lang="en-US" smtClean="0"/>
+              <a:t>Fifth level</a:t>
+            </a:r>
+            <a:endParaRPr dirty="0"/>
+          </a:p>
+        </p:txBody>
+      </p:sp>
+      <p:sp>
+        <p:nvSpPr>
+          <p:cNvPr id="4" name="Date Placeholder 3"/>
+          <p:cNvSpPr>
+            <a:spLocks noGrp="1"/>
+          </p:cNvSpPr>
+          <p:nvPr>
+            <p:ph type="dt" sz="half" idx="10"/>
+          </p:nvPr>
+        </p:nvSpPr>
+        <p:spPr>
+          <a:xfrm>
+            <a:off x="3679924" y="6437032"/>
+            <a:ext cx="2133600" cy="365125"/>
+          </a:xfrm>
+        </p:spPr>
+        <p:txBody>
+          <a:bodyPr/>
+          <a:lstStyle/>
+          <a:p>
+            <a:fld id="{E48C1F2A-0FA3-428E-B966-AB5AF7A6896E}" type="datetime1">
+              <a:rPr lang="en-US" smtClean="0"/>
+              <a:t>11/15/15</a:t>
+            </a:fld>
+            <a:endParaRPr lang="en-US"/>
+          </a:p>
+        </p:txBody>
+      </p:sp>
+      <p:sp>
+        <p:nvSpPr>
+          <p:cNvPr id="5" name="Footer Placeholder 4"/>
+          <p:cNvSpPr>
+            <a:spLocks noGrp="1"/>
+          </p:cNvSpPr>
+          <p:nvPr>
+            <p:ph type="ftr" sz="quarter" idx="11"/>
+          </p:nvPr>
+        </p:nvSpPr>
+        <p:spPr/>
+        <p:txBody>
+          <a:bodyPr/>
+          <a:lstStyle/>
+          <a:p>
+            <a:r>
+              <a:rPr lang="en-US" smtClean="0"/>
+              <a:t>© 2015 EV3Lessons.com, Last edit 11/12/2015</a:t>
+            </a:r>
+            <a:endParaRPr lang="en-US"/>
+          </a:p>
+        </p:txBody>
+      </p:sp>
+      <p:sp>
+        <p:nvSpPr>
+          <p:cNvPr id="6" name="Slide Number Placeholder 5"/>
+          <p:cNvSpPr>
+            <a:spLocks noGrp="1"/>
+          </p:cNvSpPr>
+          <p:nvPr>
+            <p:ph type="sldNum" sz="quarter" idx="12"/>
+          </p:nvPr>
+        </p:nvSpPr>
+        <p:spPr>
+          <a:xfrm>
+            <a:off x="7477031" y="6439714"/>
+            <a:ext cx="630621" cy="359760"/>
+          </a:xfrm>
+        </p:spPr>
+        <p:txBody>
+          <a:bodyPr/>
+          <a:lstStyle/>
+          <a:p>
+            <a:fld id="{4382A7F7-08BF-4252-8141-63FB96055BBB}" type="slidenum">
+              <a:rPr lang="en-US" smtClean="0"/>
+              <a:t>‹#›</a:t>
+            </a:fld>
+            <a:endParaRPr lang="en-US"/>
+          </a:p>
+        </p:txBody>
+      </p:sp>
+      <p:grpSp>
+        <p:nvGrpSpPr>
+          <p:cNvPr id="12" name="Group 11"/>
+          <p:cNvGrpSpPr/>
+          <p:nvPr/>
+        </p:nvGrpSpPr>
+        <p:grpSpPr>
+          <a:xfrm rot="5400000">
+            <a:off x="4753323" y="3358675"/>
+            <a:ext cx="6861177" cy="137475"/>
+            <a:chOff x="284163" y="1577847"/>
+            <a:chExt cx="8576373" cy="137411"/>
+          </a:xfrm>
+        </p:grpSpPr>
+        <p:sp>
+          <p:nvSpPr>
+            <p:cNvPr id="13" name="Rectangle 12"/>
+            <p:cNvSpPr/>
+            <p:nvPr/>
+          </p:nvSpPr>
+          <p:spPr>
+            <a:xfrm>
+              <a:off x="284163" y="1577847"/>
+              <a:ext cx="1600200" cy="137411"/>
+            </a:xfrm>
+            <a:prstGeom prst="rect">
+              <a:avLst/>
+            </a:prstGeom>
+            <a:solidFill>
+              <a:srgbClr val="7030A0"/>
+            </a:solidFill>
+            <a:ln>
+              <a:noFill/>
+            </a:ln>
+          </p:spPr>
+          <p:style>
+            <a:lnRef idx="2">
+              <a:schemeClr val="accent1">
+                <a:shade val="50000"/>
+              </a:schemeClr>
+            </a:lnRef>
+            <a:fillRef idx="1">
+              <a:schemeClr val="accent1"/>
+            </a:fillRef>
+            <a:effectRef idx="0">
+              <a:schemeClr val="accent1"/>
+            </a:effectRef>
+            <a:fontRef idx="minor">
+              <a:schemeClr val="lt1"/>
+            </a:fontRef>
+          </p:style>
+          <p:txBody>
+            <a:bodyPr rtlCol="0" anchor="ctr"/>
+            <a:lstStyle/>
+            <a:p>
+              <a:pPr algn="ctr"/>
+              <a:endParaRPr/>
+            </a:p>
+          </p:txBody>
+        </p:sp>
+        <p:sp>
+          <p:nvSpPr>
+            <p:cNvPr id="14" name="Rectangle 13"/>
+            <p:cNvSpPr/>
+            <p:nvPr/>
+          </p:nvSpPr>
+          <p:spPr>
+            <a:xfrm>
+              <a:off x="1885174" y="1577847"/>
+              <a:ext cx="2743200" cy="137411"/>
+            </a:xfrm>
+            <a:prstGeom prst="rect">
+              <a:avLst/>
+            </a:prstGeom>
+            <a:solidFill>
+              <a:srgbClr val="00B050"/>
+            </a:solidFill>
+            <a:ln>
+              <a:noFill/>
+            </a:ln>
+          </p:spPr>
+          <p:style>
+            <a:lnRef idx="2">
+              <a:schemeClr val="accent1">
+                <a:shade val="50000"/>
+              </a:schemeClr>
+            </a:lnRef>
+            <a:fillRef idx="1">
+              <a:schemeClr val="accent1"/>
+            </a:fillRef>
+            <a:effectRef idx="0">
+              <a:schemeClr val="accent1"/>
+            </a:effectRef>
+            <a:fontRef idx="minor">
+              <a:schemeClr val="lt1"/>
+            </a:fontRef>
+          </p:style>
+          <p:txBody>
+            <a:bodyPr rtlCol="0" anchor="ctr"/>
+            <a:lstStyle/>
+            <a:p>
+              <a:pPr algn="ctr"/>
+              <a:endParaRPr/>
+            </a:p>
+          </p:txBody>
+        </p:sp>
+        <p:sp>
+          <p:nvSpPr>
+            <p:cNvPr id="15" name="Rectangle 14"/>
+            <p:cNvSpPr/>
+            <p:nvPr/>
+          </p:nvSpPr>
+          <p:spPr>
+            <a:xfrm>
+              <a:off x="4626864" y="1577847"/>
+              <a:ext cx="4233672" cy="137411"/>
+            </a:xfrm>
+            <a:prstGeom prst="rect">
+              <a:avLst/>
+            </a:prstGeom>
+            <a:solidFill>
+              <a:srgbClr val="0070C0"/>
             </a:solidFill>
             <a:ln>
               <a:noFill/>
@@ -8360,6 +4542,11 @@
         </p:sp>
       </p:grpSp>
     </p:spTree>
+    <p:extLst>
+      <p:ext uri="{BB962C8B-B14F-4D97-AF65-F5344CB8AC3E}">
+        <p14:creationId xmlns:p14="http://schemas.microsoft.com/office/powerpoint/2010/main" val="350652190"/>
+      </p:ext>
+    </p:extLst>
   </p:cSld>
   <p:clrMapOvr>
     <a:masterClrMapping/>
@@ -8374,13 +4561,196 @@
 </p:sldLayout>
 </file>
 
+<file path=ppt/slideLayouts/slideLayout9.xml><?xml version="1.0" encoding="utf-8"?>
+<p:sldLayout xmlns:a="http://schemas.openxmlformats.org/drawingml/2006/main" xmlns:r="http://schemas.openxmlformats.org/officeDocument/2006/relationships" xmlns:p="http://schemas.openxmlformats.org/presentationml/2006/main" preserve="1">
+  <p:cSld name="Custom Layout">
+    <p:spTree>
+      <p:nvGrpSpPr>
+        <p:cNvPr id="1" name=""/>
+        <p:cNvGrpSpPr/>
+        <p:nvPr/>
+      </p:nvGrpSpPr>
+      <p:grpSpPr>
+        <a:xfrm>
+          <a:off x="0" y="0"/>
+          <a:ext cx="0" cy="0"/>
+          <a:chOff x="0" y="0"/>
+          <a:chExt cx="0" cy="0"/>
+        </a:xfrm>
+      </p:grpSpPr>
+      <p:sp>
+        <p:nvSpPr>
+          <p:cNvPr id="2" name="Title 1"/>
+          <p:cNvSpPr>
+            <a:spLocks noGrp="1"/>
+          </p:cNvSpPr>
+          <p:nvPr>
+            <p:ph type="title"/>
+          </p:nvPr>
+        </p:nvSpPr>
+        <p:spPr/>
+        <p:txBody>
+          <a:bodyPr/>
+          <a:lstStyle/>
+          <a:p>
+            <a:r>
+              <a:rPr lang="en-US" smtClean="0"/>
+              <a:t>Click to edit Master title style</a:t>
+            </a:r>
+            <a:endParaRPr lang="en-US"/>
+          </a:p>
+        </p:txBody>
+      </p:sp>
+      <p:sp>
+        <p:nvSpPr>
+          <p:cNvPr id="3" name="Date Placeholder 2"/>
+          <p:cNvSpPr>
+            <a:spLocks noGrp="1"/>
+          </p:cNvSpPr>
+          <p:nvPr>
+            <p:ph type="dt" sz="half" idx="10"/>
+          </p:nvPr>
+        </p:nvSpPr>
+        <p:spPr/>
+        <p:txBody>
+          <a:bodyPr/>
+          <a:lstStyle/>
+          <a:p>
+            <a:fld id="{4B0B9B3F-E4D0-49ED-8910-4CB6F106B307}" type="datetime1">
+              <a:rPr lang="en-US" smtClean="0"/>
+              <a:t>11/15/15</a:t>
+            </a:fld>
+            <a:endParaRPr lang="en-US" dirty="0"/>
+          </a:p>
+        </p:txBody>
+      </p:sp>
+      <p:sp>
+        <p:nvSpPr>
+          <p:cNvPr id="4" name="Footer Placeholder 3"/>
+          <p:cNvSpPr>
+            <a:spLocks noGrp="1"/>
+          </p:cNvSpPr>
+          <p:nvPr>
+            <p:ph type="ftr" sz="quarter" idx="11"/>
+          </p:nvPr>
+        </p:nvSpPr>
+        <p:spPr/>
+        <p:txBody>
+          <a:bodyPr/>
+          <a:lstStyle/>
+          <a:p>
+            <a:r>
+              <a:rPr lang="en-US" smtClean="0"/>
+              <a:t>© 2015 EV3Lessons.com, Last edit 11/12/2015</a:t>
+            </a:r>
+            <a:endParaRPr lang="en-US" dirty="0"/>
+          </a:p>
+        </p:txBody>
+      </p:sp>
+      <p:sp>
+        <p:nvSpPr>
+          <p:cNvPr id="5" name="Slide Number Placeholder 4"/>
+          <p:cNvSpPr>
+            <a:spLocks noGrp="1"/>
+          </p:cNvSpPr>
+          <p:nvPr>
+            <p:ph type="sldNum" sz="quarter" idx="12"/>
+          </p:nvPr>
+        </p:nvSpPr>
+        <p:spPr/>
+        <p:txBody>
+          <a:bodyPr/>
+          <a:lstStyle/>
+          <a:p>
+            <a:fld id="{4382A7F7-08BF-4252-8141-63FB96055BBB}" type="slidenum">
+              <a:rPr lang="en-US" smtClean="0"/>
+              <a:t>‹#›</a:t>
+            </a:fld>
+            <a:endParaRPr lang="en-US"/>
+          </a:p>
+        </p:txBody>
+      </p:sp>
+      <p:sp>
+        <p:nvSpPr>
+          <p:cNvPr id="7" name="Text Placeholder 6"/>
+          <p:cNvSpPr>
+            <a:spLocks noGrp="1"/>
+          </p:cNvSpPr>
+          <p:nvPr>
+            <p:ph type="body" sz="quarter" idx="13"/>
+          </p:nvPr>
+        </p:nvSpPr>
+        <p:spPr>
+          <a:xfrm>
+            <a:off x="199698" y="1554163"/>
+            <a:ext cx="8737927" cy="4741862"/>
+          </a:xfrm>
+        </p:spPr>
+        <p:txBody>
+          <a:bodyPr/>
+          <a:lstStyle/>
+          <a:p>
+            <a:pPr lvl="0"/>
+            <a:r>
+              <a:rPr lang="en-US" smtClean="0"/>
+              <a:t>Click to edit Master text styles</a:t>
+            </a:r>
+          </a:p>
+          <a:p>
+            <a:pPr lvl="1"/>
+            <a:r>
+              <a:rPr lang="en-US" smtClean="0"/>
+              <a:t>Second level</a:t>
+            </a:r>
+          </a:p>
+          <a:p>
+            <a:pPr lvl="2"/>
+            <a:r>
+              <a:rPr lang="en-US" smtClean="0"/>
+              <a:t>Third level</a:t>
+            </a:r>
+          </a:p>
+          <a:p>
+            <a:pPr lvl="3"/>
+            <a:r>
+              <a:rPr lang="en-US" smtClean="0"/>
+              <a:t>Fourth level</a:t>
+            </a:r>
+          </a:p>
+          <a:p>
+            <a:pPr lvl="4"/>
+            <a:r>
+              <a:rPr lang="en-US" smtClean="0"/>
+              <a:t>Fifth level</a:t>
+            </a:r>
+            <a:endParaRPr lang="en-US"/>
+          </a:p>
+        </p:txBody>
+      </p:sp>
+    </p:spTree>
+    <p:extLst>
+      <p:ext uri="{BB962C8B-B14F-4D97-AF65-F5344CB8AC3E}">
+        <p14:creationId xmlns:p14="http://schemas.microsoft.com/office/powerpoint/2010/main" val="716229962"/>
+      </p:ext>
+    </p:extLst>
+  </p:cSld>
+  <p:clrMapOvr>
+    <a:masterClrMapping/>
+  </p:clrMapOvr>
+  <p:hf hdr="0" dt="0"/>
+</p:sldLayout>
+</file>
+
 <file path=ppt/slideMasters/slideMaster1.xml><?xml version="1.0" encoding="utf-8"?>
 <p:sldMaster xmlns:a="http://schemas.openxmlformats.org/drawingml/2006/main" xmlns:r="http://schemas.openxmlformats.org/officeDocument/2006/relationships" xmlns:p="http://schemas.openxmlformats.org/presentationml/2006/main">
   <p:cSld>
     <p:bg>
-      <p:bgRef idx="1001">
-        <a:schemeClr val="bg1"/>
-      </p:bgRef>
+      <p:bgPr>
+        <a:solidFill>
+          <a:schemeClr val="bg1"/>
+        </a:solidFill>
+        <a:effectLst/>
+      </p:bgPr>
     </p:bg>
     <p:spTree>
       <p:nvGrpSpPr>
@@ -8408,8 +4778,8 @@
         </p:nvSpPr>
         <p:spPr>
           <a:xfrm>
-            <a:off x="1781503" y="2133600"/>
-            <a:ext cx="7076747" cy="3992563"/>
+            <a:off x="284163" y="1818870"/>
+            <a:ext cx="8574087" cy="4307294"/>
           </a:xfrm>
           <a:prstGeom prst="rect">
             <a:avLst/>
@@ -8470,7 +4840,7 @@
         </p:nvSpPr>
         <p:spPr>
           <a:xfrm>
-            <a:off x="6794936" y="6437032"/>
+            <a:off x="2784041" y="6434349"/>
             <a:ext cx="2133600" cy="365125"/>
           </a:xfrm>
           <a:prstGeom prst="rect">
@@ -8493,7 +4863,7 @@
           <a:p>
             <a:fld id="{4B0B9B3F-E4D0-49ED-8910-4CB6F106B307}" type="datetime1">
               <a:rPr lang="en-US" smtClean="0"/>
-              <a:t>11/12/2015</a:t>
+              <a:t>11/15/15</a:t>
             </a:fld>
             <a:endParaRPr lang="en-US" dirty="0"/>
           </a:p>
@@ -8542,22 +4912,63 @@
       </p:sp>
       <p:sp>
         <p:nvSpPr>
-          <p:cNvPr id="6" name="Slide Number Placeholder 5"/>
-          <p:cNvSpPr>
-            <a:spLocks noGrp="1"/>
-          </p:cNvSpPr>
-          <p:nvPr>
-            <p:ph type="sldNum" sz="quarter" idx="4"/>
+          <p:cNvPr id="2" name="Title Placeholder 1"/>
+          <p:cNvSpPr>
+            <a:spLocks noGrp="1"/>
+          </p:cNvSpPr>
+          <p:nvPr>
+            <p:ph type="title"/>
           </p:nvPr>
         </p:nvSpPr>
         <p:spPr>
           <a:xfrm>
-            <a:off x="8306459" y="167347"/>
+            <a:off x="0" y="0"/>
+            <a:ext cx="9143999" cy="1188720"/>
+          </a:xfrm>
+          <a:prstGeom prst="rect">
+            <a:avLst/>
+          </a:prstGeom>
+          <a:solidFill>
+            <a:schemeClr val="bg2">
+              <a:lumMod val="25000"/>
+            </a:schemeClr>
+          </a:solidFill>
+        </p:spPr>
+        <p:txBody>
+          <a:bodyPr vert="horz" lIns="91440" tIns="45720" rIns="91440" bIns="45720" rtlCol="0" anchor="ctr">
+            <a:normAutofit/>
+          </a:bodyPr>
+          <a:lstStyle/>
+          <a:p>
+            <a:r>
+              <a:rPr lang="en-US" smtClean="0"/>
+              <a:t>Click to edit Master title style</a:t>
+            </a:r>
+            <a:endParaRPr dirty="0"/>
+          </a:p>
+        </p:txBody>
+      </p:sp>
+      <p:sp>
+        <p:nvSpPr>
+          <p:cNvPr id="6" name="Slide Number Placeholder 5"/>
+          <p:cNvSpPr>
+            <a:spLocks noGrp="1"/>
+          </p:cNvSpPr>
+          <p:nvPr>
+            <p:ph type="sldNum" sz="quarter" idx="4"/>
+          </p:nvPr>
+        </p:nvSpPr>
+        <p:spPr>
+          <a:xfrm>
+            <a:off x="8297915" y="6439714"/>
             <a:ext cx="630621" cy="359760"/>
           </a:xfrm>
           <a:prstGeom prst="rect">
             <a:avLst/>
           </a:prstGeom>
+          <a:ln>
+            <a:noFill/>
+          </a:ln>
         </p:spPr>
         <p:txBody>
           <a:bodyPr vert="horz" lIns="91440" tIns="45720" rIns="91440" bIns="45720" rtlCol="0" anchor="ctr"/>
@@ -8565,10 +4976,7 @@
             <a:lvl1pPr algn="r">
               <a:defRPr sz="1400" b="1">
                 <a:solidFill>
-                  <a:schemeClr val="tx1">
-                    <a:lumMod val="85000"/>
-                    <a:lumOff val="15000"/>
-                  </a:schemeClr>
+                  <a:schemeClr val="tx1"/>
                 </a:solidFill>
               </a:defRPr>
             </a:lvl1pPr>
@@ -8582,66 +4990,24 @@
           </a:p>
         </p:txBody>
       </p:sp>
-      <p:sp>
-        <p:nvSpPr>
-          <p:cNvPr id="2" name="Title Placeholder 1"/>
-          <p:cNvSpPr>
-            <a:spLocks noGrp="1"/>
-          </p:cNvSpPr>
-          <p:nvPr>
-            <p:ph type="title"/>
-          </p:nvPr>
-        </p:nvSpPr>
-        <p:spPr>
-          <a:xfrm>
-            <a:off x="284163" y="630382"/>
-            <a:ext cx="8574087" cy="967840"/>
-          </a:xfrm>
-          <a:prstGeom prst="rect">
-            <a:avLst/>
-          </a:prstGeom>
-          <a:solidFill>
-            <a:schemeClr val="tx1">
-              <a:lumMod val="85000"/>
-              <a:lumOff val="15000"/>
-              <a:alpha val="70000"/>
-            </a:schemeClr>
-          </a:solidFill>
-        </p:spPr>
-        <p:txBody>
-          <a:bodyPr vert="horz" lIns="91440" tIns="45720" rIns="91440" bIns="45720" rtlCol="0" anchor="ctr">
-            <a:normAutofit/>
-          </a:bodyPr>
-          <a:lstStyle/>
-          <a:p>
-            <a:r>
-              <a:rPr lang="en-US" smtClean="0"/>
-              <a:t>Click to edit Master title style</a:t>
-            </a:r>
-            <a:endParaRPr/>
-          </a:p>
-        </p:txBody>
-      </p:sp>
     </p:spTree>
+    <p:extLst>
+      <p:ext uri="{BB962C8B-B14F-4D97-AF65-F5344CB8AC3E}">
+        <p14:creationId xmlns:p14="http://schemas.microsoft.com/office/powerpoint/2010/main" val="1201105908"/>
+      </p:ext>
+    </p:extLst>
   </p:cSld>
   <p:clrMap bg1="lt1" tx1="dk1" bg2="lt2" tx2="dk2" accent1="accent1" accent2="accent2" accent3="accent3" accent4="accent4" accent5="accent5" accent6="accent6" hlink="hlink" folHlink="folHlink"/>
   <p:sldLayoutIdLst>
-    <p:sldLayoutId id="2147483819" r:id="rId1"/>
-    <p:sldLayoutId id="2147483820" r:id="rId2"/>
-    <p:sldLayoutId id="2147483821" r:id="rId3"/>
-    <p:sldLayoutId id="2147483822" r:id="rId4"/>
-    <p:sldLayoutId id="2147483823" r:id="rId5"/>
-    <p:sldLayoutId id="2147483824" r:id="rId6"/>
-    <p:sldLayoutId id="2147483825" r:id="rId7"/>
-    <p:sldLayoutId id="2147483826" r:id="rId8"/>
-    <p:sldLayoutId id="2147483827" r:id="rId9"/>
-    <p:sldLayoutId id="2147483828" r:id="rId10"/>
-    <p:sldLayoutId id="2147483829" r:id="rId11"/>
-    <p:sldLayoutId id="2147483830" r:id="rId12"/>
-    <p:sldLayoutId id="2147483831" r:id="rId13"/>
-    <p:sldLayoutId id="2147483832" r:id="rId14"/>
-    <p:sldLayoutId id="2147483833" r:id="rId15"/>
-    <p:sldLayoutId id="2147483834" r:id="rId16"/>
+    <p:sldLayoutId id="2147483836" r:id="rId1"/>
+    <p:sldLayoutId id="2147483837" r:id="rId2"/>
+    <p:sldLayoutId id="2147483838" r:id="rId3"/>
+    <p:sldLayoutId id="2147483839" r:id="rId4"/>
+    <p:sldLayoutId id="2147483840" r:id="rId5"/>
+    <p:sldLayoutId id="2147483841" r:id="rId6"/>
+    <p:sldLayoutId id="2147483842" r:id="rId7"/>
+    <p:sldLayoutId id="2147483843" r:id="rId8"/>
+    <p:sldLayoutId id="2147483844" r:id="rId9"/>
   </p:sldLayoutIdLst>
   <p:timing>
     <p:tnLst>
@@ -8653,18 +5019,19 @@
   <p:hf hdr="0" dt="0"/>
   <p:txStyles>
     <p:titleStyle>
-      <a:lvl1pPr algn="r" defTabSz="914400" rtl="0" eaLnBrk="1" latinLnBrk="0" hangingPunct="1">
+      <a:lvl1pPr marL="231775" indent="3175" algn="l" defTabSz="914400" rtl="0" eaLnBrk="1" latinLnBrk="0" hangingPunct="1">
         <a:spcBef>
           <a:spcPct val="0"/>
         </a:spcBef>
         <a:buNone/>
+        <a:tabLst/>
         <a:defRPr sz="4200" kern="1200">
           <a:solidFill>
             <a:schemeClr val="bg1"/>
           </a:solidFill>
-          <a:latin typeface="+mj-lt"/>
-          <a:ea typeface="+mj-ea"/>
-          <a:cs typeface="+mj-cs"/>
+          <a:latin typeface="Calibri" charset="0"/>
+          <a:ea typeface="Calibri" charset="0"/>
+          <a:cs typeface="Calibri" charset="0"/>
         </a:defRPr>
       </a:lvl1pPr>
     </p:titleStyle>
@@ -9008,117 +5375,56 @@
       </p:grpSpPr>
       <p:sp>
         <p:nvSpPr>
-          <p:cNvPr id="4" name="Subtitle 3"/>
+          <p:cNvPr id="2" name="Title 1"/>
+          <p:cNvSpPr>
+            <a:spLocks noGrp="1"/>
+          </p:cNvSpPr>
+          <p:nvPr>
+            <p:ph type="ctrTitle"/>
+          </p:nvPr>
+        </p:nvSpPr>
+        <p:spPr/>
+        <p:txBody>
+          <a:bodyPr/>
+          <a:lstStyle/>
+          <a:p>
+            <a:r>
+              <a:rPr lang="en-US" dirty="0" smtClean="0"/>
+              <a:t>Ramping Up Speed</a:t>
+            </a:r>
+            <a:endParaRPr lang="en-US" dirty="0"/>
+          </a:p>
+        </p:txBody>
+      </p:sp>
+      <p:sp>
+        <p:nvSpPr>
+          <p:cNvPr id="3" name="Subtitle 2"/>
           <p:cNvSpPr>
             <a:spLocks noGrp="1"/>
           </p:cNvSpPr>
           <p:nvPr>
             <p:ph type="subTitle" idx="1"/>
           </p:nvPr>
+        </p:nvSpPr>
+        <p:spPr/>
+        <p:txBody>
+          <a:bodyPr/>
+          <a:lstStyle/>
+          <a:p>
+            <a:endParaRPr lang="en-US"/>
+          </a:p>
+        </p:txBody>
+      </p:sp>
+      <p:sp>
+        <p:nvSpPr>
+          <p:cNvPr id="4" name="TextBox 3"/>
+          <p:cNvSpPr txBox="1"/>
+          <p:nvPr/>
         </p:nvSpPr>
         <p:spPr>
           <a:xfrm>
-            <a:off x="1828800" y="5252598"/>
-            <a:ext cx="3501244" cy="484094"/>
-          </a:xfrm>
-        </p:spPr>
-        <p:txBody>
-          <a:bodyPr>
-            <a:noAutofit/>
-          </a:bodyPr>
-          <a:lstStyle/>
-          <a:p>
-            <a:r>
-              <a:rPr lang="en-US" dirty="0" smtClean="0">
-                <a:solidFill>
-                  <a:schemeClr val="tx1"/>
-                </a:solidFill>
-              </a:rPr>
-              <a:t>By Droids </a:t>
-            </a:r>
-            <a:r>
-              <a:rPr lang="en-US" smtClean="0">
-                <a:solidFill>
-                  <a:schemeClr val="tx1"/>
-                </a:solidFill>
-              </a:rPr>
-              <a:t>Robotics and Mesa </a:t>
-            </a:r>
-            <a:r>
-              <a:rPr lang="en-US" dirty="0" smtClean="0">
-                <a:solidFill>
-                  <a:schemeClr val="tx1"/>
-                </a:solidFill>
-              </a:rPr>
-              <a:t>Robles </a:t>
-            </a:r>
-            <a:r>
-              <a:rPr lang="en-US" dirty="0" err="1" smtClean="0">
-                <a:solidFill>
-                  <a:schemeClr val="tx1"/>
-                </a:solidFill>
-              </a:rPr>
-              <a:t>Robotworks</a:t>
-            </a:r>
-            <a:r>
-              <a:rPr lang="en-US" dirty="0" smtClean="0">
-                <a:solidFill>
-                  <a:schemeClr val="tx1"/>
-                </a:solidFill>
-              </a:rPr>
-              <a:t> </a:t>
-            </a:r>
-          </a:p>
-        </p:txBody>
-      </p:sp>
-      <p:sp>
-        <p:nvSpPr>
-          <p:cNvPr id="2" name="Title 1"/>
-          <p:cNvSpPr>
-            <a:spLocks noGrp="1"/>
-          </p:cNvSpPr>
-          <p:nvPr>
-            <p:ph type="ctrTitle"/>
-          </p:nvPr>
-        </p:nvSpPr>
-        <p:spPr>
-          <a:xfrm>
-            <a:off x="199698" y="2974369"/>
-            <a:ext cx="7810967" cy="1088237"/>
-          </a:xfrm>
-        </p:spPr>
-        <p:txBody>
-          <a:bodyPr>
-            <a:normAutofit/>
-          </a:bodyPr>
-          <a:lstStyle/>
-          <a:p>
-            <a:r>
-              <a:rPr lang="en-US" dirty="0" smtClean="0">
-                <a:solidFill>
-                  <a:srgbClr val="FF0000"/>
-                </a:solidFill>
-              </a:rPr>
-              <a:t>Ramping Up Speed</a:t>
-            </a:r>
-            <a:endParaRPr lang="en-US" dirty="0">
-              <a:solidFill>
-                <a:srgbClr val="FF0000"/>
-              </a:solidFill>
-            </a:endParaRPr>
-          </a:p>
-        </p:txBody>
-      </p:sp>
-      <p:sp>
-        <p:nvSpPr>
-          <p:cNvPr id="3" name="TextBox 2"/>
-          <p:cNvSpPr txBox="1"/>
-          <p:nvPr/>
-        </p:nvSpPr>
-        <p:spPr>
-          <a:xfrm>
-            <a:off x="329321" y="527107"/>
-            <a:ext cx="5273620" cy="1200329"/>
+            <a:off x="3311910" y="5809786"/>
+            <a:ext cx="3668752" cy="369332"/>
           </a:xfrm>
           <a:prstGeom prst="rect">
             <a:avLst/>
@@ -9132,95 +5438,27 @@
           <a:lstStyle/>
           <a:p>
             <a:r>
-              <a:rPr lang="en-US" sz="3600" dirty="0" smtClean="0">
-                <a:solidFill>
-                  <a:schemeClr val="bg1"/>
-                </a:solidFill>
-              </a:rPr>
-              <a:t>ADVANCED EV3 PROGRAMMING LESSON</a:t>
-            </a:r>
-            <a:endParaRPr lang="en-US" sz="3600" dirty="0">
-              <a:solidFill>
-                <a:schemeClr val="bg1"/>
-              </a:solidFill>
-            </a:endParaRPr>
-          </a:p>
-        </p:txBody>
-      </p:sp>
-      <p:sp>
-        <p:nvSpPr>
-          <p:cNvPr id="5" name="Slide Number Placeholder 4"/>
-          <p:cNvSpPr>
-            <a:spLocks noGrp="1"/>
-          </p:cNvSpPr>
-          <p:nvPr>
-            <p:ph type="sldNum" sz="quarter" idx="12"/>
-          </p:nvPr>
-        </p:nvSpPr>
-        <p:spPr/>
-        <p:txBody>
-          <a:bodyPr/>
-          <a:lstStyle/>
-          <a:p>
-            <a:fld id="{7F5CE407-6216-4202-80E4-A30DC2F709B2}" type="slidenum">
-              <a:rPr lang="en-US" smtClean="0"/>
-              <a:t>1</a:t>
-            </a:fld>
+              <a:rPr lang="en-US"/>
+              <a:t>w</a:t>
+            </a:r>
+            <a:r>
+              <a:rPr lang="en-US" smtClean="0"/>
+              <a:t>ith Mesa Robot Works FLL #52</a:t>
+            </a:r>
             <a:endParaRPr lang="en-US"/>
           </a:p>
         </p:txBody>
       </p:sp>
       <p:pic>
         <p:nvPicPr>
-          <p:cNvPr id="8" name="Picture 7" descr="EV3Lessons.com"/>
-          <p:cNvPicPr>
-            <a:picLocks noChangeAspect="1" noChangeArrowheads="1"/>
-          </p:cNvPicPr>
-          <p:nvPr/>
-        </p:nvPicPr>
-        <p:blipFill>
-          <a:blip r:embed="rId3" cstate="email">
-            <a:extLst>
-              <a:ext uri="{28A0092B-C50C-407E-A947-70E740481C1C}">
-                <a14:useLocalDpi xmlns:a14="http://schemas.microsoft.com/office/drawing/2010/main" val="0"/>
-              </a:ext>
-            </a:extLst>
-          </a:blip>
-          <a:srcRect/>
-          <a:stretch>
-            <a:fillRect/>
-          </a:stretch>
-        </p:blipFill>
-        <p:spPr bwMode="auto">
-          <a:xfrm>
-            <a:off x="5602941" y="635318"/>
-            <a:ext cx="2940317" cy="1092118"/>
-          </a:xfrm>
-          <a:prstGeom prst="rect">
-            <a:avLst/>
-          </a:prstGeom>
-          <a:noFill/>
-          <a:extLst>
-            <a:ext uri="{909E8E84-426E-40dd-AFC4-6F175D3DCCD1}">
-              <a14:hiddenFill xmlns="" xmlns:a14="http://schemas.microsoft.com/office/drawing/2010/main">
-                <a:solidFill>
-                  <a:srgbClr val="FFFFFF"/>
-                </a:solidFill>
-              </a14:hiddenFill>
-            </a:ext>
-          </a:extLst>
-        </p:spPr>
-      </p:pic>
-      <p:pic>
-        <p:nvPicPr>
-          <p:cNvPr id="7" name="Picture 6"/>
+          <p:cNvPr id="5" name="Picture 4"/>
           <p:cNvPicPr>
             <a:picLocks noChangeAspect="1"/>
           </p:cNvPicPr>
           <p:nvPr/>
         </p:nvPicPr>
         <p:blipFill>
-          <a:blip r:embed="rId4" cstate="email">
+          <a:blip r:embed="rId2" cstate="email">
             <a:extLst>
               <a:ext uri="{28A0092B-C50C-407E-A947-70E740481C1C}">
                 <a14:useLocalDpi xmlns:a14="http://schemas.microsoft.com/office/drawing/2010/main" val="0"/>
@@ -9233,38 +5471,8 @@
         </p:blipFill>
         <p:spPr>
           <a:xfrm>
-            <a:off x="329321" y="5235232"/>
+            <a:off x="7979057" y="5342443"/>
             <a:ext cx="836675" cy="836675"/>
-          </a:xfrm>
-          <a:prstGeom prst="rect">
-            <a:avLst/>
-          </a:prstGeom>
-        </p:spPr>
-      </p:pic>
-      <p:pic>
-        <p:nvPicPr>
-          <p:cNvPr id="6" name="Picture 5"/>
-          <p:cNvPicPr>
-            <a:picLocks noChangeAspect="1"/>
-          </p:cNvPicPr>
-          <p:nvPr/>
-        </p:nvPicPr>
-        <p:blipFill>
-          <a:blip r:embed="rId5" cstate="email">
-            <a:extLst>
-              <a:ext uri="{28A0092B-C50C-407E-A947-70E740481C1C}">
-                <a14:useLocalDpi xmlns:a14="http://schemas.microsoft.com/office/drawing/2010/main" val="0"/>
-              </a:ext>
-            </a:extLst>
-          </a:blip>
-          <a:stretch>
-            <a:fillRect/>
-          </a:stretch>
-        </p:blipFill>
-        <p:spPr>
-          <a:xfrm>
-            <a:off x="810413" y="5611190"/>
-            <a:ext cx="882624" cy="844377"/>
           </a:xfrm>
           <a:prstGeom prst="rect">
             <a:avLst/>
@@ -9274,20 +5482,13 @@
     </p:spTree>
     <p:extLst>
       <p:ext uri="{BB962C8B-B14F-4D97-AF65-F5344CB8AC3E}">
-        <p14:creationId xmlns:p14="http://schemas.microsoft.com/office/powerpoint/2010/main" val="3648421283"/>
+        <p14:creationId xmlns:p14="http://schemas.microsoft.com/office/powerpoint/2010/main" val="738382483"/>
       </p:ext>
     </p:extLst>
   </p:cSld>
   <p:clrMapOvr>
     <a:masterClrMapping/>
   </p:clrMapOvr>
-  <p:timing>
-    <p:tnLst>
-      <p:par>
-        <p:cTn id="1" dur="indefinite" restart="never" nodeType="tmRoot"/>
-      </p:par>
-    </p:tnLst>
-  </p:timing>
 </p:sld>
 </file>
 
@@ -9310,33 +5511,6 @@
       </p:grpSpPr>
       <p:sp>
         <p:nvSpPr>
-          <p:cNvPr id="2" name="Title 1"/>
-          <p:cNvSpPr>
-            <a:spLocks noGrp="1"/>
-          </p:cNvSpPr>
-          <p:nvPr>
-            <p:ph type="title"/>
-          </p:nvPr>
-        </p:nvSpPr>
-        <p:spPr>
-          <a:noFill/>
-        </p:spPr>
-        <p:txBody>
-          <a:bodyPr>
-            <a:normAutofit/>
-          </a:bodyPr>
-          <a:lstStyle/>
-          <a:p>
-            <a:r>
-              <a:rPr lang="en-US" dirty="0" smtClean="0"/>
-              <a:t>Challenge Solution</a:t>
-            </a:r>
-            <a:endParaRPr lang="en-US" dirty="0"/>
-          </a:p>
-        </p:txBody>
-      </p:sp>
-      <p:sp>
-        <p:nvSpPr>
           <p:cNvPr id="3" name="Footer Placeholder 2"/>
           <p:cNvSpPr>
             <a:spLocks noGrp="1"/>
@@ -9378,6 +5552,29 @@
               <a:pPr/>
               <a:t>10</a:t>
             </a:fld>
+            <a:endParaRPr lang="en-US" dirty="0"/>
+          </a:p>
+        </p:txBody>
+      </p:sp>
+      <p:sp>
+        <p:nvSpPr>
+          <p:cNvPr id="2" name="Title 1"/>
+          <p:cNvSpPr>
+            <a:spLocks noGrp="1"/>
+          </p:cNvSpPr>
+          <p:nvPr>
+            <p:ph type="title"/>
+          </p:nvPr>
+        </p:nvSpPr>
+        <p:spPr/>
+        <p:txBody>
+          <a:bodyPr/>
+          <a:lstStyle/>
+          <a:p>
+            <a:r>
+              <a:rPr lang="en-US" smtClean="0"/>
+              <a:t>Challenge Solution</a:t>
+            </a:r>
             <a:endParaRPr lang="en-US" dirty="0"/>
           </a:p>
         </p:txBody>
@@ -9436,7 +5633,7 @@
         </p:blipFill>
         <p:spPr>
           <a:xfrm>
-            <a:off x="1322774" y="2181628"/>
+            <a:off x="1320253" y="1891493"/>
             <a:ext cx="6183898" cy="3842766"/>
           </a:xfrm>
           <a:prstGeom prst="rect">
@@ -9483,29 +5680,6 @@
       </p:grpSpPr>
       <p:sp>
         <p:nvSpPr>
-          <p:cNvPr id="2" name="Title 1"/>
-          <p:cNvSpPr>
-            <a:spLocks noGrp="1"/>
-          </p:cNvSpPr>
-          <p:nvPr>
-            <p:ph type="title"/>
-          </p:nvPr>
-        </p:nvSpPr>
-        <p:spPr/>
-        <p:txBody>
-          <a:bodyPr/>
-          <a:lstStyle/>
-          <a:p>
-            <a:r>
-              <a:rPr lang="en-US" dirty="0" smtClean="0"/>
-              <a:t>Discussion Guide</a:t>
-            </a:r>
-            <a:endParaRPr lang="en-US" dirty="0"/>
-          </a:p>
-        </p:txBody>
-      </p:sp>
-      <p:sp>
-        <p:nvSpPr>
           <p:cNvPr id="3" name="Content Placeholder 2"/>
           <p:cNvSpPr>
             <a:spLocks noGrp="1"/>
@@ -9623,6 +5797,29 @@
               <a:t>11</a:t>
             </a:fld>
             <a:endParaRPr lang="en-US"/>
+          </a:p>
+        </p:txBody>
+      </p:sp>
+      <p:sp>
+        <p:nvSpPr>
+          <p:cNvPr id="2" name="Title 1"/>
+          <p:cNvSpPr>
+            <a:spLocks noGrp="1"/>
+          </p:cNvSpPr>
+          <p:nvPr>
+            <p:ph type="title"/>
+          </p:nvPr>
+        </p:nvSpPr>
+        <p:spPr/>
+        <p:txBody>
+          <a:bodyPr/>
+          <a:lstStyle/>
+          <a:p>
+            <a:r>
+              <a:rPr lang="en-US" dirty="0" smtClean="0"/>
+              <a:t>Discussion Guide</a:t>
+            </a:r>
+            <a:endParaRPr lang="en-US" dirty="0"/>
           </a:p>
         </p:txBody>
       </p:sp>
@@ -9665,29 +5862,6 @@
       </p:grpSpPr>
       <p:sp>
         <p:nvSpPr>
-          <p:cNvPr id="2" name="Title 1"/>
-          <p:cNvSpPr>
-            <a:spLocks noGrp="1"/>
-          </p:cNvSpPr>
-          <p:nvPr>
-            <p:ph type="title"/>
-          </p:nvPr>
-        </p:nvSpPr>
-        <p:spPr/>
-        <p:txBody>
-          <a:bodyPr/>
-          <a:lstStyle/>
-          <a:p>
-            <a:r>
-              <a:rPr lang="en-US" dirty="0" smtClean="0"/>
-              <a:t>Next Steps</a:t>
-            </a:r>
-            <a:endParaRPr lang="en-US" dirty="0"/>
-          </a:p>
-        </p:txBody>
-      </p:sp>
-      <p:sp>
-        <p:nvSpPr>
           <p:cNvPr id="3" name="Content Placeholder 2"/>
           <p:cNvSpPr>
             <a:spLocks noGrp="1"/>
@@ -9756,6 +5930,29 @@
               <a:t>12</a:t>
             </a:fld>
             <a:endParaRPr lang="en-US"/>
+          </a:p>
+        </p:txBody>
+      </p:sp>
+      <p:sp>
+        <p:nvSpPr>
+          <p:cNvPr id="2" name="Title 1"/>
+          <p:cNvSpPr>
+            <a:spLocks noGrp="1"/>
+          </p:cNvSpPr>
+          <p:nvPr>
+            <p:ph type="title"/>
+          </p:nvPr>
+        </p:nvSpPr>
+        <p:spPr/>
+        <p:txBody>
+          <a:bodyPr/>
+          <a:lstStyle/>
+          <a:p>
+            <a:r>
+              <a:rPr lang="en-US" dirty="0" smtClean="0"/>
+              <a:t>Next Steps</a:t>
+            </a:r>
+            <a:endParaRPr lang="en-US" dirty="0"/>
           </a:p>
         </p:txBody>
       </p:sp>
@@ -9798,125 +5995,46 @@
       </p:grpSpPr>
       <p:sp>
         <p:nvSpPr>
-          <p:cNvPr id="2" name="Title 1"/>
-          <p:cNvSpPr>
-            <a:spLocks noGrp="1"/>
-          </p:cNvSpPr>
-          <p:nvPr>
-            <p:ph type="title"/>
-          </p:nvPr>
-        </p:nvSpPr>
-        <p:spPr>
-          <a:noFill/>
-        </p:spPr>
+          <p:cNvPr id="3" name="Content Placeholder 2"/>
+          <p:cNvSpPr>
+            <a:spLocks noGrp="1"/>
+          </p:cNvSpPr>
+          <p:nvPr>
+            <p:ph idx="1"/>
+          </p:nvPr>
+        </p:nvSpPr>
+        <p:spPr/>
         <p:txBody>
           <a:bodyPr/>
           <a:lstStyle/>
           <a:p>
-            <a:r>
-              <a:rPr lang="en-US" dirty="0" smtClean="0">
-                <a:latin typeface="+mn-lt"/>
-              </a:rPr>
-              <a:t>Credits</a:t>
-            </a:r>
-            <a:endParaRPr lang="en-US" dirty="0">
-              <a:latin typeface="+mn-lt"/>
-            </a:endParaRPr>
-          </a:p>
-        </p:txBody>
-      </p:sp>
-      <p:sp>
-        <p:nvSpPr>
-          <p:cNvPr id="3" name="Content Placeholder 2"/>
-          <p:cNvSpPr>
-            <a:spLocks noGrp="1"/>
-          </p:cNvSpPr>
-          <p:nvPr>
-            <p:ph idx="1"/>
-          </p:nvPr>
-        </p:nvSpPr>
-        <p:spPr>
-          <a:xfrm>
-            <a:off x="284162" y="1915912"/>
-            <a:ext cx="8574087" cy="3581400"/>
-          </a:xfrm>
-        </p:spPr>
-        <p:txBody>
-          <a:bodyPr>
-            <a:normAutofit/>
-          </a:bodyPr>
-          <a:lstStyle/>
-          <a:p>
-            <a:pPr marL="454025" lvl="1" indent="-454025">
-              <a:spcBef>
-                <a:spcPts val="2000"/>
-              </a:spcBef>
-              <a:buClr>
-                <a:schemeClr val="bg1">
-                  <a:lumMod val="65000"/>
-                </a:schemeClr>
-              </a:buClr>
-            </a:pPr>
-            <a:r>
-              <a:rPr lang="en-US" dirty="0" smtClean="0"/>
-              <a:t>This tutorial </a:t>
-            </a:r>
-            <a:r>
-              <a:rPr lang="en-US" dirty="0"/>
-              <a:t>was created </a:t>
-            </a:r>
-            <a:r>
-              <a:rPr lang="en-US" dirty="0" smtClean="0"/>
-              <a:t>by Mesa Robles </a:t>
-            </a:r>
-            <a:r>
-              <a:rPr lang="en-US" dirty="0" err="1" smtClean="0"/>
-              <a:t>Robotworks</a:t>
-            </a:r>
-            <a:r>
-              <a:rPr lang="en-US" dirty="0" smtClean="0"/>
-              <a:t> (</a:t>
-            </a:r>
-            <a:r>
-              <a:rPr lang="en-US" dirty="0" smtClean="0">
+            <a:pPr lvl="1"/>
+            <a:r>
+              <a:rPr lang="en-US" smtClean="0"/>
+              <a:t>This tutorial was created by Mesa Robles Robotworks (</a:t>
+            </a:r>
+            <a:r>
+              <a:rPr lang="en-US" smtClean="0">
                 <a:hlinkClick r:id="rId3"/>
               </a:rPr>
               <a:t>mesarobotworks@gmail.com</a:t>
             </a:r>
             <a:r>
-              <a:rPr lang="en-US" dirty="0" smtClean="0"/>
+              <a:rPr lang="en-US" smtClean="0"/>
               <a:t>)</a:t>
             </a:r>
           </a:p>
           <a:p>
-            <a:pPr marL="454025" lvl="1" indent="-454025">
-              <a:spcBef>
-                <a:spcPts val="2000"/>
-              </a:spcBef>
-              <a:buClr>
-                <a:schemeClr val="bg1">
-                  <a:lumMod val="65000"/>
-                </a:schemeClr>
-              </a:buClr>
-            </a:pPr>
-            <a:r>
-              <a:rPr lang="en-US" dirty="0" smtClean="0"/>
+            <a:pPr lvl="1"/>
+            <a:r>
+              <a:rPr lang="en-US" smtClean="0"/>
               <a:t>Droids Robotics added content to complement the original lesson (team@droidsrobotics.org)</a:t>
             </a:r>
           </a:p>
           <a:p>
-            <a:pPr marL="454025" lvl="1" indent="-454025">
-              <a:spcBef>
-                <a:spcPts val="2000"/>
-              </a:spcBef>
-              <a:buClr>
-                <a:schemeClr val="bg1">
-                  <a:lumMod val="65000"/>
-                </a:schemeClr>
-              </a:buClr>
-            </a:pPr>
-            <a:r>
-              <a:rPr lang="en-US" dirty="0" smtClean="0"/>
+            <a:pPr lvl="1"/>
+            <a:r>
+              <a:rPr lang="en-US" smtClean="0"/>
               <a:t>More lessons at www.ev3lessons.com</a:t>
             </a:r>
             <a:endParaRPr lang="en-US" dirty="0"/>
@@ -9941,6 +6059,52 @@
             <a:r>
               <a:rPr lang="en-US" smtClean="0"/>
               <a:t>© 2015 EV3Lessons.com, Last edit 11/12/2015</a:t>
+            </a:r>
+            <a:endParaRPr lang="en-US" dirty="0"/>
+          </a:p>
+        </p:txBody>
+      </p:sp>
+      <p:sp>
+        <p:nvSpPr>
+          <p:cNvPr id="7" name="Slide Number Placeholder 6"/>
+          <p:cNvSpPr>
+            <a:spLocks noGrp="1"/>
+          </p:cNvSpPr>
+          <p:nvPr>
+            <p:ph type="sldNum" sz="quarter" idx="12"/>
+          </p:nvPr>
+        </p:nvSpPr>
+        <p:spPr/>
+        <p:txBody>
+          <a:bodyPr/>
+          <a:lstStyle/>
+          <a:p>
+            <a:r>
+              <a:rPr lang="en-US" smtClean="0"/>
+              <a:t>5</a:t>
+            </a:r>
+            <a:endParaRPr lang="en-US" dirty="0"/>
+          </a:p>
+        </p:txBody>
+      </p:sp>
+      <p:sp>
+        <p:nvSpPr>
+          <p:cNvPr id="2" name="Title 1"/>
+          <p:cNvSpPr>
+            <a:spLocks noGrp="1"/>
+          </p:cNvSpPr>
+          <p:nvPr>
+            <p:ph type="title"/>
+          </p:nvPr>
+        </p:nvSpPr>
+        <p:spPr/>
+        <p:txBody>
+          <a:bodyPr/>
+          <a:lstStyle/>
+          <a:p>
+            <a:r>
+              <a:rPr lang="en-US" smtClean="0"/>
+              <a:t>Credits</a:t>
             </a:r>
             <a:endParaRPr lang="en-US" dirty="0"/>
           </a:p>
@@ -9971,7 +6135,7 @@
           <a:effectLst/>
           <a:extLst>
             <a:ext uri="{91240B29-F687-4f45-9708-019B960494DF}">
-              <a14:hiddenLine xmlns="" xmlns:a14="http://schemas.microsoft.com/office/drawing/2010/main" w="9525">
+              <a14:hiddenLine xmlns:a14="http://schemas.microsoft.com/office/drawing/2010/main" xmlns="" w="9525">
                 <a:solidFill>
                   <a:schemeClr val="tx1"/>
                 </a:solidFill>
@@ -9981,7 +6145,7 @@
               </a14:hiddenLine>
             </a:ext>
             <a:ext uri="{AF507438-7753-43e0-B8FC-AC1667EBCBE1}">
-              <a14:hiddenEffects xmlns="" xmlns:a14="http://schemas.microsoft.com/office/drawing/2010/main">
+              <a14:hiddenEffects xmlns:a14="http://schemas.microsoft.com/office/drawing/2010/main" xmlns="">
                 <a:effectLst>
                   <a:outerShdw dist="35921" dir="2700000" algn="ctr" rotWithShape="0">
                     <a:schemeClr val="bg2"/>
@@ -10334,7 +6498,7 @@
           <a:noFill/>
           <a:extLst>
             <a:ext uri="{909E8E84-426E-40dd-AFC4-6F175D3DCCD1}">
-              <a14:hiddenFill xmlns="" xmlns:a14="http://schemas.microsoft.com/office/drawing/2010/main">
+              <a14:hiddenFill xmlns:a14="http://schemas.microsoft.com/office/drawing/2010/main" xmlns="">
                 <a:solidFill>
                   <a:srgbClr val="FFFFFF"/>
                 </a:solidFill>
@@ -10343,29 +6507,6 @@
           </a:extLst>
         </p:spPr>
       </p:pic>
-      <p:sp>
-        <p:nvSpPr>
-          <p:cNvPr id="7" name="Slide Number Placeholder 6"/>
-          <p:cNvSpPr>
-            <a:spLocks noGrp="1"/>
-          </p:cNvSpPr>
-          <p:nvPr>
-            <p:ph type="sldNum" sz="quarter" idx="12"/>
-          </p:nvPr>
-        </p:nvSpPr>
-        <p:spPr/>
-        <p:txBody>
-          <a:bodyPr/>
-          <a:lstStyle/>
-          <a:p>
-            <a:r>
-              <a:rPr lang="en-US" dirty="0" smtClean="0"/>
-              <a:t>5</a:t>
-            </a:r>
-            <a:endParaRPr lang="en-US" dirty="0"/>
-          </a:p>
-        </p:txBody>
-      </p:sp>
     </p:spTree>
     <p:extLst>
       <p:ext uri="{BB962C8B-B14F-4D97-AF65-F5344CB8AC3E}">
@@ -10413,26 +6554,43 @@
       </p:grpSpPr>
       <p:sp>
         <p:nvSpPr>
-          <p:cNvPr id="2" name="Title 1"/>
-          <p:cNvSpPr>
-            <a:spLocks noGrp="1"/>
-          </p:cNvSpPr>
-          <p:nvPr>
-            <p:ph type="title"/>
-          </p:nvPr>
-        </p:nvSpPr>
-        <p:spPr>
-          <a:noFill/>
-        </p:spPr>
-        <p:txBody>
-          <a:bodyPr>
-            <a:normAutofit/>
-          </a:bodyPr>
-          <a:lstStyle/>
-          <a:p>
-            <a:r>
-              <a:rPr lang="en-US" dirty="0" smtClean="0"/>
-              <a:t>Lesson Objectives</a:t>
+          <p:cNvPr id="5" name="Content Placeholder 2"/>
+          <p:cNvSpPr>
+            <a:spLocks noGrp="1"/>
+          </p:cNvSpPr>
+          <p:nvPr>
+            <p:ph idx="1"/>
+          </p:nvPr>
+        </p:nvSpPr>
+        <p:spPr/>
+        <p:txBody>
+          <a:bodyPr/>
+          <a:lstStyle/>
+          <a:p>
+            <a:r>
+              <a:rPr lang="en-US" smtClean="0"/>
+              <a:t>Learn what ramp up means</a:t>
+            </a:r>
+          </a:p>
+          <a:p>
+            <a:r>
+              <a:rPr lang="en-US" smtClean="0"/>
+              <a:t>Learn how and when to use ramp up</a:t>
+            </a:r>
+          </a:p>
+          <a:p>
+            <a:r>
+              <a:rPr lang="en-US" smtClean="0"/>
+              <a:t>Learn how to use the Timer Block</a:t>
+            </a:r>
+          </a:p>
+          <a:p>
+            <a:endParaRPr lang="en-US" smtClean="0"/>
+          </a:p>
+          <a:p>
+            <a:r>
+              <a:rPr lang="en-US" smtClean="0"/>
+              <a:t>Prerequisites: Data Wires, My Blocks with Inputs &amp; Outputs</a:t>
             </a:r>
             <a:endParaRPr lang="en-US" dirty="0"/>
           </a:p>
@@ -10487,63 +6645,22 @@
       </p:sp>
       <p:sp>
         <p:nvSpPr>
-          <p:cNvPr id="5" name="Content Placeholder 2"/>
-          <p:cNvSpPr>
-            <a:spLocks noGrp="1"/>
-          </p:cNvSpPr>
-          <p:nvPr>
-            <p:ph idx="1"/>
-          </p:nvPr>
-        </p:nvSpPr>
-        <p:spPr>
-          <a:xfrm>
-            <a:off x="284163" y="2133600"/>
-            <a:ext cx="8574087" cy="3992563"/>
-          </a:xfrm>
-        </p:spPr>
+          <p:cNvPr id="2" name="Title 1"/>
+          <p:cNvSpPr>
+            <a:spLocks noGrp="1"/>
+          </p:cNvSpPr>
+          <p:nvPr>
+            <p:ph type="title"/>
+          </p:nvPr>
+        </p:nvSpPr>
+        <p:spPr/>
         <p:txBody>
           <a:bodyPr/>
           <a:lstStyle/>
           <a:p>
-            <a:pPr marL="457200" indent="-457200">
-              <a:buAutoNum type="arabicPeriod"/>
-            </a:pPr>
-            <a:r>
-              <a:rPr lang="en-US" dirty="0" smtClean="0"/>
-              <a:t>Learn what ramp up means</a:t>
-            </a:r>
-          </a:p>
-          <a:p>
-            <a:pPr marL="457200" indent="-457200">
-              <a:buAutoNum type="arabicPeriod"/>
-            </a:pPr>
-            <a:r>
-              <a:rPr lang="en-US" dirty="0" smtClean="0"/>
-              <a:t>Learn how and when to use ramp up</a:t>
-            </a:r>
-          </a:p>
-          <a:p>
-            <a:pPr marL="457200" indent="-457200">
-              <a:buAutoNum type="arabicPeriod"/>
-            </a:pPr>
-            <a:r>
-              <a:rPr lang="en-US" dirty="0" smtClean="0"/>
-              <a:t>Learn how to use the Timer Block</a:t>
-            </a:r>
-          </a:p>
-          <a:p>
-            <a:pPr marL="457200" indent="-457200">
-              <a:buAutoNum type="arabicPeriod"/>
-            </a:pPr>
-            <a:endParaRPr lang="en-US" dirty="0"/>
-          </a:p>
-          <a:p>
-            <a:pPr marL="0" indent="0">
-              <a:buNone/>
-            </a:pPr>
-            <a:r>
-              <a:rPr lang="en-US" dirty="0" smtClean="0"/>
-              <a:t>Prerequisites: Data Wires, My Blocks with Inputs &amp; Outputs</a:t>
+            <a:r>
+              <a:rPr lang="en-US" smtClean="0"/>
+              <a:t>Lesson Objectives</a:t>
             </a:r>
             <a:endParaRPr lang="en-US" dirty="0"/>
           </a:p>
@@ -10588,48 +6705,21 @@
       </p:grpSpPr>
       <p:sp>
         <p:nvSpPr>
-          <p:cNvPr id="2" name="Title 1"/>
-          <p:cNvSpPr>
-            <a:spLocks noGrp="1"/>
-          </p:cNvSpPr>
-          <p:nvPr>
-            <p:ph type="title"/>
-          </p:nvPr>
-        </p:nvSpPr>
-        <p:spPr>
-          <a:noFill/>
-        </p:spPr>
-        <p:txBody>
-          <a:bodyPr>
-            <a:normAutofit/>
-          </a:bodyPr>
+          <p:cNvPr id="3" name="Footer Placeholder 2"/>
+          <p:cNvSpPr>
+            <a:spLocks noGrp="1"/>
+          </p:cNvSpPr>
+          <p:nvPr>
+            <p:ph type="ftr" sz="quarter" idx="11"/>
+          </p:nvPr>
+        </p:nvSpPr>
+        <p:spPr/>
+        <p:txBody>
+          <a:bodyPr/>
           <a:lstStyle/>
           <a:p>
             <a:r>
               <a:rPr lang="en-US" dirty="0" smtClean="0"/>
-              <a:t>Why Ramp Up</a:t>
-            </a:r>
-            <a:endParaRPr lang="en-US" dirty="0"/>
-          </a:p>
-        </p:txBody>
-      </p:sp>
-      <p:sp>
-        <p:nvSpPr>
-          <p:cNvPr id="3" name="Footer Placeholder 2"/>
-          <p:cNvSpPr>
-            <a:spLocks noGrp="1"/>
-          </p:cNvSpPr>
-          <p:nvPr>
-            <p:ph type="ftr" sz="quarter" idx="11"/>
-          </p:nvPr>
-        </p:nvSpPr>
-        <p:spPr/>
-        <p:txBody>
-          <a:bodyPr/>
-          <a:lstStyle/>
-          <a:p>
-            <a:r>
-              <a:rPr lang="en-US" smtClean="0"/>
               <a:t>© 2015 EV3Lessons.com, Last edit 11/12/2015</a:t>
             </a:r>
             <a:endParaRPr lang="en-US" dirty="0"/>
@@ -10656,6 +6746,29 @@
               <a:pPr/>
               <a:t>3</a:t>
             </a:fld>
+            <a:endParaRPr lang="en-US" dirty="0"/>
+          </a:p>
+        </p:txBody>
+      </p:sp>
+      <p:sp>
+        <p:nvSpPr>
+          <p:cNvPr id="2" name="Title 1"/>
+          <p:cNvSpPr>
+            <a:spLocks noGrp="1"/>
+          </p:cNvSpPr>
+          <p:nvPr>
+            <p:ph type="title"/>
+          </p:nvPr>
+        </p:nvSpPr>
+        <p:spPr/>
+        <p:txBody>
+          <a:bodyPr/>
+          <a:lstStyle/>
+          <a:p>
+            <a:r>
+              <a:rPr lang="en-US" smtClean="0"/>
+              <a:t>Why Ramp Up</a:t>
+            </a:r>
             <a:endParaRPr lang="en-US" dirty="0"/>
           </a:p>
         </p:txBody>
@@ -10874,29 +6987,6 @@
       </p:grpSpPr>
       <p:sp>
         <p:nvSpPr>
-          <p:cNvPr id="2" name="Title 1"/>
-          <p:cNvSpPr>
-            <a:spLocks noGrp="1"/>
-          </p:cNvSpPr>
-          <p:nvPr>
-            <p:ph type="title"/>
-          </p:nvPr>
-        </p:nvSpPr>
-        <p:spPr/>
-        <p:txBody>
-          <a:bodyPr/>
-          <a:lstStyle/>
-          <a:p>
-            <a:r>
-              <a:rPr lang="en-US" dirty="0" smtClean="0"/>
-              <a:t>New Tool: Timer Block</a:t>
-            </a:r>
-            <a:endParaRPr lang="en-US" dirty="0"/>
-          </a:p>
-        </p:txBody>
-      </p:sp>
-      <p:sp>
-        <p:nvSpPr>
           <p:cNvPr id="3" name="Content Placeholder 2"/>
           <p:cNvSpPr>
             <a:spLocks noGrp="1"/>
@@ -11002,6 +7092,29 @@
               <a:t>4</a:t>
             </a:fld>
             <a:endParaRPr lang="en-US"/>
+          </a:p>
+        </p:txBody>
+      </p:sp>
+      <p:sp>
+        <p:nvSpPr>
+          <p:cNvPr id="2" name="Title 1"/>
+          <p:cNvSpPr>
+            <a:spLocks noGrp="1"/>
+          </p:cNvSpPr>
+          <p:nvPr>
+            <p:ph type="title"/>
+          </p:nvPr>
+        </p:nvSpPr>
+        <p:spPr/>
+        <p:txBody>
+          <a:bodyPr/>
+          <a:lstStyle/>
+          <a:p>
+            <a:r>
+              <a:rPr lang="en-US" dirty="0" smtClean="0"/>
+              <a:t>New Tool: Timer Block</a:t>
+            </a:r>
+            <a:endParaRPr lang="en-US" dirty="0"/>
           </a:p>
         </p:txBody>
       </p:sp>
@@ -11302,29 +7415,6 @@
       </p:grpSpPr>
       <p:sp>
         <p:nvSpPr>
-          <p:cNvPr id="2" name="Title 1"/>
-          <p:cNvSpPr>
-            <a:spLocks noGrp="1"/>
-          </p:cNvSpPr>
-          <p:nvPr>
-            <p:ph type="title"/>
-          </p:nvPr>
-        </p:nvSpPr>
-        <p:spPr/>
-        <p:txBody>
-          <a:bodyPr/>
-          <a:lstStyle/>
-          <a:p>
-            <a:r>
-              <a:rPr lang="en-US" dirty="0" smtClean="0"/>
-              <a:t>Ramp Up in 4 Easy Steps</a:t>
-            </a:r>
-            <a:endParaRPr lang="en-US" dirty="0"/>
-          </a:p>
-        </p:txBody>
-      </p:sp>
-      <p:sp>
-        <p:nvSpPr>
           <p:cNvPr id="3" name="Content Placeholder 2"/>
           <p:cNvSpPr>
             <a:spLocks noGrp="1"/>
@@ -11443,6 +7533,29 @@
               <a:t>5</a:t>
             </a:fld>
             <a:endParaRPr lang="en-US"/>
+          </a:p>
+        </p:txBody>
+      </p:sp>
+      <p:sp>
+        <p:nvSpPr>
+          <p:cNvPr id="2" name="Title 1"/>
+          <p:cNvSpPr>
+            <a:spLocks noGrp="1"/>
+          </p:cNvSpPr>
+          <p:nvPr>
+            <p:ph type="title"/>
+          </p:nvPr>
+        </p:nvSpPr>
+        <p:spPr/>
+        <p:txBody>
+          <a:bodyPr/>
+          <a:lstStyle/>
+          <a:p>
+            <a:r>
+              <a:rPr lang="en-US" dirty="0" smtClean="0"/>
+              <a:t>Ramp Up in 4 Easy Steps</a:t>
+            </a:r>
+            <a:endParaRPr lang="en-US" dirty="0"/>
           </a:p>
         </p:txBody>
       </p:sp>
@@ -11485,6 +7598,53 @@
       </p:grpSpPr>
       <p:sp>
         <p:nvSpPr>
+          <p:cNvPr id="4" name="Footer Placeholder 3"/>
+          <p:cNvSpPr>
+            <a:spLocks noGrp="1"/>
+          </p:cNvSpPr>
+          <p:nvPr>
+            <p:ph type="ftr" sz="quarter" idx="11"/>
+          </p:nvPr>
+        </p:nvSpPr>
+        <p:spPr/>
+        <p:txBody>
+          <a:bodyPr/>
+          <a:lstStyle/>
+          <a:p>
+            <a:r>
+              <a:rPr lang="en-US" smtClean="0"/>
+              <a:t>© 2015 EV3Lessons.com, Last edit 11/12/2015</a:t>
+            </a:r>
+            <a:endParaRPr lang="en-US" dirty="0"/>
+          </a:p>
+        </p:txBody>
+      </p:sp>
+      <p:sp>
+        <p:nvSpPr>
+          <p:cNvPr id="11" name="Slide Number Placeholder 10"/>
+          <p:cNvSpPr>
+            <a:spLocks noGrp="1"/>
+          </p:cNvSpPr>
+          <p:nvPr>
+            <p:ph type="sldNum" sz="quarter" idx="12"/>
+          </p:nvPr>
+        </p:nvSpPr>
+        <p:spPr/>
+        <p:txBody>
+          <a:bodyPr/>
+          <a:lstStyle/>
+          <a:p>
+            <a:fld id="{D57F1E4F-1CFF-5643-939E-217C01CDF565}" type="slidenum">
+              <a:rPr lang="en-US" smtClean="0"/>
+              <a:pPr/>
+              <a:t>6</a:t>
+            </a:fld>
+            <a:endParaRPr lang="en-US" dirty="0"/>
+          </a:p>
+        </p:txBody>
+      </p:sp>
+      <p:sp>
+        <p:nvSpPr>
           <p:cNvPr id="2" name="Title 1"/>
           <p:cNvSpPr>
             <a:spLocks noGrp="1"/>
@@ -11493,45 +7653,14 @@
             <p:ph type="title"/>
           </p:nvPr>
         </p:nvSpPr>
-        <p:spPr>
-          <a:xfrm>
-            <a:off x="604208" y="542299"/>
-            <a:ext cx="8190347" cy="797468"/>
-          </a:xfrm>
-          <a:noFill/>
-        </p:spPr>
-        <p:txBody>
-          <a:bodyPr>
-            <a:noAutofit/>
-          </a:bodyPr>
-          <a:lstStyle/>
-          <a:p>
-            <a:r>
-              <a:rPr lang="en-US" sz="3600" dirty="0" smtClean="0"/>
+        <p:spPr/>
+        <p:txBody>
+          <a:bodyPr/>
+          <a:lstStyle/>
+          <a:p>
+            <a:r>
+              <a:rPr lang="en-US" smtClean="0"/>
               <a:t>Base Ramp Up</a:t>
-            </a:r>
-            <a:endParaRPr lang="en-US" sz="3600" dirty="0"/>
-          </a:p>
-        </p:txBody>
-      </p:sp>
-      <p:sp>
-        <p:nvSpPr>
-          <p:cNvPr id="4" name="Footer Placeholder 3"/>
-          <p:cNvSpPr>
-            <a:spLocks noGrp="1"/>
-          </p:cNvSpPr>
-          <p:nvPr>
-            <p:ph type="ftr" sz="quarter" idx="11"/>
-          </p:nvPr>
-        </p:nvSpPr>
-        <p:spPr/>
-        <p:txBody>
-          <a:bodyPr/>
-          <a:lstStyle/>
-          <a:p>
-            <a:r>
-              <a:rPr lang="en-US" smtClean="0"/>
-              <a:t>© 2015 EV3Lessons.com, Last edit 11/12/2015</a:t>
             </a:r>
             <a:endParaRPr lang="en-US" dirty="0"/>
           </a:p>
@@ -11560,30 +7689,6 @@
           <a:lstStyle/>
           <a:p>
             <a:endParaRPr lang="en-US" sz="1600" dirty="0"/>
-          </a:p>
-        </p:txBody>
-      </p:sp>
-      <p:sp>
-        <p:nvSpPr>
-          <p:cNvPr id="11" name="Slide Number Placeholder 10"/>
-          <p:cNvSpPr>
-            <a:spLocks noGrp="1"/>
-          </p:cNvSpPr>
-          <p:nvPr>
-            <p:ph type="sldNum" sz="quarter" idx="12"/>
-          </p:nvPr>
-        </p:nvSpPr>
-        <p:spPr/>
-        <p:txBody>
-          <a:bodyPr/>
-          <a:lstStyle/>
-          <a:p>
-            <a:fld id="{D57F1E4F-1CFF-5643-939E-217C01CDF565}" type="slidenum">
-              <a:rPr lang="en-US" smtClean="0"/>
-              <a:pPr/>
-              <a:t>6</a:t>
-            </a:fld>
-            <a:endParaRPr lang="en-US" dirty="0"/>
           </a:p>
         </p:txBody>
       </p:sp>
@@ -11688,33 +7793,6 @@
       </p:grpSpPr>
       <p:sp>
         <p:nvSpPr>
-          <p:cNvPr id="2" name="Title 1"/>
-          <p:cNvSpPr>
-            <a:spLocks noGrp="1"/>
-          </p:cNvSpPr>
-          <p:nvPr>
-            <p:ph type="title"/>
-          </p:nvPr>
-        </p:nvSpPr>
-        <p:spPr>
-          <a:noFill/>
-        </p:spPr>
-        <p:txBody>
-          <a:bodyPr>
-            <a:normAutofit/>
-          </a:bodyPr>
-          <a:lstStyle/>
-          <a:p>
-            <a:r>
-              <a:rPr lang="en-US" dirty="0" smtClean="0"/>
-              <a:t>Ramp Up Challenge</a:t>
-            </a:r>
-            <a:endParaRPr lang="en-US" dirty="0"/>
-          </a:p>
-        </p:txBody>
-      </p:sp>
-      <p:sp>
-        <p:nvSpPr>
           <p:cNvPr id="3" name="Footer Placeholder 2"/>
           <p:cNvSpPr>
             <a:spLocks noGrp="1"/>
@@ -11756,6 +7834,29 @@
               <a:pPr/>
               <a:t>7</a:t>
             </a:fld>
+            <a:endParaRPr lang="en-US" dirty="0"/>
+          </a:p>
+        </p:txBody>
+      </p:sp>
+      <p:sp>
+        <p:nvSpPr>
+          <p:cNvPr id="2" name="Title 1"/>
+          <p:cNvSpPr>
+            <a:spLocks noGrp="1"/>
+          </p:cNvSpPr>
+          <p:nvPr>
+            <p:ph type="title"/>
+          </p:nvPr>
+        </p:nvSpPr>
+        <p:spPr/>
+        <p:txBody>
+          <a:bodyPr/>
+          <a:lstStyle/>
+          <a:p>
+            <a:r>
+              <a:rPr lang="en-US" smtClean="0"/>
+              <a:t>Ramp Up Challenge</a:t>
+            </a:r>
             <a:endParaRPr lang="en-US" dirty="0"/>
           </a:p>
         </p:txBody>
@@ -12115,37 +8216,6 @@
       </p:pic>
       <p:sp>
         <p:nvSpPr>
-          <p:cNvPr id="2" name="Title 1"/>
-          <p:cNvSpPr>
-            <a:spLocks noGrp="1"/>
-          </p:cNvSpPr>
-          <p:nvPr>
-            <p:ph type="title"/>
-          </p:nvPr>
-        </p:nvSpPr>
-        <p:spPr/>
-        <p:txBody>
-          <a:bodyPr/>
-          <a:lstStyle/>
-          <a:p>
-            <a:r>
-              <a:rPr lang="en-US" dirty="0" smtClean="0"/>
-              <a:t>Making the </a:t>
-            </a:r>
-            <a:r>
-              <a:rPr lang="en-US" dirty="0"/>
-              <a:t>M</a:t>
-            </a:r>
-            <a:r>
-              <a:rPr lang="en-US" dirty="0" smtClean="0"/>
-              <a:t>y Block  </a:t>
-            </a:r>
-            <a:endParaRPr lang="en-US" dirty="0"/>
-          </a:p>
-        </p:txBody>
-      </p:sp>
-      <p:sp>
-        <p:nvSpPr>
           <p:cNvPr id="3" name="Content Placeholder 2"/>
           <p:cNvSpPr>
             <a:spLocks noGrp="1"/>
@@ -12333,6 +8403,37 @@
               <a:t>8</a:t>
             </a:fld>
             <a:endParaRPr lang="en-US"/>
+          </a:p>
+        </p:txBody>
+      </p:sp>
+      <p:sp>
+        <p:nvSpPr>
+          <p:cNvPr id="2" name="Title 1"/>
+          <p:cNvSpPr>
+            <a:spLocks noGrp="1"/>
+          </p:cNvSpPr>
+          <p:nvPr>
+            <p:ph type="title"/>
+          </p:nvPr>
+        </p:nvSpPr>
+        <p:spPr/>
+        <p:txBody>
+          <a:bodyPr/>
+          <a:lstStyle/>
+          <a:p>
+            <a:r>
+              <a:rPr lang="en-US" dirty="0" smtClean="0"/>
+              <a:t>Making the </a:t>
+            </a:r>
+            <a:r>
+              <a:rPr lang="en-US" dirty="0"/>
+              <a:t>M</a:t>
+            </a:r>
+            <a:r>
+              <a:rPr lang="en-US" dirty="0" smtClean="0"/>
+              <a:t>y Block  </a:t>
+            </a:r>
+            <a:endParaRPr lang="en-US" dirty="0"/>
           </a:p>
         </p:txBody>
       </p:sp>
@@ -12499,28 +8600,20 @@
       </p:grpSpPr>
       <p:sp>
         <p:nvSpPr>
-          <p:cNvPr id="2" name="Title 1"/>
-          <p:cNvSpPr>
-            <a:spLocks noGrp="1"/>
-          </p:cNvSpPr>
-          <p:nvPr>
-            <p:ph type="title"/>
-          </p:nvPr>
-        </p:nvSpPr>
-        <p:spPr>
-          <a:noFill/>
-        </p:spPr>
-        <p:txBody>
-          <a:bodyPr>
-            <a:normAutofit/>
-          </a:bodyPr>
-          <a:lstStyle/>
-          <a:p>
-            <a:r>
-              <a:rPr lang="en-US" dirty="0" smtClean="0"/>
-              <a:t>Wire the My Block</a:t>
-            </a:r>
-            <a:endParaRPr lang="en-US" dirty="0"/>
+          <p:cNvPr id="13" name="Content Placeholder 12"/>
+          <p:cNvSpPr>
+            <a:spLocks noGrp="1"/>
+          </p:cNvSpPr>
+          <p:nvPr>
+            <p:ph idx="1"/>
+          </p:nvPr>
+        </p:nvSpPr>
+        <p:spPr/>
+        <p:txBody>
+          <a:bodyPr/>
+          <a:lstStyle/>
+          <a:p>
+            <a:endParaRPr lang="en-US"/>
           </a:p>
         </p:txBody>
       </p:sp>
@@ -12567,6 +8660,29 @@
               <a:pPr/>
               <a:t>9</a:t>
             </a:fld>
+            <a:endParaRPr lang="en-US" dirty="0"/>
+          </a:p>
+        </p:txBody>
+      </p:sp>
+      <p:sp>
+        <p:nvSpPr>
+          <p:cNvPr id="2" name="Title 1"/>
+          <p:cNvSpPr>
+            <a:spLocks noGrp="1"/>
+          </p:cNvSpPr>
+          <p:nvPr>
+            <p:ph type="title"/>
+          </p:nvPr>
+        </p:nvSpPr>
+        <p:spPr/>
+        <p:txBody>
+          <a:bodyPr/>
+          <a:lstStyle/>
+          <a:p>
+            <a:r>
+              <a:rPr lang="en-US" smtClean="0"/>
+              <a:t>Wire the My Block</a:t>
+            </a:r>
             <a:endParaRPr lang="en-US" dirty="0"/>
           </a:p>
         </p:txBody>
@@ -12811,7 +8927,7 @@
 </file>
 
 <file path=ppt/theme/theme1.xml><?xml version="1.0" encoding="utf-8"?>
-<a:theme xmlns:a="http://schemas.openxmlformats.org/drawingml/2006/main" name="Spectrum">
+<a:theme xmlns:a="http://schemas.openxmlformats.org/drawingml/2006/main" name="advanced">
   <a:themeElements>
     <a:clrScheme name="Spectrum">
       <a:dk1>
@@ -12851,22 +8967,76 @@
         <a:srgbClr val="CC3300"/>
       </a:folHlink>
     </a:clrScheme>
-    <a:fontScheme name="Spectrum">
+    <a:fontScheme name="Calibri">
       <a:majorFont>
-        <a:latin typeface="Corbel"/>
+        <a:latin typeface="Calibri" panose="020F0502020204030204"/>
         <a:ea typeface=""/>
         <a:cs typeface=""/>
-        <a:font script="Jpan" typeface="ＭＳ ゴシック"/>
+        <a:font script="Jpan" typeface="メイリオ"/>
+        <a:font script="Hang" typeface="맑은 고딕"/>
         <a:font script="Hans" typeface="宋体"/>
         <a:font script="Hant" typeface="新細明體"/>
+        <a:font script="Arab" typeface="Arial"/>
+        <a:font script="Hebr" typeface="Arial"/>
+        <a:font script="Thai" typeface="Cordia New"/>
+        <a:font script="Ethi" typeface="Nyala"/>
+        <a:font script="Beng" typeface="Vrinda"/>
+        <a:font script="Gujr" typeface="Shruti"/>
+        <a:font script="Khmr" typeface="DaunPenh"/>
+        <a:font script="Knda" typeface="Tunga"/>
+        <a:font script="Guru" typeface="Raavi"/>
+        <a:font script="Cans" typeface="Euphemia"/>
+        <a:font script="Cher" typeface="Plantagenet Cherokee"/>
+        <a:font script="Yiii" typeface="Microsoft Yi Baiti"/>
+        <a:font script="Tibt" typeface="Microsoft Himalaya"/>
+        <a:font script="Thaa" typeface="MV Boli"/>
+        <a:font script="Deva" typeface="Mangal"/>
+        <a:font script="Telu" typeface="Gautami"/>
+        <a:font script="Taml" typeface="Latha"/>
+        <a:font script="Syrc" typeface="Estrangelo Edessa"/>
+        <a:font script="Orya" typeface="Kalinga"/>
+        <a:font script="Mlym" typeface="Kartika"/>
+        <a:font script="Laoo" typeface="DokChampa"/>
+        <a:font script="Sinh" typeface="Iskoola Pota"/>
+        <a:font script="Mong" typeface="Mongolian Baiti"/>
+        <a:font script="Viet" typeface="Tahoma"/>
+        <a:font script="Uigh" typeface="Microsoft Uighur"/>
+        <a:font script="Geor" typeface="Sylfaen"/>
       </a:majorFont>
       <a:minorFont>
-        <a:latin typeface="Calibri"/>
+        <a:latin typeface="Calibri" panose="020F0502020204030204"/>
         <a:ea typeface=""/>
         <a:cs typeface=""/>
-        <a:font script="Jpan" typeface="ＭＳ ゴシック"/>
+        <a:font script="Jpan" typeface="メイリオ"/>
+        <a:font script="Hang" typeface="맑은 고딕"/>
         <a:font script="Hans" typeface="宋体"/>
         <a:font script="Hant" typeface="新細明體"/>
+        <a:font script="Arab" typeface="Arial"/>
+        <a:font script="Hebr" typeface="Arial"/>
+        <a:font script="Thai" typeface="Cordia New"/>
+        <a:font script="Ethi" typeface="Nyala"/>
+        <a:font script="Beng" typeface="Vrinda"/>
+        <a:font script="Gujr" typeface="Shruti"/>
+        <a:font script="Khmr" typeface="DaunPenh"/>
+        <a:font script="Knda" typeface="Tunga"/>
+        <a:font script="Guru" typeface="Raavi"/>
+        <a:font script="Cans" typeface="Euphemia"/>
+        <a:font script="Cher" typeface="Plantagenet Cherokee"/>
+        <a:font script="Yiii" typeface="Microsoft Yi Baiti"/>
+        <a:font script="Tibt" typeface="Microsoft Himalaya"/>
+        <a:font script="Thaa" typeface="MV Boli"/>
+        <a:font script="Deva" typeface="Mangal"/>
+        <a:font script="Telu" typeface="Gautami"/>
+        <a:font script="Taml" typeface="Latha"/>
+        <a:font script="Syrc" typeface="Estrangelo Edessa"/>
+        <a:font script="Orya" typeface="Kalinga"/>
+        <a:font script="Mlym" typeface="Kartika"/>
+        <a:font script="Laoo" typeface="DokChampa"/>
+        <a:font script="Sinh" typeface="Iskoola Pota"/>
+        <a:font script="Mong" typeface="Mongolian Baiti"/>
+        <a:font script="Viet" typeface="Tahoma"/>
+        <a:font script="Uigh" typeface="Microsoft Uighur"/>
+        <a:font script="Geor" typeface="Sylfaen"/>
       </a:minorFont>
     </a:fontScheme>
     <a:fmtScheme name="Spectrum">
@@ -13066,6 +9236,11 @@
     </a:lnDef>
   </a:objectDefaults>
   <a:extraClrSchemeLst/>
+  <a:extLst>
+    <a:ext uri="{05A4C25C-085E-4340-85A3-A5531E510DB2}">
+      <thm15:themeFamily xmlns:thm15="http://schemas.microsoft.com/office/thememl/2012/main" name="advanced" id="{90896108-50DE-FE4A-B182-456CF756ABD8}" vid="{7A7CEA50-AD81-7D48-98DE-F95E5886FB32}"/>
+    </a:ext>
+  </a:extLst>
 </a:theme>
 </file>
 

--- a/translations/en-us/advanced/RampUp.pptx
+++ b/translations/en-us/advanced/RampUp.pptx
@@ -223,7 +223,7 @@
           <a:p>
             <a:fld id="{E354B44E-40A3-0E46-B16A-9BF1250A248B}" type="datetimeFigureOut">
               <a:rPr lang="en-US" smtClean="0"/>
-              <a:t>11/15/15</a:t>
+              <a:t>7/19/16</a:t>
             </a:fld>
             <a:endParaRPr lang="en-US"/>
           </a:p>
@@ -389,7 +389,7 @@
           <a:p>
             <a:fld id="{C86AD16C-2DB4-6642-BAD4-9ED973A087A0}" type="datetimeFigureOut">
               <a:rPr lang="en-US" smtClean="0"/>
-              <a:t>11/15/15</a:t>
+              <a:t>7/19/16</a:t>
             </a:fld>
             <a:endParaRPr lang="en-US"/>
           </a:p>
@@ -723,6 +723,90 @@
           <a:p>
             <a:fld id="{1E5BF589-3978-3C45-966B-D7B7A71F2A02}" type="slidenum">
               <a:rPr lang="en-US" smtClean="0"/>
+              <a:t>1</a:t>
+            </a:fld>
+            <a:endParaRPr lang="en-US"/>
+          </a:p>
+        </p:txBody>
+      </p:sp>
+    </p:spTree>
+    <p:extLst>
+      <p:ext uri="{BB962C8B-B14F-4D97-AF65-F5344CB8AC3E}">
+        <p14:creationId xmlns:p14="http://schemas.microsoft.com/office/powerpoint/2010/main" val="1395322058"/>
+      </p:ext>
+    </p:extLst>
+  </p:cSld>
+  <p:clrMapOvr>
+    <a:masterClrMapping/>
+  </p:clrMapOvr>
+</p:notes>
+</file>
+
+<file path=ppt/notesSlides/notesSlide2.xml><?xml version="1.0" encoding="utf-8"?>
+<p:notes xmlns:a="http://schemas.openxmlformats.org/drawingml/2006/main" xmlns:r="http://schemas.openxmlformats.org/officeDocument/2006/relationships" xmlns:p="http://schemas.openxmlformats.org/presentationml/2006/main">
+  <p:cSld>
+    <p:spTree>
+      <p:nvGrpSpPr>
+        <p:cNvPr id="1" name=""/>
+        <p:cNvGrpSpPr/>
+        <p:nvPr/>
+      </p:nvGrpSpPr>
+      <p:grpSpPr>
+        <a:xfrm>
+          <a:off x="0" y="0"/>
+          <a:ext cx="0" cy="0"/>
+          <a:chOff x="0" y="0"/>
+          <a:chExt cx="0" cy="0"/>
+        </a:xfrm>
+      </p:grpSpPr>
+      <p:sp>
+        <p:nvSpPr>
+          <p:cNvPr id="2" name="Slide Image Placeholder 1"/>
+          <p:cNvSpPr>
+            <a:spLocks noGrp="1" noRot="1" noChangeAspect="1"/>
+          </p:cNvSpPr>
+          <p:nvPr>
+            <p:ph type="sldImg"/>
+          </p:nvPr>
+        </p:nvSpPr>
+        <p:spPr/>
+      </p:sp>
+      <p:sp>
+        <p:nvSpPr>
+          <p:cNvPr id="3" name="Notes Placeholder 2"/>
+          <p:cNvSpPr>
+            <a:spLocks noGrp="1"/>
+          </p:cNvSpPr>
+          <p:nvPr>
+            <p:ph type="body" idx="1"/>
+          </p:nvPr>
+        </p:nvSpPr>
+        <p:spPr/>
+        <p:txBody>
+          <a:bodyPr/>
+          <a:lstStyle/>
+          <a:p>
+            <a:endParaRPr lang="en-US"/>
+          </a:p>
+        </p:txBody>
+      </p:sp>
+      <p:sp>
+        <p:nvSpPr>
+          <p:cNvPr id="4" name="Slide Number Placeholder 3"/>
+          <p:cNvSpPr>
+            <a:spLocks noGrp="1"/>
+          </p:cNvSpPr>
+          <p:nvPr>
+            <p:ph type="sldNum" sz="quarter" idx="10"/>
+          </p:nvPr>
+        </p:nvSpPr>
+        <p:spPr/>
+        <p:txBody>
+          <a:bodyPr/>
+          <a:lstStyle/>
+          <a:p>
+            <a:fld id="{1E5BF589-3978-3C45-966B-D7B7A71F2A02}" type="slidenum">
+              <a:rPr lang="en-US" smtClean="0"/>
               <a:t>3</a:t>
             </a:fld>
             <a:endParaRPr lang="en-US"/>
@@ -742,7 +826,7 @@
 </p:notes>
 </file>
 
-<file path=ppt/notesSlides/notesSlide2.xml><?xml version="1.0" encoding="utf-8"?>
+<file path=ppt/notesSlides/notesSlide3.xml><?xml version="1.0" encoding="utf-8"?>
 <p:notes xmlns:a="http://schemas.openxmlformats.org/drawingml/2006/main" xmlns:r="http://schemas.openxmlformats.org/officeDocument/2006/relationships" xmlns:p="http://schemas.openxmlformats.org/presentationml/2006/main">
   <p:cSld>
     <p:spTree>
@@ -858,9 +942,9 @@
           <a:bodyPr/>
           <a:lstStyle/>
           <a:p>
-            <a:fld id="{8E890179-3DA1-4D60-943A-F6ADCEA8F800}" type="datetime1">
-              <a:rPr lang="en-US" smtClean="0"/>
-              <a:t>11/15/15</a:t>
+            <a:fld id="{49B24A2D-FB91-434B-9FFA-A17540FA9D36}" type="datetime1">
+              <a:rPr lang="en-US" smtClean="0"/>
+              <a:t>7/19/16</a:t>
             </a:fld>
             <a:endParaRPr lang="en-US"/>
           </a:p>
@@ -882,8 +966,8 @@
           <a:lstStyle/>
           <a:p>
             <a:r>
-              <a:rPr lang="en-US" smtClean="0"/>
-              <a:t>© 2015 EV3Lessons.com, Last edit 11/12/2015</a:t>
+              <a:rPr lang="sk-SK" smtClean="0"/>
+              <a:t>© 2016 EV3Lessons.com, Last edit 7/18/2016</a:t>
             </a:r>
             <a:endParaRPr lang="en-US"/>
           </a:p>
@@ -1411,7 +1495,7 @@
           <a:noFill/>
           <a:extLst>
             <a:ext uri="{909E8E84-426E-40dd-AFC4-6F175D3DCCD1}">
-              <a14:hiddenFill xmlns="" xmlns:a14="http://schemas.microsoft.com/office/drawing/2010/main">
+              <a14:hiddenFill xmlns:a14="http://schemas.microsoft.com/office/drawing/2010/main" xmlns="">
                 <a:solidFill>
                   <a:srgbClr val="FFFFFF"/>
                 </a:solidFill>
@@ -1455,288 +1539,6 @@
           </a:fontRef>
         </p:style>
       </p:cxnSp>
-      <p:pic>
-        <p:nvPicPr>
-          <p:cNvPr id="12" name="Picture 11"/>
-          <p:cNvPicPr>
-            <a:picLocks noChangeAspect="1"/>
-          </p:cNvPicPr>
-          <p:nvPr/>
-        </p:nvPicPr>
-        <p:blipFill>
-          <a:blip r:embed="rId3">
-            <a:extLst>
-              <a:ext uri="{28A0092B-C50C-407E-A947-70E740481C1C}">
-                <a14:useLocalDpi xmlns:a14="http://schemas.microsoft.com/office/drawing/2010/main" val="0"/>
-              </a:ext>
-            </a:extLst>
-          </a:blip>
-          <a:stretch>
-            <a:fillRect/>
-          </a:stretch>
-        </p:blipFill>
-        <p:spPr>
-          <a:xfrm>
-            <a:off x="284163" y="4948514"/>
-            <a:ext cx="1265237" cy="1210410"/>
-          </a:xfrm>
-          <a:prstGeom prst="rect">
-            <a:avLst/>
-          </a:prstGeom>
-        </p:spPr>
-      </p:pic>
-      <p:sp>
-        <p:nvSpPr>
-          <p:cNvPr id="18" name="Subtitle 3"/>
-          <p:cNvSpPr txBox="1">
-            <a:spLocks/>
-          </p:cNvSpPr>
-          <p:nvPr/>
-        </p:nvSpPr>
-        <p:spPr>
-          <a:xfrm>
-            <a:off x="1549400" y="5829838"/>
-            <a:ext cx="3749229" cy="484094"/>
-          </a:xfrm>
-          <a:prstGeom prst="rect">
-            <a:avLst/>
-          </a:prstGeom>
-        </p:spPr>
-        <p:txBody>
-          <a:bodyPr vert="horz" lIns="91440" tIns="45720" rIns="91440" bIns="45720" rtlCol="0">
-            <a:normAutofit/>
-          </a:bodyPr>
-          <a:lstStyle>
-            <a:lvl1pPr marL="0" indent="0" algn="l" defTabSz="914400" rtl="0" eaLnBrk="1" latinLnBrk="0" hangingPunct="1">
-              <a:lnSpc>
-                <a:spcPct val="100000"/>
-              </a:lnSpc>
-              <a:spcBef>
-                <a:spcPts val="0"/>
-              </a:spcBef>
-              <a:buClr>
-                <a:schemeClr val="bg1">
-                  <a:lumMod val="65000"/>
-                </a:schemeClr>
-              </a:buClr>
-              <a:buSzPct val="90000"/>
-              <a:buFont typeface="Wingdings" pitchFamily="2" charset="2"/>
-              <a:buNone/>
-              <a:defRPr sz="1800" kern="1200">
-                <a:solidFill>
-                  <a:schemeClr val="bg1"/>
-                </a:solidFill>
-                <a:latin typeface="+mn-lt"/>
-                <a:ea typeface="+mn-ea"/>
-                <a:cs typeface="+mn-cs"/>
-              </a:defRPr>
-            </a:lvl1pPr>
-            <a:lvl2pPr marL="457200" indent="0" algn="ctr" defTabSz="914400" rtl="0" eaLnBrk="1" latinLnBrk="0" hangingPunct="1">
-              <a:spcBef>
-                <a:spcPts val="600"/>
-              </a:spcBef>
-              <a:buClr>
-                <a:schemeClr val="tx1">
-                  <a:lumMod val="75000"/>
-                  <a:lumOff val="25000"/>
-                </a:schemeClr>
-              </a:buClr>
-              <a:buSzPct val="90000"/>
-              <a:buFont typeface="Wingdings" pitchFamily="2" charset="2"/>
-              <a:buNone/>
-              <a:defRPr sz="2200" kern="1200">
-                <a:solidFill>
-                  <a:schemeClr val="tx1">
-                    <a:tint val="75000"/>
-                  </a:schemeClr>
-                </a:solidFill>
-                <a:latin typeface="+mn-lt"/>
-                <a:ea typeface="+mn-ea"/>
-                <a:cs typeface="+mn-cs"/>
-              </a:defRPr>
-            </a:lvl2pPr>
-            <a:lvl3pPr marL="914400" indent="0" algn="ctr" defTabSz="914400" rtl="0" eaLnBrk="1" latinLnBrk="0" hangingPunct="1">
-              <a:spcBef>
-                <a:spcPts val="600"/>
-              </a:spcBef>
-              <a:buClr>
-                <a:schemeClr val="bg1">
-                  <a:lumMod val="65000"/>
-                </a:schemeClr>
-              </a:buClr>
-              <a:buSzPct val="90000"/>
-              <a:buFont typeface="Wingdings" pitchFamily="2" charset="2"/>
-              <a:buNone/>
-              <a:defRPr sz="2000" kern="1200">
-                <a:solidFill>
-                  <a:schemeClr val="tx1">
-                    <a:tint val="75000"/>
-                  </a:schemeClr>
-                </a:solidFill>
-                <a:latin typeface="+mn-lt"/>
-                <a:ea typeface="+mn-ea"/>
-                <a:cs typeface="+mn-cs"/>
-              </a:defRPr>
-            </a:lvl3pPr>
-            <a:lvl4pPr marL="1371600" indent="0" algn="ctr" defTabSz="914400" rtl="0" eaLnBrk="1" latinLnBrk="0" hangingPunct="1">
-              <a:spcBef>
-                <a:spcPts val="600"/>
-              </a:spcBef>
-              <a:buClr>
-                <a:schemeClr val="tx1">
-                  <a:lumMod val="75000"/>
-                  <a:lumOff val="25000"/>
-                </a:schemeClr>
-              </a:buClr>
-              <a:buSzPct val="90000"/>
-              <a:buFont typeface="Wingdings" pitchFamily="2" charset="2"/>
-              <a:buNone/>
-              <a:defRPr sz="1800" kern="1200">
-                <a:solidFill>
-                  <a:schemeClr val="tx1">
-                    <a:tint val="75000"/>
-                  </a:schemeClr>
-                </a:solidFill>
-                <a:latin typeface="+mn-lt"/>
-                <a:ea typeface="+mn-ea"/>
-                <a:cs typeface="+mn-cs"/>
-              </a:defRPr>
-            </a:lvl4pPr>
-            <a:lvl5pPr marL="1828800" indent="0" algn="ctr" defTabSz="914400" rtl="0" eaLnBrk="1" latinLnBrk="0" hangingPunct="1">
-              <a:spcBef>
-                <a:spcPts val="600"/>
-              </a:spcBef>
-              <a:buClr>
-                <a:schemeClr val="bg1">
-                  <a:lumMod val="65000"/>
-                </a:schemeClr>
-              </a:buClr>
-              <a:buSzPct val="90000"/>
-              <a:buFont typeface="Wingdings" pitchFamily="2" charset="2"/>
-              <a:buNone/>
-              <a:defRPr sz="1800" kern="1200">
-                <a:solidFill>
-                  <a:schemeClr val="tx1">
-                    <a:tint val="75000"/>
-                  </a:schemeClr>
-                </a:solidFill>
-                <a:latin typeface="+mn-lt"/>
-                <a:ea typeface="+mn-ea"/>
-                <a:cs typeface="+mn-cs"/>
-              </a:defRPr>
-            </a:lvl5pPr>
-            <a:lvl6pPr marL="2286000" indent="0" algn="ctr" defTabSz="914400" rtl="0" eaLnBrk="1" latinLnBrk="0" hangingPunct="1">
-              <a:spcBef>
-                <a:spcPts val="600"/>
-              </a:spcBef>
-              <a:buClr>
-                <a:schemeClr val="tx1">
-                  <a:lumMod val="75000"/>
-                  <a:lumOff val="25000"/>
-                </a:schemeClr>
-              </a:buClr>
-              <a:buSzPct val="90000"/>
-              <a:buFont typeface="Wingdings" pitchFamily="2" charset="2"/>
-              <a:buNone/>
-              <a:defRPr lang="en-US" sz="1800" kern="1200">
-                <a:solidFill>
-                  <a:schemeClr val="tx1">
-                    <a:tint val="75000"/>
-                  </a:schemeClr>
-                </a:solidFill>
-                <a:latin typeface="+mn-lt"/>
-                <a:ea typeface="+mn-ea"/>
-                <a:cs typeface="+mn-cs"/>
-              </a:defRPr>
-            </a:lvl6pPr>
-            <a:lvl7pPr marL="2743200" indent="0" algn="ctr" defTabSz="914400" rtl="0" eaLnBrk="1" latinLnBrk="0" hangingPunct="1">
-              <a:spcBef>
-                <a:spcPts val="600"/>
-              </a:spcBef>
-              <a:buClr>
-                <a:schemeClr val="bg1">
-                  <a:lumMod val="65000"/>
-                </a:schemeClr>
-              </a:buClr>
-              <a:buSzPct val="90000"/>
-              <a:buFont typeface="Wingdings" pitchFamily="2" charset="2"/>
-              <a:buNone/>
-              <a:defRPr lang="en-US" sz="1800" kern="1200">
-                <a:solidFill>
-                  <a:schemeClr val="tx1">
-                    <a:tint val="75000"/>
-                  </a:schemeClr>
-                </a:solidFill>
-                <a:latin typeface="+mn-lt"/>
-                <a:ea typeface="+mn-ea"/>
-                <a:cs typeface="+mn-cs"/>
-              </a:defRPr>
-            </a:lvl7pPr>
-            <a:lvl8pPr marL="3200400" indent="0" algn="ctr" defTabSz="914400" rtl="0" eaLnBrk="1" latinLnBrk="0" hangingPunct="1">
-              <a:spcBef>
-                <a:spcPts val="600"/>
-              </a:spcBef>
-              <a:buClr>
-                <a:schemeClr val="tx1">
-                  <a:lumMod val="75000"/>
-                  <a:lumOff val="25000"/>
-                </a:schemeClr>
-              </a:buClr>
-              <a:buSzPct val="90000"/>
-              <a:buFont typeface="Wingdings" pitchFamily="2" charset="2"/>
-              <a:buNone/>
-              <a:defRPr lang="en-US" sz="1800" kern="1200">
-                <a:solidFill>
-                  <a:schemeClr val="tx1">
-                    <a:tint val="75000"/>
-                  </a:schemeClr>
-                </a:solidFill>
-                <a:latin typeface="+mn-lt"/>
-                <a:ea typeface="+mn-ea"/>
-                <a:cs typeface="+mn-cs"/>
-              </a:defRPr>
-            </a:lvl8pPr>
-            <a:lvl9pPr marL="3657600" indent="0" algn="ctr" defTabSz="914400" rtl="0" eaLnBrk="1" latinLnBrk="0" hangingPunct="1">
-              <a:spcBef>
-                <a:spcPts val="600"/>
-              </a:spcBef>
-              <a:buClr>
-                <a:schemeClr val="bg1">
-                  <a:lumMod val="65000"/>
-                </a:schemeClr>
-              </a:buClr>
-              <a:buSzPct val="90000"/>
-              <a:buFont typeface="Wingdings" pitchFamily="2" charset="2"/>
-              <a:buNone/>
-              <a:defRPr lang="en-US" sz="1800" kern="1200">
-                <a:solidFill>
-                  <a:schemeClr val="tx1">
-                    <a:tint val="75000"/>
-                  </a:schemeClr>
-                </a:solidFill>
-                <a:latin typeface="+mn-lt"/>
-                <a:ea typeface="+mn-ea"/>
-                <a:cs typeface="+mn-cs"/>
-              </a:defRPr>
-            </a:lvl9pPr>
-          </a:lstStyle>
-          <a:p>
-            <a:r>
-              <a:rPr lang="en-US" dirty="0" smtClean="0">
-                <a:solidFill>
-                  <a:schemeClr val="tx1"/>
-                </a:solidFill>
-              </a:rPr>
-              <a:t>By Droids Robotics</a:t>
-            </a:r>
-            <a:endParaRPr lang="en-US" dirty="0">
-              <a:solidFill>
-                <a:schemeClr val="tx1"/>
-              </a:solidFill>
-            </a:endParaRPr>
-          </a:p>
-        </p:txBody>
-      </p:sp>
     </p:spTree>
     <p:extLst>
       <p:ext uri="{BB962C8B-B14F-4D97-AF65-F5344CB8AC3E}">
@@ -1845,9 +1647,9 @@
           <a:bodyPr/>
           <a:lstStyle/>
           <a:p>
-            <a:fld id="{A2657CC9-6138-4D4E-9F7C-3F15176BA057}" type="datetime1">
-              <a:rPr lang="en-US" smtClean="0"/>
-              <a:t>11/15/15</a:t>
+            <a:fld id="{CA754997-2DF4-664D-916B-0C36DBFB8BFA}" type="datetime1">
+              <a:rPr lang="en-US" smtClean="0"/>
+              <a:t>7/19/16</a:t>
             </a:fld>
             <a:endParaRPr lang="en-US"/>
           </a:p>
@@ -1869,8 +1671,8 @@
           <a:lstStyle/>
           <a:p>
             <a:r>
-              <a:rPr lang="en-US" smtClean="0"/>
-              <a:t>© 2015 EV3Lessons.com, Last edit 11/12/2015</a:t>
+              <a:rPr lang="sk-SK" smtClean="0"/>
+              <a:t>© 2016 EV3Lessons.com, Last edit 7/18/2016</a:t>
             </a:r>
             <a:endParaRPr lang="en-US"/>
           </a:p>
@@ -2308,9 +2110,9 @@
           <a:bodyPr/>
           <a:lstStyle/>
           <a:p>
-            <a:fld id="{4B0B9B3F-E4D0-49ED-8910-4CB6F106B307}" type="datetime1">
-              <a:rPr lang="en-US" smtClean="0"/>
-              <a:t>11/15/15</a:t>
+            <a:fld id="{43D1CF2A-89E2-4341-8670-4631E295DFA4}" type="datetime1">
+              <a:rPr lang="en-US" smtClean="0"/>
+              <a:t>7/19/16</a:t>
             </a:fld>
             <a:endParaRPr lang="en-US" dirty="0"/>
           </a:p>
@@ -2332,8 +2134,8 @@
           <a:lstStyle/>
           <a:p>
             <a:r>
-              <a:rPr lang="en-US" smtClean="0"/>
-              <a:t>© 2015 EV3Lessons.com, Last edit 11/12/2015</a:t>
+              <a:rPr lang="sk-SK" smtClean="0"/>
+              <a:t>© 2016 EV3Lessons.com, Last edit 7/18/2016</a:t>
             </a:r>
             <a:endParaRPr lang="en-US" dirty="0"/>
           </a:p>
@@ -2387,7 +2189,6 @@
       </p:par>
     </p:tnLst>
   </p:timing>
-  <p:hf hdr="0" dt="0"/>
 </p:sldLayout>
 </file>
 
@@ -2773,9 +2574,9 @@
           <a:bodyPr/>
           <a:lstStyle/>
           <a:p>
-            <a:fld id="{D806B6ED-AB59-4AF6-AD1F-D95FB42694FA}" type="datetime1">
-              <a:rPr lang="en-US" smtClean="0"/>
-              <a:t>11/15/15</a:t>
+            <a:fld id="{C206C06E-3C22-FA4F-B5A2-199F65C8E6A3}" type="datetime1">
+              <a:rPr lang="en-US" smtClean="0"/>
+              <a:t>7/19/16</a:t>
             </a:fld>
             <a:endParaRPr lang="en-US"/>
           </a:p>
@@ -3498,9 +3299,9 @@
           <a:bodyPr/>
           <a:lstStyle/>
           <a:p>
-            <a:fld id="{3044A36F-9DA7-4CBB-9D2C-58FECB03C75F}" type="datetime1">
-              <a:rPr lang="en-US" smtClean="0"/>
-              <a:t>11/15/15</a:t>
+            <a:fld id="{B354DED5-2293-D041-B319-D3D3DA7DC197}" type="datetime1">
+              <a:rPr lang="en-US" smtClean="0"/>
+              <a:t>7/19/16</a:t>
             </a:fld>
             <a:endParaRPr lang="en-US"/>
           </a:p>
@@ -3522,8 +3323,8 @@
           <a:lstStyle/>
           <a:p>
             <a:r>
-              <a:rPr lang="en-US" smtClean="0"/>
-              <a:t>© 2015 EV3Lessons.com, Last edit 11/12/2015</a:t>
+              <a:rPr lang="sk-SK" smtClean="0"/>
+              <a:t>© 2016 EV3Lessons.com, Last edit 7/18/2016</a:t>
             </a:r>
             <a:endParaRPr lang="en-US"/>
           </a:p>
@@ -3780,9 +3581,9 @@
           <a:bodyPr/>
           <a:lstStyle/>
           <a:p>
-            <a:fld id="{977013B7-270F-4359-99BB-A551D27883AF}" type="datetime1">
-              <a:rPr lang="en-US" smtClean="0"/>
-              <a:t>11/15/15</a:t>
+            <a:fld id="{8CF4D2F1-0932-EF42-8EDB-F0386B81961E}" type="datetime1">
+              <a:rPr lang="en-US" smtClean="0"/>
+              <a:t>7/19/16</a:t>
             </a:fld>
             <a:endParaRPr lang="en-US"/>
           </a:p>
@@ -3804,8 +3605,8 @@
           <a:lstStyle/>
           <a:p>
             <a:r>
-              <a:rPr lang="en-US" smtClean="0"/>
-              <a:t>© 2015 EV3Lessons.com, Last edit 11/12/2015</a:t>
+              <a:rPr lang="sk-SK" smtClean="0"/>
+              <a:t>© 2016 EV3Lessons.com, Last edit 7/18/2016</a:t>
             </a:r>
             <a:endParaRPr lang="en-US"/>
           </a:p>
@@ -4100,9 +3901,9 @@
           <a:bodyPr/>
           <a:lstStyle/>
           <a:p>
-            <a:fld id="{B058FB97-1C39-47D6-A6E9-6CA2C05895EB}" type="datetime1">
-              <a:rPr lang="en-US" smtClean="0"/>
-              <a:t>11/15/15</a:t>
+            <a:fld id="{77DA523F-5828-984C-81D8-E2DA5830AEAA}" type="datetime1">
+              <a:rPr lang="en-US" smtClean="0"/>
+              <a:t>7/19/16</a:t>
             </a:fld>
             <a:endParaRPr lang="en-US"/>
           </a:p>
@@ -4124,8 +3925,8 @@
           <a:lstStyle/>
           <a:p>
             <a:r>
-              <a:rPr lang="en-US" smtClean="0"/>
-              <a:t>© 2015 EV3Lessons.com, Last edit 11/12/2015</a:t>
+              <a:rPr lang="sk-SK" smtClean="0"/>
+              <a:t>© 2016 EV3Lessons.com, Last edit 7/18/2016</a:t>
             </a:r>
             <a:endParaRPr lang="en-US"/>
           </a:p>
@@ -4329,9 +4130,9 @@
           <a:bodyPr/>
           <a:lstStyle/>
           <a:p>
-            <a:fld id="{E48C1F2A-0FA3-428E-B966-AB5AF7A6896E}" type="datetime1">
-              <a:rPr lang="en-US" smtClean="0"/>
-              <a:t>11/15/15</a:t>
+            <a:fld id="{9DF215E5-43B1-5748-96B0-8EF5F376B2CB}" type="datetime1">
+              <a:rPr lang="en-US" smtClean="0"/>
+              <a:t>7/19/16</a:t>
             </a:fld>
             <a:endParaRPr lang="en-US"/>
           </a:p>
@@ -4353,8 +4154,8 @@
           <a:lstStyle/>
           <a:p>
             <a:r>
-              <a:rPr lang="en-US" smtClean="0"/>
-              <a:t>© 2015 EV3Lessons.com, Last edit 11/12/2015</a:t>
+              <a:rPr lang="sk-SK" smtClean="0"/>
+              <a:t>© 2016 EV3Lessons.com, Last edit 7/18/2016</a:t>
             </a:r>
             <a:endParaRPr lang="en-US"/>
           </a:p>
@@ -4616,9 +4417,9 @@
           <a:bodyPr/>
           <a:lstStyle/>
           <a:p>
-            <a:fld id="{4B0B9B3F-E4D0-49ED-8910-4CB6F106B307}" type="datetime1">
-              <a:rPr lang="en-US" smtClean="0"/>
-              <a:t>11/15/15</a:t>
+            <a:fld id="{722C120C-4498-DF48-A46F-6316E966EB2E}" type="datetime1">
+              <a:rPr lang="en-US" smtClean="0"/>
+              <a:t>7/19/16</a:t>
             </a:fld>
             <a:endParaRPr lang="en-US" dirty="0"/>
           </a:p>
@@ -4640,8 +4441,8 @@
           <a:lstStyle/>
           <a:p>
             <a:r>
-              <a:rPr lang="en-US" smtClean="0"/>
-              <a:t>© 2015 EV3Lessons.com, Last edit 11/12/2015</a:t>
+              <a:rPr lang="sk-SK" smtClean="0"/>
+              <a:t>© 2016 EV3Lessons.com, Last edit 7/18/2016</a:t>
             </a:r>
             <a:endParaRPr lang="en-US" dirty="0"/>
           </a:p>
@@ -4737,7 +4538,6 @@
   <p:clrMapOvr>
     <a:masterClrMapping/>
   </p:clrMapOvr>
-  <p:hf hdr="0" dt="0"/>
 </p:sldLayout>
 </file>
 
@@ -4861,9 +4661,9 @@
             </a:lvl1pPr>
           </a:lstStyle>
           <a:p>
-            <a:fld id="{4B0B9B3F-E4D0-49ED-8910-4CB6F106B307}" type="datetime1">
-              <a:rPr lang="en-US" smtClean="0"/>
-              <a:t>11/15/15</a:t>
+            <a:fld id="{B7B5A8C9-6ACC-6A4D-9BFF-0EF96553ACAF}" type="datetime1">
+              <a:rPr lang="en-US" smtClean="0"/>
+              <a:t>7/19/16</a:t>
             </a:fld>
             <a:endParaRPr lang="en-US" dirty="0"/>
           </a:p>
@@ -4903,8 +4703,8 @@
           </a:lstStyle>
           <a:p>
             <a:r>
-              <a:rPr lang="en-US" smtClean="0"/>
-              <a:t>© 2015 EV3Lessons.com, Last edit 11/12/2015</a:t>
+              <a:rPr lang="sk-SK" smtClean="0"/>
+              <a:t>© 2016 EV3Lessons.com, Last edit 7/18/2016</a:t>
             </a:r>
             <a:endParaRPr lang="en-US" dirty="0"/>
           </a:p>
@@ -5016,7 +4816,7 @@
       </p:par>
     </p:tnLst>
   </p:timing>
-  <p:hf hdr="0" dt="0"/>
+  <p:hf sldNum="0" hdr="0" dt="0"/>
   <p:txStyles>
     <p:titleStyle>
       <a:lvl1pPr marL="231775" indent="3175" algn="l" defTabSz="914400" rtl="0" eaLnBrk="1" latinLnBrk="0" hangingPunct="1">
@@ -5411,68 +5211,41 @@
           <a:bodyPr/>
           <a:lstStyle/>
           <a:p>
-            <a:endParaRPr lang="en-US"/>
-          </a:p>
-        </p:txBody>
-      </p:sp>
-      <p:sp>
-        <p:nvSpPr>
-          <p:cNvPr id="4" name="TextBox 3"/>
-          <p:cNvSpPr txBox="1"/>
-          <p:nvPr/>
-        </p:nvSpPr>
-        <p:spPr>
-          <a:xfrm>
-            <a:off x="3311910" y="5809786"/>
-            <a:ext cx="3668752" cy="369332"/>
-          </a:xfrm>
-          <a:prstGeom prst="rect">
-            <a:avLst/>
-          </a:prstGeom>
-          <a:noFill/>
-        </p:spPr>
-        <p:txBody>
-          <a:bodyPr wrap="square" rtlCol="0">
-            <a:spAutoFit/>
-          </a:bodyPr>
-          <a:lstStyle/>
-          <a:p>
-            <a:r>
-              <a:rPr lang="en-US"/>
-              <a:t>w</a:t>
-            </a:r>
-            <a:r>
-              <a:rPr lang="en-US" smtClean="0"/>
-              <a:t>ith Mesa Robot Works FLL #52</a:t>
-            </a:r>
-            <a:endParaRPr lang="en-US"/>
+            <a:r>
+              <a:rPr lang="en-US" dirty="0" smtClean="0"/>
+              <a:t>By Sanjay and Arvind </a:t>
+            </a:r>
+            <a:r>
+              <a:rPr lang="en-US" dirty="0" err="1" smtClean="0"/>
+              <a:t>Seshan</a:t>
+            </a:r>
+            <a:endParaRPr lang="en-US" dirty="0"/>
           </a:p>
         </p:txBody>
       </p:sp>
       <p:pic>
         <p:nvPicPr>
-          <p:cNvPr id="5" name="Picture 4"/>
+          <p:cNvPr id="6" name="Picture 5"/>
           <p:cNvPicPr>
             <a:picLocks noChangeAspect="1"/>
           </p:cNvPicPr>
           <p:nvPr/>
         </p:nvPicPr>
-        <p:blipFill>
-          <a:blip r:embed="rId2" cstate="email">
+        <p:blipFill rotWithShape="1">
+          <a:blip r:embed="rId3">
             <a:extLst>
               <a:ext uri="{28A0092B-C50C-407E-A947-70E740481C1C}">
                 <a14:useLocalDpi xmlns:a14="http://schemas.microsoft.com/office/drawing/2010/main" val="0"/>
               </a:ext>
             </a:extLst>
           </a:blip>
-          <a:stretch>
-            <a:fillRect/>
-          </a:stretch>
+          <a:srcRect l="4523" t="17619" r="3095" b="25000"/>
+          <a:stretch/>
         </p:blipFill>
         <p:spPr>
           <a:xfrm>
-            <a:off x="7979057" y="5342443"/>
-            <a:ext cx="836675" cy="836675"/>
+            <a:off x="3459013" y="4560129"/>
+            <a:ext cx="2225974" cy="1382629"/>
           </a:xfrm>
           <a:prstGeom prst="rect">
             <a:avLst/>
@@ -5525,33 +5298,9 @@
           <a:lstStyle/>
           <a:p>
             <a:r>
-              <a:rPr lang="en-US" smtClean="0"/>
-              <a:t>© 2015 EV3Lessons.com, Last edit 11/12/2015</a:t>
-            </a:r>
-            <a:endParaRPr lang="en-US" dirty="0"/>
-          </a:p>
-        </p:txBody>
-      </p:sp>
-      <p:sp>
-        <p:nvSpPr>
-          <p:cNvPr id="6" name="Slide Number Placeholder 5"/>
-          <p:cNvSpPr>
-            <a:spLocks noGrp="1"/>
-          </p:cNvSpPr>
-          <p:nvPr>
-            <p:ph type="sldNum" sz="quarter" idx="12"/>
-          </p:nvPr>
-        </p:nvSpPr>
-        <p:spPr/>
-        <p:txBody>
-          <a:bodyPr/>
-          <a:lstStyle/>
-          <a:p>
-            <a:fld id="{D57F1E4F-1CFF-5643-939E-217C01CDF565}" type="slidenum">
-              <a:rPr lang="en-US" smtClean="0"/>
-              <a:pPr/>
-              <a:t>10</a:t>
-            </a:fld>
+              <a:rPr lang="sk-SK" smtClean="0"/>
+              <a:t>© 2016 EV3Lessons.com, Last edit 7/18/2016</a:t>
+            </a:r>
             <a:endParaRPr lang="en-US" dirty="0"/>
           </a:p>
         </p:txBody>
@@ -5770,32 +5519,9 @@
           <a:lstStyle/>
           <a:p>
             <a:r>
-              <a:rPr lang="en-US" smtClean="0"/>
-              <a:t>© 2015 EV3Lessons.com, Last edit 11/12/2015</a:t>
-            </a:r>
-            <a:endParaRPr lang="en-US"/>
-          </a:p>
-        </p:txBody>
-      </p:sp>
-      <p:sp>
-        <p:nvSpPr>
-          <p:cNvPr id="5" name="Slide Number Placeholder 4"/>
-          <p:cNvSpPr>
-            <a:spLocks noGrp="1"/>
-          </p:cNvSpPr>
-          <p:nvPr>
-            <p:ph type="sldNum" sz="quarter" idx="12"/>
-          </p:nvPr>
-        </p:nvSpPr>
-        <p:spPr/>
-        <p:txBody>
-          <a:bodyPr/>
-          <a:lstStyle/>
-          <a:p>
-            <a:fld id="{4382A7F7-08BF-4252-8141-63FB96055BBB}" type="slidenum">
-              <a:rPr lang="en-US" smtClean="0"/>
-              <a:t>11</a:t>
-            </a:fld>
+              <a:rPr lang="sk-SK" smtClean="0"/>
+              <a:t>© 2016 EV3Lessons.com, Last edit 7/18/2016</a:t>
+            </a:r>
             <a:endParaRPr lang="en-US"/>
           </a:p>
         </p:txBody>
@@ -5903,32 +5629,9 @@
           <a:lstStyle/>
           <a:p>
             <a:r>
-              <a:rPr lang="en-US" smtClean="0"/>
-              <a:t>© 2015 EV3Lessons.com, Last edit 11/12/2015</a:t>
-            </a:r>
-            <a:endParaRPr lang="en-US"/>
-          </a:p>
-        </p:txBody>
-      </p:sp>
-      <p:sp>
-        <p:nvSpPr>
-          <p:cNvPr id="5" name="Slide Number Placeholder 4"/>
-          <p:cNvSpPr>
-            <a:spLocks noGrp="1"/>
-          </p:cNvSpPr>
-          <p:nvPr>
-            <p:ph type="sldNum" sz="quarter" idx="12"/>
-          </p:nvPr>
-        </p:nvSpPr>
-        <p:spPr/>
-        <p:txBody>
-          <a:bodyPr/>
-          <a:lstStyle/>
-          <a:p>
-            <a:fld id="{4382A7F7-08BF-4252-8141-63FB96055BBB}" type="slidenum">
-              <a:rPr lang="en-US" smtClean="0"/>
-              <a:t>12</a:t>
-            </a:fld>
+              <a:rPr lang="sk-SK" smtClean="0"/>
+              <a:t>© 2016 EV3Lessons.com, Last edit 7/18/2016</a:t>
+            </a:r>
             <a:endParaRPr lang="en-US"/>
           </a:p>
         </p:txBody>
@@ -6010,31 +5713,71 @@
           <a:p>
             <a:pPr lvl="1"/>
             <a:r>
-              <a:rPr lang="en-US" smtClean="0"/>
-              <a:t>This tutorial was created by Mesa Robles Robotworks (</a:t>
-            </a:r>
-            <a:r>
-              <a:rPr lang="en-US" smtClean="0">
+              <a:rPr lang="en-US" dirty="0" smtClean="0"/>
+              <a:t>This </a:t>
+            </a:r>
+            <a:r>
+              <a:rPr lang="en-US" dirty="0" smtClean="0"/>
+              <a:t>code for this tutorial</a:t>
+            </a:r>
+            <a:r>
+              <a:rPr lang="en-US" dirty="0" smtClean="0"/>
+              <a:t> </a:t>
+            </a:r>
+            <a:r>
+              <a:rPr lang="en-US" dirty="0" smtClean="0"/>
+              <a:t>was created by Mesa Robles </a:t>
+            </a:r>
+            <a:r>
+              <a:rPr lang="en-US" dirty="0" err="1" smtClean="0"/>
+              <a:t>Robotworks</a:t>
+            </a:r>
+            <a:r>
+              <a:rPr lang="en-US" dirty="0" smtClean="0"/>
+              <a:t> (</a:t>
+            </a:r>
+            <a:r>
+              <a:rPr lang="en-US" dirty="0" smtClean="0">
                 <a:hlinkClick r:id="rId3"/>
               </a:rPr>
               <a:t>mesarobotworks@gmail.com</a:t>
             </a:r>
             <a:r>
-              <a:rPr lang="en-US" smtClean="0"/>
+              <a:rPr lang="en-US" dirty="0" smtClean="0"/>
               <a:t>)</a:t>
             </a:r>
           </a:p>
           <a:p>
             <a:pPr lvl="1"/>
             <a:r>
-              <a:rPr lang="en-US" smtClean="0"/>
-              <a:t>Droids Robotics added content to complement the original lesson (team@droidsrobotics.org)</a:t>
+              <a:rPr lang="en-US" dirty="0" smtClean="0"/>
+              <a:t>Sanjay and Arvind </a:t>
+            </a:r>
+            <a:r>
+              <a:rPr lang="en-US" dirty="0" err="1" smtClean="0"/>
+              <a:t>Seshan</a:t>
+            </a:r>
+            <a:r>
+              <a:rPr lang="en-US" dirty="0" smtClean="0"/>
+              <a:t> added content </a:t>
+            </a:r>
+            <a:r>
+              <a:rPr lang="en-US" dirty="0" smtClean="0"/>
+              <a:t>to complement the original lesson (</a:t>
+            </a:r>
+            <a:r>
+              <a:rPr lang="en-US" dirty="0" err="1" smtClean="0"/>
+              <a:t>team@droidsrobotics.org</a:t>
+            </a:r>
+            <a:r>
+              <a:rPr lang="en-US" dirty="0" smtClean="0"/>
+              <a:t>)</a:t>
             </a:r>
           </a:p>
           <a:p>
             <a:pPr lvl="1"/>
             <a:r>
-              <a:rPr lang="en-US" smtClean="0"/>
+              <a:rPr lang="en-US" dirty="0" smtClean="0"/>
               <a:t>More lessons at www.ev3lessons.com</a:t>
             </a:r>
             <a:endParaRPr lang="en-US" dirty="0"/>
@@ -6057,31 +5800,8 @@
           <a:lstStyle/>
           <a:p>
             <a:r>
-              <a:rPr lang="en-US" smtClean="0"/>
-              <a:t>© 2015 EV3Lessons.com, Last edit 11/12/2015</a:t>
-            </a:r>
-            <a:endParaRPr lang="en-US" dirty="0"/>
-          </a:p>
-        </p:txBody>
-      </p:sp>
-      <p:sp>
-        <p:nvSpPr>
-          <p:cNvPr id="7" name="Slide Number Placeholder 6"/>
-          <p:cNvSpPr>
-            <a:spLocks noGrp="1"/>
-          </p:cNvSpPr>
-          <p:nvPr>
-            <p:ph type="sldNum" sz="quarter" idx="12"/>
-          </p:nvPr>
-        </p:nvSpPr>
-        <p:spPr/>
-        <p:txBody>
-          <a:bodyPr/>
-          <a:lstStyle/>
-          <a:p>
-            <a:r>
-              <a:rPr lang="en-US" smtClean="0"/>
-              <a:t>5</a:t>
+              <a:rPr lang="sk-SK" smtClean="0"/>
+              <a:t>© 2016 EV3Lessons.com, Last edit 7/18/2016</a:t>
             </a:r>
             <a:endParaRPr lang="en-US" dirty="0"/>
           </a:p>
@@ -6135,7 +5855,7 @@
           <a:effectLst/>
           <a:extLst>
             <a:ext uri="{91240B29-F687-4f45-9708-019B960494DF}">
-              <a14:hiddenLine xmlns:a14="http://schemas.microsoft.com/office/drawing/2010/main" xmlns="" w="9525">
+              <a14:hiddenLine xmlns="" xmlns:a14="http://schemas.microsoft.com/office/drawing/2010/main" w="9525">
                 <a:solidFill>
                   <a:schemeClr val="tx1"/>
                 </a:solidFill>
@@ -6145,7 +5865,7 @@
               </a14:hiddenLine>
             </a:ext>
             <a:ext uri="{AF507438-7753-43e0-B8FC-AC1667EBCBE1}">
-              <a14:hiddenEffects xmlns:a14="http://schemas.microsoft.com/office/drawing/2010/main" xmlns="">
+              <a14:hiddenEffects xmlns="" xmlns:a14="http://schemas.microsoft.com/office/drawing/2010/main">
                 <a:effectLst>
                   <a:outerShdw dist="35921" dir="2700000" algn="ctr" rotWithShape="0">
                     <a:schemeClr val="bg2"/>
@@ -6498,7 +6218,7 @@
           <a:noFill/>
           <a:extLst>
             <a:ext uri="{909E8E84-426E-40dd-AFC4-6F175D3DCCD1}">
-              <a14:hiddenFill xmlns:a14="http://schemas.microsoft.com/office/drawing/2010/main" xmlns="">
+              <a14:hiddenFill xmlns="" xmlns:a14="http://schemas.microsoft.com/office/drawing/2010/main">
                 <a:solidFill>
                   <a:srgbClr val="FFFFFF"/>
                 </a:solidFill>
@@ -6612,33 +6332,9 @@
           <a:lstStyle/>
           <a:p>
             <a:r>
-              <a:rPr lang="en-US" smtClean="0"/>
-              <a:t>© 2015 EV3Lessons.com, Last edit 11/12/2015</a:t>
-            </a:r>
-            <a:endParaRPr lang="en-US" dirty="0"/>
-          </a:p>
-        </p:txBody>
-      </p:sp>
-      <p:sp>
-        <p:nvSpPr>
-          <p:cNvPr id="6" name="Slide Number Placeholder 5"/>
-          <p:cNvSpPr>
-            <a:spLocks noGrp="1"/>
-          </p:cNvSpPr>
-          <p:nvPr>
-            <p:ph type="sldNum" sz="quarter" idx="12"/>
-          </p:nvPr>
-        </p:nvSpPr>
-        <p:spPr/>
-        <p:txBody>
-          <a:bodyPr/>
-          <a:lstStyle/>
-          <a:p>
-            <a:fld id="{D57F1E4F-1CFF-5643-939E-217C01CDF565}" type="slidenum">
-              <a:rPr lang="en-US" smtClean="0"/>
-              <a:pPr/>
-              <a:t>2</a:t>
-            </a:fld>
+              <a:rPr lang="sk-SK" smtClean="0"/>
+              <a:t>© 2016 EV3Lessons.com, Last edit 7/18/2016</a:t>
+            </a:r>
             <a:endParaRPr lang="en-US" dirty="0"/>
           </a:p>
         </p:txBody>
@@ -6719,33 +6415,9 @@
           <a:lstStyle/>
           <a:p>
             <a:r>
-              <a:rPr lang="en-US" dirty="0" smtClean="0"/>
-              <a:t>© 2015 EV3Lessons.com, Last edit 11/12/2015</a:t>
-            </a:r>
-            <a:endParaRPr lang="en-US" dirty="0"/>
-          </a:p>
-        </p:txBody>
-      </p:sp>
-      <p:sp>
-        <p:nvSpPr>
-          <p:cNvPr id="6" name="Slide Number Placeholder 5"/>
-          <p:cNvSpPr>
-            <a:spLocks noGrp="1"/>
-          </p:cNvSpPr>
-          <p:nvPr>
-            <p:ph type="sldNum" sz="quarter" idx="12"/>
-          </p:nvPr>
-        </p:nvSpPr>
-        <p:spPr/>
-        <p:txBody>
-          <a:bodyPr/>
-          <a:lstStyle/>
-          <a:p>
-            <a:fld id="{D57F1E4F-1CFF-5643-939E-217C01CDF565}" type="slidenum">
-              <a:rPr lang="en-US" smtClean="0"/>
-              <a:pPr/>
-              <a:t>3</a:t>
-            </a:fld>
+              <a:rPr lang="sk-SK" smtClean="0"/>
+              <a:t>© 2016 EV3Lessons.com, Last edit 7/18/2016</a:t>
+            </a:r>
             <a:endParaRPr lang="en-US" dirty="0"/>
           </a:p>
         </p:txBody>
@@ -7065,32 +6737,9 @@
           <a:lstStyle/>
           <a:p>
             <a:r>
-              <a:rPr lang="en-US" smtClean="0"/>
-              <a:t>© 2015 EV3Lessons.com, Last edit 11/12/2015</a:t>
-            </a:r>
-            <a:endParaRPr lang="en-US"/>
-          </a:p>
-        </p:txBody>
-      </p:sp>
-      <p:sp>
-        <p:nvSpPr>
-          <p:cNvPr id="5" name="Slide Number Placeholder 4"/>
-          <p:cNvSpPr>
-            <a:spLocks noGrp="1"/>
-          </p:cNvSpPr>
-          <p:nvPr>
-            <p:ph type="sldNum" sz="quarter" idx="12"/>
-          </p:nvPr>
-        </p:nvSpPr>
-        <p:spPr/>
-        <p:txBody>
-          <a:bodyPr/>
-          <a:lstStyle/>
-          <a:p>
-            <a:fld id="{4382A7F7-08BF-4252-8141-63FB96055BBB}" type="slidenum">
-              <a:rPr lang="en-US" smtClean="0"/>
-              <a:t>4</a:t>
-            </a:fld>
+              <a:rPr lang="sk-SK" smtClean="0"/>
+              <a:t>© 2016 EV3Lessons.com, Last edit 7/18/2016</a:t>
+            </a:r>
             <a:endParaRPr lang="en-US"/>
           </a:p>
         </p:txBody>
@@ -7506,32 +7155,9 @@
           <a:lstStyle/>
           <a:p>
             <a:r>
-              <a:rPr lang="en-US" smtClean="0"/>
-              <a:t>© 2015 EV3Lessons.com, Last edit 11/12/2015</a:t>
-            </a:r>
-            <a:endParaRPr lang="en-US"/>
-          </a:p>
-        </p:txBody>
-      </p:sp>
-      <p:sp>
-        <p:nvSpPr>
-          <p:cNvPr id="5" name="Slide Number Placeholder 4"/>
-          <p:cNvSpPr>
-            <a:spLocks noGrp="1"/>
-          </p:cNvSpPr>
-          <p:nvPr>
-            <p:ph type="sldNum" sz="quarter" idx="12"/>
-          </p:nvPr>
-        </p:nvSpPr>
-        <p:spPr/>
-        <p:txBody>
-          <a:bodyPr/>
-          <a:lstStyle/>
-          <a:p>
-            <a:fld id="{4382A7F7-08BF-4252-8141-63FB96055BBB}" type="slidenum">
-              <a:rPr lang="en-US" smtClean="0"/>
-              <a:t>5</a:t>
-            </a:fld>
+              <a:rPr lang="sk-SK" smtClean="0"/>
+              <a:t>© 2016 EV3Lessons.com, Last edit 7/18/2016</a:t>
+            </a:r>
             <a:endParaRPr lang="en-US"/>
           </a:p>
         </p:txBody>
@@ -7612,33 +7238,9 @@
           <a:lstStyle/>
           <a:p>
             <a:r>
-              <a:rPr lang="en-US" smtClean="0"/>
-              <a:t>© 2015 EV3Lessons.com, Last edit 11/12/2015</a:t>
-            </a:r>
-            <a:endParaRPr lang="en-US" dirty="0"/>
-          </a:p>
-        </p:txBody>
-      </p:sp>
-      <p:sp>
-        <p:nvSpPr>
-          <p:cNvPr id="11" name="Slide Number Placeholder 10"/>
-          <p:cNvSpPr>
-            <a:spLocks noGrp="1"/>
-          </p:cNvSpPr>
-          <p:nvPr>
-            <p:ph type="sldNum" sz="quarter" idx="12"/>
-          </p:nvPr>
-        </p:nvSpPr>
-        <p:spPr/>
-        <p:txBody>
-          <a:bodyPr/>
-          <a:lstStyle/>
-          <a:p>
-            <a:fld id="{D57F1E4F-1CFF-5643-939E-217C01CDF565}" type="slidenum">
-              <a:rPr lang="en-US" smtClean="0"/>
-              <a:pPr/>
-              <a:t>6</a:t>
-            </a:fld>
+              <a:rPr lang="sk-SK" smtClean="0"/>
+              <a:t>© 2016 EV3Lessons.com, Last edit 7/18/2016</a:t>
+            </a:r>
             <a:endParaRPr lang="en-US" dirty="0"/>
           </a:p>
         </p:txBody>
@@ -7807,33 +7409,9 @@
           <a:lstStyle/>
           <a:p>
             <a:r>
-              <a:rPr lang="en-US" smtClean="0"/>
-              <a:t>© 2015 EV3Lessons.com, Last edit 11/12/2015</a:t>
-            </a:r>
-            <a:endParaRPr lang="en-US" dirty="0"/>
-          </a:p>
-        </p:txBody>
-      </p:sp>
-      <p:sp>
-        <p:nvSpPr>
-          <p:cNvPr id="6" name="Slide Number Placeholder 5"/>
-          <p:cNvSpPr>
-            <a:spLocks noGrp="1"/>
-          </p:cNvSpPr>
-          <p:nvPr>
-            <p:ph type="sldNum" sz="quarter" idx="12"/>
-          </p:nvPr>
-        </p:nvSpPr>
-        <p:spPr/>
-        <p:txBody>
-          <a:bodyPr/>
-          <a:lstStyle/>
-          <a:p>
-            <a:fld id="{D57F1E4F-1CFF-5643-939E-217C01CDF565}" type="slidenum">
-              <a:rPr lang="en-US" smtClean="0"/>
-              <a:pPr/>
-              <a:t>7</a:t>
-            </a:fld>
+              <a:rPr lang="sk-SK" smtClean="0"/>
+              <a:t>© 2016 EV3Lessons.com, Last edit 7/18/2016</a:t>
+            </a:r>
             <a:endParaRPr lang="en-US" dirty="0"/>
           </a:p>
         </p:txBody>
@@ -8376,32 +7954,9 @@
           <a:lstStyle/>
           <a:p>
             <a:r>
-              <a:rPr lang="en-US" smtClean="0"/>
-              <a:t>© 2015 EV3Lessons.com, Last edit 11/12/2015</a:t>
-            </a:r>
-            <a:endParaRPr lang="en-US"/>
-          </a:p>
-        </p:txBody>
-      </p:sp>
-      <p:sp>
-        <p:nvSpPr>
-          <p:cNvPr id="5" name="Slide Number Placeholder 4"/>
-          <p:cNvSpPr>
-            <a:spLocks noGrp="1"/>
-          </p:cNvSpPr>
-          <p:nvPr>
-            <p:ph type="sldNum" sz="quarter" idx="12"/>
-          </p:nvPr>
-        </p:nvSpPr>
-        <p:spPr/>
-        <p:txBody>
-          <a:bodyPr/>
-          <a:lstStyle/>
-          <a:p>
-            <a:fld id="{4382A7F7-08BF-4252-8141-63FB96055BBB}" type="slidenum">
-              <a:rPr lang="en-US" smtClean="0"/>
-              <a:t>8</a:t>
-            </a:fld>
+              <a:rPr lang="sk-SK" smtClean="0"/>
+              <a:t>© 2016 EV3Lessons.com, Last edit 7/18/2016</a:t>
+            </a:r>
             <a:endParaRPr lang="en-US"/>
           </a:p>
         </p:txBody>
@@ -8633,33 +8188,9 @@
           <a:lstStyle/>
           <a:p>
             <a:r>
-              <a:rPr lang="en-US" smtClean="0"/>
-              <a:t>© 2015 EV3Lessons.com, Last edit 11/12/2015</a:t>
-            </a:r>
-            <a:endParaRPr lang="en-US" dirty="0"/>
-          </a:p>
-        </p:txBody>
-      </p:sp>
-      <p:sp>
-        <p:nvSpPr>
-          <p:cNvPr id="6" name="Slide Number Placeholder 5"/>
-          <p:cNvSpPr>
-            <a:spLocks noGrp="1"/>
-          </p:cNvSpPr>
-          <p:nvPr>
-            <p:ph type="sldNum" sz="quarter" idx="12"/>
-          </p:nvPr>
-        </p:nvSpPr>
-        <p:spPr/>
-        <p:txBody>
-          <a:bodyPr/>
-          <a:lstStyle/>
-          <a:p>
-            <a:fld id="{D57F1E4F-1CFF-5643-939E-217C01CDF565}" type="slidenum">
-              <a:rPr lang="en-US" smtClean="0"/>
-              <a:pPr/>
-              <a:t>9</a:t>
-            </a:fld>
+              <a:rPr lang="sk-SK" smtClean="0"/>
+              <a:t>© 2016 EV3Lessons.com, Last edit 7/18/2016</a:t>
+            </a:r>
             <a:endParaRPr lang="en-US" dirty="0"/>
           </a:p>
         </p:txBody>
